--- a/Paper/Figures.pptx
+++ b/Paper/Figures.pptx
@@ -6,6 +6,7 @@
   </p:sldMasterIdLst>
   <p:sldIdLst>
     <p:sldId id="257" r:id="rId2"/>
+    <p:sldId id="258" r:id="rId3"/>
   </p:sldIdLst>
   <p:sldSz cx="18288000" cy="18288000"/>
   <p:notesSz cx="6858000" cy="9144000"/>
@@ -104,6 +105,11 @@
       </a:defRPr>
     </a:lvl9pPr>
   </p:defaultTextStyle>
+  <p:extLst>
+    <p:ext uri="{EFAFB233-063F-42B5-8137-9DF3F51BA10A}">
+      <p15:sldGuideLst xmlns:p15="http://schemas.microsoft.com/office/powerpoint/2012/main"/>
+    </p:ext>
+  </p:extLst>
 </p:presentation>
 </file>
 
@@ -238,7 +244,7 @@
           <a:p>
             <a:fld id="{27530B1A-49E1-4C40-9321-E95425B2047F}" type="datetimeFigureOut">
               <a:rPr lang="en-US" smtClean="0"/>
-              <a:t>8/3/2022</a:t>
+              <a:t>9/16/2022</a:t>
             </a:fld>
             <a:endParaRPr lang="en-US"/>
           </a:p>
@@ -408,7 +414,7 @@
           <a:p>
             <a:fld id="{27530B1A-49E1-4C40-9321-E95425B2047F}" type="datetimeFigureOut">
               <a:rPr lang="en-US" smtClean="0"/>
-              <a:t>8/3/2022</a:t>
+              <a:t>9/16/2022</a:t>
             </a:fld>
             <a:endParaRPr lang="en-US"/>
           </a:p>
@@ -588,7 +594,7 @@
           <a:p>
             <a:fld id="{27530B1A-49E1-4C40-9321-E95425B2047F}" type="datetimeFigureOut">
               <a:rPr lang="en-US" smtClean="0"/>
-              <a:t>8/3/2022</a:t>
+              <a:t>9/16/2022</a:t>
             </a:fld>
             <a:endParaRPr lang="en-US"/>
           </a:p>
@@ -758,7 +764,7 @@
           <a:p>
             <a:fld id="{27530B1A-49E1-4C40-9321-E95425B2047F}" type="datetimeFigureOut">
               <a:rPr lang="en-US" smtClean="0"/>
-              <a:t>8/3/2022</a:t>
+              <a:t>9/16/2022</a:t>
             </a:fld>
             <a:endParaRPr lang="en-US"/>
           </a:p>
@@ -1002,7 +1008,7 @@
           <a:p>
             <a:fld id="{27530B1A-49E1-4C40-9321-E95425B2047F}" type="datetimeFigureOut">
               <a:rPr lang="en-US" smtClean="0"/>
-              <a:t>8/3/2022</a:t>
+              <a:t>9/16/2022</a:t>
             </a:fld>
             <a:endParaRPr lang="en-US"/>
           </a:p>
@@ -1234,7 +1240,7 @@
           <a:p>
             <a:fld id="{27530B1A-49E1-4C40-9321-E95425B2047F}" type="datetimeFigureOut">
               <a:rPr lang="en-US" smtClean="0"/>
-              <a:t>8/3/2022</a:t>
+              <a:t>9/16/2022</a:t>
             </a:fld>
             <a:endParaRPr lang="en-US"/>
           </a:p>
@@ -1601,7 +1607,7 @@
           <a:p>
             <a:fld id="{27530B1A-49E1-4C40-9321-E95425B2047F}" type="datetimeFigureOut">
               <a:rPr lang="en-US" smtClean="0"/>
-              <a:t>8/3/2022</a:t>
+              <a:t>9/16/2022</a:t>
             </a:fld>
             <a:endParaRPr lang="en-US"/>
           </a:p>
@@ -1719,7 +1725,7 @@
           <a:p>
             <a:fld id="{27530B1A-49E1-4C40-9321-E95425B2047F}" type="datetimeFigureOut">
               <a:rPr lang="en-US" smtClean="0"/>
-              <a:t>8/3/2022</a:t>
+              <a:t>9/16/2022</a:t>
             </a:fld>
             <a:endParaRPr lang="en-US"/>
           </a:p>
@@ -1814,7 +1820,7 @@
           <a:p>
             <a:fld id="{27530B1A-49E1-4C40-9321-E95425B2047F}" type="datetimeFigureOut">
               <a:rPr lang="en-US" smtClean="0"/>
-              <a:t>8/3/2022</a:t>
+              <a:t>9/16/2022</a:t>
             </a:fld>
             <a:endParaRPr lang="en-US"/>
           </a:p>
@@ -2091,7 +2097,7 @@
           <a:p>
             <a:fld id="{27530B1A-49E1-4C40-9321-E95425B2047F}" type="datetimeFigureOut">
               <a:rPr lang="en-US" smtClean="0"/>
-              <a:t>8/3/2022</a:t>
+              <a:t>9/16/2022</a:t>
             </a:fld>
             <a:endParaRPr lang="en-US"/>
           </a:p>
@@ -2348,7 +2354,7 @@
           <a:p>
             <a:fld id="{27530B1A-49E1-4C40-9321-E95425B2047F}" type="datetimeFigureOut">
               <a:rPr lang="en-US" smtClean="0"/>
-              <a:t>8/3/2022</a:t>
+              <a:t>9/16/2022</a:t>
             </a:fld>
             <a:endParaRPr lang="en-US"/>
           </a:p>
@@ -2561,7 +2567,7 @@
           <a:p>
             <a:fld id="{27530B1A-49E1-4C40-9321-E95425B2047F}" type="datetimeFigureOut">
               <a:rPr lang="en-US" smtClean="0"/>
-              <a:t>8/3/2022</a:t>
+              <a:t>9/16/2022</a:t>
             </a:fld>
             <a:endParaRPr lang="en-US"/>
           </a:p>
@@ -3548,6 +3554,156 @@
 </p:sld>
 </file>
 
+<file path=ppt/slides/slide2.xml><?xml version="1.0" encoding="utf-8"?>
+<p:sld xmlns:a="http://schemas.openxmlformats.org/drawingml/2006/main" xmlns:r="http://schemas.openxmlformats.org/officeDocument/2006/relationships" xmlns:p="http://schemas.openxmlformats.org/presentationml/2006/main">
+  <p:cSld>
+    <p:spTree>
+      <p:nvGrpSpPr>
+        <p:cNvPr id="1" name=""/>
+        <p:cNvGrpSpPr/>
+        <p:nvPr/>
+      </p:nvGrpSpPr>
+      <p:grpSpPr>
+        <a:xfrm>
+          <a:off x="0" y="0"/>
+          <a:ext cx="0" cy="0"/>
+          <a:chOff x="0" y="0"/>
+          <a:chExt cx="0" cy="0"/>
+        </a:xfrm>
+      </p:grpSpPr>
+      <p:pic>
+        <p:nvPicPr>
+          <p:cNvPr id="7" name="Picture 6">
+            <a:extLst>
+              <a:ext uri="{FF2B5EF4-FFF2-40B4-BE49-F238E27FC236}">
+                <a16:creationId xmlns:a16="http://schemas.microsoft.com/office/drawing/2014/main" id="{09183CD8-AA51-F770-482B-EDCAE9CD97A2}"/>
+              </a:ext>
+            </a:extLst>
+          </p:cNvPr>
+          <p:cNvPicPr>
+            <a:picLocks noChangeAspect="1"/>
+          </p:cNvPicPr>
+          <p:nvPr/>
+        </p:nvPicPr>
+        <p:blipFill>
+          <a:blip r:embed="rId2"/>
+          <a:stretch>
+            <a:fillRect/>
+          </a:stretch>
+        </p:blipFill>
+        <p:spPr>
+          <a:xfrm>
+            <a:off x="506881" y="1828800"/>
+            <a:ext cx="8884662" cy="4498658"/>
+          </a:xfrm>
+          <a:prstGeom prst="rect">
+            <a:avLst/>
+          </a:prstGeom>
+        </p:spPr>
+      </p:pic>
+      <p:pic>
+        <p:nvPicPr>
+          <p:cNvPr id="9" name="Picture 8">
+            <a:extLst>
+              <a:ext uri="{FF2B5EF4-FFF2-40B4-BE49-F238E27FC236}">
+                <a16:creationId xmlns:a16="http://schemas.microsoft.com/office/drawing/2014/main" id="{9C293294-5F82-9399-826D-3378AC683BF9}"/>
+              </a:ext>
+            </a:extLst>
+          </p:cNvPr>
+          <p:cNvPicPr>
+            <a:picLocks noChangeAspect="1"/>
+          </p:cNvPicPr>
+          <p:nvPr/>
+        </p:nvPicPr>
+        <p:blipFill>
+          <a:blip r:embed="rId3"/>
+          <a:stretch>
+            <a:fillRect/>
+          </a:stretch>
+        </p:blipFill>
+        <p:spPr>
+          <a:xfrm>
+            <a:off x="506881" y="7680308"/>
+            <a:ext cx="9391650" cy="6276975"/>
+          </a:xfrm>
+          <a:prstGeom prst="rect">
+            <a:avLst/>
+          </a:prstGeom>
+        </p:spPr>
+      </p:pic>
+      <p:pic>
+        <p:nvPicPr>
+          <p:cNvPr id="13" name="Picture 12">
+            <a:extLst>
+              <a:ext uri="{FF2B5EF4-FFF2-40B4-BE49-F238E27FC236}">
+                <a16:creationId xmlns:a16="http://schemas.microsoft.com/office/drawing/2014/main" id="{8118D497-5BA5-DCE0-D205-8ACDB5820F69}"/>
+              </a:ext>
+            </a:extLst>
+          </p:cNvPr>
+          <p:cNvPicPr>
+            <a:picLocks noChangeAspect="1"/>
+          </p:cNvPicPr>
+          <p:nvPr/>
+        </p:nvPicPr>
+        <p:blipFill>
+          <a:blip r:embed="rId4"/>
+          <a:stretch>
+            <a:fillRect/>
+          </a:stretch>
+        </p:blipFill>
+        <p:spPr>
+          <a:xfrm>
+            <a:off x="9985558" y="11453712"/>
+            <a:ext cx="7191375" cy="2676525"/>
+          </a:xfrm>
+          <a:prstGeom prst="rect">
+            <a:avLst/>
+          </a:prstGeom>
+        </p:spPr>
+      </p:pic>
+      <p:pic>
+        <p:nvPicPr>
+          <p:cNvPr id="15" name="Picture 14">
+            <a:extLst>
+              <a:ext uri="{FF2B5EF4-FFF2-40B4-BE49-F238E27FC236}">
+                <a16:creationId xmlns:a16="http://schemas.microsoft.com/office/drawing/2014/main" id="{8D19939E-FC90-3608-08FE-33E61AD4F571}"/>
+              </a:ext>
+            </a:extLst>
+          </p:cNvPr>
+          <p:cNvPicPr>
+            <a:picLocks noChangeAspect="1"/>
+          </p:cNvPicPr>
+          <p:nvPr/>
+        </p:nvPicPr>
+        <p:blipFill>
+          <a:blip r:embed="rId5"/>
+          <a:stretch>
+            <a:fillRect/>
+          </a:stretch>
+        </p:blipFill>
+        <p:spPr>
+          <a:xfrm>
+            <a:off x="9716051" y="7680308"/>
+            <a:ext cx="7191375" cy="3600450"/>
+          </a:xfrm>
+          <a:prstGeom prst="rect">
+            <a:avLst/>
+          </a:prstGeom>
+        </p:spPr>
+      </p:pic>
+    </p:spTree>
+    <p:extLst>
+      <p:ext uri="{BB962C8B-B14F-4D97-AF65-F5344CB8AC3E}">
+        <p14:creationId xmlns:p14="http://schemas.microsoft.com/office/powerpoint/2010/main" val="3279771639"/>
+      </p:ext>
+    </p:extLst>
+  </p:cSld>
+  <p:clrMapOvr>
+    <a:masterClrMapping/>
+  </p:clrMapOvr>
+</p:sld>
+</file>
+
 <file path=ppt/theme/theme1.xml><?xml version="1.0" encoding="utf-8"?>
 <a:theme xmlns:a="http://schemas.openxmlformats.org/drawingml/2006/main" name="Office Theme">
   <a:themeElements>

--- a/Paper/Figures.pptx
+++ b/Paper/Figures.pptx
@@ -244,7 +244,7 @@
           <a:p>
             <a:fld id="{27530B1A-49E1-4C40-9321-E95425B2047F}" type="datetimeFigureOut">
               <a:rPr lang="en-US" smtClean="0"/>
-              <a:t>9/16/2022</a:t>
+              <a:t>1/31/2023</a:t>
             </a:fld>
             <a:endParaRPr lang="en-US"/>
           </a:p>
@@ -414,7 +414,7 @@
           <a:p>
             <a:fld id="{27530B1A-49E1-4C40-9321-E95425B2047F}" type="datetimeFigureOut">
               <a:rPr lang="en-US" smtClean="0"/>
-              <a:t>9/16/2022</a:t>
+              <a:t>1/31/2023</a:t>
             </a:fld>
             <a:endParaRPr lang="en-US"/>
           </a:p>
@@ -594,7 +594,7 @@
           <a:p>
             <a:fld id="{27530B1A-49E1-4C40-9321-E95425B2047F}" type="datetimeFigureOut">
               <a:rPr lang="en-US" smtClean="0"/>
-              <a:t>9/16/2022</a:t>
+              <a:t>1/31/2023</a:t>
             </a:fld>
             <a:endParaRPr lang="en-US"/>
           </a:p>
@@ -764,7 +764,7 @@
           <a:p>
             <a:fld id="{27530B1A-49E1-4C40-9321-E95425B2047F}" type="datetimeFigureOut">
               <a:rPr lang="en-US" smtClean="0"/>
-              <a:t>9/16/2022</a:t>
+              <a:t>1/31/2023</a:t>
             </a:fld>
             <a:endParaRPr lang="en-US"/>
           </a:p>
@@ -1008,7 +1008,7 @@
           <a:p>
             <a:fld id="{27530B1A-49E1-4C40-9321-E95425B2047F}" type="datetimeFigureOut">
               <a:rPr lang="en-US" smtClean="0"/>
-              <a:t>9/16/2022</a:t>
+              <a:t>1/31/2023</a:t>
             </a:fld>
             <a:endParaRPr lang="en-US"/>
           </a:p>
@@ -1240,7 +1240,7 @@
           <a:p>
             <a:fld id="{27530B1A-49E1-4C40-9321-E95425B2047F}" type="datetimeFigureOut">
               <a:rPr lang="en-US" smtClean="0"/>
-              <a:t>9/16/2022</a:t>
+              <a:t>1/31/2023</a:t>
             </a:fld>
             <a:endParaRPr lang="en-US"/>
           </a:p>
@@ -1607,7 +1607,7 @@
           <a:p>
             <a:fld id="{27530B1A-49E1-4C40-9321-E95425B2047F}" type="datetimeFigureOut">
               <a:rPr lang="en-US" smtClean="0"/>
-              <a:t>9/16/2022</a:t>
+              <a:t>1/31/2023</a:t>
             </a:fld>
             <a:endParaRPr lang="en-US"/>
           </a:p>
@@ -1725,7 +1725,7 @@
           <a:p>
             <a:fld id="{27530B1A-49E1-4C40-9321-E95425B2047F}" type="datetimeFigureOut">
               <a:rPr lang="en-US" smtClean="0"/>
-              <a:t>9/16/2022</a:t>
+              <a:t>1/31/2023</a:t>
             </a:fld>
             <a:endParaRPr lang="en-US"/>
           </a:p>
@@ -1820,7 +1820,7 @@
           <a:p>
             <a:fld id="{27530B1A-49E1-4C40-9321-E95425B2047F}" type="datetimeFigureOut">
               <a:rPr lang="en-US" smtClean="0"/>
-              <a:t>9/16/2022</a:t>
+              <a:t>1/31/2023</a:t>
             </a:fld>
             <a:endParaRPr lang="en-US"/>
           </a:p>
@@ -2097,7 +2097,7 @@
           <a:p>
             <a:fld id="{27530B1A-49E1-4C40-9321-E95425B2047F}" type="datetimeFigureOut">
               <a:rPr lang="en-US" smtClean="0"/>
-              <a:t>9/16/2022</a:t>
+              <a:t>1/31/2023</a:t>
             </a:fld>
             <a:endParaRPr lang="en-US"/>
           </a:p>
@@ -2354,7 +2354,7 @@
           <a:p>
             <a:fld id="{27530B1A-49E1-4C40-9321-E95425B2047F}" type="datetimeFigureOut">
               <a:rPr lang="en-US" smtClean="0"/>
-              <a:t>9/16/2022</a:t>
+              <a:t>1/31/2023</a:t>
             </a:fld>
             <a:endParaRPr lang="en-US"/>
           </a:p>
@@ -2567,7 +2567,7 @@
           <a:p>
             <a:fld id="{27530B1A-49E1-4C40-9321-E95425B2047F}" type="datetimeFigureOut">
               <a:rPr lang="en-US" smtClean="0"/>
-              <a:t>9/16/2022</a:t>
+              <a:t>1/31/2023</a:t>
             </a:fld>
             <a:endParaRPr lang="en-US"/>
           </a:p>
@@ -2992,36 +2992,6 @@
             <a:chExt cx="16362904" cy="12516876"/>
           </a:xfrm>
         </p:grpSpPr>
-        <p:pic>
-          <p:nvPicPr>
-            <p:cNvPr id="4" name="Picture 3" descr="Graphical user interface&#10;&#10;Description automatically generated">
-              <a:extLst>
-                <a:ext uri="{FF2B5EF4-FFF2-40B4-BE49-F238E27FC236}">
-                  <a16:creationId xmlns:a16="http://schemas.microsoft.com/office/drawing/2014/main" id="{7CA98F26-3273-D2F4-C603-A9832F77F561}"/>
-                </a:ext>
-              </a:extLst>
-            </p:cNvPr>
-            <p:cNvPicPr>
-              <a:picLocks noChangeAspect="1"/>
-            </p:cNvPicPr>
-            <p:nvPr/>
-          </p:nvPicPr>
-          <p:blipFill>
-            <a:blip r:embed="rId2"/>
-            <a:stretch>
-              <a:fillRect/>
-            </a:stretch>
-          </p:blipFill>
-          <p:spPr>
-            <a:xfrm>
-              <a:off x="904253" y="4461389"/>
-              <a:ext cx="6300788" cy="3854768"/>
-            </a:xfrm>
-            <a:prstGeom prst="rect">
-              <a:avLst/>
-            </a:prstGeom>
-          </p:spPr>
-        </p:pic>
         <p:sp>
           <p:nvSpPr>
             <p:cNvPr id="5" name="TextBox 4">
@@ -3072,7 +3042,7 @@
             <p:nvPr/>
           </p:nvPicPr>
           <p:blipFill>
-            <a:blip r:embed="rId3"/>
+            <a:blip r:embed="rId2"/>
             <a:stretch>
               <a:fillRect/>
             </a:stretch>
@@ -3277,7 +3247,7 @@
             <p:nvPr/>
           </p:nvPicPr>
           <p:blipFill>
-            <a:blip r:embed="rId4"/>
+            <a:blip r:embed="rId3"/>
             <a:stretch>
               <a:fillRect/>
             </a:stretch>
@@ -3307,7 +3277,7 @@
             <p:nvPr/>
           </p:nvPicPr>
           <p:blipFill rotWithShape="1">
-            <a:blip r:embed="rId5"/>
+            <a:blip r:embed="rId4"/>
             <a:srcRect r="1065"/>
             <a:stretch/>
           </p:blipFill>
@@ -3336,7 +3306,7 @@
             <p:nvPr/>
           </p:nvPicPr>
           <p:blipFill>
-            <a:blip r:embed="rId6"/>
+            <a:blip r:embed="rId5"/>
             <a:stretch>
               <a:fillRect/>
             </a:stretch>
@@ -3453,7 +3423,7 @@
             <p:nvPr/>
           </p:nvPicPr>
           <p:blipFill>
-            <a:blip r:embed="rId7"/>
+            <a:blip r:embed="rId6"/>
             <a:stretch>
               <a:fillRect/>
             </a:stretch>
@@ -3541,6 +3511,40 @@
           </p:txBody>
         </p:sp>
       </p:grpSp>
+      <p:pic>
+        <p:nvPicPr>
+          <p:cNvPr id="3" name="Picture 2">
+            <a:extLst>
+              <a:ext uri="{FF2B5EF4-FFF2-40B4-BE49-F238E27FC236}">
+                <a16:creationId xmlns:a16="http://schemas.microsoft.com/office/drawing/2014/main" id="{A26F76F2-5A2A-FC9A-0996-8F7B4F96CDF8}"/>
+              </a:ext>
+            </a:extLst>
+          </p:cNvPr>
+          <p:cNvPicPr>
+            <a:picLocks noChangeAspect="1"/>
+          </p:cNvPicPr>
+          <p:nvPr/>
+        </p:nvPicPr>
+        <p:blipFill rotWithShape="1">
+          <a:blip r:embed="rId7"/>
+          <a:srcRect t="1" b="446"/>
+          <a:stretch/>
+        </p:blipFill>
+        <p:spPr>
+          <a:xfrm>
+            <a:off x="1024975" y="4484599"/>
+            <a:ext cx="6050560" cy="4181397"/>
+          </a:xfrm>
+          <a:prstGeom prst="rect">
+            <a:avLst/>
+          </a:prstGeom>
+          <a:ln>
+            <a:solidFill>
+              <a:schemeClr val="tx1"/>
+            </a:solidFill>
+          </a:ln>
+        </p:spPr>
+      </p:pic>
     </p:spTree>
     <p:extLst>
       <p:ext uri="{BB962C8B-B14F-4D97-AF65-F5344CB8AC3E}">

--- a/Paper/Figures.pptx
+++ b/Paper/Figures.pptx
@@ -6,7 +6,8 @@
   </p:sldMasterIdLst>
   <p:sldIdLst>
     <p:sldId id="257" r:id="rId2"/>
-    <p:sldId id="258" r:id="rId3"/>
+    <p:sldId id="259" r:id="rId3"/>
+    <p:sldId id="258" r:id="rId4"/>
   </p:sldIdLst>
   <p:sldSz cx="18288000" cy="18288000"/>
   <p:notesSz cx="6858000" cy="9144000"/>
@@ -244,7 +245,7 @@
           <a:p>
             <a:fld id="{27530B1A-49E1-4C40-9321-E95425B2047F}" type="datetimeFigureOut">
               <a:rPr lang="en-US" smtClean="0"/>
-              <a:t>1/31/2023</a:t>
+              <a:t>2/1/2023</a:t>
             </a:fld>
             <a:endParaRPr lang="en-US"/>
           </a:p>
@@ -414,7 +415,7 @@
           <a:p>
             <a:fld id="{27530B1A-49E1-4C40-9321-E95425B2047F}" type="datetimeFigureOut">
               <a:rPr lang="en-US" smtClean="0"/>
-              <a:t>1/31/2023</a:t>
+              <a:t>2/1/2023</a:t>
             </a:fld>
             <a:endParaRPr lang="en-US"/>
           </a:p>
@@ -594,7 +595,7 @@
           <a:p>
             <a:fld id="{27530B1A-49E1-4C40-9321-E95425B2047F}" type="datetimeFigureOut">
               <a:rPr lang="en-US" smtClean="0"/>
-              <a:t>1/31/2023</a:t>
+              <a:t>2/1/2023</a:t>
             </a:fld>
             <a:endParaRPr lang="en-US"/>
           </a:p>
@@ -764,7 +765,7 @@
           <a:p>
             <a:fld id="{27530B1A-49E1-4C40-9321-E95425B2047F}" type="datetimeFigureOut">
               <a:rPr lang="en-US" smtClean="0"/>
-              <a:t>1/31/2023</a:t>
+              <a:t>2/1/2023</a:t>
             </a:fld>
             <a:endParaRPr lang="en-US"/>
           </a:p>
@@ -1008,7 +1009,7 @@
           <a:p>
             <a:fld id="{27530B1A-49E1-4C40-9321-E95425B2047F}" type="datetimeFigureOut">
               <a:rPr lang="en-US" smtClean="0"/>
-              <a:t>1/31/2023</a:t>
+              <a:t>2/1/2023</a:t>
             </a:fld>
             <a:endParaRPr lang="en-US"/>
           </a:p>
@@ -1240,7 +1241,7 @@
           <a:p>
             <a:fld id="{27530B1A-49E1-4C40-9321-E95425B2047F}" type="datetimeFigureOut">
               <a:rPr lang="en-US" smtClean="0"/>
-              <a:t>1/31/2023</a:t>
+              <a:t>2/1/2023</a:t>
             </a:fld>
             <a:endParaRPr lang="en-US"/>
           </a:p>
@@ -1607,7 +1608,7 @@
           <a:p>
             <a:fld id="{27530B1A-49E1-4C40-9321-E95425B2047F}" type="datetimeFigureOut">
               <a:rPr lang="en-US" smtClean="0"/>
-              <a:t>1/31/2023</a:t>
+              <a:t>2/1/2023</a:t>
             </a:fld>
             <a:endParaRPr lang="en-US"/>
           </a:p>
@@ -1725,7 +1726,7 @@
           <a:p>
             <a:fld id="{27530B1A-49E1-4C40-9321-E95425B2047F}" type="datetimeFigureOut">
               <a:rPr lang="en-US" smtClean="0"/>
-              <a:t>1/31/2023</a:t>
+              <a:t>2/1/2023</a:t>
             </a:fld>
             <a:endParaRPr lang="en-US"/>
           </a:p>
@@ -1820,7 +1821,7 @@
           <a:p>
             <a:fld id="{27530B1A-49E1-4C40-9321-E95425B2047F}" type="datetimeFigureOut">
               <a:rPr lang="en-US" smtClean="0"/>
-              <a:t>1/31/2023</a:t>
+              <a:t>2/1/2023</a:t>
             </a:fld>
             <a:endParaRPr lang="en-US"/>
           </a:p>
@@ -2097,7 +2098,7 @@
           <a:p>
             <a:fld id="{27530B1A-49E1-4C40-9321-E95425B2047F}" type="datetimeFigureOut">
               <a:rPr lang="en-US" smtClean="0"/>
-              <a:t>1/31/2023</a:t>
+              <a:t>2/1/2023</a:t>
             </a:fld>
             <a:endParaRPr lang="en-US"/>
           </a:p>
@@ -2354,7 +2355,7 @@
           <a:p>
             <a:fld id="{27530B1A-49E1-4C40-9321-E95425B2047F}" type="datetimeFigureOut">
               <a:rPr lang="en-US" smtClean="0"/>
-              <a:t>1/31/2023</a:t>
+              <a:t>2/1/2023</a:t>
             </a:fld>
             <a:endParaRPr lang="en-US"/>
           </a:p>
@@ -2567,7 +2568,7 @@
           <a:p>
             <a:fld id="{27530B1A-49E1-4C40-9321-E95425B2047F}" type="datetimeFigureOut">
               <a:rPr lang="en-US" smtClean="0"/>
-              <a:t>1/31/2023</a:t>
+              <a:t>2/1/2023</a:t>
             </a:fld>
             <a:endParaRPr lang="en-US"/>
           </a:p>
@@ -3577,6 +3578,136 @@
       </p:grpSpPr>
       <p:pic>
         <p:nvPicPr>
+          <p:cNvPr id="4" name="Picture 3">
+            <a:extLst>
+              <a:ext uri="{FF2B5EF4-FFF2-40B4-BE49-F238E27FC236}">
+                <a16:creationId xmlns:a16="http://schemas.microsoft.com/office/drawing/2014/main" id="{5CC70042-0D2B-1A2A-6403-CBA804B67E55}"/>
+              </a:ext>
+            </a:extLst>
+          </p:cNvPr>
+          <p:cNvPicPr>
+            <a:picLocks noChangeAspect="1"/>
+          </p:cNvPicPr>
+          <p:nvPr/>
+        </p:nvPicPr>
+        <p:blipFill>
+          <a:blip r:embed="rId2"/>
+          <a:stretch>
+            <a:fillRect/>
+          </a:stretch>
+        </p:blipFill>
+        <p:spPr>
+          <a:xfrm>
+            <a:off x="2972370" y="1137424"/>
+            <a:ext cx="8639175" cy="2990850"/>
+          </a:xfrm>
+          <a:prstGeom prst="rect">
+            <a:avLst/>
+          </a:prstGeom>
+        </p:spPr>
+      </p:pic>
+      <p:pic>
+        <p:nvPicPr>
+          <p:cNvPr id="6" name="Picture 5">
+            <a:extLst>
+              <a:ext uri="{FF2B5EF4-FFF2-40B4-BE49-F238E27FC236}">
+                <a16:creationId xmlns:a16="http://schemas.microsoft.com/office/drawing/2014/main" id="{00549B6A-08DE-9906-A9E9-D8A99B639894}"/>
+              </a:ext>
+            </a:extLst>
+          </p:cNvPr>
+          <p:cNvPicPr>
+            <a:picLocks noChangeAspect="1"/>
+          </p:cNvPicPr>
+          <p:nvPr/>
+        </p:nvPicPr>
+        <p:blipFill>
+          <a:blip r:embed="rId3"/>
+          <a:stretch>
+            <a:fillRect/>
+          </a:stretch>
+        </p:blipFill>
+        <p:spPr>
+          <a:xfrm>
+            <a:off x="2972370" y="4472801"/>
+            <a:ext cx="7239000" cy="3409950"/>
+          </a:xfrm>
+          <a:prstGeom prst="rect">
+            <a:avLst/>
+          </a:prstGeom>
+          <a:ln>
+            <a:solidFill>
+              <a:schemeClr val="tx1"/>
+            </a:solidFill>
+          </a:ln>
+        </p:spPr>
+      </p:pic>
+      <p:pic>
+        <p:nvPicPr>
+          <p:cNvPr id="8" name="Picture 7">
+            <a:extLst>
+              <a:ext uri="{FF2B5EF4-FFF2-40B4-BE49-F238E27FC236}">
+                <a16:creationId xmlns:a16="http://schemas.microsoft.com/office/drawing/2014/main" id="{6B6E19FD-3439-FF40-2D17-E73D8851FFE1}"/>
+              </a:ext>
+            </a:extLst>
+          </p:cNvPr>
+          <p:cNvPicPr>
+            <a:picLocks noChangeAspect="1"/>
+          </p:cNvPicPr>
+          <p:nvPr/>
+        </p:nvPicPr>
+        <p:blipFill>
+          <a:blip r:embed="rId4"/>
+          <a:stretch>
+            <a:fillRect/>
+          </a:stretch>
+        </p:blipFill>
+        <p:spPr>
+          <a:xfrm>
+            <a:off x="2972370" y="11012991"/>
+            <a:ext cx="11363325" cy="4781550"/>
+          </a:xfrm>
+          <a:prstGeom prst="rect">
+            <a:avLst/>
+          </a:prstGeom>
+          <a:ln>
+            <a:solidFill>
+              <a:schemeClr val="tx1"/>
+            </a:solidFill>
+          </a:ln>
+        </p:spPr>
+      </p:pic>
+    </p:spTree>
+    <p:extLst>
+      <p:ext uri="{BB962C8B-B14F-4D97-AF65-F5344CB8AC3E}">
+        <p14:creationId xmlns:p14="http://schemas.microsoft.com/office/powerpoint/2010/main" val="3486504685"/>
+      </p:ext>
+    </p:extLst>
+  </p:cSld>
+  <p:clrMapOvr>
+    <a:masterClrMapping/>
+  </p:clrMapOvr>
+</p:sld>
+</file>
+
+<file path=ppt/slides/slide3.xml><?xml version="1.0" encoding="utf-8"?>
+<p:sld xmlns:a="http://schemas.openxmlformats.org/drawingml/2006/main" xmlns:r="http://schemas.openxmlformats.org/officeDocument/2006/relationships" xmlns:p="http://schemas.openxmlformats.org/presentationml/2006/main">
+  <p:cSld>
+    <p:spTree>
+      <p:nvGrpSpPr>
+        <p:cNvPr id="1" name=""/>
+        <p:cNvGrpSpPr/>
+        <p:nvPr/>
+      </p:nvGrpSpPr>
+      <p:grpSpPr>
+        <a:xfrm>
+          <a:off x="0" y="0"/>
+          <a:ext cx="0" cy="0"/>
+          <a:chOff x="0" y="0"/>
+          <a:chExt cx="0" cy="0"/>
+        </a:xfrm>
+      </p:grpSpPr>
+      <p:pic>
+        <p:nvPicPr>
           <p:cNvPr id="7" name="Picture 6">
             <a:extLst>
               <a:ext uri="{FF2B5EF4-FFF2-40B4-BE49-F238E27FC236}">

--- a/Paper/Figures.pptx
+++ b/Paper/Figures.pptx
@@ -245,7 +245,7 @@
           <a:p>
             <a:fld id="{27530B1A-49E1-4C40-9321-E95425B2047F}" type="datetimeFigureOut">
               <a:rPr lang="en-US" smtClean="0"/>
-              <a:t>2/1/2023</a:t>
+              <a:t>2/2/2023</a:t>
             </a:fld>
             <a:endParaRPr lang="en-US"/>
           </a:p>
@@ -415,7 +415,7 @@
           <a:p>
             <a:fld id="{27530B1A-49E1-4C40-9321-E95425B2047F}" type="datetimeFigureOut">
               <a:rPr lang="en-US" smtClean="0"/>
-              <a:t>2/1/2023</a:t>
+              <a:t>2/2/2023</a:t>
             </a:fld>
             <a:endParaRPr lang="en-US"/>
           </a:p>
@@ -595,7 +595,7 @@
           <a:p>
             <a:fld id="{27530B1A-49E1-4C40-9321-E95425B2047F}" type="datetimeFigureOut">
               <a:rPr lang="en-US" smtClean="0"/>
-              <a:t>2/1/2023</a:t>
+              <a:t>2/2/2023</a:t>
             </a:fld>
             <a:endParaRPr lang="en-US"/>
           </a:p>
@@ -765,7 +765,7 @@
           <a:p>
             <a:fld id="{27530B1A-49E1-4C40-9321-E95425B2047F}" type="datetimeFigureOut">
               <a:rPr lang="en-US" smtClean="0"/>
-              <a:t>2/1/2023</a:t>
+              <a:t>2/2/2023</a:t>
             </a:fld>
             <a:endParaRPr lang="en-US"/>
           </a:p>
@@ -1009,7 +1009,7 @@
           <a:p>
             <a:fld id="{27530B1A-49E1-4C40-9321-E95425B2047F}" type="datetimeFigureOut">
               <a:rPr lang="en-US" smtClean="0"/>
-              <a:t>2/1/2023</a:t>
+              <a:t>2/2/2023</a:t>
             </a:fld>
             <a:endParaRPr lang="en-US"/>
           </a:p>
@@ -1241,7 +1241,7 @@
           <a:p>
             <a:fld id="{27530B1A-49E1-4C40-9321-E95425B2047F}" type="datetimeFigureOut">
               <a:rPr lang="en-US" smtClean="0"/>
-              <a:t>2/1/2023</a:t>
+              <a:t>2/2/2023</a:t>
             </a:fld>
             <a:endParaRPr lang="en-US"/>
           </a:p>
@@ -1608,7 +1608,7 @@
           <a:p>
             <a:fld id="{27530B1A-49E1-4C40-9321-E95425B2047F}" type="datetimeFigureOut">
               <a:rPr lang="en-US" smtClean="0"/>
-              <a:t>2/1/2023</a:t>
+              <a:t>2/2/2023</a:t>
             </a:fld>
             <a:endParaRPr lang="en-US"/>
           </a:p>
@@ -1726,7 +1726,7 @@
           <a:p>
             <a:fld id="{27530B1A-49E1-4C40-9321-E95425B2047F}" type="datetimeFigureOut">
               <a:rPr lang="en-US" smtClean="0"/>
-              <a:t>2/1/2023</a:t>
+              <a:t>2/2/2023</a:t>
             </a:fld>
             <a:endParaRPr lang="en-US"/>
           </a:p>
@@ -1821,7 +1821,7 @@
           <a:p>
             <a:fld id="{27530B1A-49E1-4C40-9321-E95425B2047F}" type="datetimeFigureOut">
               <a:rPr lang="en-US" smtClean="0"/>
-              <a:t>2/1/2023</a:t>
+              <a:t>2/2/2023</a:t>
             </a:fld>
             <a:endParaRPr lang="en-US"/>
           </a:p>
@@ -2098,7 +2098,7 @@
           <a:p>
             <a:fld id="{27530B1A-49E1-4C40-9321-E95425B2047F}" type="datetimeFigureOut">
               <a:rPr lang="en-US" smtClean="0"/>
-              <a:t>2/1/2023</a:t>
+              <a:t>2/2/2023</a:t>
             </a:fld>
             <a:endParaRPr lang="en-US"/>
           </a:p>
@@ -2355,7 +2355,7 @@
           <a:p>
             <a:fld id="{27530B1A-49E1-4C40-9321-E95425B2047F}" type="datetimeFigureOut">
               <a:rPr lang="en-US" smtClean="0"/>
-              <a:t>2/1/2023</a:t>
+              <a:t>2/2/2023</a:t>
             </a:fld>
             <a:endParaRPr lang="en-US"/>
           </a:p>
@@ -2568,7 +2568,7 @@
           <a:p>
             <a:fld id="{27530B1A-49E1-4C40-9321-E95425B2047F}" type="datetimeFigureOut">
               <a:rPr lang="en-US" smtClean="0"/>
-              <a:t>2/1/2023</a:t>
+              <a:t>2/2/2023</a:t>
             </a:fld>
             <a:endParaRPr lang="en-US"/>
           </a:p>
@@ -2975,10 +2975,10 @@
       </p:grpSpPr>
       <p:grpSp>
         <p:nvGrpSpPr>
-          <p:cNvPr id="24" name="Group 23">
+          <p:cNvPr id="31" name="Group 30">
             <a:extLst>
               <a:ext uri="{FF2B5EF4-FFF2-40B4-BE49-F238E27FC236}">
-                <a16:creationId xmlns:a16="http://schemas.microsoft.com/office/drawing/2014/main" id="{D8479642-4F90-07F2-C481-86D719A6ADA7}"/>
+                <a16:creationId xmlns:a16="http://schemas.microsoft.com/office/drawing/2014/main" id="{579EC823-D5C6-EB21-4546-EA8593946B2B}"/>
               </a:ext>
             </a:extLst>
           </p:cNvPr>
@@ -2987,10 +2987,10 @@
         </p:nvGrpSpPr>
         <p:grpSpPr>
           <a:xfrm>
-            <a:off x="291812" y="3950080"/>
-            <a:ext cx="16362904" cy="12516876"/>
-            <a:chOff x="291812" y="3950080"/>
-            <a:chExt cx="16362904" cy="12516876"/>
+            <a:off x="291812" y="3905476"/>
+            <a:ext cx="16362904" cy="12710778"/>
+            <a:chOff x="291812" y="3905476"/>
+            <a:chExt cx="16362904" cy="12710778"/>
           </a:xfrm>
         </p:grpSpPr>
         <p:sp>
@@ -3028,36 +3028,6 @@
             </a:p>
           </p:txBody>
         </p:sp>
-        <p:pic>
-          <p:nvPicPr>
-            <p:cNvPr id="8" name="Picture 7">
-              <a:extLst>
-                <a:ext uri="{FF2B5EF4-FFF2-40B4-BE49-F238E27FC236}">
-                  <a16:creationId xmlns:a16="http://schemas.microsoft.com/office/drawing/2014/main" id="{4218D8EA-7A77-22A8-306A-5C3D83D4A894}"/>
-                </a:ext>
-              </a:extLst>
-            </p:cNvPr>
-            <p:cNvPicPr>
-              <a:picLocks noChangeAspect="1"/>
-            </p:cNvPicPr>
-            <p:nvPr/>
-          </p:nvPicPr>
-          <p:blipFill>
-            <a:blip r:embed="rId2"/>
-            <a:stretch>
-              <a:fillRect/>
-            </a:stretch>
-          </p:blipFill>
-          <p:spPr>
-            <a:xfrm>
-              <a:off x="10363201" y="4461389"/>
-              <a:ext cx="6282074" cy="3854768"/>
-            </a:xfrm>
-            <a:prstGeom prst="rect">
-              <a:avLst/>
-            </a:prstGeom>
-          </p:spPr>
-        </p:pic>
         <p:sp>
           <p:nvSpPr>
             <p:cNvPr id="9" name="Arrow: Right 8">
@@ -3248,7 +3218,7 @@
             <p:nvPr/>
           </p:nvPicPr>
           <p:blipFill>
-            <a:blip r:embed="rId3"/>
+            <a:blip r:embed="rId2"/>
             <a:stretch>
               <a:fillRect/>
             </a:stretch>
@@ -3278,7 +3248,7 @@
             <p:nvPr/>
           </p:nvPicPr>
           <p:blipFill rotWithShape="1">
-            <a:blip r:embed="rId4"/>
+            <a:blip r:embed="rId3"/>
             <a:srcRect r="1065"/>
             <a:stretch/>
           </p:blipFill>
@@ -3286,36 +3256,6 @@
             <a:xfrm>
               <a:off x="10363197" y="8383384"/>
               <a:ext cx="6291519" cy="4063784"/>
-            </a:xfrm>
-            <a:prstGeom prst="rect">
-              <a:avLst/>
-            </a:prstGeom>
-          </p:spPr>
-        </p:pic>
-        <p:pic>
-          <p:nvPicPr>
-            <p:cNvPr id="17" name="Picture 16" descr="Graphical user interface&#10;&#10;Description automatically generated">
-              <a:extLst>
-                <a:ext uri="{FF2B5EF4-FFF2-40B4-BE49-F238E27FC236}">
-                  <a16:creationId xmlns:a16="http://schemas.microsoft.com/office/drawing/2014/main" id="{7E8A177F-BCE3-97AB-2F6F-B9ED68FF4C62}"/>
-                </a:ext>
-              </a:extLst>
-            </p:cNvPr>
-            <p:cNvPicPr>
-              <a:picLocks noChangeAspect="1"/>
-            </p:cNvPicPr>
-            <p:nvPr/>
-          </p:nvPicPr>
-          <p:blipFill>
-            <a:blip r:embed="rId5"/>
-            <a:stretch>
-              <a:fillRect/>
-            </a:stretch>
-          </p:blipFill>
-          <p:spPr>
-            <a:xfrm>
-              <a:off x="898112" y="12636753"/>
-              <a:ext cx="6328456" cy="3830203"/>
             </a:xfrm>
             <a:prstGeom prst="rect">
               <a:avLst/>
@@ -3424,7 +3364,7 @@
             <p:nvPr/>
           </p:nvPicPr>
           <p:blipFill>
-            <a:blip r:embed="rId6"/>
+            <a:blip r:embed="rId4"/>
             <a:stretch>
               <a:fillRect/>
             </a:stretch>
@@ -3437,6 +3377,11 @@
             <a:prstGeom prst="rect">
               <a:avLst/>
             </a:prstGeom>
+            <a:ln>
+              <a:solidFill>
+                <a:schemeClr val="tx1"/>
+              </a:solidFill>
+            </a:ln>
           </p:spPr>
         </p:pic>
         <p:sp>
@@ -3489,7 +3434,7 @@
           </p:nvSpPr>
           <p:spPr>
             <a:xfrm>
-              <a:off x="1186228" y="3950080"/>
+              <a:off x="1186228" y="3905476"/>
               <a:ext cx="5940029" cy="523220"/>
             </a:xfrm>
             <a:prstGeom prst="rect">
@@ -3511,41 +3456,111 @@
             </a:p>
           </p:txBody>
         </p:sp>
+        <p:pic>
+          <p:nvPicPr>
+            <p:cNvPr id="7" name="Picture 6">
+              <a:extLst>
+                <a:ext uri="{FF2B5EF4-FFF2-40B4-BE49-F238E27FC236}">
+                  <a16:creationId xmlns:a16="http://schemas.microsoft.com/office/drawing/2014/main" id="{DAA8A93A-8555-1BA2-0C4A-84895764E17A}"/>
+                </a:ext>
+              </a:extLst>
+            </p:cNvPr>
+            <p:cNvPicPr>
+              <a:picLocks noChangeAspect="1"/>
+            </p:cNvPicPr>
+            <p:nvPr/>
+          </p:nvPicPr>
+          <p:blipFill>
+            <a:blip r:embed="rId5"/>
+            <a:stretch>
+              <a:fillRect/>
+            </a:stretch>
+          </p:blipFill>
+          <p:spPr>
+            <a:xfrm>
+              <a:off x="958068" y="4379797"/>
+              <a:ext cx="6168189" cy="4245725"/>
+            </a:xfrm>
+            <a:prstGeom prst="rect">
+              <a:avLst/>
+            </a:prstGeom>
+            <a:ln>
+              <a:solidFill>
+                <a:schemeClr val="tx1"/>
+              </a:solidFill>
+            </a:ln>
+          </p:spPr>
+        </p:pic>
+        <p:pic>
+          <p:nvPicPr>
+            <p:cNvPr id="11" name="Picture 10">
+              <a:extLst>
+                <a:ext uri="{FF2B5EF4-FFF2-40B4-BE49-F238E27FC236}">
+                  <a16:creationId xmlns:a16="http://schemas.microsoft.com/office/drawing/2014/main" id="{8DEE57A0-0C85-C400-2B8C-0EB77D0ED836}"/>
+                </a:ext>
+              </a:extLst>
+            </p:cNvPr>
+            <p:cNvPicPr>
+              <a:picLocks noChangeAspect="1"/>
+            </p:cNvPicPr>
+            <p:nvPr/>
+          </p:nvPicPr>
+          <p:blipFill rotWithShape="1">
+            <a:blip r:embed="rId6"/>
+            <a:srcRect r="1893" b="2349"/>
+            <a:stretch/>
+          </p:blipFill>
+          <p:spPr>
+            <a:xfrm>
+              <a:off x="10379690" y="4454683"/>
+              <a:ext cx="6265585" cy="3928701"/>
+            </a:xfrm>
+            <a:prstGeom prst="rect">
+              <a:avLst/>
+            </a:prstGeom>
+            <a:ln>
+              <a:solidFill>
+                <a:schemeClr val="tx1"/>
+              </a:solidFill>
+            </a:ln>
+          </p:spPr>
+        </p:pic>
+        <p:pic>
+          <p:nvPicPr>
+            <p:cNvPr id="30" name="Picture 29">
+              <a:extLst>
+                <a:ext uri="{FF2B5EF4-FFF2-40B4-BE49-F238E27FC236}">
+                  <a16:creationId xmlns:a16="http://schemas.microsoft.com/office/drawing/2014/main" id="{558D1EBE-1E2A-AB7E-8121-B5B3C8FDE260}"/>
+                </a:ext>
+              </a:extLst>
+            </p:cNvPr>
+            <p:cNvPicPr>
+              <a:picLocks noChangeAspect="1"/>
+            </p:cNvPicPr>
+            <p:nvPr/>
+          </p:nvPicPr>
+          <p:blipFill>
+            <a:blip r:embed="rId7"/>
+            <a:stretch>
+              <a:fillRect/>
+            </a:stretch>
+          </p:blipFill>
+          <p:spPr>
+            <a:xfrm>
+              <a:off x="958068" y="12722369"/>
+              <a:ext cx="6168189" cy="3893885"/>
+            </a:xfrm>
+            <a:prstGeom prst="rect">
+              <a:avLst/>
+            </a:prstGeom>
+            <a:ln>
+              <a:solidFill>
+                <a:schemeClr val="tx1"/>
+              </a:solidFill>
+            </a:ln>
+          </p:spPr>
+        </p:pic>
       </p:grpSp>
-      <p:pic>
-        <p:nvPicPr>
-          <p:cNvPr id="3" name="Picture 2">
-            <a:extLst>
-              <a:ext uri="{FF2B5EF4-FFF2-40B4-BE49-F238E27FC236}">
-                <a16:creationId xmlns:a16="http://schemas.microsoft.com/office/drawing/2014/main" id="{A26F76F2-5A2A-FC9A-0996-8F7B4F96CDF8}"/>
-              </a:ext>
-            </a:extLst>
-          </p:cNvPr>
-          <p:cNvPicPr>
-            <a:picLocks noChangeAspect="1"/>
-          </p:cNvPicPr>
-          <p:nvPr/>
-        </p:nvPicPr>
-        <p:blipFill rotWithShape="1">
-          <a:blip r:embed="rId7"/>
-          <a:srcRect t="1" b="446"/>
-          <a:stretch/>
-        </p:blipFill>
-        <p:spPr>
-          <a:xfrm>
-            <a:off x="1024975" y="4484599"/>
-            <a:ext cx="6050560" cy="4181397"/>
-          </a:xfrm>
-          <a:prstGeom prst="rect">
-            <a:avLst/>
-          </a:prstGeom>
-          <a:ln>
-            <a:solidFill>
-              <a:schemeClr val="tx1"/>
-            </a:solidFill>
-          </a:ln>
-        </p:spPr>
-      </p:pic>
     </p:spTree>
     <p:extLst>
       <p:ext uri="{BB962C8B-B14F-4D97-AF65-F5344CB8AC3E}">
@@ -3628,7 +3643,7 @@
         </p:blipFill>
         <p:spPr>
           <a:xfrm>
-            <a:off x="2972370" y="4472801"/>
+            <a:off x="2972370" y="6190089"/>
             <a:ext cx="7239000" cy="3409950"/>
           </a:xfrm>
           <a:prstGeom prst="rect">

--- a/Paper/Figures.pptx
+++ b/Paper/Figures.pptx
@@ -6,8 +6,9 @@
   </p:sldMasterIdLst>
   <p:sldIdLst>
     <p:sldId id="257" r:id="rId2"/>
-    <p:sldId id="259" r:id="rId3"/>
-    <p:sldId id="258" r:id="rId4"/>
+    <p:sldId id="260" r:id="rId3"/>
+    <p:sldId id="259" r:id="rId4"/>
+    <p:sldId id="258" r:id="rId5"/>
   </p:sldIdLst>
   <p:sldSz cx="18288000" cy="18288000"/>
   <p:notesSz cx="6858000" cy="9144000"/>
@@ -245,7 +246,7 @@
           <a:p>
             <a:fld id="{27530B1A-49E1-4C40-9321-E95425B2047F}" type="datetimeFigureOut">
               <a:rPr lang="en-US" smtClean="0"/>
-              <a:t>2/2/2023</a:t>
+              <a:t>2/9/2023</a:t>
             </a:fld>
             <a:endParaRPr lang="en-US"/>
           </a:p>
@@ -415,7 +416,7 @@
           <a:p>
             <a:fld id="{27530B1A-49E1-4C40-9321-E95425B2047F}" type="datetimeFigureOut">
               <a:rPr lang="en-US" smtClean="0"/>
-              <a:t>2/2/2023</a:t>
+              <a:t>2/9/2023</a:t>
             </a:fld>
             <a:endParaRPr lang="en-US"/>
           </a:p>
@@ -595,7 +596,7 @@
           <a:p>
             <a:fld id="{27530B1A-49E1-4C40-9321-E95425B2047F}" type="datetimeFigureOut">
               <a:rPr lang="en-US" smtClean="0"/>
-              <a:t>2/2/2023</a:t>
+              <a:t>2/9/2023</a:t>
             </a:fld>
             <a:endParaRPr lang="en-US"/>
           </a:p>
@@ -765,7 +766,7 @@
           <a:p>
             <a:fld id="{27530B1A-49E1-4C40-9321-E95425B2047F}" type="datetimeFigureOut">
               <a:rPr lang="en-US" smtClean="0"/>
-              <a:t>2/2/2023</a:t>
+              <a:t>2/9/2023</a:t>
             </a:fld>
             <a:endParaRPr lang="en-US"/>
           </a:p>
@@ -1009,7 +1010,7 @@
           <a:p>
             <a:fld id="{27530B1A-49E1-4C40-9321-E95425B2047F}" type="datetimeFigureOut">
               <a:rPr lang="en-US" smtClean="0"/>
-              <a:t>2/2/2023</a:t>
+              <a:t>2/9/2023</a:t>
             </a:fld>
             <a:endParaRPr lang="en-US"/>
           </a:p>
@@ -1241,7 +1242,7 @@
           <a:p>
             <a:fld id="{27530B1A-49E1-4C40-9321-E95425B2047F}" type="datetimeFigureOut">
               <a:rPr lang="en-US" smtClean="0"/>
-              <a:t>2/2/2023</a:t>
+              <a:t>2/9/2023</a:t>
             </a:fld>
             <a:endParaRPr lang="en-US"/>
           </a:p>
@@ -1608,7 +1609,7 @@
           <a:p>
             <a:fld id="{27530B1A-49E1-4C40-9321-E95425B2047F}" type="datetimeFigureOut">
               <a:rPr lang="en-US" smtClean="0"/>
-              <a:t>2/2/2023</a:t>
+              <a:t>2/9/2023</a:t>
             </a:fld>
             <a:endParaRPr lang="en-US"/>
           </a:p>
@@ -1726,7 +1727,7 @@
           <a:p>
             <a:fld id="{27530B1A-49E1-4C40-9321-E95425B2047F}" type="datetimeFigureOut">
               <a:rPr lang="en-US" smtClean="0"/>
-              <a:t>2/2/2023</a:t>
+              <a:t>2/9/2023</a:t>
             </a:fld>
             <a:endParaRPr lang="en-US"/>
           </a:p>
@@ -1821,7 +1822,7 @@
           <a:p>
             <a:fld id="{27530B1A-49E1-4C40-9321-E95425B2047F}" type="datetimeFigureOut">
               <a:rPr lang="en-US" smtClean="0"/>
-              <a:t>2/2/2023</a:t>
+              <a:t>2/9/2023</a:t>
             </a:fld>
             <a:endParaRPr lang="en-US"/>
           </a:p>
@@ -2098,7 +2099,7 @@
           <a:p>
             <a:fld id="{27530B1A-49E1-4C40-9321-E95425B2047F}" type="datetimeFigureOut">
               <a:rPr lang="en-US" smtClean="0"/>
-              <a:t>2/2/2023</a:t>
+              <a:t>2/9/2023</a:t>
             </a:fld>
             <a:endParaRPr lang="en-US"/>
           </a:p>
@@ -2355,7 +2356,7 @@
           <a:p>
             <a:fld id="{27530B1A-49E1-4C40-9321-E95425B2047F}" type="datetimeFigureOut">
               <a:rPr lang="en-US" smtClean="0"/>
-              <a:t>2/2/2023</a:t>
+              <a:t>2/9/2023</a:t>
             </a:fld>
             <a:endParaRPr lang="en-US"/>
           </a:p>
@@ -2568,7 +2569,7 @@
           <a:p>
             <a:fld id="{27530B1A-49E1-4C40-9321-E95425B2047F}" type="datetimeFigureOut">
               <a:rPr lang="en-US" smtClean="0"/>
-              <a:t>2/2/2023</a:t>
+              <a:t>2/9/2023</a:t>
             </a:fld>
             <a:endParaRPr lang="en-US"/>
           </a:p>
@@ -3591,6 +3592,222 @@
           <a:chExt cx="0" cy="0"/>
         </a:xfrm>
       </p:grpSpPr>
+      <p:grpSp>
+        <p:nvGrpSpPr>
+          <p:cNvPr id="7" name="Group 6">
+            <a:extLst>
+              <a:ext uri="{FF2B5EF4-FFF2-40B4-BE49-F238E27FC236}">
+                <a16:creationId xmlns:a16="http://schemas.microsoft.com/office/drawing/2014/main" id="{3DB5BFCF-7873-DB89-8197-1E0B435DFA0D}"/>
+              </a:ext>
+            </a:extLst>
+          </p:cNvPr>
+          <p:cNvGrpSpPr/>
+          <p:nvPr/>
+        </p:nvGrpSpPr>
+        <p:grpSpPr>
+          <a:xfrm>
+            <a:off x="422628" y="8561766"/>
+            <a:ext cx="18201023" cy="4063784"/>
+            <a:chOff x="422628" y="8561766"/>
+            <a:chExt cx="18201023" cy="4063784"/>
+          </a:xfrm>
+        </p:grpSpPr>
+        <p:pic>
+          <p:nvPicPr>
+            <p:cNvPr id="4" name="Picture 3" descr="Graphical user interface, text&#10;&#10;Description automatically generated">
+              <a:extLst>
+                <a:ext uri="{FF2B5EF4-FFF2-40B4-BE49-F238E27FC236}">
+                  <a16:creationId xmlns:a16="http://schemas.microsoft.com/office/drawing/2014/main" id="{9FB0CDB6-9242-58E2-1532-155964F67033}"/>
+                </a:ext>
+              </a:extLst>
+            </p:cNvPr>
+            <p:cNvPicPr>
+              <a:picLocks noChangeAspect="1"/>
+            </p:cNvPicPr>
+            <p:nvPr/>
+          </p:nvPicPr>
+          <p:blipFill rotWithShape="1">
+            <a:blip r:embed="rId2"/>
+            <a:srcRect l="1089" t="8859" r="20165" b="73911"/>
+            <a:stretch/>
+          </p:blipFill>
+          <p:spPr>
+            <a:xfrm>
+              <a:off x="6803357" y="8561766"/>
+              <a:ext cx="11820294" cy="1652749"/>
+            </a:xfrm>
+            <a:prstGeom prst="rect">
+              <a:avLst/>
+            </a:prstGeom>
+            <a:ln>
+              <a:solidFill>
+                <a:schemeClr val="tx1"/>
+              </a:solidFill>
+            </a:ln>
+          </p:spPr>
+        </p:pic>
+        <p:pic>
+          <p:nvPicPr>
+            <p:cNvPr id="5" name="Picture 4" descr="Graphical user interface, text&#10;&#10;Description automatically generated">
+              <a:extLst>
+                <a:ext uri="{FF2B5EF4-FFF2-40B4-BE49-F238E27FC236}">
+                  <a16:creationId xmlns:a16="http://schemas.microsoft.com/office/drawing/2014/main" id="{587B44F7-8C2F-7FEA-13E5-3425A4E2DF62}"/>
+                </a:ext>
+              </a:extLst>
+            </p:cNvPr>
+            <p:cNvPicPr>
+              <a:picLocks noChangeAspect="1"/>
+            </p:cNvPicPr>
+            <p:nvPr/>
+          </p:nvPicPr>
+          <p:blipFill rotWithShape="1">
+            <a:blip r:embed="rId2"/>
+            <a:srcRect l="1708" t="51628" r="19546" b="28866"/>
+            <a:stretch/>
+          </p:blipFill>
+          <p:spPr>
+            <a:xfrm>
+              <a:off x="6803357" y="10593658"/>
+              <a:ext cx="11820294" cy="1871037"/>
+            </a:xfrm>
+            <a:prstGeom prst="rect">
+              <a:avLst/>
+            </a:prstGeom>
+            <a:ln>
+              <a:solidFill>
+                <a:schemeClr val="tx1"/>
+              </a:solidFill>
+            </a:ln>
+          </p:spPr>
+        </p:pic>
+        <p:pic>
+          <p:nvPicPr>
+            <p:cNvPr id="6" name="Picture 5" descr="Graphical user interface, text&#10;&#10;Description automatically generated">
+              <a:extLst>
+                <a:ext uri="{FF2B5EF4-FFF2-40B4-BE49-F238E27FC236}">
+                  <a16:creationId xmlns:a16="http://schemas.microsoft.com/office/drawing/2014/main" id="{5702E9D6-80B6-003C-6827-78480BF23552}"/>
+                </a:ext>
+              </a:extLst>
+            </p:cNvPr>
+            <p:cNvPicPr>
+              <a:picLocks noChangeAspect="1"/>
+            </p:cNvPicPr>
+            <p:nvPr/>
+          </p:nvPicPr>
+          <p:blipFill rotWithShape="1">
+            <a:blip r:embed="rId2"/>
+            <a:srcRect r="1065"/>
+            <a:stretch/>
+          </p:blipFill>
+          <p:spPr>
+            <a:xfrm>
+              <a:off x="422628" y="8561766"/>
+              <a:ext cx="6291519" cy="4063784"/>
+            </a:xfrm>
+            <a:prstGeom prst="rect">
+              <a:avLst/>
+            </a:prstGeom>
+          </p:spPr>
+        </p:pic>
+      </p:grpSp>
+      <p:pic>
+        <p:nvPicPr>
+          <p:cNvPr id="8" name="Picture 7">
+            <a:extLst>
+              <a:ext uri="{FF2B5EF4-FFF2-40B4-BE49-F238E27FC236}">
+                <a16:creationId xmlns:a16="http://schemas.microsoft.com/office/drawing/2014/main" id="{7AC40F74-78C4-3BAD-CF5A-4BF58EB5407C}"/>
+              </a:ext>
+            </a:extLst>
+          </p:cNvPr>
+          <p:cNvPicPr>
+            <a:picLocks noChangeAspect="1"/>
+          </p:cNvPicPr>
+          <p:nvPr/>
+        </p:nvPicPr>
+        <p:blipFill rotWithShape="1">
+          <a:blip r:embed="rId3"/>
+          <a:srcRect t="36994" r="18908" b="18705"/>
+          <a:stretch/>
+        </p:blipFill>
+        <p:spPr>
+          <a:xfrm>
+            <a:off x="591570" y="2260846"/>
+            <a:ext cx="7994869" cy="2400364"/>
+          </a:xfrm>
+          <a:prstGeom prst="rect">
+            <a:avLst/>
+          </a:prstGeom>
+          <a:ln>
+            <a:solidFill>
+              <a:schemeClr val="tx1"/>
+            </a:solidFill>
+          </a:ln>
+        </p:spPr>
+      </p:pic>
+      <p:pic>
+        <p:nvPicPr>
+          <p:cNvPr id="9" name="Picture 8">
+            <a:extLst>
+              <a:ext uri="{FF2B5EF4-FFF2-40B4-BE49-F238E27FC236}">
+                <a16:creationId xmlns:a16="http://schemas.microsoft.com/office/drawing/2014/main" id="{58568731-EBAA-AA39-44C9-7750A372F8A4}"/>
+              </a:ext>
+            </a:extLst>
+          </p:cNvPr>
+          <p:cNvPicPr>
+            <a:picLocks noChangeAspect="1"/>
+          </p:cNvPicPr>
+          <p:nvPr/>
+        </p:nvPicPr>
+        <p:blipFill rotWithShape="1">
+          <a:blip r:embed="rId3"/>
+          <a:srcRect l="9278" t="50096" r="68144" b="15885"/>
+          <a:stretch/>
+        </p:blipFill>
+        <p:spPr>
+          <a:xfrm>
+            <a:off x="10595328" y="2260846"/>
+            <a:ext cx="4236351" cy="3413916"/>
+          </a:xfrm>
+          <a:prstGeom prst="rect">
+            <a:avLst/>
+          </a:prstGeom>
+          <a:ln>
+            <a:solidFill>
+              <a:schemeClr val="tx1"/>
+            </a:solidFill>
+          </a:ln>
+        </p:spPr>
+      </p:pic>
+    </p:spTree>
+    <p:extLst>
+      <p:ext uri="{BB962C8B-B14F-4D97-AF65-F5344CB8AC3E}">
+        <p14:creationId xmlns:p14="http://schemas.microsoft.com/office/powerpoint/2010/main" val="268247402"/>
+      </p:ext>
+    </p:extLst>
+  </p:cSld>
+  <p:clrMapOvr>
+    <a:masterClrMapping/>
+  </p:clrMapOvr>
+</p:sld>
+</file>
+
+<file path=ppt/slides/slide3.xml><?xml version="1.0" encoding="utf-8"?>
+<p:sld xmlns:a="http://schemas.openxmlformats.org/drawingml/2006/main" xmlns:r="http://schemas.openxmlformats.org/officeDocument/2006/relationships" xmlns:p="http://schemas.openxmlformats.org/presentationml/2006/main">
+  <p:cSld>
+    <p:spTree>
+      <p:nvGrpSpPr>
+        <p:cNvPr id="1" name=""/>
+        <p:cNvGrpSpPr/>
+        <p:nvPr/>
+      </p:nvGrpSpPr>
+      <p:grpSpPr>
+        <a:xfrm>
+          <a:off x="0" y="0"/>
+          <a:ext cx="0" cy="0"/>
+          <a:chOff x="0" y="0"/>
+          <a:chExt cx="0" cy="0"/>
+        </a:xfrm>
+      </p:grpSpPr>
       <p:pic>
         <p:nvPicPr>
           <p:cNvPr id="4" name="Picture 3">
@@ -3704,7 +3921,7 @@
 </p:sld>
 </file>
 
-<file path=ppt/slides/slide3.xml><?xml version="1.0" encoding="utf-8"?>
+<file path=ppt/slides/slide4.xml><?xml version="1.0" encoding="utf-8"?>
 <p:sld xmlns:a="http://schemas.openxmlformats.org/drawingml/2006/main" xmlns:r="http://schemas.openxmlformats.org/officeDocument/2006/relationships" xmlns:p="http://schemas.openxmlformats.org/presentationml/2006/main">
   <p:cSld>
     <p:spTree>

--- a/Paper/Figures.pptx
+++ b/Paper/Figures.pptx
@@ -9,6 +9,7 @@
     <p:sldId id="260" r:id="rId3"/>
     <p:sldId id="259" r:id="rId4"/>
     <p:sldId id="258" r:id="rId5"/>
+    <p:sldId id="261" r:id="rId6"/>
   </p:sldIdLst>
   <p:sldSz cx="18288000" cy="18288000"/>
   <p:notesSz cx="6858000" cy="9144000"/>
@@ -246,7 +247,7 @@
           <a:p>
             <a:fld id="{27530B1A-49E1-4C40-9321-E95425B2047F}" type="datetimeFigureOut">
               <a:rPr lang="en-US" smtClean="0"/>
-              <a:t>2/9/2023</a:t>
+              <a:t>2/16/2023</a:t>
             </a:fld>
             <a:endParaRPr lang="en-US"/>
           </a:p>
@@ -416,7 +417,7 @@
           <a:p>
             <a:fld id="{27530B1A-49E1-4C40-9321-E95425B2047F}" type="datetimeFigureOut">
               <a:rPr lang="en-US" smtClean="0"/>
-              <a:t>2/9/2023</a:t>
+              <a:t>2/16/2023</a:t>
             </a:fld>
             <a:endParaRPr lang="en-US"/>
           </a:p>
@@ -596,7 +597,7 @@
           <a:p>
             <a:fld id="{27530B1A-49E1-4C40-9321-E95425B2047F}" type="datetimeFigureOut">
               <a:rPr lang="en-US" smtClean="0"/>
-              <a:t>2/9/2023</a:t>
+              <a:t>2/16/2023</a:t>
             </a:fld>
             <a:endParaRPr lang="en-US"/>
           </a:p>
@@ -766,7 +767,7 @@
           <a:p>
             <a:fld id="{27530B1A-49E1-4C40-9321-E95425B2047F}" type="datetimeFigureOut">
               <a:rPr lang="en-US" smtClean="0"/>
-              <a:t>2/9/2023</a:t>
+              <a:t>2/16/2023</a:t>
             </a:fld>
             <a:endParaRPr lang="en-US"/>
           </a:p>
@@ -1010,7 +1011,7 @@
           <a:p>
             <a:fld id="{27530B1A-49E1-4C40-9321-E95425B2047F}" type="datetimeFigureOut">
               <a:rPr lang="en-US" smtClean="0"/>
-              <a:t>2/9/2023</a:t>
+              <a:t>2/16/2023</a:t>
             </a:fld>
             <a:endParaRPr lang="en-US"/>
           </a:p>
@@ -1242,7 +1243,7 @@
           <a:p>
             <a:fld id="{27530B1A-49E1-4C40-9321-E95425B2047F}" type="datetimeFigureOut">
               <a:rPr lang="en-US" smtClean="0"/>
-              <a:t>2/9/2023</a:t>
+              <a:t>2/16/2023</a:t>
             </a:fld>
             <a:endParaRPr lang="en-US"/>
           </a:p>
@@ -1609,7 +1610,7 @@
           <a:p>
             <a:fld id="{27530B1A-49E1-4C40-9321-E95425B2047F}" type="datetimeFigureOut">
               <a:rPr lang="en-US" smtClean="0"/>
-              <a:t>2/9/2023</a:t>
+              <a:t>2/16/2023</a:t>
             </a:fld>
             <a:endParaRPr lang="en-US"/>
           </a:p>
@@ -1727,7 +1728,7 @@
           <a:p>
             <a:fld id="{27530B1A-49E1-4C40-9321-E95425B2047F}" type="datetimeFigureOut">
               <a:rPr lang="en-US" smtClean="0"/>
-              <a:t>2/9/2023</a:t>
+              <a:t>2/16/2023</a:t>
             </a:fld>
             <a:endParaRPr lang="en-US"/>
           </a:p>
@@ -1822,7 +1823,7 @@
           <a:p>
             <a:fld id="{27530B1A-49E1-4C40-9321-E95425B2047F}" type="datetimeFigureOut">
               <a:rPr lang="en-US" smtClean="0"/>
-              <a:t>2/9/2023</a:t>
+              <a:t>2/16/2023</a:t>
             </a:fld>
             <a:endParaRPr lang="en-US"/>
           </a:p>
@@ -2099,7 +2100,7 @@
           <a:p>
             <a:fld id="{27530B1A-49E1-4C40-9321-E95425B2047F}" type="datetimeFigureOut">
               <a:rPr lang="en-US" smtClean="0"/>
-              <a:t>2/9/2023</a:t>
+              <a:t>2/16/2023</a:t>
             </a:fld>
             <a:endParaRPr lang="en-US"/>
           </a:p>
@@ -2356,7 +2357,7 @@
           <a:p>
             <a:fld id="{27530B1A-49E1-4C40-9321-E95425B2047F}" type="datetimeFigureOut">
               <a:rPr lang="en-US" smtClean="0"/>
-              <a:t>2/9/2023</a:t>
+              <a:t>2/16/2023</a:t>
             </a:fld>
             <a:endParaRPr lang="en-US"/>
           </a:p>
@@ -2569,7 +2570,7 @@
           <a:p>
             <a:fld id="{27530B1A-49E1-4C40-9321-E95425B2047F}" type="datetimeFigureOut">
               <a:rPr lang="en-US" smtClean="0"/>
-              <a:t>2/9/2023</a:t>
+              <a:t>2/16/2023</a:t>
             </a:fld>
             <a:endParaRPr lang="en-US"/>
           </a:p>
@@ -4071,6 +4072,242 @@
 </p:sld>
 </file>
 
+<file path=ppt/slides/slide5.xml><?xml version="1.0" encoding="utf-8"?>
+<p:sld xmlns:a="http://schemas.openxmlformats.org/drawingml/2006/main" xmlns:r="http://schemas.openxmlformats.org/officeDocument/2006/relationships" xmlns:p="http://schemas.openxmlformats.org/presentationml/2006/main">
+  <p:cSld>
+    <p:spTree>
+      <p:nvGrpSpPr>
+        <p:cNvPr id="1" name=""/>
+        <p:cNvGrpSpPr/>
+        <p:nvPr/>
+      </p:nvGrpSpPr>
+      <p:grpSpPr>
+        <a:xfrm>
+          <a:off x="0" y="0"/>
+          <a:ext cx="0" cy="0"/>
+          <a:chOff x="0" y="0"/>
+          <a:chExt cx="0" cy="0"/>
+        </a:xfrm>
+      </p:grpSpPr>
+      <p:pic>
+        <p:nvPicPr>
+          <p:cNvPr id="4" name="Picture 3" descr="Graphical user interface&#10;&#10;Description automatically generated">
+            <a:extLst>
+              <a:ext uri="{FF2B5EF4-FFF2-40B4-BE49-F238E27FC236}">
+                <a16:creationId xmlns:a16="http://schemas.microsoft.com/office/drawing/2014/main" id="{70C0810A-6C65-EF0B-1D38-BDD548B3D0F9}"/>
+              </a:ext>
+            </a:extLst>
+          </p:cNvPr>
+          <p:cNvPicPr>
+            <a:picLocks noChangeAspect="1"/>
+          </p:cNvPicPr>
+          <p:nvPr/>
+        </p:nvPicPr>
+        <p:blipFill>
+          <a:blip r:embed="rId2"/>
+          <a:stretch>
+            <a:fillRect/>
+          </a:stretch>
+        </p:blipFill>
+        <p:spPr>
+          <a:xfrm>
+            <a:off x="685800" y="1759482"/>
+            <a:ext cx="2018030" cy="1952625"/>
+          </a:xfrm>
+          <a:prstGeom prst="rect">
+            <a:avLst/>
+          </a:prstGeom>
+        </p:spPr>
+      </p:pic>
+      <p:sp>
+        <p:nvSpPr>
+          <p:cNvPr id="6" name="TextBox 5">
+            <a:extLst>
+              <a:ext uri="{FF2B5EF4-FFF2-40B4-BE49-F238E27FC236}">
+                <a16:creationId xmlns:a16="http://schemas.microsoft.com/office/drawing/2014/main" id="{82D48AAC-0B02-C941-9E35-0E19E7A29B7C}"/>
+              </a:ext>
+            </a:extLst>
+          </p:cNvPr>
+          <p:cNvSpPr txBox="1"/>
+          <p:nvPr/>
+        </p:nvSpPr>
+        <p:spPr>
+          <a:xfrm>
+            <a:off x="685800" y="3925640"/>
+            <a:ext cx="9144000" cy="369332"/>
+          </a:xfrm>
+          <a:prstGeom prst="rect">
+            <a:avLst/>
+          </a:prstGeom>
+          <a:noFill/>
+        </p:spPr>
+        <p:txBody>
+          <a:bodyPr wrap="square">
+            <a:spAutoFit/>
+          </a:bodyPr>
+          <a:lstStyle/>
+          <a:p>
+            <a:pPr marL="0" marR="0">
+              <a:spcBef>
+                <a:spcPts val="0"/>
+              </a:spcBef>
+              <a:spcAft>
+                <a:spcPts val="1000"/>
+              </a:spcAft>
+            </a:pPr>
+            <a:r>
+              <a:rPr lang="en-US" sz="1800" i="1" dirty="0">
+                <a:solidFill>
+                  <a:srgbClr val="44546A"/>
+                </a:solidFill>
+                <a:effectLst/>
+                <a:latin typeface="Calibri" panose="020F0502020204030204" pitchFamily="34" charset="0"/>
+                <a:ea typeface="Calibri" panose="020F0502020204030204" pitchFamily="34" charset="0"/>
+                <a:cs typeface="Arial" panose="020B0604020202020204" pitchFamily="34" charset="0"/>
+              </a:rPr>
+              <a:t>Evaluation of generated RT Structure ‘TG263_Breast’ after importation into anonymized patient</a:t>
+            </a:r>
+          </a:p>
+        </p:txBody>
+      </p:sp>
+      <p:pic>
+        <p:nvPicPr>
+          <p:cNvPr id="11" name="Picture 10">
+            <a:extLst>
+              <a:ext uri="{FF2B5EF4-FFF2-40B4-BE49-F238E27FC236}">
+                <a16:creationId xmlns:a16="http://schemas.microsoft.com/office/drawing/2014/main" id="{AA6893CA-A926-278A-4895-E6227149B344}"/>
+              </a:ext>
+            </a:extLst>
+          </p:cNvPr>
+          <p:cNvPicPr>
+            <a:picLocks noChangeAspect="1"/>
+          </p:cNvPicPr>
+          <p:nvPr/>
+        </p:nvPicPr>
+        <p:blipFill>
+          <a:blip r:embed="rId3"/>
+          <a:stretch>
+            <a:fillRect/>
+          </a:stretch>
+        </p:blipFill>
+        <p:spPr>
+          <a:xfrm>
+            <a:off x="685800" y="6864350"/>
+            <a:ext cx="1651635" cy="5168900"/>
+          </a:xfrm>
+          <a:prstGeom prst="rect">
+            <a:avLst/>
+          </a:prstGeom>
+        </p:spPr>
+      </p:pic>
+      <p:pic>
+        <p:nvPicPr>
+          <p:cNvPr id="12" name="Picture 11" descr="Graphical user interface&#10;&#10;Description automatically generated with medium confidence">
+            <a:extLst>
+              <a:ext uri="{FF2B5EF4-FFF2-40B4-BE49-F238E27FC236}">
+                <a16:creationId xmlns:a16="http://schemas.microsoft.com/office/drawing/2014/main" id="{93EC4C30-BAC0-29BC-F329-0182F9A89A39}"/>
+              </a:ext>
+            </a:extLst>
+          </p:cNvPr>
+          <p:cNvPicPr>
+            <a:picLocks noChangeAspect="1"/>
+          </p:cNvPicPr>
+          <p:nvPr/>
+        </p:nvPicPr>
+        <p:blipFill>
+          <a:blip r:embed="rId4"/>
+          <a:stretch>
+            <a:fillRect/>
+          </a:stretch>
+        </p:blipFill>
+        <p:spPr>
+          <a:xfrm>
+            <a:off x="2337435" y="6811010"/>
+            <a:ext cx="1397635" cy="5222240"/>
+          </a:xfrm>
+          <a:prstGeom prst="rect">
+            <a:avLst/>
+          </a:prstGeom>
+        </p:spPr>
+      </p:pic>
+      <p:pic>
+        <p:nvPicPr>
+          <p:cNvPr id="13" name="Picture 12" descr="Table&#10;&#10;Description automatically generated with medium confidence">
+            <a:extLst>
+              <a:ext uri="{FF2B5EF4-FFF2-40B4-BE49-F238E27FC236}">
+                <a16:creationId xmlns:a16="http://schemas.microsoft.com/office/drawing/2014/main" id="{AF4EF990-DD9E-D1BD-BEB3-5640703CC5FA}"/>
+              </a:ext>
+            </a:extLst>
+          </p:cNvPr>
+          <p:cNvPicPr>
+            <a:picLocks noChangeAspect="1"/>
+          </p:cNvPicPr>
+          <p:nvPr/>
+        </p:nvPicPr>
+        <p:blipFill>
+          <a:blip r:embed="rId5"/>
+          <a:stretch>
+            <a:fillRect/>
+          </a:stretch>
+        </p:blipFill>
+        <p:spPr>
+          <a:xfrm>
+            <a:off x="3735070" y="10668635"/>
+            <a:ext cx="1477010" cy="1364615"/>
+          </a:xfrm>
+          <a:prstGeom prst="rect">
+            <a:avLst/>
+          </a:prstGeom>
+        </p:spPr>
+      </p:pic>
+      <p:sp>
+        <p:nvSpPr>
+          <p:cNvPr id="14" name="TextBox 13">
+            <a:extLst>
+              <a:ext uri="{FF2B5EF4-FFF2-40B4-BE49-F238E27FC236}">
+                <a16:creationId xmlns:a16="http://schemas.microsoft.com/office/drawing/2014/main" id="{522B9BD9-65AB-A420-097C-A7ED493C7C09}"/>
+              </a:ext>
+            </a:extLst>
+          </p:cNvPr>
+          <p:cNvSpPr txBox="1"/>
+          <p:nvPr/>
+        </p:nvSpPr>
+        <p:spPr>
+          <a:xfrm>
+            <a:off x="685800" y="12268200"/>
+            <a:ext cx="4423712" cy="369332"/>
+          </a:xfrm>
+          <a:prstGeom prst="rect">
+            <a:avLst/>
+          </a:prstGeom>
+          <a:noFill/>
+        </p:spPr>
+        <p:txBody>
+          <a:bodyPr wrap="none" rtlCol="0">
+            <a:spAutoFit/>
+          </a:bodyPr>
+          <a:lstStyle/>
+          <a:p>
+            <a:r>
+              <a:rPr lang="en-US" dirty="0"/>
+              <a:t>Structure Template Naming as of 09/20/2022</a:t>
+            </a:r>
+          </a:p>
+        </p:txBody>
+      </p:sp>
+    </p:spTree>
+    <p:extLst>
+      <p:ext uri="{BB962C8B-B14F-4D97-AF65-F5344CB8AC3E}">
+        <p14:creationId xmlns:p14="http://schemas.microsoft.com/office/powerpoint/2010/main" val="913970513"/>
+      </p:ext>
+    </p:extLst>
+  </p:cSld>
+  <p:clrMapOvr>
+    <a:masterClrMapping/>
+  </p:clrMapOvr>
+</p:sld>
+</file>
+
 <file path=ppt/theme/theme1.xml><?xml version="1.0" encoding="utf-8"?>
 <a:theme xmlns:a="http://schemas.openxmlformats.org/drawingml/2006/main" name="Office Theme">
   <a:themeElements>

--- a/Paper/Figures.pptx
+++ b/Paper/Figures.pptx
@@ -3861,7 +3861,7 @@
         </p:blipFill>
         <p:spPr>
           <a:xfrm>
-            <a:off x="2972370" y="6190089"/>
+            <a:off x="1104659" y="4128274"/>
             <a:ext cx="7239000" cy="3409950"/>
           </a:xfrm>
           <a:prstGeom prst="rect">
@@ -3896,8 +3896,8 @@
         </p:blipFill>
         <p:spPr>
           <a:xfrm>
-            <a:off x="2972370" y="11012991"/>
-            <a:ext cx="11363325" cy="4781550"/>
+            <a:off x="1104659" y="8010323"/>
+            <a:ext cx="6510297" cy="2739454"/>
           </a:xfrm>
           <a:prstGeom prst="rect">
             <a:avLst/>
@@ -3909,6 +3909,232 @@
           </a:ln>
         </p:spPr>
       </p:pic>
+      <p:pic>
+        <p:nvPicPr>
+          <p:cNvPr id="2" name="Picture 1" descr="Graphical user interface, application&#10;&#10;Description automatically generated">
+            <a:extLst>
+              <a:ext uri="{FF2B5EF4-FFF2-40B4-BE49-F238E27FC236}">
+                <a16:creationId xmlns:a16="http://schemas.microsoft.com/office/drawing/2014/main" id="{B10417D0-8314-EB2C-63EF-69762740F0D8}"/>
+              </a:ext>
+            </a:extLst>
+          </p:cNvPr>
+          <p:cNvPicPr>
+            <a:picLocks noChangeAspect="1"/>
+          </p:cNvPicPr>
+          <p:nvPr/>
+        </p:nvPicPr>
+        <p:blipFill>
+          <a:blip r:embed="rId5"/>
+          <a:stretch>
+            <a:fillRect/>
+          </a:stretch>
+        </p:blipFill>
+        <p:spPr>
+          <a:xfrm>
+            <a:off x="5824296" y="12748212"/>
+            <a:ext cx="5038725" cy="3180715"/>
+          </a:xfrm>
+          <a:prstGeom prst="rect">
+            <a:avLst/>
+          </a:prstGeom>
+        </p:spPr>
+      </p:pic>
+      <p:sp>
+        <p:nvSpPr>
+          <p:cNvPr id="5" name="TextBox 4">
+            <a:extLst>
+              <a:ext uri="{FF2B5EF4-FFF2-40B4-BE49-F238E27FC236}">
+                <a16:creationId xmlns:a16="http://schemas.microsoft.com/office/drawing/2014/main" id="{C8720C1A-2BAA-7160-283D-4522D3C10458}"/>
+              </a:ext>
+            </a:extLst>
+          </p:cNvPr>
+          <p:cNvSpPr txBox="1"/>
+          <p:nvPr/>
+        </p:nvSpPr>
+        <p:spPr>
+          <a:xfrm>
+            <a:off x="6634263" y="16504245"/>
+            <a:ext cx="9144000" cy="646331"/>
+          </a:xfrm>
+          <a:prstGeom prst="rect">
+            <a:avLst/>
+          </a:prstGeom>
+          <a:noFill/>
+        </p:spPr>
+        <p:txBody>
+          <a:bodyPr wrap="square">
+            <a:spAutoFit/>
+          </a:bodyPr>
+          <a:lstStyle/>
+          <a:p>
+            <a:r>
+              <a:rPr lang="en-US" sz="1800" dirty="0">
+                <a:effectLst/>
+                <a:latin typeface="Calibri" panose="020F0502020204030204" pitchFamily="34" charset="0"/>
+                <a:ea typeface="Calibri" panose="020F0502020204030204" pitchFamily="34" charset="0"/>
+                <a:cs typeface="Arial" panose="020B0604020202020204" pitchFamily="34" charset="0"/>
+              </a:rPr>
+              <a:t>Example of the program after providing a path for the </a:t>
+            </a:r>
+            <a:r>
+              <a:rPr lang="en-US" sz="1800" dirty="0" err="1">
+                <a:effectLst/>
+                <a:latin typeface="Calibri" panose="020F0502020204030204" pitchFamily="34" charset="0"/>
+                <a:ea typeface="Calibri" panose="020F0502020204030204" pitchFamily="34" charset="0"/>
+                <a:cs typeface="Arial" panose="020B0604020202020204" pitchFamily="34" charset="0"/>
+              </a:rPr>
+              <a:t>AbdPelvBladder</a:t>
+            </a:r>
+            <a:r>
+              <a:rPr lang="en-US" sz="1800" dirty="0">
+                <a:effectLst/>
+                <a:latin typeface="Calibri" panose="020F0502020204030204" pitchFamily="34" charset="0"/>
+                <a:ea typeface="Calibri" panose="020F0502020204030204" pitchFamily="34" charset="0"/>
+                <a:cs typeface="Arial" panose="020B0604020202020204" pitchFamily="34" charset="0"/>
+              </a:rPr>
+              <a:t> template. Note that the ‘Run DICOM server’ button has been depressed.</a:t>
+            </a:r>
+            <a:endParaRPr lang="en-US" dirty="0"/>
+          </a:p>
+        </p:txBody>
+      </p:sp>
+      <p:pic>
+        <p:nvPicPr>
+          <p:cNvPr id="7" name="Picture 6">
+            <a:extLst>
+              <a:ext uri="{FF2B5EF4-FFF2-40B4-BE49-F238E27FC236}">
+                <a16:creationId xmlns:a16="http://schemas.microsoft.com/office/drawing/2014/main" id="{1E2B47E4-7A2C-1F44-D14F-A16712CA5AC4}"/>
+              </a:ext>
+            </a:extLst>
+          </p:cNvPr>
+          <p:cNvPicPr>
+            <a:picLocks noChangeAspect="1"/>
+          </p:cNvPicPr>
+          <p:nvPr/>
+        </p:nvPicPr>
+        <p:blipFill>
+          <a:blip r:embed="rId6">
+            <a:extLst>
+              <a:ext uri="{28A0092B-C50C-407E-A947-70E740481C1C}">
+                <a14:useLocalDpi xmlns:a14="http://schemas.microsoft.com/office/drawing/2010/main" val="0"/>
+              </a:ext>
+            </a:extLst>
+          </a:blip>
+          <a:srcRect/>
+          <a:stretch>
+            <a:fillRect/>
+          </a:stretch>
+        </p:blipFill>
+        <p:spPr bwMode="auto">
+          <a:xfrm>
+            <a:off x="9614204" y="8770134"/>
+            <a:ext cx="5946775" cy="1798320"/>
+          </a:xfrm>
+          <a:prstGeom prst="rect">
+            <a:avLst/>
+          </a:prstGeom>
+          <a:noFill/>
+        </p:spPr>
+      </p:pic>
+      <p:sp>
+        <p:nvSpPr>
+          <p:cNvPr id="10" name="TextBox 9">
+            <a:extLst>
+              <a:ext uri="{FF2B5EF4-FFF2-40B4-BE49-F238E27FC236}">
+                <a16:creationId xmlns:a16="http://schemas.microsoft.com/office/drawing/2014/main" id="{779A3C8E-94E7-C6A4-5CA6-0AE79EB21BE4}"/>
+              </a:ext>
+            </a:extLst>
+          </p:cNvPr>
+          <p:cNvSpPr txBox="1"/>
+          <p:nvPr/>
+        </p:nvSpPr>
+        <p:spPr>
+          <a:xfrm>
+            <a:off x="8968902" y="10808143"/>
+            <a:ext cx="9144000" cy="369332"/>
+          </a:xfrm>
+          <a:prstGeom prst="rect">
+            <a:avLst/>
+          </a:prstGeom>
+          <a:noFill/>
+        </p:spPr>
+        <p:txBody>
+          <a:bodyPr wrap="square">
+            <a:spAutoFit/>
+          </a:bodyPr>
+          <a:lstStyle/>
+          <a:p>
+            <a:pPr marL="0" marR="0">
+              <a:spcBef>
+                <a:spcPts val="0"/>
+              </a:spcBef>
+              <a:spcAft>
+                <a:spcPts val="1000"/>
+              </a:spcAft>
+            </a:pPr>
+            <a:r>
+              <a:rPr lang="en-US" sz="1800" i="1" dirty="0">
+                <a:solidFill>
+                  <a:srgbClr val="44546A"/>
+                </a:solidFill>
+                <a:effectLst/>
+                <a:latin typeface="Calibri" panose="020F0502020204030204" pitchFamily="34" charset="0"/>
+                <a:ea typeface="Calibri" panose="020F0502020204030204" pitchFamily="34" charset="0"/>
+                <a:cs typeface="Arial" panose="020B0604020202020204" pitchFamily="34" charset="0"/>
+              </a:rPr>
+              <a:t>Example of the creation of an RT Structure file from the </a:t>
+            </a:r>
+            <a:r>
+              <a:rPr lang="en-US" sz="1800" i="1" dirty="0" err="1">
+                <a:solidFill>
+                  <a:srgbClr val="44546A"/>
+                </a:solidFill>
+                <a:effectLst/>
+                <a:latin typeface="Calibri" panose="020F0502020204030204" pitchFamily="34" charset="0"/>
+                <a:ea typeface="Calibri" panose="020F0502020204030204" pitchFamily="34" charset="0"/>
+                <a:cs typeface="Arial" panose="020B0604020202020204" pitchFamily="34" charset="0"/>
+              </a:rPr>
+              <a:t>AbdPelv_Bladder</a:t>
+            </a:r>
+            <a:r>
+              <a:rPr lang="en-US" sz="1800" i="1" dirty="0">
+                <a:solidFill>
+                  <a:srgbClr val="44546A"/>
+                </a:solidFill>
+                <a:effectLst/>
+                <a:latin typeface="Calibri" panose="020F0502020204030204" pitchFamily="34" charset="0"/>
+                <a:ea typeface="Calibri" panose="020F0502020204030204" pitchFamily="34" charset="0"/>
+                <a:cs typeface="Arial" panose="020B0604020202020204" pitchFamily="34" charset="0"/>
+              </a:rPr>
+              <a:t> template.</a:t>
+            </a:r>
+            <a:r>
+              <a:rPr lang="en-US" sz="1600" i="0" dirty="0">
+                <a:solidFill>
+                  <a:srgbClr val="44546A"/>
+                </a:solidFill>
+                <a:effectLst/>
+                <a:latin typeface="Calibri" panose="020F0502020204030204" pitchFamily="34" charset="0"/>
+                <a:ea typeface="Calibri" panose="020F0502020204030204" pitchFamily="34" charset="0"/>
+                <a:cs typeface="Arial" panose="020B0604020202020204" pitchFamily="34" charset="0"/>
+              </a:rPr>
+              <a:t> </a:t>
+            </a:r>
+            <a:r>
+              <a:rPr lang="en-US" sz="1800" i="1" dirty="0">
+                <a:solidFill>
+                  <a:srgbClr val="44546A"/>
+                </a:solidFill>
+                <a:effectLst/>
+                <a:latin typeface="Calibri" panose="020F0502020204030204" pitchFamily="34" charset="0"/>
+                <a:ea typeface="Calibri" panose="020F0502020204030204" pitchFamily="34" charset="0"/>
+                <a:cs typeface="Arial" panose="020B0604020202020204" pitchFamily="34" charset="0"/>
+              </a:rPr>
+              <a:t> </a:t>
+            </a:r>
+          </a:p>
+        </p:txBody>
+      </p:sp>
     </p:spTree>
     <p:extLst>
       <p:ext uri="{BB962C8B-B14F-4D97-AF65-F5344CB8AC3E}">
@@ -4295,6 +4521,36 @@
           </a:p>
         </p:txBody>
       </p:sp>
+      <p:pic>
+        <p:nvPicPr>
+          <p:cNvPr id="15" name="Picture 14">
+            <a:extLst>
+              <a:ext uri="{FF2B5EF4-FFF2-40B4-BE49-F238E27FC236}">
+                <a16:creationId xmlns:a16="http://schemas.microsoft.com/office/drawing/2014/main" id="{F8AFD09D-C901-5E14-C2F4-44AEFD79A9B3}"/>
+              </a:ext>
+            </a:extLst>
+          </p:cNvPr>
+          <p:cNvPicPr>
+            <a:picLocks noChangeAspect="1"/>
+          </p:cNvPicPr>
+          <p:nvPr/>
+        </p:nvPicPr>
+        <p:blipFill>
+          <a:blip r:embed="rId6"/>
+          <a:stretch>
+            <a:fillRect/>
+          </a:stretch>
+        </p:blipFill>
+        <p:spPr>
+          <a:xfrm>
+            <a:off x="7763934" y="7463155"/>
+            <a:ext cx="5943600" cy="3361690"/>
+          </a:xfrm>
+          <a:prstGeom prst="rect">
+            <a:avLst/>
+          </a:prstGeom>
+        </p:spPr>
+      </p:pic>
     </p:spTree>
     <p:extLst>
       <p:ext uri="{BB962C8B-B14F-4D97-AF65-F5344CB8AC3E}">

--- a/Paper/Figures.pptx
+++ b/Paper/Figures.pptx
@@ -10,6 +10,7 @@
     <p:sldId id="259" r:id="rId4"/>
     <p:sldId id="258" r:id="rId5"/>
     <p:sldId id="261" r:id="rId6"/>
+    <p:sldId id="262" r:id="rId7"/>
   </p:sldIdLst>
   <p:sldSz cx="18288000" cy="18288000"/>
   <p:notesSz cx="6858000" cy="9144000"/>
@@ -247,7 +248,7 @@
           <a:p>
             <a:fld id="{27530B1A-49E1-4C40-9321-E95425B2047F}" type="datetimeFigureOut">
               <a:rPr lang="en-US" smtClean="0"/>
-              <a:t>2/16/2023</a:t>
+              <a:t>5/5/2023</a:t>
             </a:fld>
             <a:endParaRPr lang="en-US"/>
           </a:p>
@@ -417,7 +418,7 @@
           <a:p>
             <a:fld id="{27530B1A-49E1-4C40-9321-E95425B2047F}" type="datetimeFigureOut">
               <a:rPr lang="en-US" smtClean="0"/>
-              <a:t>2/16/2023</a:t>
+              <a:t>5/5/2023</a:t>
             </a:fld>
             <a:endParaRPr lang="en-US"/>
           </a:p>
@@ -597,7 +598,7 @@
           <a:p>
             <a:fld id="{27530B1A-49E1-4C40-9321-E95425B2047F}" type="datetimeFigureOut">
               <a:rPr lang="en-US" smtClean="0"/>
-              <a:t>2/16/2023</a:t>
+              <a:t>5/5/2023</a:t>
             </a:fld>
             <a:endParaRPr lang="en-US"/>
           </a:p>
@@ -767,7 +768,7 @@
           <a:p>
             <a:fld id="{27530B1A-49E1-4C40-9321-E95425B2047F}" type="datetimeFigureOut">
               <a:rPr lang="en-US" smtClean="0"/>
-              <a:t>2/16/2023</a:t>
+              <a:t>5/5/2023</a:t>
             </a:fld>
             <a:endParaRPr lang="en-US"/>
           </a:p>
@@ -1011,7 +1012,7 @@
           <a:p>
             <a:fld id="{27530B1A-49E1-4C40-9321-E95425B2047F}" type="datetimeFigureOut">
               <a:rPr lang="en-US" smtClean="0"/>
-              <a:t>2/16/2023</a:t>
+              <a:t>5/5/2023</a:t>
             </a:fld>
             <a:endParaRPr lang="en-US"/>
           </a:p>
@@ -1243,7 +1244,7 @@
           <a:p>
             <a:fld id="{27530B1A-49E1-4C40-9321-E95425B2047F}" type="datetimeFigureOut">
               <a:rPr lang="en-US" smtClean="0"/>
-              <a:t>2/16/2023</a:t>
+              <a:t>5/5/2023</a:t>
             </a:fld>
             <a:endParaRPr lang="en-US"/>
           </a:p>
@@ -1610,7 +1611,7 @@
           <a:p>
             <a:fld id="{27530B1A-49E1-4C40-9321-E95425B2047F}" type="datetimeFigureOut">
               <a:rPr lang="en-US" smtClean="0"/>
-              <a:t>2/16/2023</a:t>
+              <a:t>5/5/2023</a:t>
             </a:fld>
             <a:endParaRPr lang="en-US"/>
           </a:p>
@@ -1728,7 +1729,7 @@
           <a:p>
             <a:fld id="{27530B1A-49E1-4C40-9321-E95425B2047F}" type="datetimeFigureOut">
               <a:rPr lang="en-US" smtClean="0"/>
-              <a:t>2/16/2023</a:t>
+              <a:t>5/5/2023</a:t>
             </a:fld>
             <a:endParaRPr lang="en-US"/>
           </a:p>
@@ -1823,7 +1824,7 @@
           <a:p>
             <a:fld id="{27530B1A-49E1-4C40-9321-E95425B2047F}" type="datetimeFigureOut">
               <a:rPr lang="en-US" smtClean="0"/>
-              <a:t>2/16/2023</a:t>
+              <a:t>5/5/2023</a:t>
             </a:fld>
             <a:endParaRPr lang="en-US"/>
           </a:p>
@@ -2100,7 +2101,7 @@
           <a:p>
             <a:fld id="{27530B1A-49E1-4C40-9321-E95425B2047F}" type="datetimeFigureOut">
               <a:rPr lang="en-US" smtClean="0"/>
-              <a:t>2/16/2023</a:t>
+              <a:t>5/5/2023</a:t>
             </a:fld>
             <a:endParaRPr lang="en-US"/>
           </a:p>
@@ -2357,7 +2358,7 @@
           <a:p>
             <a:fld id="{27530B1A-49E1-4C40-9321-E95425B2047F}" type="datetimeFigureOut">
               <a:rPr lang="en-US" smtClean="0"/>
-              <a:t>2/16/2023</a:t>
+              <a:t>5/5/2023</a:t>
             </a:fld>
             <a:endParaRPr lang="en-US"/>
           </a:p>
@@ -2570,7 +2571,7 @@
           <a:p>
             <a:fld id="{27530B1A-49E1-4C40-9321-E95425B2047F}" type="datetimeFigureOut">
               <a:rPr lang="en-US" smtClean="0"/>
-              <a:t>2/16/2023</a:t>
+              <a:t>5/5/2023</a:t>
             </a:fld>
             <a:endParaRPr lang="en-US"/>
           </a:p>
@@ -4564,6 +4565,276 @@
 </p:sld>
 </file>
 
+<file path=ppt/slides/slide6.xml><?xml version="1.0" encoding="utf-8"?>
+<p:sld xmlns:a="http://schemas.openxmlformats.org/drawingml/2006/main" xmlns:r="http://schemas.openxmlformats.org/officeDocument/2006/relationships" xmlns:p="http://schemas.openxmlformats.org/presentationml/2006/main">
+  <p:cSld>
+    <p:spTree>
+      <p:nvGrpSpPr>
+        <p:cNvPr id="1" name=""/>
+        <p:cNvGrpSpPr/>
+        <p:nvPr/>
+      </p:nvGrpSpPr>
+      <p:grpSpPr>
+        <a:xfrm>
+          <a:off x="0" y="0"/>
+          <a:ext cx="0" cy="0"/>
+          <a:chOff x="0" y="0"/>
+          <a:chExt cx="0" cy="0"/>
+        </a:xfrm>
+      </p:grpSpPr>
+      <p:pic>
+        <p:nvPicPr>
+          <p:cNvPr id="7" name="Picture 6">
+            <a:extLst>
+              <a:ext uri="{FF2B5EF4-FFF2-40B4-BE49-F238E27FC236}">
+                <a16:creationId xmlns:a16="http://schemas.microsoft.com/office/drawing/2014/main" id="{FDEAFCB5-99A2-1C24-44EF-7CBDFD67A38D}"/>
+              </a:ext>
+            </a:extLst>
+          </p:cNvPr>
+          <p:cNvPicPr>
+            <a:picLocks noChangeAspect="1"/>
+          </p:cNvPicPr>
+          <p:nvPr/>
+        </p:nvPicPr>
+        <p:blipFill>
+          <a:blip r:embed="rId2"/>
+          <a:stretch>
+            <a:fillRect/>
+          </a:stretch>
+        </p:blipFill>
+        <p:spPr>
+          <a:xfrm>
+            <a:off x="947737" y="3790950"/>
+            <a:ext cx="11591925" cy="5734050"/>
+          </a:xfrm>
+          <a:prstGeom prst="rect">
+            <a:avLst/>
+          </a:prstGeom>
+        </p:spPr>
+      </p:pic>
+      <p:sp>
+        <p:nvSpPr>
+          <p:cNvPr id="5" name="Rectangle 4">
+            <a:extLst>
+              <a:ext uri="{FF2B5EF4-FFF2-40B4-BE49-F238E27FC236}">
+                <a16:creationId xmlns:a16="http://schemas.microsoft.com/office/drawing/2014/main" id="{10DCF8FB-134B-2E78-19E0-72784BF37B0E}"/>
+              </a:ext>
+            </a:extLst>
+          </p:cNvPr>
+          <p:cNvSpPr/>
+          <p:nvPr/>
+        </p:nvSpPr>
+        <p:spPr>
+          <a:xfrm>
+            <a:off x="1150620" y="7048500"/>
+            <a:ext cx="327660" cy="2293620"/>
+          </a:xfrm>
+          <a:prstGeom prst="rect">
+            <a:avLst/>
+          </a:prstGeom>
+          <a:noFill/>
+          <a:ln w="38100">
+            <a:solidFill>
+              <a:srgbClr val="FF0000"/>
+            </a:solidFill>
+          </a:ln>
+        </p:spPr>
+        <p:style>
+          <a:lnRef idx="2">
+            <a:schemeClr val="accent1">
+              <a:shade val="50000"/>
+            </a:schemeClr>
+          </a:lnRef>
+          <a:fillRef idx="1">
+            <a:schemeClr val="accent1"/>
+          </a:fillRef>
+          <a:effectRef idx="0">
+            <a:schemeClr val="accent1"/>
+          </a:effectRef>
+          <a:fontRef idx="minor">
+            <a:schemeClr val="lt1"/>
+          </a:fontRef>
+        </p:style>
+        <p:txBody>
+          <a:bodyPr rtlCol="0" anchor="ctr"/>
+          <a:lstStyle/>
+          <a:p>
+            <a:pPr algn="ctr"/>
+            <a:endParaRPr lang="en-US"/>
+          </a:p>
+        </p:txBody>
+      </p:sp>
+      <p:sp>
+        <p:nvSpPr>
+          <p:cNvPr id="8" name="Arrow: Down 7">
+            <a:extLst>
+              <a:ext uri="{FF2B5EF4-FFF2-40B4-BE49-F238E27FC236}">
+                <a16:creationId xmlns:a16="http://schemas.microsoft.com/office/drawing/2014/main" id="{AEA057CB-749C-6309-51F7-F28D0867EDF8}"/>
+              </a:ext>
+            </a:extLst>
+          </p:cNvPr>
+          <p:cNvSpPr/>
+          <p:nvPr/>
+        </p:nvSpPr>
+        <p:spPr>
+          <a:xfrm rot="12347698">
+            <a:off x="9601189" y="6032308"/>
+            <a:ext cx="1062546" cy="1721683"/>
+          </a:xfrm>
+          <a:prstGeom prst="downArrow">
+            <a:avLst/>
+          </a:prstGeom>
+        </p:spPr>
+        <p:style>
+          <a:lnRef idx="2">
+            <a:schemeClr val="accent1">
+              <a:shade val="50000"/>
+            </a:schemeClr>
+          </a:lnRef>
+          <a:fillRef idx="1">
+            <a:schemeClr val="accent1"/>
+          </a:fillRef>
+          <a:effectRef idx="0">
+            <a:schemeClr val="accent1"/>
+          </a:effectRef>
+          <a:fontRef idx="minor">
+            <a:schemeClr val="lt1"/>
+          </a:fontRef>
+        </p:style>
+        <p:txBody>
+          <a:bodyPr rtlCol="0" anchor="ctr"/>
+          <a:lstStyle/>
+          <a:p>
+            <a:pPr algn="ctr"/>
+            <a:endParaRPr lang="en-US"/>
+          </a:p>
+        </p:txBody>
+      </p:sp>
+      <p:pic>
+        <p:nvPicPr>
+          <p:cNvPr id="12" name="Picture 11">
+            <a:extLst>
+              <a:ext uri="{FF2B5EF4-FFF2-40B4-BE49-F238E27FC236}">
+                <a16:creationId xmlns:a16="http://schemas.microsoft.com/office/drawing/2014/main" id="{0BA7E216-E1AB-FCDA-B793-BA13EBFDEAB3}"/>
+              </a:ext>
+            </a:extLst>
+          </p:cNvPr>
+          <p:cNvPicPr>
+            <a:picLocks noChangeAspect="1"/>
+          </p:cNvPicPr>
+          <p:nvPr/>
+        </p:nvPicPr>
+        <p:blipFill>
+          <a:blip r:embed="rId3"/>
+          <a:stretch>
+            <a:fillRect/>
+          </a:stretch>
+        </p:blipFill>
+        <p:spPr>
+          <a:xfrm>
+            <a:off x="3547693" y="7038974"/>
+            <a:ext cx="5096586" cy="2457793"/>
+          </a:xfrm>
+          <a:prstGeom prst="rect">
+            <a:avLst/>
+          </a:prstGeom>
+        </p:spPr>
+      </p:pic>
+      <p:sp>
+        <p:nvSpPr>
+          <p:cNvPr id="13" name="Arrow: Down 12">
+            <a:extLst>
+              <a:ext uri="{FF2B5EF4-FFF2-40B4-BE49-F238E27FC236}">
+                <a16:creationId xmlns:a16="http://schemas.microsoft.com/office/drawing/2014/main" id="{BF561A4C-C732-EB31-135E-EAC593D9825C}"/>
+              </a:ext>
+            </a:extLst>
+          </p:cNvPr>
+          <p:cNvSpPr/>
+          <p:nvPr/>
+        </p:nvSpPr>
+        <p:spPr>
+          <a:xfrm rot="5643520">
+            <a:off x="9175058" y="6575038"/>
+            <a:ext cx="1062546" cy="3644291"/>
+          </a:xfrm>
+          <a:prstGeom prst="downArrow">
+            <a:avLst/>
+          </a:prstGeom>
+          <a:solidFill>
+            <a:srgbClr val="00B050"/>
+          </a:solidFill>
+          <a:ln>
+            <a:noFill/>
+          </a:ln>
+        </p:spPr>
+        <p:style>
+          <a:lnRef idx="2">
+            <a:schemeClr val="accent1">
+              <a:shade val="50000"/>
+            </a:schemeClr>
+          </a:lnRef>
+          <a:fillRef idx="1">
+            <a:schemeClr val="accent1"/>
+          </a:fillRef>
+          <a:effectRef idx="0">
+            <a:schemeClr val="accent1"/>
+          </a:effectRef>
+          <a:fontRef idx="minor">
+            <a:schemeClr val="lt1"/>
+          </a:fontRef>
+        </p:style>
+        <p:txBody>
+          <a:bodyPr rtlCol="0" anchor="ctr"/>
+          <a:lstStyle/>
+          <a:p>
+            <a:pPr algn="ctr"/>
+            <a:endParaRPr lang="en-US"/>
+          </a:p>
+        </p:txBody>
+      </p:sp>
+      <p:pic>
+        <p:nvPicPr>
+          <p:cNvPr id="15" name="Picture 14">
+            <a:extLst>
+              <a:ext uri="{FF2B5EF4-FFF2-40B4-BE49-F238E27FC236}">
+                <a16:creationId xmlns:a16="http://schemas.microsoft.com/office/drawing/2014/main" id="{172B27F1-7B8A-B048-640B-406B34FB7D0D}"/>
+              </a:ext>
+            </a:extLst>
+          </p:cNvPr>
+          <p:cNvPicPr>
+            <a:picLocks noChangeAspect="1"/>
+          </p:cNvPicPr>
+          <p:nvPr/>
+        </p:nvPicPr>
+        <p:blipFill>
+          <a:blip r:embed="rId4"/>
+          <a:stretch>
+            <a:fillRect/>
+          </a:stretch>
+        </p:blipFill>
+        <p:spPr>
+          <a:xfrm>
+            <a:off x="2714625" y="11329092"/>
+            <a:ext cx="7639050" cy="4391025"/>
+          </a:xfrm>
+          <a:prstGeom prst="rect">
+            <a:avLst/>
+          </a:prstGeom>
+        </p:spPr>
+      </p:pic>
+    </p:spTree>
+    <p:extLst>
+      <p:ext uri="{BB962C8B-B14F-4D97-AF65-F5344CB8AC3E}">
+        <p14:creationId xmlns:p14="http://schemas.microsoft.com/office/powerpoint/2010/main" val="412887018"/>
+      </p:ext>
+    </p:extLst>
+  </p:cSld>
+  <p:clrMapOvr>
+    <a:masterClrMapping/>
+  </p:clrMapOvr>
+</p:sld>
+</file>
+
 <file path=ppt/theme/theme1.xml><?xml version="1.0" encoding="utf-8"?>
 <a:theme xmlns:a="http://schemas.openxmlformats.org/drawingml/2006/main" name="Office Theme">
   <a:themeElements>

--- a/Paper/Figures.pptx
+++ b/Paper/Figures.pptx
@@ -2,17 +2,15 @@
 <file path=ppt/presentation.xml><?xml version="1.0" encoding="utf-8"?>
 <p:presentation xmlns:a="http://schemas.openxmlformats.org/drawingml/2006/main" xmlns:r="http://schemas.openxmlformats.org/officeDocument/2006/relationships" xmlns:p="http://schemas.openxmlformats.org/presentationml/2006/main" saveSubsetFonts="1">
   <p:sldMasterIdLst>
-    <p:sldMasterId id="2147483660" r:id="rId1"/>
+    <p:sldMasterId id="2147483672" r:id="rId1"/>
   </p:sldMasterIdLst>
   <p:sldIdLst>
     <p:sldId id="257" r:id="rId2"/>
-    <p:sldId id="260" r:id="rId3"/>
-    <p:sldId id="259" r:id="rId4"/>
-    <p:sldId id="258" r:id="rId5"/>
-    <p:sldId id="261" r:id="rId6"/>
-    <p:sldId id="262" r:id="rId7"/>
+    <p:sldId id="258" r:id="rId3"/>
+    <p:sldId id="262" r:id="rId4"/>
+    <p:sldId id="256" r:id="rId5"/>
   </p:sldIdLst>
-  <p:sldSz cx="18288000" cy="18288000"/>
+  <p:sldSz cx="45720000" cy="32004000"/>
   <p:notesSz cx="6858000" cy="9144000"/>
   <p:defaultTextStyle>
     <a:defPPr>
@@ -146,15 +144,15 @@
         </p:nvSpPr>
         <p:spPr>
           <a:xfrm>
-            <a:off x="1371600" y="2992968"/>
-            <a:ext cx="15544800" cy="6366933"/>
+            <a:off x="3429000" y="5237694"/>
+            <a:ext cx="38862000" cy="11142133"/>
           </a:xfrm>
         </p:spPr>
         <p:txBody>
           <a:bodyPr anchor="b"/>
           <a:lstStyle>
             <a:lvl1pPr algn="ctr">
-              <a:defRPr sz="12000"/>
+              <a:defRPr sz="28000"/>
             </a:lvl1pPr>
           </a:lstStyle>
           <a:p>
@@ -178,8 +176,8 @@
         </p:nvSpPr>
         <p:spPr>
           <a:xfrm>
-            <a:off x="2286000" y="9605435"/>
-            <a:ext cx="13716000" cy="4415365"/>
+            <a:off x="5715000" y="16809511"/>
+            <a:ext cx="34290000" cy="7726889"/>
           </a:xfrm>
         </p:spPr>
         <p:txBody>
@@ -187,39 +185,39 @@
           <a:lstStyle>
             <a:lvl1pPr marL="0" indent="0" algn="ctr">
               <a:buNone/>
-              <a:defRPr sz="4800"/>
+              <a:defRPr sz="11200"/>
             </a:lvl1pPr>
-            <a:lvl2pPr marL="914400" indent="0" algn="ctr">
+            <a:lvl2pPr marL="2133615" indent="0" algn="ctr">
               <a:buNone/>
-              <a:defRPr sz="4000"/>
+              <a:defRPr sz="9333"/>
             </a:lvl2pPr>
-            <a:lvl3pPr marL="1828800" indent="0" algn="ctr">
+            <a:lvl3pPr marL="4267230" indent="0" algn="ctr">
               <a:buNone/>
-              <a:defRPr sz="3600"/>
+              <a:defRPr sz="8400"/>
             </a:lvl3pPr>
-            <a:lvl4pPr marL="2743200" indent="0" algn="ctr">
+            <a:lvl4pPr marL="6400846" indent="0" algn="ctr">
               <a:buNone/>
-              <a:defRPr sz="3200"/>
+              <a:defRPr sz="7467"/>
             </a:lvl4pPr>
-            <a:lvl5pPr marL="3657600" indent="0" algn="ctr">
+            <a:lvl5pPr marL="8534461" indent="0" algn="ctr">
               <a:buNone/>
-              <a:defRPr sz="3200"/>
+              <a:defRPr sz="7467"/>
             </a:lvl5pPr>
-            <a:lvl6pPr marL="4572000" indent="0" algn="ctr">
+            <a:lvl6pPr marL="10668076" indent="0" algn="ctr">
               <a:buNone/>
-              <a:defRPr sz="3200"/>
+              <a:defRPr sz="7467"/>
             </a:lvl6pPr>
-            <a:lvl7pPr marL="5486400" indent="0" algn="ctr">
+            <a:lvl7pPr marL="12801691" indent="0" algn="ctr">
               <a:buNone/>
-              <a:defRPr sz="3200"/>
+              <a:defRPr sz="7467"/>
             </a:lvl7pPr>
-            <a:lvl8pPr marL="6400800" indent="0" algn="ctr">
+            <a:lvl8pPr marL="14935307" indent="0" algn="ctr">
               <a:buNone/>
-              <a:defRPr sz="3200"/>
+              <a:defRPr sz="7467"/>
             </a:lvl8pPr>
-            <a:lvl9pPr marL="7315200" indent="0" algn="ctr">
+            <a:lvl9pPr marL="17068922" indent="0" algn="ctr">
               <a:buNone/>
-              <a:defRPr sz="3200"/>
+              <a:defRPr sz="7467"/>
             </a:lvl9pPr>
           </a:lstStyle>
           <a:p>
@@ -248,7 +246,7 @@
           <a:p>
             <a:fld id="{27530B1A-49E1-4C40-9321-E95425B2047F}" type="datetimeFigureOut">
               <a:rPr lang="en-US" smtClean="0"/>
-              <a:t>5/5/2023</a:t>
+              <a:t>5/8/2023</a:t>
             </a:fld>
             <a:endParaRPr lang="en-US"/>
           </a:p>
@@ -299,7 +297,7 @@
     </p:spTree>
     <p:extLst>
       <p:ext uri="{BB962C8B-B14F-4D97-AF65-F5344CB8AC3E}">
-        <p14:creationId xmlns:p14="http://schemas.microsoft.com/office/powerpoint/2010/main" val="2696173440"/>
+        <p14:creationId xmlns:p14="http://schemas.microsoft.com/office/powerpoint/2010/main" val="1288867093"/>
       </p:ext>
     </p:extLst>
   </p:cSld>
@@ -418,7 +416,7 @@
           <a:p>
             <a:fld id="{27530B1A-49E1-4C40-9321-E95425B2047F}" type="datetimeFigureOut">
               <a:rPr lang="en-US" smtClean="0"/>
-              <a:t>5/5/2023</a:t>
+              <a:t>5/8/2023</a:t>
             </a:fld>
             <a:endParaRPr lang="en-US"/>
           </a:p>
@@ -469,7 +467,7 @@
     </p:spTree>
     <p:extLst>
       <p:ext uri="{BB962C8B-B14F-4D97-AF65-F5344CB8AC3E}">
-        <p14:creationId xmlns:p14="http://schemas.microsoft.com/office/powerpoint/2010/main" val="3747547"/>
+        <p14:creationId xmlns:p14="http://schemas.microsoft.com/office/powerpoint/2010/main" val="3717508056"/>
       </p:ext>
     </p:extLst>
   </p:cSld>
@@ -508,8 +506,8 @@
         </p:nvSpPr>
         <p:spPr>
           <a:xfrm>
-            <a:off x="13087351" y="973667"/>
-            <a:ext cx="3943350" cy="15498235"/>
+            <a:off x="32718378" y="1703917"/>
+            <a:ext cx="9858375" cy="27121911"/>
           </a:xfrm>
         </p:spPr>
         <p:txBody>
@@ -536,8 +534,8 @@
         </p:nvSpPr>
         <p:spPr>
           <a:xfrm>
-            <a:off x="1257301" y="973667"/>
-            <a:ext cx="11601450" cy="15498235"/>
+            <a:off x="3143253" y="1703917"/>
+            <a:ext cx="29003625" cy="27121911"/>
           </a:xfrm>
         </p:spPr>
         <p:txBody>
@@ -598,7 +596,7 @@
           <a:p>
             <a:fld id="{27530B1A-49E1-4C40-9321-E95425B2047F}" type="datetimeFigureOut">
               <a:rPr lang="en-US" smtClean="0"/>
-              <a:t>5/5/2023</a:t>
+              <a:t>5/8/2023</a:t>
             </a:fld>
             <a:endParaRPr lang="en-US"/>
           </a:p>
@@ -649,7 +647,7 @@
     </p:spTree>
     <p:extLst>
       <p:ext uri="{BB962C8B-B14F-4D97-AF65-F5344CB8AC3E}">
-        <p14:creationId xmlns:p14="http://schemas.microsoft.com/office/powerpoint/2010/main" val="2776770992"/>
+        <p14:creationId xmlns:p14="http://schemas.microsoft.com/office/powerpoint/2010/main" val="2806682485"/>
       </p:ext>
     </p:extLst>
   </p:cSld>
@@ -768,7 +766,7 @@
           <a:p>
             <a:fld id="{27530B1A-49E1-4C40-9321-E95425B2047F}" type="datetimeFigureOut">
               <a:rPr lang="en-US" smtClean="0"/>
-              <a:t>5/5/2023</a:t>
+              <a:t>5/8/2023</a:t>
             </a:fld>
             <a:endParaRPr lang="en-US"/>
           </a:p>
@@ -819,7 +817,7 @@
     </p:spTree>
     <p:extLst>
       <p:ext uri="{BB962C8B-B14F-4D97-AF65-F5344CB8AC3E}">
-        <p14:creationId xmlns:p14="http://schemas.microsoft.com/office/powerpoint/2010/main" val="3018782428"/>
+        <p14:creationId xmlns:p14="http://schemas.microsoft.com/office/powerpoint/2010/main" val="242667383"/>
       </p:ext>
     </p:extLst>
   </p:cSld>
@@ -858,15 +856,15 @@
         </p:nvSpPr>
         <p:spPr>
           <a:xfrm>
-            <a:off x="1247776" y="4559305"/>
-            <a:ext cx="15773400" cy="7607299"/>
+            <a:off x="3119440" y="7978784"/>
+            <a:ext cx="39433500" cy="13312773"/>
           </a:xfrm>
         </p:spPr>
         <p:txBody>
           <a:bodyPr anchor="b"/>
           <a:lstStyle>
             <a:lvl1pPr>
-              <a:defRPr sz="12000"/>
+              <a:defRPr sz="28000"/>
             </a:lvl1pPr>
           </a:lstStyle>
           <a:p>
@@ -890,8 +888,8 @@
         </p:nvSpPr>
         <p:spPr>
           <a:xfrm>
-            <a:off x="1247776" y="12238572"/>
-            <a:ext cx="15773400" cy="4000499"/>
+            <a:off x="3119440" y="21417501"/>
+            <a:ext cx="39433500" cy="7000873"/>
           </a:xfrm>
         </p:spPr>
         <p:txBody>
@@ -899,15 +897,15 @@
           <a:lstStyle>
             <a:lvl1pPr marL="0" indent="0">
               <a:buNone/>
-              <a:defRPr sz="4800">
+              <a:defRPr sz="11200">
                 <a:solidFill>
                   <a:schemeClr val="tx1"/>
                 </a:solidFill>
               </a:defRPr>
             </a:lvl1pPr>
-            <a:lvl2pPr marL="914400" indent="0">
+            <a:lvl2pPr marL="2133615" indent="0">
               <a:buNone/>
-              <a:defRPr sz="4000">
+              <a:defRPr sz="9333">
                 <a:solidFill>
                   <a:schemeClr val="tx1">
                     <a:tint val="75000"/>
@@ -915,9 +913,9 @@
                 </a:solidFill>
               </a:defRPr>
             </a:lvl2pPr>
-            <a:lvl3pPr marL="1828800" indent="0">
+            <a:lvl3pPr marL="4267230" indent="0">
               <a:buNone/>
-              <a:defRPr sz="3600">
+              <a:defRPr sz="8400">
                 <a:solidFill>
                   <a:schemeClr val="tx1">
                     <a:tint val="75000"/>
@@ -925,9 +923,9 @@
                 </a:solidFill>
               </a:defRPr>
             </a:lvl3pPr>
-            <a:lvl4pPr marL="2743200" indent="0">
+            <a:lvl4pPr marL="6400846" indent="0">
               <a:buNone/>
-              <a:defRPr sz="3200">
+              <a:defRPr sz="7467">
                 <a:solidFill>
                   <a:schemeClr val="tx1">
                     <a:tint val="75000"/>
@@ -935,9 +933,9 @@
                 </a:solidFill>
               </a:defRPr>
             </a:lvl4pPr>
-            <a:lvl5pPr marL="3657600" indent="0">
+            <a:lvl5pPr marL="8534461" indent="0">
               <a:buNone/>
-              <a:defRPr sz="3200">
+              <a:defRPr sz="7467">
                 <a:solidFill>
                   <a:schemeClr val="tx1">
                     <a:tint val="75000"/>
@@ -945,9 +943,9 @@
                 </a:solidFill>
               </a:defRPr>
             </a:lvl5pPr>
-            <a:lvl6pPr marL="4572000" indent="0">
+            <a:lvl6pPr marL="10668076" indent="0">
               <a:buNone/>
-              <a:defRPr sz="3200">
+              <a:defRPr sz="7467">
                 <a:solidFill>
                   <a:schemeClr val="tx1">
                     <a:tint val="75000"/>
@@ -955,9 +953,9 @@
                 </a:solidFill>
               </a:defRPr>
             </a:lvl6pPr>
-            <a:lvl7pPr marL="5486400" indent="0">
+            <a:lvl7pPr marL="12801691" indent="0">
               <a:buNone/>
-              <a:defRPr sz="3200">
+              <a:defRPr sz="7467">
                 <a:solidFill>
                   <a:schemeClr val="tx1">
                     <a:tint val="75000"/>
@@ -965,9 +963,9 @@
                 </a:solidFill>
               </a:defRPr>
             </a:lvl7pPr>
-            <a:lvl8pPr marL="6400800" indent="0">
+            <a:lvl8pPr marL="14935307" indent="0">
               <a:buNone/>
-              <a:defRPr sz="3200">
+              <a:defRPr sz="7467">
                 <a:solidFill>
                   <a:schemeClr val="tx1">
                     <a:tint val="75000"/>
@@ -975,9 +973,9 @@
                 </a:solidFill>
               </a:defRPr>
             </a:lvl8pPr>
-            <a:lvl9pPr marL="7315200" indent="0">
+            <a:lvl9pPr marL="17068922" indent="0">
               <a:buNone/>
-              <a:defRPr sz="3200">
+              <a:defRPr sz="7467">
                 <a:solidFill>
                   <a:schemeClr val="tx1">
                     <a:tint val="75000"/>
@@ -1012,7 +1010,7 @@
           <a:p>
             <a:fld id="{27530B1A-49E1-4C40-9321-E95425B2047F}" type="datetimeFigureOut">
               <a:rPr lang="en-US" smtClean="0"/>
-              <a:t>5/5/2023</a:t>
+              <a:t>5/8/2023</a:t>
             </a:fld>
             <a:endParaRPr lang="en-US"/>
           </a:p>
@@ -1063,7 +1061,7 @@
     </p:spTree>
     <p:extLst>
       <p:ext uri="{BB962C8B-B14F-4D97-AF65-F5344CB8AC3E}">
-        <p14:creationId xmlns:p14="http://schemas.microsoft.com/office/powerpoint/2010/main" val="1710838917"/>
+        <p14:creationId xmlns:p14="http://schemas.microsoft.com/office/powerpoint/2010/main" val="4132615560"/>
       </p:ext>
     </p:extLst>
   </p:cSld>
@@ -1125,8 +1123,8 @@
         </p:nvSpPr>
         <p:spPr>
           <a:xfrm>
-            <a:off x="1257300" y="4868333"/>
-            <a:ext cx="7772400" cy="11603568"/>
+            <a:off x="3143250" y="8519583"/>
+            <a:ext cx="19431000" cy="20306244"/>
           </a:xfrm>
         </p:spPr>
         <p:txBody>
@@ -1182,8 +1180,8 @@
         </p:nvSpPr>
         <p:spPr>
           <a:xfrm>
-            <a:off x="9258300" y="4868333"/>
-            <a:ext cx="7772400" cy="11603568"/>
+            <a:off x="23145750" y="8519583"/>
+            <a:ext cx="19431000" cy="20306244"/>
           </a:xfrm>
         </p:spPr>
         <p:txBody>
@@ -1244,7 +1242,7 @@
           <a:p>
             <a:fld id="{27530B1A-49E1-4C40-9321-E95425B2047F}" type="datetimeFigureOut">
               <a:rPr lang="en-US" smtClean="0"/>
-              <a:t>5/5/2023</a:t>
+              <a:t>5/8/2023</a:t>
             </a:fld>
             <a:endParaRPr lang="en-US"/>
           </a:p>
@@ -1295,7 +1293,7 @@
     </p:spTree>
     <p:extLst>
       <p:ext uri="{BB962C8B-B14F-4D97-AF65-F5344CB8AC3E}">
-        <p14:creationId xmlns:p14="http://schemas.microsoft.com/office/powerpoint/2010/main" val="3330753934"/>
+        <p14:creationId xmlns:p14="http://schemas.microsoft.com/office/powerpoint/2010/main" val="2443640470"/>
       </p:ext>
     </p:extLst>
   </p:cSld>
@@ -1334,8 +1332,8 @@
         </p:nvSpPr>
         <p:spPr>
           <a:xfrm>
-            <a:off x="1259682" y="973671"/>
-            <a:ext cx="15773400" cy="3534835"/>
+            <a:off x="3149205" y="1703924"/>
+            <a:ext cx="39433500" cy="6185961"/>
           </a:xfrm>
         </p:spPr>
         <p:txBody>
@@ -1362,8 +1360,8 @@
         </p:nvSpPr>
         <p:spPr>
           <a:xfrm>
-            <a:off x="1259684" y="4483101"/>
-            <a:ext cx="7736680" cy="2197099"/>
+            <a:off x="3149210" y="7845427"/>
+            <a:ext cx="19341700" cy="3844923"/>
           </a:xfrm>
         </p:spPr>
         <p:txBody>
@@ -1371,39 +1369,39 @@
           <a:lstStyle>
             <a:lvl1pPr marL="0" indent="0">
               <a:buNone/>
-              <a:defRPr sz="4800" b="1"/>
+              <a:defRPr sz="11200" b="1"/>
             </a:lvl1pPr>
-            <a:lvl2pPr marL="914400" indent="0">
+            <a:lvl2pPr marL="2133615" indent="0">
               <a:buNone/>
-              <a:defRPr sz="4000" b="1"/>
+              <a:defRPr sz="9333" b="1"/>
             </a:lvl2pPr>
-            <a:lvl3pPr marL="1828800" indent="0">
+            <a:lvl3pPr marL="4267230" indent="0">
               <a:buNone/>
-              <a:defRPr sz="3600" b="1"/>
+              <a:defRPr sz="8400" b="1"/>
             </a:lvl3pPr>
-            <a:lvl4pPr marL="2743200" indent="0">
+            <a:lvl4pPr marL="6400846" indent="0">
               <a:buNone/>
-              <a:defRPr sz="3200" b="1"/>
+              <a:defRPr sz="7467" b="1"/>
             </a:lvl4pPr>
-            <a:lvl5pPr marL="3657600" indent="0">
+            <a:lvl5pPr marL="8534461" indent="0">
               <a:buNone/>
-              <a:defRPr sz="3200" b="1"/>
+              <a:defRPr sz="7467" b="1"/>
             </a:lvl5pPr>
-            <a:lvl6pPr marL="4572000" indent="0">
+            <a:lvl6pPr marL="10668076" indent="0">
               <a:buNone/>
-              <a:defRPr sz="3200" b="1"/>
+              <a:defRPr sz="7467" b="1"/>
             </a:lvl6pPr>
-            <a:lvl7pPr marL="5486400" indent="0">
+            <a:lvl7pPr marL="12801691" indent="0">
               <a:buNone/>
-              <a:defRPr sz="3200" b="1"/>
+              <a:defRPr sz="7467" b="1"/>
             </a:lvl7pPr>
-            <a:lvl8pPr marL="6400800" indent="0">
+            <a:lvl8pPr marL="14935307" indent="0">
               <a:buNone/>
-              <a:defRPr sz="3200" b="1"/>
+              <a:defRPr sz="7467" b="1"/>
             </a:lvl8pPr>
-            <a:lvl9pPr marL="7315200" indent="0">
+            <a:lvl9pPr marL="17068922" indent="0">
               <a:buNone/>
-              <a:defRPr sz="3200" b="1"/>
+              <a:defRPr sz="7467" b="1"/>
             </a:lvl9pPr>
           </a:lstStyle>
           <a:p>
@@ -1427,8 +1425,8 @@
         </p:nvSpPr>
         <p:spPr>
           <a:xfrm>
-            <a:off x="1259684" y="6680200"/>
-            <a:ext cx="7736680" cy="9825568"/>
+            <a:off x="3149210" y="11690350"/>
+            <a:ext cx="19341700" cy="17194744"/>
           </a:xfrm>
         </p:spPr>
         <p:txBody>
@@ -1484,8 +1482,8 @@
         </p:nvSpPr>
         <p:spPr>
           <a:xfrm>
-            <a:off x="9258301" y="4483101"/>
-            <a:ext cx="7774782" cy="2197099"/>
+            <a:off x="23145752" y="7845427"/>
+            <a:ext cx="19436955" cy="3844923"/>
           </a:xfrm>
         </p:spPr>
         <p:txBody>
@@ -1493,39 +1491,39 @@
           <a:lstStyle>
             <a:lvl1pPr marL="0" indent="0">
               <a:buNone/>
-              <a:defRPr sz="4800" b="1"/>
+              <a:defRPr sz="11200" b="1"/>
             </a:lvl1pPr>
-            <a:lvl2pPr marL="914400" indent="0">
+            <a:lvl2pPr marL="2133615" indent="0">
               <a:buNone/>
-              <a:defRPr sz="4000" b="1"/>
+              <a:defRPr sz="9333" b="1"/>
             </a:lvl2pPr>
-            <a:lvl3pPr marL="1828800" indent="0">
+            <a:lvl3pPr marL="4267230" indent="0">
               <a:buNone/>
-              <a:defRPr sz="3600" b="1"/>
+              <a:defRPr sz="8400" b="1"/>
             </a:lvl3pPr>
-            <a:lvl4pPr marL="2743200" indent="0">
+            <a:lvl4pPr marL="6400846" indent="0">
               <a:buNone/>
-              <a:defRPr sz="3200" b="1"/>
+              <a:defRPr sz="7467" b="1"/>
             </a:lvl4pPr>
-            <a:lvl5pPr marL="3657600" indent="0">
+            <a:lvl5pPr marL="8534461" indent="0">
               <a:buNone/>
-              <a:defRPr sz="3200" b="1"/>
+              <a:defRPr sz="7467" b="1"/>
             </a:lvl5pPr>
-            <a:lvl6pPr marL="4572000" indent="0">
+            <a:lvl6pPr marL="10668076" indent="0">
               <a:buNone/>
-              <a:defRPr sz="3200" b="1"/>
+              <a:defRPr sz="7467" b="1"/>
             </a:lvl6pPr>
-            <a:lvl7pPr marL="5486400" indent="0">
+            <a:lvl7pPr marL="12801691" indent="0">
               <a:buNone/>
-              <a:defRPr sz="3200" b="1"/>
+              <a:defRPr sz="7467" b="1"/>
             </a:lvl7pPr>
-            <a:lvl8pPr marL="6400800" indent="0">
+            <a:lvl8pPr marL="14935307" indent="0">
               <a:buNone/>
-              <a:defRPr sz="3200" b="1"/>
+              <a:defRPr sz="7467" b="1"/>
             </a:lvl8pPr>
-            <a:lvl9pPr marL="7315200" indent="0">
+            <a:lvl9pPr marL="17068922" indent="0">
               <a:buNone/>
-              <a:defRPr sz="3200" b="1"/>
+              <a:defRPr sz="7467" b="1"/>
             </a:lvl9pPr>
           </a:lstStyle>
           <a:p>
@@ -1549,8 +1547,8 @@
         </p:nvSpPr>
         <p:spPr>
           <a:xfrm>
-            <a:off x="9258301" y="6680200"/>
-            <a:ext cx="7774782" cy="9825568"/>
+            <a:off x="23145752" y="11690350"/>
+            <a:ext cx="19436955" cy="17194744"/>
           </a:xfrm>
         </p:spPr>
         <p:txBody>
@@ -1611,7 +1609,7 @@
           <a:p>
             <a:fld id="{27530B1A-49E1-4C40-9321-E95425B2047F}" type="datetimeFigureOut">
               <a:rPr lang="en-US" smtClean="0"/>
-              <a:t>5/5/2023</a:t>
+              <a:t>5/8/2023</a:t>
             </a:fld>
             <a:endParaRPr lang="en-US"/>
           </a:p>
@@ -1662,7 +1660,7 @@
     </p:spTree>
     <p:extLst>
       <p:ext uri="{BB962C8B-B14F-4D97-AF65-F5344CB8AC3E}">
-        <p14:creationId xmlns:p14="http://schemas.microsoft.com/office/powerpoint/2010/main" val="1072074440"/>
+        <p14:creationId xmlns:p14="http://schemas.microsoft.com/office/powerpoint/2010/main" val="311943460"/>
       </p:ext>
     </p:extLst>
   </p:cSld>
@@ -1729,7 +1727,7 @@
           <a:p>
             <a:fld id="{27530B1A-49E1-4C40-9321-E95425B2047F}" type="datetimeFigureOut">
               <a:rPr lang="en-US" smtClean="0"/>
-              <a:t>5/5/2023</a:t>
+              <a:t>5/8/2023</a:t>
             </a:fld>
             <a:endParaRPr lang="en-US"/>
           </a:p>
@@ -1780,7 +1778,7 @@
     </p:spTree>
     <p:extLst>
       <p:ext uri="{BB962C8B-B14F-4D97-AF65-F5344CB8AC3E}">
-        <p14:creationId xmlns:p14="http://schemas.microsoft.com/office/powerpoint/2010/main" val="1940715000"/>
+        <p14:creationId xmlns:p14="http://schemas.microsoft.com/office/powerpoint/2010/main" val="479591806"/>
       </p:ext>
     </p:extLst>
   </p:cSld>
@@ -1824,7 +1822,7 @@
           <a:p>
             <a:fld id="{27530B1A-49E1-4C40-9321-E95425B2047F}" type="datetimeFigureOut">
               <a:rPr lang="en-US" smtClean="0"/>
-              <a:t>5/5/2023</a:t>
+              <a:t>5/8/2023</a:t>
             </a:fld>
             <a:endParaRPr lang="en-US"/>
           </a:p>
@@ -1875,7 +1873,7 @@
     </p:spTree>
     <p:extLst>
       <p:ext uri="{BB962C8B-B14F-4D97-AF65-F5344CB8AC3E}">
-        <p14:creationId xmlns:p14="http://schemas.microsoft.com/office/powerpoint/2010/main" val="3615098286"/>
+        <p14:creationId xmlns:p14="http://schemas.microsoft.com/office/powerpoint/2010/main" val="1560709843"/>
       </p:ext>
     </p:extLst>
   </p:cSld>
@@ -1914,15 +1912,15 @@
         </p:nvSpPr>
         <p:spPr>
           <a:xfrm>
-            <a:off x="1259682" y="1219200"/>
-            <a:ext cx="5898356" cy="4267200"/>
+            <a:off x="3149205" y="2133600"/>
+            <a:ext cx="14745890" cy="7467600"/>
           </a:xfrm>
         </p:spPr>
         <p:txBody>
           <a:bodyPr anchor="b"/>
           <a:lstStyle>
             <a:lvl1pPr>
-              <a:defRPr sz="6400"/>
+              <a:defRPr sz="14933"/>
             </a:lvl1pPr>
           </a:lstStyle>
           <a:p>
@@ -1946,39 +1944,39 @@
         </p:nvSpPr>
         <p:spPr>
           <a:xfrm>
-            <a:off x="7774782" y="2633138"/>
-            <a:ext cx="9258300" cy="12996333"/>
+            <a:off x="19436955" y="4607991"/>
+            <a:ext cx="23145750" cy="22743583"/>
           </a:xfrm>
         </p:spPr>
         <p:txBody>
           <a:bodyPr/>
           <a:lstStyle>
             <a:lvl1pPr>
-              <a:defRPr sz="6400"/>
+              <a:defRPr sz="14933"/>
             </a:lvl1pPr>
             <a:lvl2pPr>
-              <a:defRPr sz="5600"/>
+              <a:defRPr sz="13067"/>
             </a:lvl2pPr>
             <a:lvl3pPr>
-              <a:defRPr sz="4800"/>
+              <a:defRPr sz="11200"/>
             </a:lvl3pPr>
             <a:lvl4pPr>
-              <a:defRPr sz="4000"/>
+              <a:defRPr sz="9333"/>
             </a:lvl4pPr>
             <a:lvl5pPr>
-              <a:defRPr sz="4000"/>
+              <a:defRPr sz="9333"/>
             </a:lvl5pPr>
             <a:lvl6pPr>
-              <a:defRPr sz="4000"/>
+              <a:defRPr sz="9333"/>
             </a:lvl6pPr>
             <a:lvl7pPr>
-              <a:defRPr sz="4000"/>
+              <a:defRPr sz="9333"/>
             </a:lvl7pPr>
             <a:lvl8pPr>
-              <a:defRPr sz="4000"/>
+              <a:defRPr sz="9333"/>
             </a:lvl8pPr>
             <a:lvl9pPr>
-              <a:defRPr sz="4000"/>
+              <a:defRPr sz="9333"/>
             </a:lvl9pPr>
           </a:lstStyle>
           <a:p>
@@ -2031,8 +2029,8 @@
         </p:nvSpPr>
         <p:spPr>
           <a:xfrm>
-            <a:off x="1259682" y="5486400"/>
-            <a:ext cx="5898356" cy="10164235"/>
+            <a:off x="3149205" y="9601200"/>
+            <a:ext cx="14745890" cy="17787411"/>
           </a:xfrm>
         </p:spPr>
         <p:txBody>
@@ -2040,39 +2038,39 @@
           <a:lstStyle>
             <a:lvl1pPr marL="0" indent="0">
               <a:buNone/>
-              <a:defRPr sz="3200"/>
+              <a:defRPr sz="7467"/>
             </a:lvl1pPr>
-            <a:lvl2pPr marL="914400" indent="0">
+            <a:lvl2pPr marL="2133615" indent="0">
               <a:buNone/>
-              <a:defRPr sz="2800"/>
+              <a:defRPr sz="6533"/>
             </a:lvl2pPr>
-            <a:lvl3pPr marL="1828800" indent="0">
+            <a:lvl3pPr marL="4267230" indent="0">
               <a:buNone/>
-              <a:defRPr sz="2400"/>
+              <a:defRPr sz="5600"/>
             </a:lvl3pPr>
-            <a:lvl4pPr marL="2743200" indent="0">
+            <a:lvl4pPr marL="6400846" indent="0">
               <a:buNone/>
-              <a:defRPr sz="2000"/>
+              <a:defRPr sz="4667"/>
             </a:lvl4pPr>
-            <a:lvl5pPr marL="3657600" indent="0">
+            <a:lvl5pPr marL="8534461" indent="0">
               <a:buNone/>
-              <a:defRPr sz="2000"/>
+              <a:defRPr sz="4667"/>
             </a:lvl5pPr>
-            <a:lvl6pPr marL="4572000" indent="0">
+            <a:lvl6pPr marL="10668076" indent="0">
               <a:buNone/>
-              <a:defRPr sz="2000"/>
+              <a:defRPr sz="4667"/>
             </a:lvl6pPr>
-            <a:lvl7pPr marL="5486400" indent="0">
+            <a:lvl7pPr marL="12801691" indent="0">
               <a:buNone/>
-              <a:defRPr sz="2000"/>
+              <a:defRPr sz="4667"/>
             </a:lvl7pPr>
-            <a:lvl8pPr marL="6400800" indent="0">
+            <a:lvl8pPr marL="14935307" indent="0">
               <a:buNone/>
-              <a:defRPr sz="2000"/>
+              <a:defRPr sz="4667"/>
             </a:lvl8pPr>
-            <a:lvl9pPr marL="7315200" indent="0">
+            <a:lvl9pPr marL="17068922" indent="0">
               <a:buNone/>
-              <a:defRPr sz="2000"/>
+              <a:defRPr sz="4667"/>
             </a:lvl9pPr>
           </a:lstStyle>
           <a:p>
@@ -2101,7 +2099,7 @@
           <a:p>
             <a:fld id="{27530B1A-49E1-4C40-9321-E95425B2047F}" type="datetimeFigureOut">
               <a:rPr lang="en-US" smtClean="0"/>
-              <a:t>5/5/2023</a:t>
+              <a:t>5/8/2023</a:t>
             </a:fld>
             <a:endParaRPr lang="en-US"/>
           </a:p>
@@ -2152,7 +2150,7 @@
     </p:spTree>
     <p:extLst>
       <p:ext uri="{BB962C8B-B14F-4D97-AF65-F5344CB8AC3E}">
-        <p14:creationId xmlns:p14="http://schemas.microsoft.com/office/powerpoint/2010/main" val="1460222001"/>
+        <p14:creationId xmlns:p14="http://schemas.microsoft.com/office/powerpoint/2010/main" val="2035293361"/>
       </p:ext>
     </p:extLst>
   </p:cSld>
@@ -2191,15 +2189,15 @@
         </p:nvSpPr>
         <p:spPr>
           <a:xfrm>
-            <a:off x="1259682" y="1219200"/>
-            <a:ext cx="5898356" cy="4267200"/>
+            <a:off x="3149205" y="2133600"/>
+            <a:ext cx="14745890" cy="7467600"/>
           </a:xfrm>
         </p:spPr>
         <p:txBody>
           <a:bodyPr anchor="b"/>
           <a:lstStyle>
             <a:lvl1pPr>
-              <a:defRPr sz="6400"/>
+              <a:defRPr sz="14933"/>
             </a:lvl1pPr>
           </a:lstStyle>
           <a:p>
@@ -2223,8 +2221,8 @@
         </p:nvSpPr>
         <p:spPr>
           <a:xfrm>
-            <a:off x="7774782" y="2633138"/>
-            <a:ext cx="9258300" cy="12996333"/>
+            <a:off x="19436955" y="4607991"/>
+            <a:ext cx="23145750" cy="22743583"/>
           </a:xfrm>
         </p:spPr>
         <p:txBody>
@@ -2232,39 +2230,39 @@
           <a:lstStyle>
             <a:lvl1pPr marL="0" indent="0">
               <a:buNone/>
-              <a:defRPr sz="6400"/>
+              <a:defRPr sz="14933"/>
             </a:lvl1pPr>
-            <a:lvl2pPr marL="914400" indent="0">
+            <a:lvl2pPr marL="2133615" indent="0">
               <a:buNone/>
-              <a:defRPr sz="5600"/>
+              <a:defRPr sz="13067"/>
             </a:lvl2pPr>
-            <a:lvl3pPr marL="1828800" indent="0">
+            <a:lvl3pPr marL="4267230" indent="0">
               <a:buNone/>
-              <a:defRPr sz="4800"/>
+              <a:defRPr sz="11200"/>
             </a:lvl3pPr>
-            <a:lvl4pPr marL="2743200" indent="0">
+            <a:lvl4pPr marL="6400846" indent="0">
               <a:buNone/>
-              <a:defRPr sz="4000"/>
+              <a:defRPr sz="9333"/>
             </a:lvl4pPr>
-            <a:lvl5pPr marL="3657600" indent="0">
+            <a:lvl5pPr marL="8534461" indent="0">
               <a:buNone/>
-              <a:defRPr sz="4000"/>
+              <a:defRPr sz="9333"/>
             </a:lvl5pPr>
-            <a:lvl6pPr marL="4572000" indent="0">
+            <a:lvl6pPr marL="10668076" indent="0">
               <a:buNone/>
-              <a:defRPr sz="4000"/>
+              <a:defRPr sz="9333"/>
             </a:lvl6pPr>
-            <a:lvl7pPr marL="5486400" indent="0">
+            <a:lvl7pPr marL="12801691" indent="0">
               <a:buNone/>
-              <a:defRPr sz="4000"/>
+              <a:defRPr sz="9333"/>
             </a:lvl7pPr>
-            <a:lvl8pPr marL="6400800" indent="0">
+            <a:lvl8pPr marL="14935307" indent="0">
               <a:buNone/>
-              <a:defRPr sz="4000"/>
+              <a:defRPr sz="9333"/>
             </a:lvl8pPr>
-            <a:lvl9pPr marL="7315200" indent="0">
+            <a:lvl9pPr marL="17068922" indent="0">
               <a:buNone/>
-              <a:defRPr sz="4000"/>
+              <a:defRPr sz="9333"/>
             </a:lvl9pPr>
           </a:lstStyle>
           <a:p>
@@ -2288,8 +2286,8 @@
         </p:nvSpPr>
         <p:spPr>
           <a:xfrm>
-            <a:off x="1259682" y="5486400"/>
-            <a:ext cx="5898356" cy="10164235"/>
+            <a:off x="3149205" y="9601200"/>
+            <a:ext cx="14745890" cy="17787411"/>
           </a:xfrm>
         </p:spPr>
         <p:txBody>
@@ -2297,39 +2295,39 @@
           <a:lstStyle>
             <a:lvl1pPr marL="0" indent="0">
               <a:buNone/>
-              <a:defRPr sz="3200"/>
+              <a:defRPr sz="7467"/>
             </a:lvl1pPr>
-            <a:lvl2pPr marL="914400" indent="0">
+            <a:lvl2pPr marL="2133615" indent="0">
               <a:buNone/>
-              <a:defRPr sz="2800"/>
+              <a:defRPr sz="6533"/>
             </a:lvl2pPr>
-            <a:lvl3pPr marL="1828800" indent="0">
+            <a:lvl3pPr marL="4267230" indent="0">
               <a:buNone/>
-              <a:defRPr sz="2400"/>
+              <a:defRPr sz="5600"/>
             </a:lvl3pPr>
-            <a:lvl4pPr marL="2743200" indent="0">
+            <a:lvl4pPr marL="6400846" indent="0">
               <a:buNone/>
-              <a:defRPr sz="2000"/>
+              <a:defRPr sz="4667"/>
             </a:lvl4pPr>
-            <a:lvl5pPr marL="3657600" indent="0">
+            <a:lvl5pPr marL="8534461" indent="0">
               <a:buNone/>
-              <a:defRPr sz="2000"/>
+              <a:defRPr sz="4667"/>
             </a:lvl5pPr>
-            <a:lvl6pPr marL="4572000" indent="0">
+            <a:lvl6pPr marL="10668076" indent="0">
               <a:buNone/>
-              <a:defRPr sz="2000"/>
+              <a:defRPr sz="4667"/>
             </a:lvl6pPr>
-            <a:lvl7pPr marL="5486400" indent="0">
+            <a:lvl7pPr marL="12801691" indent="0">
               <a:buNone/>
-              <a:defRPr sz="2000"/>
+              <a:defRPr sz="4667"/>
             </a:lvl7pPr>
-            <a:lvl8pPr marL="6400800" indent="0">
+            <a:lvl8pPr marL="14935307" indent="0">
               <a:buNone/>
-              <a:defRPr sz="2000"/>
+              <a:defRPr sz="4667"/>
             </a:lvl8pPr>
-            <a:lvl9pPr marL="7315200" indent="0">
+            <a:lvl9pPr marL="17068922" indent="0">
               <a:buNone/>
-              <a:defRPr sz="2000"/>
+              <a:defRPr sz="4667"/>
             </a:lvl9pPr>
           </a:lstStyle>
           <a:p>
@@ -2358,7 +2356,7 @@
           <a:p>
             <a:fld id="{27530B1A-49E1-4C40-9321-E95425B2047F}" type="datetimeFigureOut">
               <a:rPr lang="en-US" smtClean="0"/>
-              <a:t>5/5/2023</a:t>
+              <a:t>5/8/2023</a:t>
             </a:fld>
             <a:endParaRPr lang="en-US"/>
           </a:p>
@@ -2409,7 +2407,7 @@
     </p:spTree>
     <p:extLst>
       <p:ext uri="{BB962C8B-B14F-4D97-AF65-F5344CB8AC3E}">
-        <p14:creationId xmlns:p14="http://schemas.microsoft.com/office/powerpoint/2010/main" val="1814032071"/>
+        <p14:creationId xmlns:p14="http://schemas.microsoft.com/office/powerpoint/2010/main" val="1966484309"/>
       </p:ext>
     </p:extLst>
   </p:cSld>
@@ -2453,8 +2451,8 @@
         </p:nvSpPr>
         <p:spPr>
           <a:xfrm>
-            <a:off x="1257300" y="973671"/>
-            <a:ext cx="15773400" cy="3534835"/>
+            <a:off x="3143250" y="1703924"/>
+            <a:ext cx="39433500" cy="6185961"/>
           </a:xfrm>
           <a:prstGeom prst="rect">
             <a:avLst/>
@@ -2486,8 +2484,8 @@
         </p:nvSpPr>
         <p:spPr>
           <a:xfrm>
-            <a:off x="1257300" y="4868333"/>
-            <a:ext cx="15773400" cy="11603568"/>
+            <a:off x="3143250" y="8519583"/>
+            <a:ext cx="39433500" cy="20306244"/>
           </a:xfrm>
           <a:prstGeom prst="rect">
             <a:avLst/>
@@ -2548,8 +2546,8 @@
         </p:nvSpPr>
         <p:spPr>
           <a:xfrm>
-            <a:off x="1257300" y="16950271"/>
-            <a:ext cx="4114800" cy="973667"/>
+            <a:off x="3143250" y="29662974"/>
+            <a:ext cx="10287000" cy="1703917"/>
           </a:xfrm>
           <a:prstGeom prst="rect">
             <a:avLst/>
@@ -2559,7 +2557,7 @@
           <a:bodyPr vert="horz" lIns="91440" tIns="45720" rIns="91440" bIns="45720" rtlCol="0" anchor="ctr"/>
           <a:lstStyle>
             <a:lvl1pPr algn="l">
-              <a:defRPr sz="2400">
+              <a:defRPr sz="5600">
                 <a:solidFill>
                   <a:schemeClr val="tx1">
                     <a:tint val="75000"/>
@@ -2571,7 +2569,7 @@
           <a:p>
             <a:fld id="{27530B1A-49E1-4C40-9321-E95425B2047F}" type="datetimeFigureOut">
               <a:rPr lang="en-US" smtClean="0"/>
-              <a:t>5/5/2023</a:t>
+              <a:t>5/8/2023</a:t>
             </a:fld>
             <a:endParaRPr lang="en-US"/>
           </a:p>
@@ -2589,8 +2587,8 @@
         </p:nvSpPr>
         <p:spPr>
           <a:xfrm>
-            <a:off x="6057900" y="16950271"/>
-            <a:ext cx="6172200" cy="973667"/>
+            <a:off x="15144750" y="29662974"/>
+            <a:ext cx="15430500" cy="1703917"/>
           </a:xfrm>
           <a:prstGeom prst="rect">
             <a:avLst/>
@@ -2600,7 +2598,7 @@
           <a:bodyPr vert="horz" lIns="91440" tIns="45720" rIns="91440" bIns="45720" rtlCol="0" anchor="ctr"/>
           <a:lstStyle>
             <a:lvl1pPr algn="ctr">
-              <a:defRPr sz="2400">
+              <a:defRPr sz="5600">
                 <a:solidFill>
                   <a:schemeClr val="tx1">
                     <a:tint val="75000"/>
@@ -2626,8 +2624,8 @@
         </p:nvSpPr>
         <p:spPr>
           <a:xfrm>
-            <a:off x="12915900" y="16950271"/>
-            <a:ext cx="4114800" cy="973667"/>
+            <a:off x="32289750" y="29662974"/>
+            <a:ext cx="10287000" cy="1703917"/>
           </a:xfrm>
           <a:prstGeom prst="rect">
             <a:avLst/>
@@ -2637,7 +2635,7 @@
           <a:bodyPr vert="horz" lIns="91440" tIns="45720" rIns="91440" bIns="45720" rtlCol="0" anchor="ctr"/>
           <a:lstStyle>
             <a:lvl1pPr algn="r">
-              <a:defRPr sz="2400">
+              <a:defRPr sz="5600">
                 <a:solidFill>
                   <a:schemeClr val="tx1">
                     <a:tint val="75000"/>
@@ -2658,27 +2656,27 @@
     </p:spTree>
     <p:extLst>
       <p:ext uri="{BB962C8B-B14F-4D97-AF65-F5344CB8AC3E}">
-        <p14:creationId xmlns:p14="http://schemas.microsoft.com/office/powerpoint/2010/main" val="3891901899"/>
+        <p14:creationId xmlns:p14="http://schemas.microsoft.com/office/powerpoint/2010/main" val="790765761"/>
       </p:ext>
     </p:extLst>
   </p:cSld>
   <p:clrMap bg1="lt1" tx1="dk1" bg2="lt2" tx2="dk2" accent1="accent1" accent2="accent2" accent3="accent3" accent4="accent4" accent5="accent5" accent6="accent6" hlink="hlink" folHlink="folHlink"/>
   <p:sldLayoutIdLst>
-    <p:sldLayoutId id="2147483661" r:id="rId1"/>
-    <p:sldLayoutId id="2147483662" r:id="rId2"/>
-    <p:sldLayoutId id="2147483663" r:id="rId3"/>
-    <p:sldLayoutId id="2147483664" r:id="rId4"/>
-    <p:sldLayoutId id="2147483665" r:id="rId5"/>
-    <p:sldLayoutId id="2147483666" r:id="rId6"/>
-    <p:sldLayoutId id="2147483667" r:id="rId7"/>
-    <p:sldLayoutId id="2147483668" r:id="rId8"/>
-    <p:sldLayoutId id="2147483669" r:id="rId9"/>
-    <p:sldLayoutId id="2147483670" r:id="rId10"/>
-    <p:sldLayoutId id="2147483671" r:id="rId11"/>
+    <p:sldLayoutId id="2147483673" r:id="rId1"/>
+    <p:sldLayoutId id="2147483674" r:id="rId2"/>
+    <p:sldLayoutId id="2147483675" r:id="rId3"/>
+    <p:sldLayoutId id="2147483676" r:id="rId4"/>
+    <p:sldLayoutId id="2147483677" r:id="rId5"/>
+    <p:sldLayoutId id="2147483678" r:id="rId6"/>
+    <p:sldLayoutId id="2147483679" r:id="rId7"/>
+    <p:sldLayoutId id="2147483680" r:id="rId8"/>
+    <p:sldLayoutId id="2147483681" r:id="rId9"/>
+    <p:sldLayoutId id="2147483682" r:id="rId10"/>
+    <p:sldLayoutId id="2147483683" r:id="rId11"/>
   </p:sldLayoutIdLst>
   <p:txStyles>
     <p:titleStyle>
-      <a:lvl1pPr algn="l" defTabSz="1828800" rtl="0" eaLnBrk="1" latinLnBrk="0" hangingPunct="1">
+      <a:lvl1pPr algn="l" defTabSz="4267230" rtl="0" eaLnBrk="1" latinLnBrk="0" hangingPunct="1">
         <a:lnSpc>
           <a:spcPct val="90000"/>
         </a:lnSpc>
@@ -2686,7 +2684,7 @@
           <a:spcPct val="0"/>
         </a:spcBef>
         <a:buNone/>
-        <a:defRPr sz="8800" kern="1200">
+        <a:defRPr sz="20533" kern="1200">
           <a:solidFill>
             <a:schemeClr val="tx1"/>
           </a:solidFill>
@@ -2697,16 +2695,16 @@
       </a:lvl1pPr>
     </p:titleStyle>
     <p:bodyStyle>
-      <a:lvl1pPr marL="457200" indent="-457200" algn="l" defTabSz="1828800" rtl="0" eaLnBrk="1" latinLnBrk="0" hangingPunct="1">
+      <a:lvl1pPr marL="1066808" indent="-1066808" algn="l" defTabSz="4267230" rtl="0" eaLnBrk="1" latinLnBrk="0" hangingPunct="1">
         <a:lnSpc>
           <a:spcPct val="90000"/>
         </a:lnSpc>
         <a:spcBef>
-          <a:spcPts val="2000"/>
+          <a:spcPts val="4667"/>
         </a:spcBef>
         <a:buFont typeface="Arial" panose="020B0604020202020204" pitchFamily="34" charset="0"/>
         <a:buChar char="•"/>
-        <a:defRPr sz="5600" kern="1200">
+        <a:defRPr sz="13067" kern="1200">
           <a:solidFill>
             <a:schemeClr val="tx1"/>
           </a:solidFill>
@@ -2715,16 +2713,16 @@
           <a:cs typeface="+mn-cs"/>
         </a:defRPr>
       </a:lvl1pPr>
-      <a:lvl2pPr marL="1371600" indent="-457200" algn="l" defTabSz="1828800" rtl="0" eaLnBrk="1" latinLnBrk="0" hangingPunct="1">
+      <a:lvl2pPr marL="3200423" indent="-1066808" algn="l" defTabSz="4267230" rtl="0" eaLnBrk="1" latinLnBrk="0" hangingPunct="1">
         <a:lnSpc>
           <a:spcPct val="90000"/>
         </a:lnSpc>
         <a:spcBef>
-          <a:spcPts val="1000"/>
+          <a:spcPts val="2333"/>
         </a:spcBef>
         <a:buFont typeface="Arial" panose="020B0604020202020204" pitchFamily="34" charset="0"/>
         <a:buChar char="•"/>
-        <a:defRPr sz="4800" kern="1200">
+        <a:defRPr sz="11200" kern="1200">
           <a:solidFill>
             <a:schemeClr val="tx1"/>
           </a:solidFill>
@@ -2733,16 +2731,16 @@
           <a:cs typeface="+mn-cs"/>
         </a:defRPr>
       </a:lvl2pPr>
-      <a:lvl3pPr marL="2286000" indent="-457200" algn="l" defTabSz="1828800" rtl="0" eaLnBrk="1" latinLnBrk="0" hangingPunct="1">
+      <a:lvl3pPr marL="5334038" indent="-1066808" algn="l" defTabSz="4267230" rtl="0" eaLnBrk="1" latinLnBrk="0" hangingPunct="1">
         <a:lnSpc>
           <a:spcPct val="90000"/>
         </a:lnSpc>
         <a:spcBef>
-          <a:spcPts val="1000"/>
+          <a:spcPts val="2333"/>
         </a:spcBef>
         <a:buFont typeface="Arial" panose="020B0604020202020204" pitchFamily="34" charset="0"/>
         <a:buChar char="•"/>
-        <a:defRPr sz="4000" kern="1200">
+        <a:defRPr sz="9333" kern="1200">
           <a:solidFill>
             <a:schemeClr val="tx1"/>
           </a:solidFill>
@@ -2751,16 +2749,16 @@
           <a:cs typeface="+mn-cs"/>
         </a:defRPr>
       </a:lvl3pPr>
-      <a:lvl4pPr marL="3200400" indent="-457200" algn="l" defTabSz="1828800" rtl="0" eaLnBrk="1" latinLnBrk="0" hangingPunct="1">
+      <a:lvl4pPr marL="7467653" indent="-1066808" algn="l" defTabSz="4267230" rtl="0" eaLnBrk="1" latinLnBrk="0" hangingPunct="1">
         <a:lnSpc>
           <a:spcPct val="90000"/>
         </a:lnSpc>
         <a:spcBef>
-          <a:spcPts val="1000"/>
+          <a:spcPts val="2333"/>
         </a:spcBef>
         <a:buFont typeface="Arial" panose="020B0604020202020204" pitchFamily="34" charset="0"/>
         <a:buChar char="•"/>
-        <a:defRPr sz="3600" kern="1200">
+        <a:defRPr sz="8400" kern="1200">
           <a:solidFill>
             <a:schemeClr val="tx1"/>
           </a:solidFill>
@@ -2769,16 +2767,16 @@
           <a:cs typeface="+mn-cs"/>
         </a:defRPr>
       </a:lvl4pPr>
-      <a:lvl5pPr marL="4114800" indent="-457200" algn="l" defTabSz="1828800" rtl="0" eaLnBrk="1" latinLnBrk="0" hangingPunct="1">
+      <a:lvl5pPr marL="9601269" indent="-1066808" algn="l" defTabSz="4267230" rtl="0" eaLnBrk="1" latinLnBrk="0" hangingPunct="1">
         <a:lnSpc>
           <a:spcPct val="90000"/>
         </a:lnSpc>
         <a:spcBef>
-          <a:spcPts val="1000"/>
+          <a:spcPts val="2333"/>
         </a:spcBef>
         <a:buFont typeface="Arial" panose="020B0604020202020204" pitchFamily="34" charset="0"/>
         <a:buChar char="•"/>
-        <a:defRPr sz="3600" kern="1200">
+        <a:defRPr sz="8400" kern="1200">
           <a:solidFill>
             <a:schemeClr val="tx1"/>
           </a:solidFill>
@@ -2787,16 +2785,16 @@
           <a:cs typeface="+mn-cs"/>
         </a:defRPr>
       </a:lvl5pPr>
-      <a:lvl6pPr marL="5029200" indent="-457200" algn="l" defTabSz="1828800" rtl="0" eaLnBrk="1" latinLnBrk="0" hangingPunct="1">
+      <a:lvl6pPr marL="11734884" indent="-1066808" algn="l" defTabSz="4267230" rtl="0" eaLnBrk="1" latinLnBrk="0" hangingPunct="1">
         <a:lnSpc>
           <a:spcPct val="90000"/>
         </a:lnSpc>
         <a:spcBef>
-          <a:spcPts val="1000"/>
+          <a:spcPts val="2333"/>
         </a:spcBef>
         <a:buFont typeface="Arial" panose="020B0604020202020204" pitchFamily="34" charset="0"/>
         <a:buChar char="•"/>
-        <a:defRPr sz="3600" kern="1200">
+        <a:defRPr sz="8400" kern="1200">
           <a:solidFill>
             <a:schemeClr val="tx1"/>
           </a:solidFill>
@@ -2805,16 +2803,16 @@
           <a:cs typeface="+mn-cs"/>
         </a:defRPr>
       </a:lvl6pPr>
-      <a:lvl7pPr marL="5943600" indent="-457200" algn="l" defTabSz="1828800" rtl="0" eaLnBrk="1" latinLnBrk="0" hangingPunct="1">
+      <a:lvl7pPr marL="13868499" indent="-1066808" algn="l" defTabSz="4267230" rtl="0" eaLnBrk="1" latinLnBrk="0" hangingPunct="1">
         <a:lnSpc>
           <a:spcPct val="90000"/>
         </a:lnSpc>
         <a:spcBef>
-          <a:spcPts val="1000"/>
+          <a:spcPts val="2333"/>
         </a:spcBef>
         <a:buFont typeface="Arial" panose="020B0604020202020204" pitchFamily="34" charset="0"/>
         <a:buChar char="•"/>
-        <a:defRPr sz="3600" kern="1200">
+        <a:defRPr sz="8400" kern="1200">
           <a:solidFill>
             <a:schemeClr val="tx1"/>
           </a:solidFill>
@@ -2823,16 +2821,16 @@
           <a:cs typeface="+mn-cs"/>
         </a:defRPr>
       </a:lvl7pPr>
-      <a:lvl8pPr marL="6858000" indent="-457200" algn="l" defTabSz="1828800" rtl="0" eaLnBrk="1" latinLnBrk="0" hangingPunct="1">
+      <a:lvl8pPr marL="16002114" indent="-1066808" algn="l" defTabSz="4267230" rtl="0" eaLnBrk="1" latinLnBrk="0" hangingPunct="1">
         <a:lnSpc>
           <a:spcPct val="90000"/>
         </a:lnSpc>
         <a:spcBef>
-          <a:spcPts val="1000"/>
+          <a:spcPts val="2333"/>
         </a:spcBef>
         <a:buFont typeface="Arial" panose="020B0604020202020204" pitchFamily="34" charset="0"/>
         <a:buChar char="•"/>
-        <a:defRPr sz="3600" kern="1200">
+        <a:defRPr sz="8400" kern="1200">
           <a:solidFill>
             <a:schemeClr val="tx1"/>
           </a:solidFill>
@@ -2841,16 +2839,16 @@
           <a:cs typeface="+mn-cs"/>
         </a:defRPr>
       </a:lvl8pPr>
-      <a:lvl9pPr marL="7772400" indent="-457200" algn="l" defTabSz="1828800" rtl="0" eaLnBrk="1" latinLnBrk="0" hangingPunct="1">
+      <a:lvl9pPr marL="18135730" indent="-1066808" algn="l" defTabSz="4267230" rtl="0" eaLnBrk="1" latinLnBrk="0" hangingPunct="1">
         <a:lnSpc>
           <a:spcPct val="90000"/>
         </a:lnSpc>
         <a:spcBef>
-          <a:spcPts val="1000"/>
+          <a:spcPts val="2333"/>
         </a:spcBef>
         <a:buFont typeface="Arial" panose="020B0604020202020204" pitchFamily="34" charset="0"/>
         <a:buChar char="•"/>
-        <a:defRPr sz="3600" kern="1200">
+        <a:defRPr sz="8400" kern="1200">
           <a:solidFill>
             <a:schemeClr val="tx1"/>
           </a:solidFill>
@@ -2864,8 +2862,8 @@
       <a:defPPr>
         <a:defRPr lang="en-US"/>
       </a:defPPr>
-      <a:lvl1pPr marL="0" algn="l" defTabSz="1828800" rtl="0" eaLnBrk="1" latinLnBrk="0" hangingPunct="1">
-        <a:defRPr sz="3600" kern="1200">
+      <a:lvl1pPr marL="0" algn="l" defTabSz="4267230" rtl="0" eaLnBrk="1" latinLnBrk="0" hangingPunct="1">
+        <a:defRPr sz="8400" kern="1200">
           <a:solidFill>
             <a:schemeClr val="tx1"/>
           </a:solidFill>
@@ -2874,8 +2872,8 @@
           <a:cs typeface="+mn-cs"/>
         </a:defRPr>
       </a:lvl1pPr>
-      <a:lvl2pPr marL="914400" algn="l" defTabSz="1828800" rtl="0" eaLnBrk="1" latinLnBrk="0" hangingPunct="1">
-        <a:defRPr sz="3600" kern="1200">
+      <a:lvl2pPr marL="2133615" algn="l" defTabSz="4267230" rtl="0" eaLnBrk="1" latinLnBrk="0" hangingPunct="1">
+        <a:defRPr sz="8400" kern="1200">
           <a:solidFill>
             <a:schemeClr val="tx1"/>
           </a:solidFill>
@@ -2884,8 +2882,8 @@
           <a:cs typeface="+mn-cs"/>
         </a:defRPr>
       </a:lvl2pPr>
-      <a:lvl3pPr marL="1828800" algn="l" defTabSz="1828800" rtl="0" eaLnBrk="1" latinLnBrk="0" hangingPunct="1">
-        <a:defRPr sz="3600" kern="1200">
+      <a:lvl3pPr marL="4267230" algn="l" defTabSz="4267230" rtl="0" eaLnBrk="1" latinLnBrk="0" hangingPunct="1">
+        <a:defRPr sz="8400" kern="1200">
           <a:solidFill>
             <a:schemeClr val="tx1"/>
           </a:solidFill>
@@ -2894,8 +2892,8 @@
           <a:cs typeface="+mn-cs"/>
         </a:defRPr>
       </a:lvl3pPr>
-      <a:lvl4pPr marL="2743200" algn="l" defTabSz="1828800" rtl="0" eaLnBrk="1" latinLnBrk="0" hangingPunct="1">
-        <a:defRPr sz="3600" kern="1200">
+      <a:lvl4pPr marL="6400846" algn="l" defTabSz="4267230" rtl="0" eaLnBrk="1" latinLnBrk="0" hangingPunct="1">
+        <a:defRPr sz="8400" kern="1200">
           <a:solidFill>
             <a:schemeClr val="tx1"/>
           </a:solidFill>
@@ -2904,8 +2902,8 @@
           <a:cs typeface="+mn-cs"/>
         </a:defRPr>
       </a:lvl4pPr>
-      <a:lvl5pPr marL="3657600" algn="l" defTabSz="1828800" rtl="0" eaLnBrk="1" latinLnBrk="0" hangingPunct="1">
-        <a:defRPr sz="3600" kern="1200">
+      <a:lvl5pPr marL="8534461" algn="l" defTabSz="4267230" rtl="0" eaLnBrk="1" latinLnBrk="0" hangingPunct="1">
+        <a:defRPr sz="8400" kern="1200">
           <a:solidFill>
             <a:schemeClr val="tx1"/>
           </a:solidFill>
@@ -2914,8 +2912,8 @@
           <a:cs typeface="+mn-cs"/>
         </a:defRPr>
       </a:lvl5pPr>
-      <a:lvl6pPr marL="4572000" algn="l" defTabSz="1828800" rtl="0" eaLnBrk="1" latinLnBrk="0" hangingPunct="1">
-        <a:defRPr sz="3600" kern="1200">
+      <a:lvl6pPr marL="10668076" algn="l" defTabSz="4267230" rtl="0" eaLnBrk="1" latinLnBrk="0" hangingPunct="1">
+        <a:defRPr sz="8400" kern="1200">
           <a:solidFill>
             <a:schemeClr val="tx1"/>
           </a:solidFill>
@@ -2924,8 +2922,8 @@
           <a:cs typeface="+mn-cs"/>
         </a:defRPr>
       </a:lvl6pPr>
-      <a:lvl7pPr marL="5486400" algn="l" defTabSz="1828800" rtl="0" eaLnBrk="1" latinLnBrk="0" hangingPunct="1">
-        <a:defRPr sz="3600" kern="1200">
+      <a:lvl7pPr marL="12801691" algn="l" defTabSz="4267230" rtl="0" eaLnBrk="1" latinLnBrk="0" hangingPunct="1">
+        <a:defRPr sz="8400" kern="1200">
           <a:solidFill>
             <a:schemeClr val="tx1"/>
           </a:solidFill>
@@ -2934,8 +2932,8 @@
           <a:cs typeface="+mn-cs"/>
         </a:defRPr>
       </a:lvl7pPr>
-      <a:lvl8pPr marL="6400800" algn="l" defTabSz="1828800" rtl="0" eaLnBrk="1" latinLnBrk="0" hangingPunct="1">
-        <a:defRPr sz="3600" kern="1200">
+      <a:lvl8pPr marL="14935307" algn="l" defTabSz="4267230" rtl="0" eaLnBrk="1" latinLnBrk="0" hangingPunct="1">
+        <a:defRPr sz="8400" kern="1200">
           <a:solidFill>
             <a:schemeClr val="tx1"/>
           </a:solidFill>
@@ -2944,8 +2942,8 @@
           <a:cs typeface="+mn-cs"/>
         </a:defRPr>
       </a:lvl8pPr>
-      <a:lvl9pPr marL="7315200" algn="l" defTabSz="1828800" rtl="0" eaLnBrk="1" latinLnBrk="0" hangingPunct="1">
-        <a:defRPr sz="3600" kern="1200">
+      <a:lvl9pPr marL="17068922" algn="l" defTabSz="4267230" rtl="0" eaLnBrk="1" latinLnBrk="0" hangingPunct="1">
+        <a:defRPr sz="8400" kern="1200">
           <a:solidFill>
             <a:schemeClr val="tx1"/>
           </a:solidFill>
@@ -2990,7 +2988,7 @@
         </p:nvGrpSpPr>
         <p:grpSpPr>
           <a:xfrm>
-            <a:off x="291812" y="3905476"/>
+            <a:off x="889688" y="1021599"/>
             <a:ext cx="16362904" cy="12710778"/>
             <a:chOff x="291812" y="3905476"/>
             <a:chExt cx="16362904" cy="12710778"/>
@@ -3564,42 +3562,12 @@
           </p:spPr>
         </p:pic>
       </p:grpSp>
-    </p:spTree>
-    <p:extLst>
-      <p:ext uri="{BB962C8B-B14F-4D97-AF65-F5344CB8AC3E}">
-        <p14:creationId xmlns:p14="http://schemas.microsoft.com/office/powerpoint/2010/main" val="3430853990"/>
-      </p:ext>
-    </p:extLst>
-  </p:cSld>
-  <p:clrMapOvr>
-    <a:masterClrMapping/>
-  </p:clrMapOvr>
-</p:sld>
-</file>
-
-<file path=ppt/slides/slide2.xml><?xml version="1.0" encoding="utf-8"?>
-<p:sld xmlns:a="http://schemas.openxmlformats.org/drawingml/2006/main" xmlns:r="http://schemas.openxmlformats.org/officeDocument/2006/relationships" xmlns:p="http://schemas.openxmlformats.org/presentationml/2006/main">
-  <p:cSld>
-    <p:spTree>
-      <p:nvGrpSpPr>
-        <p:cNvPr id="1" name=""/>
-        <p:cNvGrpSpPr/>
-        <p:nvPr/>
-      </p:nvGrpSpPr>
-      <p:grpSpPr>
-        <a:xfrm>
-          <a:off x="0" y="0"/>
-          <a:ext cx="0" cy="0"/>
-          <a:chOff x="0" y="0"/>
-          <a:chExt cx="0" cy="0"/>
-        </a:xfrm>
-      </p:grpSpPr>
       <p:grpSp>
         <p:nvGrpSpPr>
-          <p:cNvPr id="7" name="Group 6">
+          <p:cNvPr id="2" name="Group 1">
             <a:extLst>
               <a:ext uri="{FF2B5EF4-FFF2-40B4-BE49-F238E27FC236}">
-                <a16:creationId xmlns:a16="http://schemas.microsoft.com/office/drawing/2014/main" id="{3DB5BFCF-7873-DB89-8197-1E0B435DFA0D}"/>
+                <a16:creationId xmlns:a16="http://schemas.microsoft.com/office/drawing/2014/main" id="{F344A88C-6AB5-2599-547B-F882346FB983}"/>
               </a:ext>
             </a:extLst>
           </p:cNvPr>
@@ -3608,7 +3576,7 @@
         </p:nvGrpSpPr>
         <p:grpSpPr>
           <a:xfrm>
-            <a:off x="422628" y="8561766"/>
+            <a:off x="24654229" y="7279483"/>
             <a:ext cx="18201023" cy="4063784"/>
             <a:chOff x="422628" y="8561766"/>
             <a:chExt cx="18201023" cy="4063784"/>
@@ -3616,10 +3584,10 @@
         </p:grpSpPr>
         <p:pic>
           <p:nvPicPr>
-            <p:cNvPr id="4" name="Picture 3" descr="Graphical user interface, text&#10;&#10;Description automatically generated">
+            <p:cNvPr id="3" name="Picture 2" descr="Graphical user interface, text&#10;&#10;Description automatically generated">
               <a:extLst>
                 <a:ext uri="{FF2B5EF4-FFF2-40B4-BE49-F238E27FC236}">
-                  <a16:creationId xmlns:a16="http://schemas.microsoft.com/office/drawing/2014/main" id="{9FB0CDB6-9242-58E2-1532-155964F67033}"/>
+                  <a16:creationId xmlns:a16="http://schemas.microsoft.com/office/drawing/2014/main" id="{642F9477-5408-D4BE-FFCE-D3F0DDBCF95C}"/>
                 </a:ext>
               </a:extLst>
             </p:cNvPr>
@@ -3629,7 +3597,7 @@
             <p:nvPr/>
           </p:nvPicPr>
           <p:blipFill rotWithShape="1">
-            <a:blip r:embed="rId2"/>
+            <a:blip r:embed="rId3"/>
             <a:srcRect l="1089" t="8859" r="20165" b="73911"/>
             <a:stretch/>
           </p:blipFill>
@@ -3650,10 +3618,10 @@
         </p:pic>
         <p:pic>
           <p:nvPicPr>
-            <p:cNvPr id="5" name="Picture 4" descr="Graphical user interface, text&#10;&#10;Description automatically generated">
+            <p:cNvPr id="4" name="Picture 3" descr="Graphical user interface, text&#10;&#10;Description automatically generated">
               <a:extLst>
                 <a:ext uri="{FF2B5EF4-FFF2-40B4-BE49-F238E27FC236}">
-                  <a16:creationId xmlns:a16="http://schemas.microsoft.com/office/drawing/2014/main" id="{587B44F7-8C2F-7FEA-13E5-3425A4E2DF62}"/>
+                  <a16:creationId xmlns:a16="http://schemas.microsoft.com/office/drawing/2014/main" id="{1BAA6762-B442-63E8-E106-776D4A0F6F90}"/>
                 </a:ext>
               </a:extLst>
             </p:cNvPr>
@@ -3663,7 +3631,7 @@
             <p:nvPr/>
           </p:nvPicPr>
           <p:blipFill rotWithShape="1">
-            <a:blip r:embed="rId2"/>
+            <a:blip r:embed="rId3"/>
             <a:srcRect l="1708" t="51628" r="19546" b="28866"/>
             <a:stretch/>
           </p:blipFill>
@@ -3687,7 +3655,7 @@
             <p:cNvPr id="6" name="Picture 5" descr="Graphical user interface, text&#10;&#10;Description automatically generated">
               <a:extLst>
                 <a:ext uri="{FF2B5EF4-FFF2-40B4-BE49-F238E27FC236}">
-                  <a16:creationId xmlns:a16="http://schemas.microsoft.com/office/drawing/2014/main" id="{5702E9D6-80B6-003C-6827-78480BF23552}"/>
+                  <a16:creationId xmlns:a16="http://schemas.microsoft.com/office/drawing/2014/main" id="{72306045-ECA1-A4B0-1E00-5111C3F0D566}"/>
                 </a:ext>
               </a:extLst>
             </p:cNvPr>
@@ -3697,7 +3665,7 @@
             <p:nvPr/>
           </p:nvPicPr>
           <p:blipFill rotWithShape="1">
-            <a:blip r:embed="rId2"/>
+            <a:blip r:embed="rId3"/>
             <a:srcRect r="1065"/>
             <a:stretch/>
           </p:blipFill>
@@ -3717,7 +3685,7 @@
           <p:cNvPr id="8" name="Picture 7">
             <a:extLst>
               <a:ext uri="{FF2B5EF4-FFF2-40B4-BE49-F238E27FC236}">
-                <a16:creationId xmlns:a16="http://schemas.microsoft.com/office/drawing/2014/main" id="{7AC40F74-78C4-3BAD-CF5A-4BF58EB5407C}"/>
+                <a16:creationId xmlns:a16="http://schemas.microsoft.com/office/drawing/2014/main" id="{3ED3CD31-A13F-0CBD-8455-8CDDF4CDFBF5}"/>
               </a:ext>
             </a:extLst>
           </p:cNvPr>
@@ -3727,13 +3695,13 @@
           <p:nvPr/>
         </p:nvPicPr>
         <p:blipFill rotWithShape="1">
-          <a:blip r:embed="rId3"/>
+          <a:blip r:embed="rId4"/>
           <a:srcRect t="36994" r="18908" b="18705"/>
           <a:stretch/>
         </p:blipFill>
         <p:spPr>
           <a:xfrm>
-            <a:off x="591570" y="2260846"/>
+            <a:off x="24823171" y="978563"/>
             <a:ext cx="7994869" cy="2400364"/>
           </a:xfrm>
           <a:prstGeom prst="rect">
@@ -3748,10 +3716,10 @@
       </p:pic>
       <p:pic>
         <p:nvPicPr>
-          <p:cNvPr id="9" name="Picture 8">
+          <p:cNvPr id="10" name="Picture 9">
             <a:extLst>
               <a:ext uri="{FF2B5EF4-FFF2-40B4-BE49-F238E27FC236}">
-                <a16:creationId xmlns:a16="http://schemas.microsoft.com/office/drawing/2014/main" id="{58568731-EBAA-AA39-44C9-7750A372F8A4}"/>
+                <a16:creationId xmlns:a16="http://schemas.microsoft.com/office/drawing/2014/main" id="{A288EB49-BBA1-C2BD-7E19-F335890582B5}"/>
               </a:ext>
             </a:extLst>
           </p:cNvPr>
@@ -3761,13 +3729,13 @@
           <p:nvPr/>
         </p:nvPicPr>
         <p:blipFill rotWithShape="1">
-          <a:blip r:embed="rId3"/>
+          <a:blip r:embed="rId4"/>
           <a:srcRect l="9278" t="50096" r="68144" b="15885"/>
           <a:stretch/>
         </p:blipFill>
         <p:spPr>
           <a:xfrm>
-            <a:off x="10595328" y="2260846"/>
+            <a:off x="34826929" y="978563"/>
             <a:ext cx="4236351" cy="3413916"/>
           </a:xfrm>
           <a:prstGeom prst="rect">
@@ -3780,42 +3748,12 @@
           </a:ln>
         </p:spPr>
       </p:pic>
-    </p:spTree>
-    <p:extLst>
-      <p:ext uri="{BB962C8B-B14F-4D97-AF65-F5344CB8AC3E}">
-        <p14:creationId xmlns:p14="http://schemas.microsoft.com/office/powerpoint/2010/main" val="268247402"/>
-      </p:ext>
-    </p:extLst>
-  </p:cSld>
-  <p:clrMapOvr>
-    <a:masterClrMapping/>
-  </p:clrMapOvr>
-</p:sld>
-</file>
-
-<file path=ppt/slides/slide3.xml><?xml version="1.0" encoding="utf-8"?>
-<p:sld xmlns:a="http://schemas.openxmlformats.org/drawingml/2006/main" xmlns:r="http://schemas.openxmlformats.org/officeDocument/2006/relationships" xmlns:p="http://schemas.openxmlformats.org/presentationml/2006/main">
-  <p:cSld>
-    <p:spTree>
-      <p:nvGrpSpPr>
-        <p:cNvPr id="1" name=""/>
-        <p:cNvGrpSpPr/>
-        <p:nvPr/>
-      </p:nvGrpSpPr>
-      <p:grpSpPr>
-        <a:xfrm>
-          <a:off x="0" y="0"/>
-          <a:ext cx="0" cy="0"/>
-          <a:chOff x="0" y="0"/>
-          <a:chExt cx="0" cy="0"/>
-        </a:xfrm>
-      </p:grpSpPr>
       <p:pic>
         <p:nvPicPr>
-          <p:cNvPr id="4" name="Picture 3">
+          <p:cNvPr id="17" name="Picture 16">
             <a:extLst>
               <a:ext uri="{FF2B5EF4-FFF2-40B4-BE49-F238E27FC236}">
-                <a16:creationId xmlns:a16="http://schemas.microsoft.com/office/drawing/2014/main" id="{5CC70042-0D2B-1A2A-6403-CBA804B67E55}"/>
+                <a16:creationId xmlns:a16="http://schemas.microsoft.com/office/drawing/2014/main" id="{57F1485D-3419-A73B-F5CE-319A8B041C4B}"/>
               </a:ext>
             </a:extLst>
           </p:cNvPr>
@@ -3825,14 +3763,14 @@
           <p:nvPr/>
         </p:nvPicPr>
         <p:blipFill>
-          <a:blip r:embed="rId2"/>
+          <a:blip r:embed="rId8"/>
           <a:stretch>
             <a:fillRect/>
           </a:stretch>
         </p:blipFill>
         <p:spPr>
           <a:xfrm>
-            <a:off x="2972370" y="1137424"/>
+            <a:off x="2757400" y="15596835"/>
             <a:ext cx="8639175" cy="2990850"/>
           </a:xfrm>
           <a:prstGeom prst="rect">
@@ -3842,10 +3780,10 @@
       </p:pic>
       <p:pic>
         <p:nvPicPr>
-          <p:cNvPr id="6" name="Picture 5">
+          <p:cNvPr id="20" name="Picture 19">
             <a:extLst>
               <a:ext uri="{FF2B5EF4-FFF2-40B4-BE49-F238E27FC236}">
-                <a16:creationId xmlns:a16="http://schemas.microsoft.com/office/drawing/2014/main" id="{00549B6A-08DE-9906-A9E9-D8A99B639894}"/>
+                <a16:creationId xmlns:a16="http://schemas.microsoft.com/office/drawing/2014/main" id="{7C48F6F3-0CA6-AC81-1CB8-6B5F5C833C32}"/>
               </a:ext>
             </a:extLst>
           </p:cNvPr>
@@ -3855,14 +3793,14 @@
           <p:nvPr/>
         </p:nvPicPr>
         <p:blipFill>
-          <a:blip r:embed="rId3"/>
+          <a:blip r:embed="rId9"/>
           <a:stretch>
             <a:fillRect/>
           </a:stretch>
         </p:blipFill>
         <p:spPr>
           <a:xfrm>
-            <a:off x="1104659" y="4128274"/>
+            <a:off x="889688" y="18587685"/>
             <a:ext cx="7239000" cy="3409950"/>
           </a:xfrm>
           <a:prstGeom prst="rect">
@@ -3877,10 +3815,10 @@
       </p:pic>
       <p:pic>
         <p:nvPicPr>
-          <p:cNvPr id="8" name="Picture 7">
+          <p:cNvPr id="24" name="Picture 23">
             <a:extLst>
               <a:ext uri="{FF2B5EF4-FFF2-40B4-BE49-F238E27FC236}">
-                <a16:creationId xmlns:a16="http://schemas.microsoft.com/office/drawing/2014/main" id="{6B6E19FD-3439-FF40-2D17-E73D8851FFE1}"/>
+                <a16:creationId xmlns:a16="http://schemas.microsoft.com/office/drawing/2014/main" id="{652382F9-178D-7A2E-1254-A0F416DE7913}"/>
               </a:ext>
             </a:extLst>
           </p:cNvPr>
@@ -3890,14 +3828,14 @@
           <p:nvPr/>
         </p:nvPicPr>
         <p:blipFill>
-          <a:blip r:embed="rId4"/>
+          <a:blip r:embed="rId10"/>
           <a:stretch>
             <a:fillRect/>
           </a:stretch>
         </p:blipFill>
         <p:spPr>
           <a:xfrm>
-            <a:off x="1104659" y="8010323"/>
+            <a:off x="889689" y="22469734"/>
             <a:ext cx="6510297" cy="2739454"/>
           </a:xfrm>
           <a:prstGeom prst="rect">
@@ -3912,10 +3850,10 @@
       </p:pic>
       <p:pic>
         <p:nvPicPr>
-          <p:cNvPr id="2" name="Picture 1" descr="Graphical user interface, application&#10;&#10;Description automatically generated">
+          <p:cNvPr id="25" name="Picture 24" descr="Graphical user interface, application&#10;&#10;Description automatically generated">
             <a:extLst>
               <a:ext uri="{FF2B5EF4-FFF2-40B4-BE49-F238E27FC236}">
-                <a16:creationId xmlns:a16="http://schemas.microsoft.com/office/drawing/2014/main" id="{B10417D0-8314-EB2C-63EF-69762740F0D8}"/>
+                <a16:creationId xmlns:a16="http://schemas.microsoft.com/office/drawing/2014/main" id="{2E428C1B-2F61-1C79-6B3D-2EED532E35F7}"/>
               </a:ext>
             </a:extLst>
           </p:cNvPr>
@@ -3925,14 +3863,14 @@
           <p:nvPr/>
         </p:nvPicPr>
         <p:blipFill>
-          <a:blip r:embed="rId5"/>
+          <a:blip r:embed="rId7"/>
           <a:stretch>
             <a:fillRect/>
           </a:stretch>
         </p:blipFill>
         <p:spPr>
           <a:xfrm>
-            <a:off x="5824296" y="12748212"/>
+            <a:off x="5609326" y="27207624"/>
             <a:ext cx="5038725" cy="3180715"/>
           </a:xfrm>
           <a:prstGeom prst="rect">
@@ -3942,10 +3880,10 @@
       </p:pic>
       <p:sp>
         <p:nvSpPr>
-          <p:cNvPr id="5" name="TextBox 4">
+          <p:cNvPr id="26" name="TextBox 25">
             <a:extLst>
               <a:ext uri="{FF2B5EF4-FFF2-40B4-BE49-F238E27FC236}">
-                <a16:creationId xmlns:a16="http://schemas.microsoft.com/office/drawing/2014/main" id="{C8720C1A-2BAA-7160-283D-4522D3C10458}"/>
+                <a16:creationId xmlns:a16="http://schemas.microsoft.com/office/drawing/2014/main" id="{6F19D441-C854-EB5A-99EB-B84F74121287}"/>
               </a:ext>
             </a:extLst>
           </p:cNvPr>
@@ -3954,7 +3892,7 @@
         </p:nvSpPr>
         <p:spPr>
           <a:xfrm>
-            <a:off x="6634263" y="16504245"/>
+            <a:off x="6419292" y="30963657"/>
             <a:ext cx="9144000" cy="646331"/>
           </a:xfrm>
           <a:prstGeom prst="rect">
@@ -3970,7 +3908,6 @@
           <a:p>
             <a:r>
               <a:rPr lang="en-US" sz="1800" dirty="0">
-                <a:effectLst/>
                 <a:latin typeface="Calibri" panose="020F0502020204030204" pitchFamily="34" charset="0"/>
                 <a:ea typeface="Calibri" panose="020F0502020204030204" pitchFamily="34" charset="0"/>
                 <a:cs typeface="Arial" panose="020B0604020202020204" pitchFamily="34" charset="0"/>
@@ -3979,7 +3916,6 @@
             </a:r>
             <a:r>
               <a:rPr lang="en-US" sz="1800" dirty="0" err="1">
-                <a:effectLst/>
                 <a:latin typeface="Calibri" panose="020F0502020204030204" pitchFamily="34" charset="0"/>
                 <a:ea typeface="Calibri" panose="020F0502020204030204" pitchFamily="34" charset="0"/>
                 <a:cs typeface="Arial" panose="020B0604020202020204" pitchFamily="34" charset="0"/>
@@ -3988,7 +3924,6 @@
             </a:r>
             <a:r>
               <a:rPr lang="en-US" sz="1800" dirty="0">
-                <a:effectLst/>
                 <a:latin typeface="Calibri" panose="020F0502020204030204" pitchFamily="34" charset="0"/>
                 <a:ea typeface="Calibri" panose="020F0502020204030204" pitchFamily="34" charset="0"/>
                 <a:cs typeface="Arial" panose="020B0604020202020204" pitchFamily="34" charset="0"/>
@@ -4001,10 +3936,10 @@
       </p:sp>
       <p:pic>
         <p:nvPicPr>
-          <p:cNvPr id="7" name="Picture 6">
+          <p:cNvPr id="27" name="Picture 26">
             <a:extLst>
               <a:ext uri="{FF2B5EF4-FFF2-40B4-BE49-F238E27FC236}">
-                <a16:creationId xmlns:a16="http://schemas.microsoft.com/office/drawing/2014/main" id="{1E2B47E4-7A2C-1F44-D14F-A16712CA5AC4}"/>
+                <a16:creationId xmlns:a16="http://schemas.microsoft.com/office/drawing/2014/main" id="{F498B41D-4D09-FD7B-FFC0-FCC0160CE9BE}"/>
               </a:ext>
             </a:extLst>
           </p:cNvPr>
@@ -4014,7 +3949,7 @@
           <p:nvPr/>
         </p:nvPicPr>
         <p:blipFill>
-          <a:blip r:embed="rId6">
+          <a:blip r:embed="rId11">
             <a:extLst>
               <a:ext uri="{28A0092B-C50C-407E-A947-70E740481C1C}">
                 <a14:useLocalDpi xmlns:a14="http://schemas.microsoft.com/office/drawing/2010/main" val="0"/>
@@ -4028,7 +3963,7 @@
         </p:blipFill>
         <p:spPr bwMode="auto">
           <a:xfrm>
-            <a:off x="9614204" y="8770134"/>
+            <a:off x="9399234" y="23229545"/>
             <a:ext cx="5946775" cy="1798320"/>
           </a:xfrm>
           <a:prstGeom prst="rect">
@@ -4039,10 +3974,10 @@
       </p:pic>
       <p:sp>
         <p:nvSpPr>
-          <p:cNvPr id="10" name="TextBox 9">
+          <p:cNvPr id="28" name="TextBox 27">
             <a:extLst>
               <a:ext uri="{FF2B5EF4-FFF2-40B4-BE49-F238E27FC236}">
-                <a16:creationId xmlns:a16="http://schemas.microsoft.com/office/drawing/2014/main" id="{779A3C8E-94E7-C6A4-5CA6-0AE79EB21BE4}"/>
+                <a16:creationId xmlns:a16="http://schemas.microsoft.com/office/drawing/2014/main" id="{733AA1D4-989D-3F9A-4FB2-64E3D51A2C79}"/>
               </a:ext>
             </a:extLst>
           </p:cNvPr>
@@ -4051,7 +3986,7 @@
         </p:nvSpPr>
         <p:spPr>
           <a:xfrm>
-            <a:off x="8968902" y="10808143"/>
+            <a:off x="8753931" y="25267554"/>
             <a:ext cx="9144000" cy="369332"/>
           </a:xfrm>
           <a:prstGeom prst="rect">
@@ -4065,10 +4000,7 @@
           </a:bodyPr>
           <a:lstStyle/>
           <a:p>
-            <a:pPr marL="0" marR="0">
-              <a:spcBef>
-                <a:spcPts val="0"/>
-              </a:spcBef>
+            <a:pPr>
               <a:spcAft>
                 <a:spcPts val="1000"/>
               </a:spcAft>
@@ -4078,7 +4010,6 @@
                 <a:solidFill>
                   <a:srgbClr val="44546A"/>
                 </a:solidFill>
-                <a:effectLst/>
                 <a:latin typeface="Calibri" panose="020F0502020204030204" pitchFamily="34" charset="0"/>
                 <a:ea typeface="Calibri" panose="020F0502020204030204" pitchFamily="34" charset="0"/>
                 <a:cs typeface="Arial" panose="020B0604020202020204" pitchFamily="34" charset="0"/>
@@ -4090,7 +4021,6 @@
                 <a:solidFill>
                   <a:srgbClr val="44546A"/>
                 </a:solidFill>
-                <a:effectLst/>
                 <a:latin typeface="Calibri" panose="020F0502020204030204" pitchFamily="34" charset="0"/>
                 <a:ea typeface="Calibri" panose="020F0502020204030204" pitchFamily="34" charset="0"/>
                 <a:cs typeface="Arial" panose="020B0604020202020204" pitchFamily="34" charset="0"/>
@@ -4102,7 +4032,6 @@
                 <a:solidFill>
                   <a:srgbClr val="44546A"/>
                 </a:solidFill>
-                <a:effectLst/>
                 <a:latin typeface="Calibri" panose="020F0502020204030204" pitchFamily="34" charset="0"/>
                 <a:ea typeface="Calibri" panose="020F0502020204030204" pitchFamily="34" charset="0"/>
                 <a:cs typeface="Arial" panose="020B0604020202020204" pitchFamily="34" charset="0"/>
@@ -4110,11 +4039,10 @@
               <a:t> template.</a:t>
             </a:r>
             <a:r>
-              <a:rPr lang="en-US" sz="1600" i="0" dirty="0">
+              <a:rPr lang="en-US" sz="1600" dirty="0">
                 <a:solidFill>
                   <a:srgbClr val="44546A"/>
                 </a:solidFill>
-                <a:effectLst/>
                 <a:latin typeface="Calibri" panose="020F0502020204030204" pitchFamily="34" charset="0"/>
                 <a:ea typeface="Calibri" panose="020F0502020204030204" pitchFamily="34" charset="0"/>
                 <a:cs typeface="Arial" panose="020B0604020202020204" pitchFamily="34" charset="0"/>
@@ -4126,7 +4054,6 @@
                 <a:solidFill>
                   <a:srgbClr val="44546A"/>
                 </a:solidFill>
-                <a:effectLst/>
                 <a:latin typeface="Calibri" panose="020F0502020204030204" pitchFamily="34" charset="0"/>
                 <a:ea typeface="Calibri" panose="020F0502020204030204" pitchFamily="34" charset="0"/>
                 <a:cs typeface="Arial" panose="020B0604020202020204" pitchFamily="34" charset="0"/>
@@ -4139,7 +4066,7 @@
     </p:spTree>
     <p:extLst>
       <p:ext uri="{BB962C8B-B14F-4D97-AF65-F5344CB8AC3E}">
-        <p14:creationId xmlns:p14="http://schemas.microsoft.com/office/powerpoint/2010/main" val="3486504685"/>
+        <p14:creationId xmlns:p14="http://schemas.microsoft.com/office/powerpoint/2010/main" val="3430853990"/>
       </p:ext>
     </p:extLst>
   </p:cSld>
@@ -4149,7 +4076,7 @@
 </p:sld>
 </file>
 
-<file path=ppt/slides/slide4.xml><?xml version="1.0" encoding="utf-8"?>
+<file path=ppt/slides/slide2.xml><?xml version="1.0" encoding="utf-8"?>
 <p:sld xmlns:a="http://schemas.openxmlformats.org/drawingml/2006/main" xmlns:r="http://schemas.openxmlformats.org/officeDocument/2006/relationships" xmlns:p="http://schemas.openxmlformats.org/presentationml/2006/main">
   <p:cSld>
     <p:spTree>
@@ -4188,7 +4115,7 @@
         </p:blipFill>
         <p:spPr>
           <a:xfrm>
-            <a:off x="506881" y="1828800"/>
+            <a:off x="2230174" y="1055077"/>
             <a:ext cx="8884662" cy="4498658"/>
           </a:xfrm>
           <a:prstGeom prst="rect">
@@ -4218,7 +4145,7 @@
         </p:blipFill>
         <p:spPr>
           <a:xfrm>
-            <a:off x="506881" y="7680308"/>
+            <a:off x="2230174" y="6906586"/>
             <a:ext cx="9391650" cy="6276975"/>
           </a:xfrm>
           <a:prstGeom prst="rect">
@@ -4248,7 +4175,7 @@
         </p:blipFill>
         <p:spPr>
           <a:xfrm>
-            <a:off x="9985558" y="11453712"/>
+            <a:off x="11708852" y="10679990"/>
             <a:ext cx="7191375" cy="2676525"/>
           </a:xfrm>
           <a:prstGeom prst="rect">
@@ -4278,8 +4205,270 @@
         </p:blipFill>
         <p:spPr>
           <a:xfrm>
-            <a:off x="9716051" y="7680308"/>
+            <a:off x="11439345" y="6906585"/>
             <a:ext cx="7191375" cy="3600450"/>
+          </a:xfrm>
+          <a:prstGeom prst="rect">
+            <a:avLst/>
+          </a:prstGeom>
+        </p:spPr>
+      </p:pic>
+      <p:pic>
+        <p:nvPicPr>
+          <p:cNvPr id="2" name="Picture 1" descr="Graphical user interface&#10;&#10;Description automatically generated">
+            <a:extLst>
+              <a:ext uri="{FF2B5EF4-FFF2-40B4-BE49-F238E27FC236}">
+                <a16:creationId xmlns:a16="http://schemas.microsoft.com/office/drawing/2014/main" id="{E1091A4B-52C0-C85D-0978-917604BBD472}"/>
+              </a:ext>
+            </a:extLst>
+          </p:cNvPr>
+          <p:cNvPicPr>
+            <a:picLocks noChangeAspect="1"/>
+          </p:cNvPicPr>
+          <p:nvPr/>
+        </p:nvPicPr>
+        <p:blipFill>
+          <a:blip r:embed="rId6"/>
+          <a:stretch>
+            <a:fillRect/>
+          </a:stretch>
+        </p:blipFill>
+        <p:spPr>
+          <a:xfrm>
+            <a:off x="24671216" y="1055077"/>
+            <a:ext cx="2018030" cy="1952625"/>
+          </a:xfrm>
+          <a:prstGeom prst="rect">
+            <a:avLst/>
+          </a:prstGeom>
+        </p:spPr>
+      </p:pic>
+      <p:sp>
+        <p:nvSpPr>
+          <p:cNvPr id="3" name="TextBox 2">
+            <a:extLst>
+              <a:ext uri="{FF2B5EF4-FFF2-40B4-BE49-F238E27FC236}">
+                <a16:creationId xmlns:a16="http://schemas.microsoft.com/office/drawing/2014/main" id="{C3A5011A-FA4A-F587-CE24-0661A968C8CD}"/>
+              </a:ext>
+            </a:extLst>
+          </p:cNvPr>
+          <p:cNvSpPr txBox="1"/>
+          <p:nvPr/>
+        </p:nvSpPr>
+        <p:spPr>
+          <a:xfrm>
+            <a:off x="24671216" y="3221234"/>
+            <a:ext cx="9144000" cy="369332"/>
+          </a:xfrm>
+          <a:prstGeom prst="rect">
+            <a:avLst/>
+          </a:prstGeom>
+          <a:noFill/>
+        </p:spPr>
+        <p:txBody>
+          <a:bodyPr wrap="square">
+            <a:spAutoFit/>
+          </a:bodyPr>
+          <a:lstStyle/>
+          <a:p>
+            <a:pPr>
+              <a:spcAft>
+                <a:spcPts val="1000"/>
+              </a:spcAft>
+            </a:pPr>
+            <a:r>
+              <a:rPr lang="en-US" sz="1800" i="1" dirty="0">
+                <a:solidFill>
+                  <a:srgbClr val="44546A"/>
+                </a:solidFill>
+                <a:latin typeface="Calibri" panose="020F0502020204030204" pitchFamily="34" charset="0"/>
+                <a:ea typeface="Calibri" panose="020F0502020204030204" pitchFamily="34" charset="0"/>
+                <a:cs typeface="Arial" panose="020B0604020202020204" pitchFamily="34" charset="0"/>
+              </a:rPr>
+              <a:t>Evaluation of generated RT Structure ‘TG263_Breast’ after importation into anonymized patient</a:t>
+            </a:r>
+          </a:p>
+        </p:txBody>
+      </p:sp>
+      <p:pic>
+        <p:nvPicPr>
+          <p:cNvPr id="4" name="Picture 3">
+            <a:extLst>
+              <a:ext uri="{FF2B5EF4-FFF2-40B4-BE49-F238E27FC236}">
+                <a16:creationId xmlns:a16="http://schemas.microsoft.com/office/drawing/2014/main" id="{9E2392BC-201C-9541-F049-FAA7AB6809E7}"/>
+              </a:ext>
+            </a:extLst>
+          </p:cNvPr>
+          <p:cNvPicPr>
+            <a:picLocks noChangeAspect="1"/>
+          </p:cNvPicPr>
+          <p:nvPr/>
+        </p:nvPicPr>
+        <p:blipFill>
+          <a:blip r:embed="rId7"/>
+          <a:stretch>
+            <a:fillRect/>
+          </a:stretch>
+        </p:blipFill>
+        <p:spPr>
+          <a:xfrm>
+            <a:off x="24671217" y="6159944"/>
+            <a:ext cx="1651635" cy="5168900"/>
+          </a:xfrm>
+          <a:prstGeom prst="rect">
+            <a:avLst/>
+          </a:prstGeom>
+        </p:spPr>
+      </p:pic>
+      <p:pic>
+        <p:nvPicPr>
+          <p:cNvPr id="5" name="Picture 4" descr="Graphical user interface&#10;&#10;Description automatically generated with medium confidence">
+            <a:extLst>
+              <a:ext uri="{FF2B5EF4-FFF2-40B4-BE49-F238E27FC236}">
+                <a16:creationId xmlns:a16="http://schemas.microsoft.com/office/drawing/2014/main" id="{F3F62591-2D12-F675-EFD8-7C2939E29313}"/>
+              </a:ext>
+            </a:extLst>
+          </p:cNvPr>
+          <p:cNvPicPr>
+            <a:picLocks noChangeAspect="1"/>
+          </p:cNvPicPr>
+          <p:nvPr/>
+        </p:nvPicPr>
+        <p:blipFill>
+          <a:blip r:embed="rId8"/>
+          <a:stretch>
+            <a:fillRect/>
+          </a:stretch>
+        </p:blipFill>
+        <p:spPr>
+          <a:xfrm>
+            <a:off x="26322852" y="6106604"/>
+            <a:ext cx="1397635" cy="5222240"/>
+          </a:xfrm>
+          <a:prstGeom prst="rect">
+            <a:avLst/>
+          </a:prstGeom>
+        </p:spPr>
+      </p:pic>
+      <p:pic>
+        <p:nvPicPr>
+          <p:cNvPr id="6" name="Picture 5" descr="Table&#10;&#10;Description automatically generated with medium confidence">
+            <a:extLst>
+              <a:ext uri="{FF2B5EF4-FFF2-40B4-BE49-F238E27FC236}">
+                <a16:creationId xmlns:a16="http://schemas.microsoft.com/office/drawing/2014/main" id="{16359A53-53F1-BF16-9573-304707BDA14A}"/>
+              </a:ext>
+            </a:extLst>
+          </p:cNvPr>
+          <p:cNvPicPr>
+            <a:picLocks noChangeAspect="1"/>
+          </p:cNvPicPr>
+          <p:nvPr/>
+        </p:nvPicPr>
+        <p:blipFill>
+          <a:blip r:embed="rId9"/>
+          <a:stretch>
+            <a:fillRect/>
+          </a:stretch>
+        </p:blipFill>
+        <p:spPr>
+          <a:xfrm>
+            <a:off x="27720486" y="9964230"/>
+            <a:ext cx="1477010" cy="1364615"/>
+          </a:xfrm>
+          <a:prstGeom prst="rect">
+            <a:avLst/>
+          </a:prstGeom>
+        </p:spPr>
+      </p:pic>
+      <p:sp>
+        <p:nvSpPr>
+          <p:cNvPr id="8" name="TextBox 7">
+            <a:extLst>
+              <a:ext uri="{FF2B5EF4-FFF2-40B4-BE49-F238E27FC236}">
+                <a16:creationId xmlns:a16="http://schemas.microsoft.com/office/drawing/2014/main" id="{A560388D-40AE-888A-D885-6328CC8AD1F6}"/>
+              </a:ext>
+            </a:extLst>
+          </p:cNvPr>
+          <p:cNvSpPr txBox="1"/>
+          <p:nvPr/>
+        </p:nvSpPr>
+        <p:spPr>
+          <a:xfrm>
+            <a:off x="24671216" y="11563794"/>
+            <a:ext cx="9173730" cy="680956"/>
+          </a:xfrm>
+          <a:prstGeom prst="rect">
+            <a:avLst/>
+          </a:prstGeom>
+          <a:noFill/>
+        </p:spPr>
+        <p:txBody>
+          <a:bodyPr wrap="none" rtlCol="0">
+            <a:spAutoFit/>
+          </a:bodyPr>
+          <a:lstStyle/>
+          <a:p>
+            <a:r>
+              <a:rPr lang="en-US" dirty="0"/>
+              <a:t>Structure Template Naming as of 09/20/2022</a:t>
+            </a:r>
+          </a:p>
+        </p:txBody>
+      </p:sp>
+      <p:pic>
+        <p:nvPicPr>
+          <p:cNvPr id="10" name="Picture 9">
+            <a:extLst>
+              <a:ext uri="{FF2B5EF4-FFF2-40B4-BE49-F238E27FC236}">
+                <a16:creationId xmlns:a16="http://schemas.microsoft.com/office/drawing/2014/main" id="{AD8A108C-E2E7-502A-1D87-EDC186C938D3}"/>
+              </a:ext>
+            </a:extLst>
+          </p:cNvPr>
+          <p:cNvPicPr>
+            <a:picLocks noChangeAspect="1"/>
+          </p:cNvPicPr>
+          <p:nvPr/>
+        </p:nvPicPr>
+        <p:blipFill>
+          <a:blip r:embed="rId10"/>
+          <a:stretch>
+            <a:fillRect/>
+          </a:stretch>
+        </p:blipFill>
+        <p:spPr>
+          <a:xfrm>
+            <a:off x="31749350" y="6758749"/>
+            <a:ext cx="5943600" cy="3361690"/>
+          </a:xfrm>
+          <a:prstGeom prst="rect">
+            <a:avLst/>
+          </a:prstGeom>
+        </p:spPr>
+      </p:pic>
+      <p:pic>
+        <p:nvPicPr>
+          <p:cNvPr id="11" name="Picture 10">
+            <a:extLst>
+              <a:ext uri="{FF2B5EF4-FFF2-40B4-BE49-F238E27FC236}">
+                <a16:creationId xmlns:a16="http://schemas.microsoft.com/office/drawing/2014/main" id="{B7DB6F89-253E-01D1-4F8A-F371D2E12EC3}"/>
+              </a:ext>
+            </a:extLst>
+          </p:cNvPr>
+          <p:cNvPicPr>
+            <a:picLocks noChangeAspect="1"/>
+          </p:cNvPicPr>
+          <p:nvPr/>
+        </p:nvPicPr>
+        <p:blipFill>
+          <a:blip r:embed="rId11"/>
+          <a:stretch>
+            <a:fillRect/>
+          </a:stretch>
+        </p:blipFill>
+        <p:spPr>
+          <a:xfrm>
+            <a:off x="28695529" y="9229257"/>
+            <a:ext cx="10239375" cy="7019925"/>
           </a:xfrm>
           <a:prstGeom prst="rect">
             <a:avLst/>
@@ -4299,273 +4488,7 @@
 </p:sld>
 </file>
 
-<file path=ppt/slides/slide5.xml><?xml version="1.0" encoding="utf-8"?>
-<p:sld xmlns:a="http://schemas.openxmlformats.org/drawingml/2006/main" xmlns:r="http://schemas.openxmlformats.org/officeDocument/2006/relationships" xmlns:p="http://schemas.openxmlformats.org/presentationml/2006/main">
-  <p:cSld>
-    <p:spTree>
-      <p:nvGrpSpPr>
-        <p:cNvPr id="1" name=""/>
-        <p:cNvGrpSpPr/>
-        <p:nvPr/>
-      </p:nvGrpSpPr>
-      <p:grpSpPr>
-        <a:xfrm>
-          <a:off x="0" y="0"/>
-          <a:ext cx="0" cy="0"/>
-          <a:chOff x="0" y="0"/>
-          <a:chExt cx="0" cy="0"/>
-        </a:xfrm>
-      </p:grpSpPr>
-      <p:pic>
-        <p:nvPicPr>
-          <p:cNvPr id="4" name="Picture 3" descr="Graphical user interface&#10;&#10;Description automatically generated">
-            <a:extLst>
-              <a:ext uri="{FF2B5EF4-FFF2-40B4-BE49-F238E27FC236}">
-                <a16:creationId xmlns:a16="http://schemas.microsoft.com/office/drawing/2014/main" id="{70C0810A-6C65-EF0B-1D38-BDD548B3D0F9}"/>
-              </a:ext>
-            </a:extLst>
-          </p:cNvPr>
-          <p:cNvPicPr>
-            <a:picLocks noChangeAspect="1"/>
-          </p:cNvPicPr>
-          <p:nvPr/>
-        </p:nvPicPr>
-        <p:blipFill>
-          <a:blip r:embed="rId2"/>
-          <a:stretch>
-            <a:fillRect/>
-          </a:stretch>
-        </p:blipFill>
-        <p:spPr>
-          <a:xfrm>
-            <a:off x="685800" y="1759482"/>
-            <a:ext cx="2018030" cy="1952625"/>
-          </a:xfrm>
-          <a:prstGeom prst="rect">
-            <a:avLst/>
-          </a:prstGeom>
-        </p:spPr>
-      </p:pic>
-      <p:sp>
-        <p:nvSpPr>
-          <p:cNvPr id="6" name="TextBox 5">
-            <a:extLst>
-              <a:ext uri="{FF2B5EF4-FFF2-40B4-BE49-F238E27FC236}">
-                <a16:creationId xmlns:a16="http://schemas.microsoft.com/office/drawing/2014/main" id="{82D48AAC-0B02-C941-9E35-0E19E7A29B7C}"/>
-              </a:ext>
-            </a:extLst>
-          </p:cNvPr>
-          <p:cNvSpPr txBox="1"/>
-          <p:nvPr/>
-        </p:nvSpPr>
-        <p:spPr>
-          <a:xfrm>
-            <a:off x="685800" y="3925640"/>
-            <a:ext cx="9144000" cy="369332"/>
-          </a:xfrm>
-          <a:prstGeom prst="rect">
-            <a:avLst/>
-          </a:prstGeom>
-          <a:noFill/>
-        </p:spPr>
-        <p:txBody>
-          <a:bodyPr wrap="square">
-            <a:spAutoFit/>
-          </a:bodyPr>
-          <a:lstStyle/>
-          <a:p>
-            <a:pPr marL="0" marR="0">
-              <a:spcBef>
-                <a:spcPts val="0"/>
-              </a:spcBef>
-              <a:spcAft>
-                <a:spcPts val="1000"/>
-              </a:spcAft>
-            </a:pPr>
-            <a:r>
-              <a:rPr lang="en-US" sz="1800" i="1" dirty="0">
-                <a:solidFill>
-                  <a:srgbClr val="44546A"/>
-                </a:solidFill>
-                <a:effectLst/>
-                <a:latin typeface="Calibri" panose="020F0502020204030204" pitchFamily="34" charset="0"/>
-                <a:ea typeface="Calibri" panose="020F0502020204030204" pitchFamily="34" charset="0"/>
-                <a:cs typeface="Arial" panose="020B0604020202020204" pitchFamily="34" charset="0"/>
-              </a:rPr>
-              <a:t>Evaluation of generated RT Structure ‘TG263_Breast’ after importation into anonymized patient</a:t>
-            </a:r>
-          </a:p>
-        </p:txBody>
-      </p:sp>
-      <p:pic>
-        <p:nvPicPr>
-          <p:cNvPr id="11" name="Picture 10">
-            <a:extLst>
-              <a:ext uri="{FF2B5EF4-FFF2-40B4-BE49-F238E27FC236}">
-                <a16:creationId xmlns:a16="http://schemas.microsoft.com/office/drawing/2014/main" id="{AA6893CA-A926-278A-4895-E6227149B344}"/>
-              </a:ext>
-            </a:extLst>
-          </p:cNvPr>
-          <p:cNvPicPr>
-            <a:picLocks noChangeAspect="1"/>
-          </p:cNvPicPr>
-          <p:nvPr/>
-        </p:nvPicPr>
-        <p:blipFill>
-          <a:blip r:embed="rId3"/>
-          <a:stretch>
-            <a:fillRect/>
-          </a:stretch>
-        </p:blipFill>
-        <p:spPr>
-          <a:xfrm>
-            <a:off x="685800" y="6864350"/>
-            <a:ext cx="1651635" cy="5168900"/>
-          </a:xfrm>
-          <a:prstGeom prst="rect">
-            <a:avLst/>
-          </a:prstGeom>
-        </p:spPr>
-      </p:pic>
-      <p:pic>
-        <p:nvPicPr>
-          <p:cNvPr id="12" name="Picture 11" descr="Graphical user interface&#10;&#10;Description automatically generated with medium confidence">
-            <a:extLst>
-              <a:ext uri="{FF2B5EF4-FFF2-40B4-BE49-F238E27FC236}">
-                <a16:creationId xmlns:a16="http://schemas.microsoft.com/office/drawing/2014/main" id="{93EC4C30-BAC0-29BC-F329-0182F9A89A39}"/>
-              </a:ext>
-            </a:extLst>
-          </p:cNvPr>
-          <p:cNvPicPr>
-            <a:picLocks noChangeAspect="1"/>
-          </p:cNvPicPr>
-          <p:nvPr/>
-        </p:nvPicPr>
-        <p:blipFill>
-          <a:blip r:embed="rId4"/>
-          <a:stretch>
-            <a:fillRect/>
-          </a:stretch>
-        </p:blipFill>
-        <p:spPr>
-          <a:xfrm>
-            <a:off x="2337435" y="6811010"/>
-            <a:ext cx="1397635" cy="5222240"/>
-          </a:xfrm>
-          <a:prstGeom prst="rect">
-            <a:avLst/>
-          </a:prstGeom>
-        </p:spPr>
-      </p:pic>
-      <p:pic>
-        <p:nvPicPr>
-          <p:cNvPr id="13" name="Picture 12" descr="Table&#10;&#10;Description automatically generated with medium confidence">
-            <a:extLst>
-              <a:ext uri="{FF2B5EF4-FFF2-40B4-BE49-F238E27FC236}">
-                <a16:creationId xmlns:a16="http://schemas.microsoft.com/office/drawing/2014/main" id="{AF4EF990-DD9E-D1BD-BEB3-5640703CC5FA}"/>
-              </a:ext>
-            </a:extLst>
-          </p:cNvPr>
-          <p:cNvPicPr>
-            <a:picLocks noChangeAspect="1"/>
-          </p:cNvPicPr>
-          <p:nvPr/>
-        </p:nvPicPr>
-        <p:blipFill>
-          <a:blip r:embed="rId5"/>
-          <a:stretch>
-            <a:fillRect/>
-          </a:stretch>
-        </p:blipFill>
-        <p:spPr>
-          <a:xfrm>
-            <a:off x="3735070" y="10668635"/>
-            <a:ext cx="1477010" cy="1364615"/>
-          </a:xfrm>
-          <a:prstGeom prst="rect">
-            <a:avLst/>
-          </a:prstGeom>
-        </p:spPr>
-      </p:pic>
-      <p:sp>
-        <p:nvSpPr>
-          <p:cNvPr id="14" name="TextBox 13">
-            <a:extLst>
-              <a:ext uri="{FF2B5EF4-FFF2-40B4-BE49-F238E27FC236}">
-                <a16:creationId xmlns:a16="http://schemas.microsoft.com/office/drawing/2014/main" id="{522B9BD9-65AB-A420-097C-A7ED493C7C09}"/>
-              </a:ext>
-            </a:extLst>
-          </p:cNvPr>
-          <p:cNvSpPr txBox="1"/>
-          <p:nvPr/>
-        </p:nvSpPr>
-        <p:spPr>
-          <a:xfrm>
-            <a:off x="685800" y="12268200"/>
-            <a:ext cx="4423712" cy="369332"/>
-          </a:xfrm>
-          <a:prstGeom prst="rect">
-            <a:avLst/>
-          </a:prstGeom>
-          <a:noFill/>
-        </p:spPr>
-        <p:txBody>
-          <a:bodyPr wrap="none" rtlCol="0">
-            <a:spAutoFit/>
-          </a:bodyPr>
-          <a:lstStyle/>
-          <a:p>
-            <a:r>
-              <a:rPr lang="en-US" dirty="0"/>
-              <a:t>Structure Template Naming as of 09/20/2022</a:t>
-            </a:r>
-          </a:p>
-        </p:txBody>
-      </p:sp>
-      <p:pic>
-        <p:nvPicPr>
-          <p:cNvPr id="15" name="Picture 14">
-            <a:extLst>
-              <a:ext uri="{FF2B5EF4-FFF2-40B4-BE49-F238E27FC236}">
-                <a16:creationId xmlns:a16="http://schemas.microsoft.com/office/drawing/2014/main" id="{F8AFD09D-C901-5E14-C2F4-44AEFD79A9B3}"/>
-              </a:ext>
-            </a:extLst>
-          </p:cNvPr>
-          <p:cNvPicPr>
-            <a:picLocks noChangeAspect="1"/>
-          </p:cNvPicPr>
-          <p:nvPr/>
-        </p:nvPicPr>
-        <p:blipFill>
-          <a:blip r:embed="rId6"/>
-          <a:stretch>
-            <a:fillRect/>
-          </a:stretch>
-        </p:blipFill>
-        <p:spPr>
-          <a:xfrm>
-            <a:off x="7763934" y="7463155"/>
-            <a:ext cx="5943600" cy="3361690"/>
-          </a:xfrm>
-          <a:prstGeom prst="rect">
-            <a:avLst/>
-          </a:prstGeom>
-        </p:spPr>
-      </p:pic>
-    </p:spTree>
-    <p:extLst>
-      <p:ext uri="{BB962C8B-B14F-4D97-AF65-F5344CB8AC3E}">
-        <p14:creationId xmlns:p14="http://schemas.microsoft.com/office/powerpoint/2010/main" val="913970513"/>
-      </p:ext>
-    </p:extLst>
-  </p:cSld>
-  <p:clrMapOvr>
-    <a:masterClrMapping/>
-  </p:clrMapOvr>
-</p:sld>
-</file>
-
-<file path=ppt/slides/slide6.xml><?xml version="1.0" encoding="utf-8"?>
+<file path=ppt/slides/slide3.xml><?xml version="1.0" encoding="utf-8"?>
 <p:sld xmlns:a="http://schemas.openxmlformats.org/drawingml/2006/main" xmlns:r="http://schemas.openxmlformats.org/officeDocument/2006/relationships" xmlns:p="http://schemas.openxmlformats.org/presentationml/2006/main">
   <p:cSld>
     <p:spTree>
@@ -4604,7 +4527,7 @@
         </p:blipFill>
         <p:spPr>
           <a:xfrm>
-            <a:off x="947737" y="3790950"/>
+            <a:off x="666384" y="1153258"/>
             <a:ext cx="11591925" cy="5734050"/>
           </a:xfrm>
           <a:prstGeom prst="rect">
@@ -4626,7 +4549,7 @@
         </p:nvSpPr>
         <p:spPr>
           <a:xfrm>
-            <a:off x="1150620" y="7048500"/>
+            <a:off x="869266" y="4410808"/>
             <a:ext cx="327660" cy="2293620"/>
           </a:xfrm>
           <a:prstGeom prst="rect">
@@ -4678,7 +4601,7 @@
         </p:nvSpPr>
         <p:spPr>
           <a:xfrm rot="12347698">
-            <a:off x="9601189" y="6032308"/>
+            <a:off x="9319835" y="3394617"/>
             <a:ext cx="1062546" cy="1721683"/>
           </a:xfrm>
           <a:prstGeom prst="downArrow">
@@ -4732,7 +4655,7 @@
         </p:blipFill>
         <p:spPr>
           <a:xfrm>
-            <a:off x="3547693" y="7038974"/>
+            <a:off x="3266339" y="4401283"/>
             <a:ext cx="5096586" cy="2457793"/>
           </a:xfrm>
           <a:prstGeom prst="rect">
@@ -4754,7 +4677,7 @@
         </p:nvSpPr>
         <p:spPr>
           <a:xfrm rot="5643520">
-            <a:off x="9175058" y="6575038"/>
+            <a:off x="8893704" y="3937347"/>
             <a:ext cx="1062546" cy="3644291"/>
           </a:xfrm>
           <a:prstGeom prst="downArrow">
@@ -4814,7 +4737,7 @@
         </p:blipFill>
         <p:spPr>
           <a:xfrm>
-            <a:off x="2714625" y="11329092"/>
+            <a:off x="2433271" y="8691401"/>
             <a:ext cx="7639050" cy="4391025"/>
           </a:xfrm>
           <a:prstGeom prst="rect">
@@ -4826,6 +4749,1488 @@
     <p:extLst>
       <p:ext uri="{BB962C8B-B14F-4D97-AF65-F5344CB8AC3E}">
         <p14:creationId xmlns:p14="http://schemas.microsoft.com/office/powerpoint/2010/main" val="412887018"/>
+      </p:ext>
+    </p:extLst>
+  </p:cSld>
+  <p:clrMapOvr>
+    <a:masterClrMapping/>
+  </p:clrMapOvr>
+</p:sld>
+</file>
+
+<file path=ppt/slides/slide4.xml><?xml version="1.0" encoding="utf-8"?>
+<p:sld xmlns:a="http://schemas.openxmlformats.org/drawingml/2006/main" xmlns:r="http://schemas.openxmlformats.org/officeDocument/2006/relationships" xmlns:p="http://schemas.openxmlformats.org/presentationml/2006/main">
+  <p:cSld>
+    <p:spTree>
+      <p:nvGrpSpPr>
+        <p:cNvPr id="1" name=""/>
+        <p:cNvGrpSpPr/>
+        <p:nvPr/>
+      </p:nvGrpSpPr>
+      <p:grpSpPr>
+        <a:xfrm>
+          <a:off x="0" y="0"/>
+          <a:ext cx="0" cy="0"/>
+          <a:chOff x="0" y="0"/>
+          <a:chExt cx="0" cy="0"/>
+        </a:xfrm>
+      </p:grpSpPr>
+      <p:cxnSp>
+        <p:nvCxnSpPr>
+          <p:cNvPr id="7" name="Connector: Curved 6">
+            <a:extLst>
+              <a:ext uri="{FF2B5EF4-FFF2-40B4-BE49-F238E27FC236}">
+                <a16:creationId xmlns:a16="http://schemas.microsoft.com/office/drawing/2014/main" id="{ABCC4F6C-4B26-EF34-D416-24121EA9FA90}"/>
+              </a:ext>
+            </a:extLst>
+          </p:cNvPr>
+          <p:cNvCxnSpPr>
+            <a:cxnSpLocks/>
+            <a:stCxn id="10" idx="2"/>
+            <a:endCxn id="5" idx="0"/>
+          </p:cNvCxnSpPr>
+          <p:nvPr/>
+        </p:nvCxnSpPr>
+        <p:spPr>
+          <a:xfrm rot="5400000">
+            <a:off x="7533084" y="11016042"/>
+            <a:ext cx="2699207" cy="911202"/>
+          </a:xfrm>
+          <a:prstGeom prst="curvedConnector3">
+            <a:avLst>
+              <a:gd name="adj1" fmla="val 50000"/>
+            </a:avLst>
+          </a:prstGeom>
+          <a:ln w="295275">
+            <a:tailEnd type="triangle"/>
+          </a:ln>
+        </p:spPr>
+        <p:style>
+          <a:lnRef idx="1">
+            <a:schemeClr val="accent1"/>
+          </a:lnRef>
+          <a:fillRef idx="0">
+            <a:schemeClr val="accent1"/>
+          </a:fillRef>
+          <a:effectRef idx="0">
+            <a:schemeClr val="accent1"/>
+          </a:effectRef>
+          <a:fontRef idx="minor">
+            <a:schemeClr val="tx1"/>
+          </a:fontRef>
+        </p:style>
+      </p:cxnSp>
+      <p:grpSp>
+        <p:nvGrpSpPr>
+          <p:cNvPr id="19" name="Group 18">
+            <a:extLst>
+              <a:ext uri="{FF2B5EF4-FFF2-40B4-BE49-F238E27FC236}">
+                <a16:creationId xmlns:a16="http://schemas.microsoft.com/office/drawing/2014/main" id="{ED08E848-004F-B723-B35D-8EF820DFF055}"/>
+              </a:ext>
+            </a:extLst>
+          </p:cNvPr>
+          <p:cNvGrpSpPr/>
+          <p:nvPr/>
+        </p:nvGrpSpPr>
+        <p:grpSpPr>
+          <a:xfrm>
+            <a:off x="4687163" y="2053887"/>
+            <a:ext cx="9302250" cy="8068153"/>
+            <a:chOff x="674983" y="15868369"/>
+            <a:chExt cx="12888250" cy="11204751"/>
+          </a:xfrm>
+        </p:grpSpPr>
+        <p:sp>
+          <p:nvSpPr>
+            <p:cNvPr id="8" name="TextBox 7">
+              <a:extLst>
+                <a:ext uri="{FF2B5EF4-FFF2-40B4-BE49-F238E27FC236}">
+                  <a16:creationId xmlns:a16="http://schemas.microsoft.com/office/drawing/2014/main" id="{6838143F-DFC9-046C-29D2-0F2F534ED7CB}"/>
+                </a:ext>
+              </a:extLst>
+            </p:cNvPr>
+            <p:cNvSpPr txBox="1"/>
+            <p:nvPr/>
+          </p:nvSpPr>
+          <p:spPr>
+            <a:xfrm>
+              <a:off x="764800" y="15868369"/>
+              <a:ext cx="8199698" cy="1068571"/>
+            </a:xfrm>
+            <a:prstGeom prst="rect">
+              <a:avLst/>
+            </a:prstGeom>
+            <a:noFill/>
+          </p:spPr>
+          <p:txBody>
+            <a:bodyPr wrap="none" rtlCol="0">
+              <a:spAutoFit/>
+            </a:bodyPr>
+            <a:lstStyle/>
+            <a:p>
+              <a:pPr algn="ctr"/>
+              <a:r>
+                <a:rPr lang="en-US" sz="4400" dirty="0"/>
+                <a:t>Installation of Program</a:t>
+              </a:r>
+            </a:p>
+          </p:txBody>
+        </p:sp>
+        <p:sp>
+          <p:nvSpPr>
+            <p:cNvPr id="9" name="TextBox 8">
+              <a:extLst>
+                <a:ext uri="{FF2B5EF4-FFF2-40B4-BE49-F238E27FC236}">
+                  <a16:creationId xmlns:a16="http://schemas.microsoft.com/office/drawing/2014/main" id="{65EABC2F-CE30-5EEA-5A7C-15C52A5E36C8}"/>
+                </a:ext>
+              </a:extLst>
+            </p:cNvPr>
+            <p:cNvSpPr txBox="1"/>
+            <p:nvPr/>
+          </p:nvSpPr>
+          <p:spPr>
+            <a:xfrm>
+              <a:off x="764801" y="16838563"/>
+              <a:ext cx="11735872" cy="1154058"/>
+            </a:xfrm>
+            <a:prstGeom prst="rect">
+              <a:avLst/>
+            </a:prstGeom>
+            <a:noFill/>
+          </p:spPr>
+          <p:txBody>
+            <a:bodyPr wrap="square" rtlCol="0">
+              <a:spAutoFit/>
+            </a:bodyPr>
+            <a:lstStyle/>
+            <a:p>
+              <a:r>
+                <a:rPr lang="en-US" sz="2400" dirty="0"/>
+                <a:t>Program is installed from the publicly available website:  </a:t>
+              </a:r>
+              <a:r>
+                <a:rPr lang="en-US" sz="2400" dirty="0">
+                  <a:hlinkClick r:id="rId2"/>
+                </a:rPr>
+                <a:t>https://github.com/brianmanderson/DicomTemplateMakerCSharp</a:t>
+              </a:r>
+              <a:r>
+                <a:rPr lang="en-US" sz="2400" dirty="0"/>
+                <a:t> </a:t>
+              </a:r>
+            </a:p>
+          </p:txBody>
+        </p:sp>
+        <p:pic>
+          <p:nvPicPr>
+            <p:cNvPr id="10" name="Picture 9">
+              <a:extLst>
+                <a:ext uri="{FF2B5EF4-FFF2-40B4-BE49-F238E27FC236}">
+                  <a16:creationId xmlns:a16="http://schemas.microsoft.com/office/drawing/2014/main" id="{B4DA80BC-7ADA-9A09-E027-7D8D56712BBF}"/>
+                </a:ext>
+              </a:extLst>
+            </p:cNvPr>
+            <p:cNvPicPr>
+              <a:picLocks noChangeAspect="1"/>
+            </p:cNvPicPr>
+            <p:nvPr/>
+          </p:nvPicPr>
+          <p:blipFill>
+            <a:blip r:embed="rId3"/>
+            <a:stretch>
+              <a:fillRect/>
+            </a:stretch>
+          </p:blipFill>
+          <p:spPr>
+            <a:xfrm>
+              <a:off x="674983" y="18201802"/>
+              <a:ext cx="12888250" cy="8871318"/>
+            </a:xfrm>
+            <a:prstGeom prst="rect">
+              <a:avLst/>
+            </a:prstGeom>
+            <a:ln>
+              <a:solidFill>
+                <a:schemeClr val="tx1"/>
+              </a:solidFill>
+            </a:ln>
+          </p:spPr>
+        </p:pic>
+      </p:grpSp>
+      <p:cxnSp>
+        <p:nvCxnSpPr>
+          <p:cNvPr id="32" name="Connector: Curved 31">
+            <a:extLst>
+              <a:ext uri="{FF2B5EF4-FFF2-40B4-BE49-F238E27FC236}">
+                <a16:creationId xmlns:a16="http://schemas.microsoft.com/office/drawing/2014/main" id="{F10810D9-C466-1844-038B-9F6743617608}"/>
+              </a:ext>
+            </a:extLst>
+          </p:cNvPr>
+          <p:cNvCxnSpPr>
+            <a:cxnSpLocks/>
+            <a:stCxn id="30" idx="3"/>
+            <a:endCxn id="35" idx="2"/>
+          </p:cNvCxnSpPr>
+          <p:nvPr/>
+        </p:nvCxnSpPr>
+        <p:spPr>
+          <a:xfrm flipV="1">
+            <a:off x="19933628" y="10122039"/>
+            <a:ext cx="2432485" cy="5893172"/>
+          </a:xfrm>
+          <a:prstGeom prst="curvedConnector2">
+            <a:avLst/>
+          </a:prstGeom>
+          <a:ln w="295275">
+            <a:tailEnd type="triangle"/>
+          </a:ln>
+        </p:spPr>
+        <p:style>
+          <a:lnRef idx="1">
+            <a:schemeClr val="accent1"/>
+          </a:lnRef>
+          <a:fillRef idx="0">
+            <a:schemeClr val="accent1"/>
+          </a:fillRef>
+          <a:effectRef idx="0">
+            <a:schemeClr val="accent1"/>
+          </a:effectRef>
+          <a:fontRef idx="minor">
+            <a:schemeClr val="tx1"/>
+          </a:fontRef>
+        </p:style>
+      </p:cxnSp>
+      <p:grpSp>
+        <p:nvGrpSpPr>
+          <p:cNvPr id="48" name="Group 47">
+            <a:extLst>
+              <a:ext uri="{FF2B5EF4-FFF2-40B4-BE49-F238E27FC236}">
+                <a16:creationId xmlns:a16="http://schemas.microsoft.com/office/drawing/2014/main" id="{4EF57C24-994C-470F-E723-2E13F2D063D4}"/>
+              </a:ext>
+            </a:extLst>
+          </p:cNvPr>
+          <p:cNvGrpSpPr/>
+          <p:nvPr/>
+        </p:nvGrpSpPr>
+        <p:grpSpPr>
+          <a:xfrm>
+            <a:off x="16098427" y="2109537"/>
+            <a:ext cx="12535372" cy="8012502"/>
+            <a:chOff x="16301900" y="8206510"/>
+            <a:chExt cx="15126645" cy="9656328"/>
+          </a:xfrm>
+        </p:grpSpPr>
+        <p:pic>
+          <p:nvPicPr>
+            <p:cNvPr id="35" name="Picture 34">
+              <a:extLst>
+                <a:ext uri="{FF2B5EF4-FFF2-40B4-BE49-F238E27FC236}">
+                  <a16:creationId xmlns:a16="http://schemas.microsoft.com/office/drawing/2014/main" id="{7CCBD6C5-1BD7-EBE8-3779-60E4ECE03987}"/>
+                </a:ext>
+              </a:extLst>
+            </p:cNvPr>
+            <p:cNvPicPr>
+              <a:picLocks noChangeAspect="1"/>
+            </p:cNvPicPr>
+            <p:nvPr/>
+          </p:nvPicPr>
+          <p:blipFill>
+            <a:blip r:embed="rId4"/>
+            <a:stretch>
+              <a:fillRect/>
+            </a:stretch>
+          </p:blipFill>
+          <p:spPr>
+            <a:xfrm>
+              <a:off x="16301900" y="10380307"/>
+              <a:ext cx="15126645" cy="7482531"/>
+            </a:xfrm>
+            <a:prstGeom prst="rect">
+              <a:avLst/>
+            </a:prstGeom>
+          </p:spPr>
+        </p:pic>
+        <p:sp>
+          <p:nvSpPr>
+            <p:cNvPr id="38" name="TextBox 37">
+              <a:extLst>
+                <a:ext uri="{FF2B5EF4-FFF2-40B4-BE49-F238E27FC236}">
+                  <a16:creationId xmlns:a16="http://schemas.microsoft.com/office/drawing/2014/main" id="{30BCC19D-8E7D-7239-7A54-0330049512AD}"/>
+                </a:ext>
+              </a:extLst>
+            </p:cNvPr>
+            <p:cNvSpPr txBox="1"/>
+            <p:nvPr/>
+          </p:nvSpPr>
+          <p:spPr>
+            <a:xfrm>
+              <a:off x="16301900" y="8206510"/>
+              <a:ext cx="6615858" cy="927298"/>
+            </a:xfrm>
+            <a:prstGeom prst="rect">
+              <a:avLst/>
+            </a:prstGeom>
+            <a:noFill/>
+          </p:spPr>
+          <p:txBody>
+            <a:bodyPr wrap="none" rtlCol="0">
+              <a:spAutoFit/>
+            </a:bodyPr>
+            <a:lstStyle/>
+            <a:p>
+              <a:pPr algn="ctr"/>
+              <a:r>
+                <a:rPr lang="en-US" sz="4400" dirty="0"/>
+                <a:t>Edit Regions of Interest</a:t>
+              </a:r>
+            </a:p>
+          </p:txBody>
+        </p:sp>
+        <p:sp>
+          <p:nvSpPr>
+            <p:cNvPr id="39" name="TextBox 38">
+              <a:extLst>
+                <a:ext uri="{FF2B5EF4-FFF2-40B4-BE49-F238E27FC236}">
+                  <a16:creationId xmlns:a16="http://schemas.microsoft.com/office/drawing/2014/main" id="{68878640-9795-2F0C-7A02-C44D34F6CC6F}"/>
+                </a:ext>
+              </a:extLst>
+            </p:cNvPr>
+            <p:cNvSpPr txBox="1"/>
+            <p:nvPr/>
+          </p:nvSpPr>
+          <p:spPr>
+            <a:xfrm>
+              <a:off x="16301900" y="9133809"/>
+              <a:ext cx="13223852" cy="1001482"/>
+            </a:xfrm>
+            <a:prstGeom prst="rect">
+              <a:avLst/>
+            </a:prstGeom>
+            <a:noFill/>
+          </p:spPr>
+          <p:txBody>
+            <a:bodyPr wrap="square" rtlCol="0">
+              <a:spAutoFit/>
+            </a:bodyPr>
+            <a:lstStyle/>
+            <a:p>
+              <a:r>
+                <a:rPr lang="en-US" sz="2400" dirty="0"/>
+                <a:t>Users can edit any ROI to match the preferences of their individual clinic. Including nomenclature/type/color/ontology </a:t>
+              </a:r>
+            </a:p>
+          </p:txBody>
+        </p:sp>
+      </p:grpSp>
+      <p:grpSp>
+        <p:nvGrpSpPr>
+          <p:cNvPr id="57" name="Group 56">
+            <a:extLst>
+              <a:ext uri="{FF2B5EF4-FFF2-40B4-BE49-F238E27FC236}">
+                <a16:creationId xmlns:a16="http://schemas.microsoft.com/office/drawing/2014/main" id="{486A8F41-BFA3-DCB9-AA2D-3E208B30D5B8}"/>
+              </a:ext>
+            </a:extLst>
+          </p:cNvPr>
+          <p:cNvGrpSpPr/>
+          <p:nvPr/>
+        </p:nvGrpSpPr>
+        <p:grpSpPr>
+          <a:xfrm>
+            <a:off x="4673890" y="11575928"/>
+            <a:ext cx="15259738" cy="7633247"/>
+            <a:chOff x="1039086" y="14936275"/>
+            <a:chExt cx="15259738" cy="7633247"/>
+          </a:xfrm>
+        </p:grpSpPr>
+        <p:grpSp>
+          <p:nvGrpSpPr>
+            <p:cNvPr id="18" name="Group 17">
+              <a:extLst>
+                <a:ext uri="{FF2B5EF4-FFF2-40B4-BE49-F238E27FC236}">
+                  <a16:creationId xmlns:a16="http://schemas.microsoft.com/office/drawing/2014/main" id="{00B2D55F-A639-0F1D-6091-39E941963249}"/>
+                </a:ext>
+              </a:extLst>
+            </p:cNvPr>
+            <p:cNvGrpSpPr/>
+            <p:nvPr/>
+          </p:nvGrpSpPr>
+          <p:grpSpPr>
+            <a:xfrm>
+              <a:off x="1412895" y="16181594"/>
+              <a:ext cx="6758773" cy="6079860"/>
+              <a:chOff x="12258444" y="3351848"/>
+              <a:chExt cx="6758773" cy="6079860"/>
+            </a:xfrm>
+          </p:grpSpPr>
+          <p:pic>
+            <p:nvPicPr>
+              <p:cNvPr id="4" name="Picture 3">
+                <a:extLst>
+                  <a:ext uri="{FF2B5EF4-FFF2-40B4-BE49-F238E27FC236}">
+                    <a16:creationId xmlns:a16="http://schemas.microsoft.com/office/drawing/2014/main" id="{25F0D43C-0ADE-3D50-5241-ED19D80F1210}"/>
+                  </a:ext>
+                </a:extLst>
+              </p:cNvPr>
+              <p:cNvPicPr>
+                <a:picLocks noChangeAspect="1"/>
+              </p:cNvPicPr>
+              <p:nvPr/>
+            </p:nvPicPr>
+            <p:blipFill>
+              <a:blip r:embed="rId5"/>
+              <a:stretch>
+                <a:fillRect/>
+              </a:stretch>
+            </p:blipFill>
+            <p:spPr>
+              <a:xfrm>
+                <a:off x="12405287" y="4912364"/>
+                <a:ext cx="6591987" cy="4519344"/>
+              </a:xfrm>
+              <a:prstGeom prst="rect">
+                <a:avLst/>
+              </a:prstGeom>
+            </p:spPr>
+          </p:pic>
+          <p:sp>
+            <p:nvSpPr>
+              <p:cNvPr id="5" name="TextBox 4">
+                <a:extLst>
+                  <a:ext uri="{FF2B5EF4-FFF2-40B4-BE49-F238E27FC236}">
+                    <a16:creationId xmlns:a16="http://schemas.microsoft.com/office/drawing/2014/main" id="{0707B448-4A40-A916-10EA-37C366007F01}"/>
+                  </a:ext>
+                </a:extLst>
+              </p:cNvPr>
+              <p:cNvSpPr txBox="1"/>
+              <p:nvPr/>
+            </p:nvSpPr>
+            <p:spPr>
+              <a:xfrm>
+                <a:off x="12258444" y="3351848"/>
+                <a:ext cx="6758773" cy="769441"/>
+              </a:xfrm>
+              <a:prstGeom prst="rect">
+                <a:avLst/>
+              </a:prstGeom>
+              <a:noFill/>
+            </p:spPr>
+            <p:txBody>
+              <a:bodyPr wrap="none" rtlCol="0">
+                <a:spAutoFit/>
+              </a:bodyPr>
+              <a:lstStyle/>
+              <a:p>
+                <a:pPr algn="ctr"/>
+                <a:r>
+                  <a:rPr lang="en-US" sz="4400" dirty="0"/>
+                  <a:t>Download TG-263 Templates</a:t>
+                </a:r>
+              </a:p>
+            </p:txBody>
+          </p:sp>
+          <p:sp>
+            <p:nvSpPr>
+              <p:cNvPr id="15" name="TextBox 14">
+                <a:extLst>
+                  <a:ext uri="{FF2B5EF4-FFF2-40B4-BE49-F238E27FC236}">
+                    <a16:creationId xmlns:a16="http://schemas.microsoft.com/office/drawing/2014/main" id="{E4EF161E-0EA4-E867-5FE3-6D7F54B482D1}"/>
+                  </a:ext>
+                </a:extLst>
+              </p:cNvPr>
+              <p:cNvSpPr txBox="1"/>
+              <p:nvPr/>
+            </p:nvSpPr>
+            <p:spPr>
+              <a:xfrm>
+                <a:off x="12341837" y="4081367"/>
+                <a:ext cx="6591988" cy="830997"/>
+              </a:xfrm>
+              <a:prstGeom prst="rect">
+                <a:avLst/>
+              </a:prstGeom>
+              <a:noFill/>
+            </p:spPr>
+            <p:txBody>
+              <a:bodyPr wrap="square" rtlCol="0">
+                <a:spAutoFit/>
+              </a:bodyPr>
+              <a:lstStyle/>
+              <a:p>
+                <a:r>
+                  <a:rPr lang="en-US" sz="2400" dirty="0"/>
+                  <a:t>A list of TG-263 compliant ROIs and templates are maintained and continually updated online</a:t>
+                </a:r>
+              </a:p>
+            </p:txBody>
+          </p:sp>
+        </p:grpSp>
+        <p:sp>
+          <p:nvSpPr>
+            <p:cNvPr id="23" name="TextBox 22">
+              <a:extLst>
+                <a:ext uri="{FF2B5EF4-FFF2-40B4-BE49-F238E27FC236}">
+                  <a16:creationId xmlns:a16="http://schemas.microsoft.com/office/drawing/2014/main" id="{9BB63E97-C5CC-BFAE-1F71-5E521B894CCC}"/>
+                </a:ext>
+              </a:extLst>
+            </p:cNvPr>
+            <p:cNvSpPr txBox="1"/>
+            <p:nvPr/>
+          </p:nvSpPr>
+          <p:spPr>
+            <a:xfrm>
+              <a:off x="8858402" y="16649761"/>
+              <a:ext cx="7288483" cy="1200329"/>
+            </a:xfrm>
+            <a:prstGeom prst="rect">
+              <a:avLst/>
+            </a:prstGeom>
+            <a:noFill/>
+          </p:spPr>
+          <p:txBody>
+            <a:bodyPr wrap="square" rtlCol="0">
+              <a:spAutoFit/>
+            </a:bodyPr>
+            <a:lstStyle/>
+            <a:p>
+              <a:r>
+                <a:rPr lang="en-US" sz="2400" dirty="0"/>
+                <a:t>Downloaded templates are grouped based on their names. Each template is composed of ROIs relevant to that treated site.</a:t>
+              </a:r>
+            </a:p>
+          </p:txBody>
+        </p:sp>
+        <p:sp>
+          <p:nvSpPr>
+            <p:cNvPr id="30" name="Rectangle 29">
+              <a:extLst>
+                <a:ext uri="{FF2B5EF4-FFF2-40B4-BE49-F238E27FC236}">
+                  <a16:creationId xmlns:a16="http://schemas.microsoft.com/office/drawing/2014/main" id="{4D474C8B-0DD7-BCFD-43BE-268E53226ADD}"/>
+                </a:ext>
+              </a:extLst>
+            </p:cNvPr>
+            <p:cNvSpPr/>
+            <p:nvPr/>
+          </p:nvSpPr>
+          <p:spPr>
+            <a:xfrm>
+              <a:off x="1039086" y="16181593"/>
+              <a:ext cx="15259738" cy="6387929"/>
+            </a:xfrm>
+            <a:prstGeom prst="rect">
+              <a:avLst/>
+            </a:prstGeom>
+            <a:noFill/>
+            <a:ln w="127000">
+              <a:solidFill>
+                <a:schemeClr val="tx1"/>
+              </a:solidFill>
+            </a:ln>
+          </p:spPr>
+          <p:style>
+            <a:lnRef idx="2">
+              <a:schemeClr val="accent1">
+                <a:shade val="50000"/>
+              </a:schemeClr>
+            </a:lnRef>
+            <a:fillRef idx="1">
+              <a:schemeClr val="accent1"/>
+            </a:fillRef>
+            <a:effectRef idx="0">
+              <a:schemeClr val="accent1"/>
+            </a:effectRef>
+            <a:fontRef idx="minor">
+              <a:schemeClr val="lt1"/>
+            </a:fontRef>
+          </p:style>
+          <p:txBody>
+            <a:bodyPr rtlCol="0" anchor="ctr"/>
+            <a:lstStyle/>
+            <a:p>
+              <a:pPr algn="ctr"/>
+              <a:endParaRPr lang="en-US" dirty="0"/>
+            </a:p>
+          </p:txBody>
+        </p:sp>
+        <p:sp>
+          <p:nvSpPr>
+            <p:cNvPr id="31" name="TextBox 30">
+              <a:extLst>
+                <a:ext uri="{FF2B5EF4-FFF2-40B4-BE49-F238E27FC236}">
+                  <a16:creationId xmlns:a16="http://schemas.microsoft.com/office/drawing/2014/main" id="{3C02151C-711F-5218-1570-0C73206EA138}"/>
+                </a:ext>
+              </a:extLst>
+            </p:cNvPr>
+            <p:cNvSpPr txBox="1"/>
+            <p:nvPr/>
+          </p:nvSpPr>
+          <p:spPr>
+            <a:xfrm>
+              <a:off x="5919159" y="14936275"/>
+              <a:ext cx="5286127" cy="861774"/>
+            </a:xfrm>
+            <a:prstGeom prst="rect">
+              <a:avLst/>
+            </a:prstGeom>
+            <a:noFill/>
+          </p:spPr>
+          <p:txBody>
+            <a:bodyPr wrap="none" rtlCol="0">
+              <a:spAutoFit/>
+            </a:bodyPr>
+            <a:lstStyle/>
+            <a:p>
+              <a:pPr algn="ctr"/>
+              <a:r>
+                <a:rPr lang="en-US" sz="5000" dirty="0"/>
+                <a:t>Populate Templates</a:t>
+              </a:r>
+            </a:p>
+          </p:txBody>
+        </p:sp>
+        <p:pic>
+          <p:nvPicPr>
+            <p:cNvPr id="44" name="Picture 43">
+              <a:extLst>
+                <a:ext uri="{FF2B5EF4-FFF2-40B4-BE49-F238E27FC236}">
+                  <a16:creationId xmlns:a16="http://schemas.microsoft.com/office/drawing/2014/main" id="{2B479CAA-75D3-EC74-5577-F4B24F784A35}"/>
+                </a:ext>
+              </a:extLst>
+            </p:cNvPr>
+            <p:cNvPicPr>
+              <a:picLocks noChangeAspect="1"/>
+            </p:cNvPicPr>
+            <p:nvPr/>
+          </p:nvPicPr>
+          <p:blipFill>
+            <a:blip r:embed="rId6"/>
+            <a:stretch>
+              <a:fillRect/>
+            </a:stretch>
+          </p:blipFill>
+          <p:spPr>
+            <a:xfrm>
+              <a:off x="8972722" y="17737211"/>
+              <a:ext cx="7162171" cy="4524243"/>
+            </a:xfrm>
+            <a:prstGeom prst="rect">
+              <a:avLst/>
+            </a:prstGeom>
+          </p:spPr>
+        </p:pic>
+        <p:sp>
+          <p:nvSpPr>
+            <p:cNvPr id="46" name="Arrow: Right 45">
+              <a:extLst>
+                <a:ext uri="{FF2B5EF4-FFF2-40B4-BE49-F238E27FC236}">
+                  <a16:creationId xmlns:a16="http://schemas.microsoft.com/office/drawing/2014/main" id="{7FE23984-8524-8664-0B5E-892A368BDB68}"/>
+                </a:ext>
+              </a:extLst>
+            </p:cNvPr>
+            <p:cNvSpPr/>
+            <p:nvPr/>
+          </p:nvSpPr>
+          <p:spPr>
+            <a:xfrm>
+              <a:off x="8215175" y="20001782"/>
+              <a:ext cx="694097" cy="600165"/>
+            </a:xfrm>
+            <a:prstGeom prst="rightArrow">
+              <a:avLst/>
+            </a:prstGeom>
+          </p:spPr>
+          <p:style>
+            <a:lnRef idx="2">
+              <a:schemeClr val="accent1">
+                <a:shade val="50000"/>
+              </a:schemeClr>
+            </a:lnRef>
+            <a:fillRef idx="1">
+              <a:schemeClr val="accent1"/>
+            </a:fillRef>
+            <a:effectRef idx="0">
+              <a:schemeClr val="accent1"/>
+            </a:effectRef>
+            <a:fontRef idx="minor">
+              <a:schemeClr val="lt1"/>
+            </a:fontRef>
+          </p:style>
+          <p:txBody>
+            <a:bodyPr rtlCol="0" anchor="ctr"/>
+            <a:lstStyle/>
+            <a:p>
+              <a:pPr algn="ctr"/>
+              <a:endParaRPr lang="en-US"/>
+            </a:p>
+          </p:txBody>
+        </p:sp>
+      </p:grpSp>
+      <p:grpSp>
+        <p:nvGrpSpPr>
+          <p:cNvPr id="58" name="Group 57">
+            <a:extLst>
+              <a:ext uri="{FF2B5EF4-FFF2-40B4-BE49-F238E27FC236}">
+                <a16:creationId xmlns:a16="http://schemas.microsoft.com/office/drawing/2014/main" id="{CA39B1F1-B174-17A8-8D7C-63E9FBFCCEBD}"/>
+              </a:ext>
+            </a:extLst>
+          </p:cNvPr>
+          <p:cNvGrpSpPr/>
+          <p:nvPr/>
+        </p:nvGrpSpPr>
+        <p:grpSpPr>
+          <a:xfrm>
+            <a:off x="31582241" y="3294477"/>
+            <a:ext cx="7677150" cy="1818607"/>
+            <a:chOff x="16301901" y="8616220"/>
+            <a:chExt cx="7677150" cy="1818607"/>
+          </a:xfrm>
+        </p:grpSpPr>
+        <p:sp>
+          <p:nvSpPr>
+            <p:cNvPr id="60" name="TextBox 59">
+              <a:extLst>
+                <a:ext uri="{FF2B5EF4-FFF2-40B4-BE49-F238E27FC236}">
+                  <a16:creationId xmlns:a16="http://schemas.microsoft.com/office/drawing/2014/main" id="{292DB873-0062-773F-933E-EA05D44DF023}"/>
+                </a:ext>
+              </a:extLst>
+            </p:cNvPr>
+            <p:cNvSpPr txBox="1"/>
+            <p:nvPr/>
+          </p:nvSpPr>
+          <p:spPr>
+            <a:xfrm>
+              <a:off x="16301901" y="8616220"/>
+              <a:ext cx="6654065" cy="769441"/>
+            </a:xfrm>
+            <a:prstGeom prst="rect">
+              <a:avLst/>
+            </a:prstGeom>
+            <a:noFill/>
+          </p:spPr>
+          <p:txBody>
+            <a:bodyPr wrap="none" rtlCol="0">
+              <a:spAutoFit/>
+            </a:bodyPr>
+            <a:lstStyle/>
+            <a:p>
+              <a:pPr algn="ctr"/>
+              <a:r>
+                <a:rPr lang="en-US" sz="4400" dirty="0"/>
+                <a:t>Patient Specific RT Structure</a:t>
+              </a:r>
+            </a:p>
+          </p:txBody>
+        </p:sp>
+        <p:sp>
+          <p:nvSpPr>
+            <p:cNvPr id="61" name="TextBox 60">
+              <a:extLst>
+                <a:ext uri="{FF2B5EF4-FFF2-40B4-BE49-F238E27FC236}">
+                  <a16:creationId xmlns:a16="http://schemas.microsoft.com/office/drawing/2014/main" id="{97C9F27D-92F3-C26C-0A59-17412CADAB7A}"/>
+                </a:ext>
+              </a:extLst>
+            </p:cNvPr>
+            <p:cNvSpPr txBox="1"/>
+            <p:nvPr/>
+          </p:nvSpPr>
+          <p:spPr>
+            <a:xfrm>
+              <a:off x="16301901" y="9234498"/>
+              <a:ext cx="7677150" cy="1200329"/>
+            </a:xfrm>
+            <a:prstGeom prst="rect">
+              <a:avLst/>
+            </a:prstGeom>
+            <a:noFill/>
+          </p:spPr>
+          <p:txBody>
+            <a:bodyPr wrap="square" rtlCol="0">
+              <a:spAutoFit/>
+            </a:bodyPr>
+            <a:lstStyle/>
+            <a:p>
+              <a:r>
+                <a:rPr lang="en-US" sz="2400" dirty="0"/>
+                <a:t>Users can create patient-specific RT Structures by defining locations where DICOM will be present and required Series/Study Descriptions</a:t>
+              </a:r>
+            </a:p>
+          </p:txBody>
+        </p:sp>
+      </p:grpSp>
+      <p:pic>
+        <p:nvPicPr>
+          <p:cNvPr id="1024" name="Picture 1023">
+            <a:extLst>
+              <a:ext uri="{FF2B5EF4-FFF2-40B4-BE49-F238E27FC236}">
+                <a16:creationId xmlns:a16="http://schemas.microsoft.com/office/drawing/2014/main" id="{99DAB8C1-6F8C-BE60-AE4B-3B82E2A50037}"/>
+              </a:ext>
+            </a:extLst>
+          </p:cNvPr>
+          <p:cNvPicPr>
+            <a:picLocks noChangeAspect="1"/>
+          </p:cNvPicPr>
+          <p:nvPr/>
+        </p:nvPicPr>
+        <p:blipFill>
+          <a:blip r:embed="rId7"/>
+          <a:stretch>
+            <a:fillRect/>
+          </a:stretch>
+        </p:blipFill>
+        <p:spPr>
+          <a:xfrm>
+            <a:off x="31582241" y="5254758"/>
+            <a:ext cx="7677150" cy="4819650"/>
+          </a:xfrm>
+          <a:prstGeom prst="rect">
+            <a:avLst/>
+          </a:prstGeom>
+        </p:spPr>
+      </p:pic>
+      <p:cxnSp>
+        <p:nvCxnSpPr>
+          <p:cNvPr id="1031" name="Connector: Curved 1030">
+            <a:extLst>
+              <a:ext uri="{FF2B5EF4-FFF2-40B4-BE49-F238E27FC236}">
+                <a16:creationId xmlns:a16="http://schemas.microsoft.com/office/drawing/2014/main" id="{10327EF7-5AF6-FC9D-8E70-48ACDED6CD2E}"/>
+              </a:ext>
+            </a:extLst>
+          </p:cNvPr>
+          <p:cNvCxnSpPr>
+            <a:cxnSpLocks/>
+            <a:stCxn id="35" idx="3"/>
+            <a:endCxn id="1024" idx="1"/>
+          </p:cNvCxnSpPr>
+          <p:nvPr/>
+        </p:nvCxnSpPr>
+        <p:spPr>
+          <a:xfrm>
+            <a:off x="28633799" y="7017661"/>
+            <a:ext cx="2948442" cy="646922"/>
+          </a:xfrm>
+          <a:prstGeom prst="curvedConnector3">
+            <a:avLst>
+              <a:gd name="adj1" fmla="val 50000"/>
+            </a:avLst>
+          </a:prstGeom>
+          <a:ln w="295275">
+            <a:tailEnd type="triangle"/>
+          </a:ln>
+        </p:spPr>
+        <p:style>
+          <a:lnRef idx="1">
+            <a:schemeClr val="accent1"/>
+          </a:lnRef>
+          <a:fillRef idx="0">
+            <a:schemeClr val="accent1"/>
+          </a:fillRef>
+          <a:effectRef idx="0">
+            <a:schemeClr val="accent1"/>
+          </a:effectRef>
+          <a:fontRef idx="minor">
+            <a:schemeClr val="tx1"/>
+          </a:fontRef>
+        </p:style>
+      </p:cxnSp>
+      <p:cxnSp>
+        <p:nvCxnSpPr>
+          <p:cNvPr id="1055" name="Connector: Curved 1054">
+            <a:extLst>
+              <a:ext uri="{FF2B5EF4-FFF2-40B4-BE49-F238E27FC236}">
+                <a16:creationId xmlns:a16="http://schemas.microsoft.com/office/drawing/2014/main" id="{37C0B2B3-E46C-6F0C-A9F0-B54611D556A6}"/>
+              </a:ext>
+            </a:extLst>
+          </p:cNvPr>
+          <p:cNvCxnSpPr>
+            <a:cxnSpLocks/>
+            <a:stCxn id="30" idx="3"/>
+            <a:endCxn id="1052" idx="0"/>
+          </p:cNvCxnSpPr>
+          <p:nvPr/>
+        </p:nvCxnSpPr>
+        <p:spPr>
+          <a:xfrm>
+            <a:off x="19933628" y="16015211"/>
+            <a:ext cx="2384118" cy="5893170"/>
+          </a:xfrm>
+          <a:prstGeom prst="curvedConnector2">
+            <a:avLst/>
+          </a:prstGeom>
+          <a:ln w="295275">
+            <a:tailEnd type="triangle"/>
+          </a:ln>
+        </p:spPr>
+        <p:style>
+          <a:lnRef idx="1">
+            <a:schemeClr val="accent1"/>
+          </a:lnRef>
+          <a:fillRef idx="0">
+            <a:schemeClr val="accent1"/>
+          </a:fillRef>
+          <a:effectRef idx="0">
+            <a:schemeClr val="accent1"/>
+          </a:effectRef>
+          <a:fontRef idx="minor">
+            <a:schemeClr val="tx1"/>
+          </a:fontRef>
+        </p:style>
+      </p:cxnSp>
+      <p:grpSp>
+        <p:nvGrpSpPr>
+          <p:cNvPr id="1063" name="Group 1062">
+            <a:extLst>
+              <a:ext uri="{FF2B5EF4-FFF2-40B4-BE49-F238E27FC236}">
+                <a16:creationId xmlns:a16="http://schemas.microsoft.com/office/drawing/2014/main" id="{029D365E-535D-00F2-6408-EC0A058E294A}"/>
+              </a:ext>
+            </a:extLst>
+          </p:cNvPr>
+          <p:cNvGrpSpPr/>
+          <p:nvPr/>
+        </p:nvGrpSpPr>
+        <p:grpSpPr>
+          <a:xfrm>
+            <a:off x="13989413" y="21908381"/>
+            <a:ext cx="16534405" cy="8092188"/>
+            <a:chOff x="19333671" y="14266367"/>
+            <a:chExt cx="16534405" cy="8092188"/>
+          </a:xfrm>
+        </p:grpSpPr>
+        <p:grpSp>
+          <p:nvGrpSpPr>
+            <p:cNvPr id="1054" name="Group 1053">
+              <a:extLst>
+                <a:ext uri="{FF2B5EF4-FFF2-40B4-BE49-F238E27FC236}">
+                  <a16:creationId xmlns:a16="http://schemas.microsoft.com/office/drawing/2014/main" id="{3EE089B5-2FE9-4C71-B8E6-C92569B70D55}"/>
+                </a:ext>
+              </a:extLst>
+            </p:cNvPr>
+            <p:cNvGrpSpPr/>
+            <p:nvPr/>
+          </p:nvGrpSpPr>
+          <p:grpSpPr>
+            <a:xfrm>
+              <a:off x="19562192" y="15295796"/>
+              <a:ext cx="6909164" cy="6688106"/>
+              <a:chOff x="19562192" y="15295796"/>
+              <a:chExt cx="6909164" cy="6688106"/>
+            </a:xfrm>
+          </p:grpSpPr>
+          <p:grpSp>
+            <p:nvGrpSpPr>
+              <p:cNvPr id="1036" name="Group 1035">
+                <a:extLst>
+                  <a:ext uri="{FF2B5EF4-FFF2-40B4-BE49-F238E27FC236}">
+                    <a16:creationId xmlns:a16="http://schemas.microsoft.com/office/drawing/2014/main" id="{A07AE1F1-1F0E-B37B-1EE2-1AFF61BCFD06}"/>
+                  </a:ext>
+                </a:extLst>
+              </p:cNvPr>
+              <p:cNvGrpSpPr/>
+              <p:nvPr/>
+            </p:nvGrpSpPr>
+            <p:grpSpPr>
+              <a:xfrm>
+                <a:off x="19562192" y="15295796"/>
+                <a:ext cx="6597338" cy="1970638"/>
+                <a:chOff x="1554388" y="15720468"/>
+                <a:chExt cx="6597338" cy="1970638"/>
+              </a:xfrm>
+            </p:grpSpPr>
+            <p:sp>
+              <p:nvSpPr>
+                <p:cNvPr id="1045" name="TextBox 1044">
+                  <a:extLst>
+                    <a:ext uri="{FF2B5EF4-FFF2-40B4-BE49-F238E27FC236}">
+                      <a16:creationId xmlns:a16="http://schemas.microsoft.com/office/drawing/2014/main" id="{DC95EEF5-06EB-DCCC-2F20-197615B3BED5}"/>
+                    </a:ext>
+                  </a:extLst>
+                </p:cNvPr>
+                <p:cNvSpPr txBox="1"/>
+                <p:nvPr/>
+              </p:nvSpPr>
+              <p:spPr>
+                <a:xfrm>
+                  <a:off x="1559738" y="16490777"/>
+                  <a:ext cx="6591988" cy="1200329"/>
+                </a:xfrm>
+                <a:prstGeom prst="rect">
+                  <a:avLst/>
+                </a:prstGeom>
+                <a:noFill/>
+              </p:spPr>
+              <p:txBody>
+                <a:bodyPr wrap="square" rtlCol="0">
+                  <a:spAutoFit/>
+                </a:bodyPr>
+                <a:lstStyle/>
+                <a:p>
+                  <a:r>
+                    <a:rPr lang="en-US" sz="2400" dirty="0"/>
+                    <a:t>‘Create folder with loadable RTs’ will generate a folder with a loadable CT and a unique RT structure for each template.</a:t>
+                  </a:r>
+                </a:p>
+              </p:txBody>
+            </p:sp>
+            <p:sp>
+              <p:nvSpPr>
+                <p:cNvPr id="1040" name="TextBox 1039">
+                  <a:extLst>
+                    <a:ext uri="{FF2B5EF4-FFF2-40B4-BE49-F238E27FC236}">
+                      <a16:creationId xmlns:a16="http://schemas.microsoft.com/office/drawing/2014/main" id="{5EA53D62-3099-9EC6-8F86-A9659DAFABFD}"/>
+                    </a:ext>
+                  </a:extLst>
+                </p:cNvPr>
+                <p:cNvSpPr txBox="1"/>
+                <p:nvPr/>
+              </p:nvSpPr>
+              <p:spPr>
+                <a:xfrm>
+                  <a:off x="1554388" y="15720468"/>
+                  <a:ext cx="3247876" cy="769441"/>
+                </a:xfrm>
+                <a:prstGeom prst="rect">
+                  <a:avLst/>
+                </a:prstGeom>
+                <a:noFill/>
+              </p:spPr>
+              <p:txBody>
+                <a:bodyPr wrap="none" rtlCol="0">
+                  <a:spAutoFit/>
+                </a:bodyPr>
+                <a:lstStyle/>
+                <a:p>
+                  <a:pPr algn="ctr"/>
+                  <a:r>
+                    <a:rPr lang="en-US" sz="4400" dirty="0"/>
+                    <a:t>RT Structures</a:t>
+                  </a:r>
+                </a:p>
+              </p:txBody>
+            </p:sp>
+          </p:grpSp>
+          <p:pic>
+            <p:nvPicPr>
+              <p:cNvPr id="1047" name="Picture 1046">
+                <a:extLst>
+                  <a:ext uri="{FF2B5EF4-FFF2-40B4-BE49-F238E27FC236}">
+                    <a16:creationId xmlns:a16="http://schemas.microsoft.com/office/drawing/2014/main" id="{DD2247A4-0B64-6F31-3B39-C6D89075DF50}"/>
+                  </a:ext>
+                </a:extLst>
+              </p:cNvPr>
+              <p:cNvPicPr>
+                <a:picLocks noChangeAspect="1"/>
+              </p:cNvPicPr>
+              <p:nvPr/>
+            </p:nvPicPr>
+            <p:blipFill>
+              <a:blip r:embed="rId8"/>
+              <a:stretch>
+                <a:fillRect/>
+              </a:stretch>
+            </p:blipFill>
+            <p:spPr>
+              <a:xfrm>
+                <a:off x="19616156" y="17393049"/>
+                <a:ext cx="6855200" cy="4590853"/>
+              </a:xfrm>
+              <a:prstGeom prst="rect">
+                <a:avLst/>
+              </a:prstGeom>
+            </p:spPr>
+          </p:pic>
+        </p:grpSp>
+        <p:grpSp>
+          <p:nvGrpSpPr>
+            <p:cNvPr id="1053" name="Group 1052">
+              <a:extLst>
+                <a:ext uri="{FF2B5EF4-FFF2-40B4-BE49-F238E27FC236}">
+                  <a16:creationId xmlns:a16="http://schemas.microsoft.com/office/drawing/2014/main" id="{3D398BBD-F0D6-200E-E101-995C4F2142DE}"/>
+                </a:ext>
+              </a:extLst>
+            </p:cNvPr>
+            <p:cNvGrpSpPr/>
+            <p:nvPr/>
+          </p:nvGrpSpPr>
+          <p:grpSpPr>
+            <a:xfrm>
+              <a:off x="26824047" y="15295796"/>
+              <a:ext cx="8691733" cy="6669082"/>
+              <a:chOff x="28609742" y="15520769"/>
+              <a:chExt cx="8691733" cy="6669082"/>
+            </a:xfrm>
+          </p:grpSpPr>
+          <p:pic>
+            <p:nvPicPr>
+              <p:cNvPr id="1049" name="Picture 1048">
+                <a:extLst>
+                  <a:ext uri="{FF2B5EF4-FFF2-40B4-BE49-F238E27FC236}">
+                    <a16:creationId xmlns:a16="http://schemas.microsoft.com/office/drawing/2014/main" id="{38C9A33A-9BEA-BB2C-F6F1-275431BFEAE0}"/>
+                  </a:ext>
+                </a:extLst>
+              </p:cNvPr>
+              <p:cNvPicPr>
+                <a:picLocks noChangeAspect="1"/>
+              </p:cNvPicPr>
+              <p:nvPr/>
+            </p:nvPicPr>
+            <p:blipFill>
+              <a:blip r:embed="rId9"/>
+              <a:stretch>
+                <a:fillRect/>
+              </a:stretch>
+            </p:blipFill>
+            <p:spPr>
+              <a:xfrm>
+                <a:off x="28612924" y="17604984"/>
+                <a:ext cx="8688551" cy="4584867"/>
+              </a:xfrm>
+              <a:prstGeom prst="rect">
+                <a:avLst/>
+              </a:prstGeom>
+            </p:spPr>
+          </p:pic>
+          <p:sp>
+            <p:nvSpPr>
+              <p:cNvPr id="1050" name="TextBox 1049">
+                <a:extLst>
+                  <a:ext uri="{FF2B5EF4-FFF2-40B4-BE49-F238E27FC236}">
+                    <a16:creationId xmlns:a16="http://schemas.microsoft.com/office/drawing/2014/main" id="{AC96C173-5192-B270-E9FA-97BF51B8F247}"/>
+                  </a:ext>
+                </a:extLst>
+              </p:cNvPr>
+              <p:cNvSpPr txBox="1"/>
+              <p:nvPr/>
+            </p:nvSpPr>
+            <p:spPr>
+              <a:xfrm>
+                <a:off x="28609742" y="15520769"/>
+                <a:ext cx="3841756" cy="769441"/>
+              </a:xfrm>
+              <a:prstGeom prst="rect">
+                <a:avLst/>
+              </a:prstGeom>
+              <a:noFill/>
+            </p:spPr>
+            <p:txBody>
+              <a:bodyPr wrap="none" rtlCol="0">
+                <a:spAutoFit/>
+              </a:bodyPr>
+              <a:lstStyle/>
+              <a:p>
+                <a:pPr algn="ctr"/>
+                <a:r>
+                  <a:rPr lang="en-US" sz="4400" dirty="0"/>
+                  <a:t>Varian XML files</a:t>
+                </a:r>
+              </a:p>
+            </p:txBody>
+          </p:sp>
+          <p:sp>
+            <p:nvSpPr>
+              <p:cNvPr id="1051" name="TextBox 1050">
+                <a:extLst>
+                  <a:ext uri="{FF2B5EF4-FFF2-40B4-BE49-F238E27FC236}">
+                    <a16:creationId xmlns:a16="http://schemas.microsoft.com/office/drawing/2014/main" id="{08D88538-9E9E-0C8B-76E8-2694352E60F0}"/>
+                  </a:ext>
+                </a:extLst>
+              </p:cNvPr>
+              <p:cNvSpPr txBox="1"/>
+              <p:nvPr/>
+            </p:nvSpPr>
+            <p:spPr>
+              <a:xfrm>
+                <a:off x="28612924" y="16237934"/>
+                <a:ext cx="7677149" cy="1200329"/>
+              </a:xfrm>
+              <a:prstGeom prst="rect">
+                <a:avLst/>
+              </a:prstGeom>
+              <a:noFill/>
+            </p:spPr>
+            <p:txBody>
+              <a:bodyPr wrap="square" rtlCol="0">
+                <a:spAutoFit/>
+              </a:bodyPr>
+              <a:lstStyle/>
+              <a:p>
+                <a:r>
+                  <a:rPr lang="en-US" sz="2400" dirty="0"/>
+                  <a:t>‘Create folder with loadable Varian </a:t>
+                </a:r>
+                <a:r>
+                  <a:rPr lang="en-US" sz="2400" dirty="0" err="1"/>
+                  <a:t>Xmls’</a:t>
+                </a:r>
+                <a:r>
+                  <a:rPr lang="en-US" sz="2400" dirty="0"/>
+                  <a:t> will generate a folder with a loadable .xml files. </a:t>
+                </a:r>
+                <a:r>
+                  <a:rPr lang="en-US" sz="2400" b="1" i="1" dirty="0"/>
+                  <a:t>If this folder is the Varian XML folder, the templates will populate immediately!</a:t>
+                </a:r>
+              </a:p>
+            </p:txBody>
+          </p:sp>
+        </p:grpSp>
+        <p:sp>
+          <p:nvSpPr>
+            <p:cNvPr id="1052" name="TextBox 1051">
+              <a:extLst>
+                <a:ext uri="{FF2B5EF4-FFF2-40B4-BE49-F238E27FC236}">
+                  <a16:creationId xmlns:a16="http://schemas.microsoft.com/office/drawing/2014/main" id="{996F4F32-3631-035C-C4C3-CA3916B73800}"/>
+                </a:ext>
+              </a:extLst>
+            </p:cNvPr>
+            <p:cNvSpPr txBox="1"/>
+            <p:nvPr/>
+          </p:nvSpPr>
+          <p:spPr>
+            <a:xfrm>
+              <a:off x="23508623" y="14266367"/>
+              <a:ext cx="8306762" cy="861774"/>
+            </a:xfrm>
+            <a:prstGeom prst="rect">
+              <a:avLst/>
+            </a:prstGeom>
+            <a:noFill/>
+          </p:spPr>
+          <p:txBody>
+            <a:bodyPr wrap="none" rtlCol="0">
+              <a:spAutoFit/>
+            </a:bodyPr>
+            <a:lstStyle/>
+            <a:p>
+              <a:pPr algn="ctr"/>
+              <a:r>
+                <a:rPr lang="en-US" sz="5000" dirty="0"/>
+                <a:t>Generate TPS Loadable Objects</a:t>
+              </a:r>
+            </a:p>
+          </p:txBody>
+        </p:sp>
+        <p:sp>
+          <p:nvSpPr>
+            <p:cNvPr id="1058" name="Rectangle 1057">
+              <a:extLst>
+                <a:ext uri="{FF2B5EF4-FFF2-40B4-BE49-F238E27FC236}">
+                  <a16:creationId xmlns:a16="http://schemas.microsoft.com/office/drawing/2014/main" id="{505C9236-CBE2-02C1-F5C6-0F3E8CC6758A}"/>
+                </a:ext>
+              </a:extLst>
+            </p:cNvPr>
+            <p:cNvSpPr/>
+            <p:nvPr/>
+          </p:nvSpPr>
+          <p:spPr>
+            <a:xfrm>
+              <a:off x="19333671" y="15261147"/>
+              <a:ext cx="16534405" cy="7097408"/>
+            </a:xfrm>
+            <a:prstGeom prst="rect">
+              <a:avLst/>
+            </a:prstGeom>
+            <a:noFill/>
+            <a:ln w="127000">
+              <a:solidFill>
+                <a:schemeClr val="tx1"/>
+              </a:solidFill>
+            </a:ln>
+          </p:spPr>
+          <p:style>
+            <a:lnRef idx="2">
+              <a:schemeClr val="accent1">
+                <a:shade val="50000"/>
+              </a:schemeClr>
+            </a:lnRef>
+            <a:fillRef idx="1">
+              <a:schemeClr val="accent1"/>
+            </a:fillRef>
+            <a:effectRef idx="0">
+              <a:schemeClr val="accent1"/>
+            </a:effectRef>
+            <a:fontRef idx="minor">
+              <a:schemeClr val="lt1"/>
+            </a:fontRef>
+          </p:style>
+          <p:txBody>
+            <a:bodyPr rtlCol="0" anchor="ctr"/>
+            <a:lstStyle/>
+            <a:p>
+              <a:pPr algn="ctr"/>
+              <a:endParaRPr lang="en-US" dirty="0"/>
+            </a:p>
+          </p:txBody>
+        </p:sp>
+      </p:grpSp>
+      <p:grpSp>
+        <p:nvGrpSpPr>
+          <p:cNvPr id="21" name="Group 20">
+            <a:extLst>
+              <a:ext uri="{FF2B5EF4-FFF2-40B4-BE49-F238E27FC236}">
+                <a16:creationId xmlns:a16="http://schemas.microsoft.com/office/drawing/2014/main" id="{F6ABC43B-8CBF-C2BC-6B47-D69863CD008E}"/>
+              </a:ext>
+            </a:extLst>
+          </p:cNvPr>
+          <p:cNvGrpSpPr/>
+          <p:nvPr/>
+        </p:nvGrpSpPr>
+        <p:grpSpPr>
+          <a:xfrm>
+            <a:off x="25321545" y="12087704"/>
+            <a:ext cx="9369978" cy="7694229"/>
+            <a:chOff x="23163470" y="11534246"/>
+            <a:chExt cx="9369978" cy="7694229"/>
+          </a:xfrm>
+        </p:grpSpPr>
+        <p:pic>
+          <p:nvPicPr>
+            <p:cNvPr id="2" name="Picture 1">
+              <a:extLst>
+                <a:ext uri="{FF2B5EF4-FFF2-40B4-BE49-F238E27FC236}">
+                  <a16:creationId xmlns:a16="http://schemas.microsoft.com/office/drawing/2014/main" id="{A6EB27EC-DA0F-EF2A-B3C5-37270E96E58B}"/>
+                </a:ext>
+              </a:extLst>
+            </p:cNvPr>
+            <p:cNvPicPr>
+              <a:picLocks noChangeAspect="1"/>
+            </p:cNvPicPr>
+            <p:nvPr/>
+          </p:nvPicPr>
+          <p:blipFill>
+            <a:blip r:embed="rId6"/>
+            <a:stretch>
+              <a:fillRect/>
+            </a:stretch>
+          </p:blipFill>
+          <p:spPr>
+            <a:xfrm>
+              <a:off x="23204173" y="13335303"/>
+              <a:ext cx="9329275" cy="5893172"/>
+            </a:xfrm>
+            <a:prstGeom prst="rect">
+              <a:avLst/>
+            </a:prstGeom>
+          </p:spPr>
+        </p:pic>
+        <p:sp>
+          <p:nvSpPr>
+            <p:cNvPr id="6" name="TextBox 5">
+              <a:extLst>
+                <a:ext uri="{FF2B5EF4-FFF2-40B4-BE49-F238E27FC236}">
+                  <a16:creationId xmlns:a16="http://schemas.microsoft.com/office/drawing/2014/main" id="{AC8B78E4-1E0C-56A5-C319-62967B2248AA}"/>
+                </a:ext>
+              </a:extLst>
+            </p:cNvPr>
+            <p:cNvSpPr txBox="1"/>
+            <p:nvPr/>
+          </p:nvSpPr>
+          <p:spPr>
+            <a:xfrm>
+              <a:off x="23163470" y="11534246"/>
+              <a:ext cx="2681888" cy="769441"/>
+            </a:xfrm>
+            <a:prstGeom prst="rect">
+              <a:avLst/>
+            </a:prstGeom>
+            <a:noFill/>
+          </p:spPr>
+          <p:txBody>
+            <a:bodyPr wrap="none" rtlCol="0">
+              <a:spAutoFit/>
+            </a:bodyPr>
+            <a:lstStyle/>
+            <a:p>
+              <a:pPr algn="ctr"/>
+              <a:r>
+                <a:rPr lang="en-US" sz="4400" dirty="0"/>
+                <a:t>Run Server</a:t>
+              </a:r>
+            </a:p>
+          </p:txBody>
+        </p:sp>
+        <p:sp>
+          <p:nvSpPr>
+            <p:cNvPr id="11" name="TextBox 10">
+              <a:extLst>
+                <a:ext uri="{FF2B5EF4-FFF2-40B4-BE49-F238E27FC236}">
+                  <a16:creationId xmlns:a16="http://schemas.microsoft.com/office/drawing/2014/main" id="{09E6AE40-67BE-AFAB-7D99-7EB10B55C84C}"/>
+                </a:ext>
+              </a:extLst>
+            </p:cNvPr>
+            <p:cNvSpPr txBox="1"/>
+            <p:nvPr/>
+          </p:nvSpPr>
+          <p:spPr>
+            <a:xfrm>
+              <a:off x="23163470" y="12182605"/>
+              <a:ext cx="9217409" cy="1200329"/>
+            </a:xfrm>
+            <a:prstGeom prst="rect">
+              <a:avLst/>
+            </a:prstGeom>
+            <a:noFill/>
+          </p:spPr>
+          <p:txBody>
+            <a:bodyPr wrap="square" rtlCol="0">
+              <a:spAutoFit/>
+            </a:bodyPr>
+            <a:lstStyle/>
+            <a:p>
+              <a:r>
+                <a:rPr lang="en-US" sz="2400" dirty="0"/>
+                <a:t>Selecting ‘Run DICOM server’ will begin evaluating all templates and the paths listed in the previous step. Any DICOM files present will have a patient-specific RT structure generated.</a:t>
+              </a:r>
+            </a:p>
+          </p:txBody>
+        </p:sp>
+      </p:grpSp>
+      <p:cxnSp>
+        <p:nvCxnSpPr>
+          <p:cNvPr id="12" name="Connector: Curved 11">
+            <a:extLst>
+              <a:ext uri="{FF2B5EF4-FFF2-40B4-BE49-F238E27FC236}">
+                <a16:creationId xmlns:a16="http://schemas.microsoft.com/office/drawing/2014/main" id="{553D67DF-9C16-E861-9A75-7D2A76E8F0F3}"/>
+              </a:ext>
+            </a:extLst>
+          </p:cNvPr>
+          <p:cNvCxnSpPr>
+            <a:cxnSpLocks/>
+            <a:stCxn id="1024" idx="2"/>
+            <a:endCxn id="11" idx="0"/>
+          </p:cNvCxnSpPr>
+          <p:nvPr/>
+        </p:nvCxnSpPr>
+        <p:spPr>
+          <a:xfrm rot="5400000">
+            <a:off x="31344706" y="8659952"/>
+            <a:ext cx="2661655" cy="5490566"/>
+          </a:xfrm>
+          <a:prstGeom prst="curvedConnector3">
+            <a:avLst>
+              <a:gd name="adj1" fmla="val 50000"/>
+            </a:avLst>
+          </a:prstGeom>
+          <a:ln w="295275">
+            <a:tailEnd type="triangle"/>
+          </a:ln>
+        </p:spPr>
+        <p:style>
+          <a:lnRef idx="1">
+            <a:schemeClr val="accent1"/>
+          </a:lnRef>
+          <a:fillRef idx="0">
+            <a:schemeClr val="accent1"/>
+          </a:fillRef>
+          <a:effectRef idx="0">
+            <a:schemeClr val="accent1"/>
+          </a:effectRef>
+          <a:fontRef idx="minor">
+            <a:schemeClr val="tx1"/>
+          </a:fontRef>
+        </p:style>
+      </p:cxnSp>
+    </p:spTree>
+    <p:extLst>
+      <p:ext uri="{BB962C8B-B14F-4D97-AF65-F5344CB8AC3E}">
+        <p14:creationId xmlns:p14="http://schemas.microsoft.com/office/powerpoint/2010/main" val="3033135674"/>
       </p:ext>
     </p:extLst>
   </p:cSld>
@@ -5090,7 +6495,7 @@
   <a:extraClrSchemeLst/>
   <a:extLst>
     <a:ext uri="{05A4C25C-085E-4340-85A3-A5531E510DB2}">
-      <thm15:themeFamily xmlns:thm15="http://schemas.microsoft.com/office/thememl/2012/main" name="Office Theme" id="{62F939B6-93AF-4DB8-9C6B-D6C7DFDC589F}" vid="{4A3C46E8-61CC-4603-A589-7422A47A8E4A}"/>
+      <thm15:themeFamily xmlns:thm15="http://schemas.microsoft.com/office/thememl/2012/main" name="Office Theme 2013 - 2022" id="{62F939B6-93AF-4DB8-9C6B-D6C7DFDC589F}" vid="{4A3C46E8-61CC-4603-A589-7422A47A8E4A}"/>
     </a:ext>
   </a:extLst>
 </a:theme>

--- a/Paper/Figures.pptx
+++ b/Paper/Figures.pptx
@@ -8,7 +8,8 @@
     <p:sldId id="257" r:id="rId2"/>
     <p:sldId id="258" r:id="rId3"/>
     <p:sldId id="262" r:id="rId4"/>
-    <p:sldId id="256" r:id="rId5"/>
+    <p:sldId id="263" r:id="rId5"/>
+    <p:sldId id="256" r:id="rId6"/>
   </p:sldIdLst>
   <p:sldSz cx="45720000" cy="32004000"/>
   <p:notesSz cx="6858000" cy="9144000"/>
@@ -246,7 +247,7 @@
           <a:p>
             <a:fld id="{27530B1A-49E1-4C40-9321-E95425B2047F}" type="datetimeFigureOut">
               <a:rPr lang="en-US" smtClean="0"/>
-              <a:t>5/8/2023</a:t>
+              <a:t>5/15/2023</a:t>
             </a:fld>
             <a:endParaRPr lang="en-US"/>
           </a:p>
@@ -416,7 +417,7 @@
           <a:p>
             <a:fld id="{27530B1A-49E1-4C40-9321-E95425B2047F}" type="datetimeFigureOut">
               <a:rPr lang="en-US" smtClean="0"/>
-              <a:t>5/8/2023</a:t>
+              <a:t>5/15/2023</a:t>
             </a:fld>
             <a:endParaRPr lang="en-US"/>
           </a:p>
@@ -596,7 +597,7 @@
           <a:p>
             <a:fld id="{27530B1A-49E1-4C40-9321-E95425B2047F}" type="datetimeFigureOut">
               <a:rPr lang="en-US" smtClean="0"/>
-              <a:t>5/8/2023</a:t>
+              <a:t>5/15/2023</a:t>
             </a:fld>
             <a:endParaRPr lang="en-US"/>
           </a:p>
@@ -766,7 +767,7 @@
           <a:p>
             <a:fld id="{27530B1A-49E1-4C40-9321-E95425B2047F}" type="datetimeFigureOut">
               <a:rPr lang="en-US" smtClean="0"/>
-              <a:t>5/8/2023</a:t>
+              <a:t>5/15/2023</a:t>
             </a:fld>
             <a:endParaRPr lang="en-US"/>
           </a:p>
@@ -1010,7 +1011,7 @@
           <a:p>
             <a:fld id="{27530B1A-49E1-4C40-9321-E95425B2047F}" type="datetimeFigureOut">
               <a:rPr lang="en-US" smtClean="0"/>
-              <a:t>5/8/2023</a:t>
+              <a:t>5/15/2023</a:t>
             </a:fld>
             <a:endParaRPr lang="en-US"/>
           </a:p>
@@ -1242,7 +1243,7 @@
           <a:p>
             <a:fld id="{27530B1A-49E1-4C40-9321-E95425B2047F}" type="datetimeFigureOut">
               <a:rPr lang="en-US" smtClean="0"/>
-              <a:t>5/8/2023</a:t>
+              <a:t>5/15/2023</a:t>
             </a:fld>
             <a:endParaRPr lang="en-US"/>
           </a:p>
@@ -1609,7 +1610,7 @@
           <a:p>
             <a:fld id="{27530B1A-49E1-4C40-9321-E95425B2047F}" type="datetimeFigureOut">
               <a:rPr lang="en-US" smtClean="0"/>
-              <a:t>5/8/2023</a:t>
+              <a:t>5/15/2023</a:t>
             </a:fld>
             <a:endParaRPr lang="en-US"/>
           </a:p>
@@ -1727,7 +1728,7 @@
           <a:p>
             <a:fld id="{27530B1A-49E1-4C40-9321-E95425B2047F}" type="datetimeFigureOut">
               <a:rPr lang="en-US" smtClean="0"/>
-              <a:t>5/8/2023</a:t>
+              <a:t>5/15/2023</a:t>
             </a:fld>
             <a:endParaRPr lang="en-US"/>
           </a:p>
@@ -1822,7 +1823,7 @@
           <a:p>
             <a:fld id="{27530B1A-49E1-4C40-9321-E95425B2047F}" type="datetimeFigureOut">
               <a:rPr lang="en-US" smtClean="0"/>
-              <a:t>5/8/2023</a:t>
+              <a:t>5/15/2023</a:t>
             </a:fld>
             <a:endParaRPr lang="en-US"/>
           </a:p>
@@ -2099,7 +2100,7 @@
           <a:p>
             <a:fld id="{27530B1A-49E1-4C40-9321-E95425B2047F}" type="datetimeFigureOut">
               <a:rPr lang="en-US" smtClean="0"/>
-              <a:t>5/8/2023</a:t>
+              <a:t>5/15/2023</a:t>
             </a:fld>
             <a:endParaRPr lang="en-US"/>
           </a:p>
@@ -2356,7 +2357,7 @@
           <a:p>
             <a:fld id="{27530B1A-49E1-4C40-9321-E95425B2047F}" type="datetimeFigureOut">
               <a:rPr lang="en-US" smtClean="0"/>
-              <a:t>5/8/2023</a:t>
+              <a:t>5/15/2023</a:t>
             </a:fld>
             <a:endParaRPr lang="en-US"/>
           </a:p>
@@ -2569,7 +2570,7 @@
           <a:p>
             <a:fld id="{27530B1A-49E1-4C40-9321-E95425B2047F}" type="datetimeFigureOut">
               <a:rPr lang="en-US" smtClean="0"/>
-              <a:t>5/8/2023</a:t>
+              <a:t>5/15/2023</a:t>
             </a:fld>
             <a:endParaRPr lang="en-US"/>
           </a:p>
@@ -4759,6 +4760,1540 @@
 </file>
 
 <file path=ppt/slides/slide4.xml><?xml version="1.0" encoding="utf-8"?>
+<p:sld xmlns:a="http://schemas.openxmlformats.org/drawingml/2006/main" xmlns:r="http://schemas.openxmlformats.org/officeDocument/2006/relationships" xmlns:p="http://schemas.openxmlformats.org/presentationml/2006/main">
+  <p:cSld>
+    <p:spTree>
+      <p:nvGrpSpPr>
+        <p:cNvPr id="1" name=""/>
+        <p:cNvGrpSpPr/>
+        <p:nvPr/>
+      </p:nvGrpSpPr>
+      <p:grpSpPr>
+        <a:xfrm>
+          <a:off x="0" y="0"/>
+          <a:ext cx="0" cy="0"/>
+          <a:chOff x="0" y="0"/>
+          <a:chExt cx="0" cy="0"/>
+        </a:xfrm>
+      </p:grpSpPr>
+      <p:cxnSp>
+        <p:nvCxnSpPr>
+          <p:cNvPr id="7" name="Connector: Curved 6">
+            <a:extLst>
+              <a:ext uri="{FF2B5EF4-FFF2-40B4-BE49-F238E27FC236}">
+                <a16:creationId xmlns:a16="http://schemas.microsoft.com/office/drawing/2014/main" id="{ABCC4F6C-4B26-EF34-D416-24121EA9FA90}"/>
+              </a:ext>
+            </a:extLst>
+          </p:cNvPr>
+          <p:cNvCxnSpPr>
+            <a:cxnSpLocks/>
+            <a:stCxn id="10" idx="3"/>
+            <a:endCxn id="30" idx="1"/>
+          </p:cNvCxnSpPr>
+          <p:nvPr/>
+        </p:nvCxnSpPr>
+        <p:spPr>
+          <a:xfrm flipV="1">
+            <a:off x="10498850" y="10106072"/>
+            <a:ext cx="2476703" cy="6736040"/>
+          </a:xfrm>
+          <a:prstGeom prst="curvedConnector3">
+            <a:avLst>
+              <a:gd name="adj1" fmla="val 50000"/>
+            </a:avLst>
+          </a:prstGeom>
+          <a:ln w="295275">
+            <a:tailEnd type="triangle"/>
+          </a:ln>
+        </p:spPr>
+        <p:style>
+          <a:lnRef idx="1">
+            <a:schemeClr val="accent1"/>
+          </a:lnRef>
+          <a:fillRef idx="0">
+            <a:schemeClr val="accent1"/>
+          </a:fillRef>
+          <a:effectRef idx="0">
+            <a:schemeClr val="accent1"/>
+          </a:effectRef>
+          <a:fontRef idx="minor">
+            <a:schemeClr val="tx1"/>
+          </a:fontRef>
+        </p:style>
+      </p:cxnSp>
+      <p:grpSp>
+        <p:nvGrpSpPr>
+          <p:cNvPr id="19" name="Group 18">
+            <a:extLst>
+              <a:ext uri="{FF2B5EF4-FFF2-40B4-BE49-F238E27FC236}">
+                <a16:creationId xmlns:a16="http://schemas.microsoft.com/office/drawing/2014/main" id="{ED08E848-004F-B723-B35D-8EF820DFF055}"/>
+              </a:ext>
+            </a:extLst>
+          </p:cNvPr>
+          <p:cNvGrpSpPr/>
+          <p:nvPr/>
+        </p:nvGrpSpPr>
+        <p:grpSpPr>
+          <a:xfrm>
+            <a:off x="1196600" y="11967923"/>
+            <a:ext cx="9302250" cy="8068153"/>
+            <a:chOff x="674983" y="15868369"/>
+            <a:chExt cx="12888250" cy="11204751"/>
+          </a:xfrm>
+        </p:grpSpPr>
+        <p:sp>
+          <p:nvSpPr>
+            <p:cNvPr id="8" name="TextBox 7">
+              <a:extLst>
+                <a:ext uri="{FF2B5EF4-FFF2-40B4-BE49-F238E27FC236}">
+                  <a16:creationId xmlns:a16="http://schemas.microsoft.com/office/drawing/2014/main" id="{6838143F-DFC9-046C-29D2-0F2F534ED7CB}"/>
+                </a:ext>
+              </a:extLst>
+            </p:cNvPr>
+            <p:cNvSpPr txBox="1"/>
+            <p:nvPr/>
+          </p:nvSpPr>
+          <p:spPr>
+            <a:xfrm>
+              <a:off x="764800" y="15868369"/>
+              <a:ext cx="8199698" cy="1068571"/>
+            </a:xfrm>
+            <a:prstGeom prst="rect">
+              <a:avLst/>
+            </a:prstGeom>
+            <a:noFill/>
+          </p:spPr>
+          <p:txBody>
+            <a:bodyPr wrap="none" rtlCol="0">
+              <a:spAutoFit/>
+            </a:bodyPr>
+            <a:lstStyle/>
+            <a:p>
+              <a:pPr algn="ctr"/>
+              <a:r>
+                <a:rPr lang="en-US" sz="4400" dirty="0"/>
+                <a:t>Installation of Program</a:t>
+              </a:r>
+            </a:p>
+          </p:txBody>
+        </p:sp>
+        <p:sp>
+          <p:nvSpPr>
+            <p:cNvPr id="9" name="TextBox 8">
+              <a:extLst>
+                <a:ext uri="{FF2B5EF4-FFF2-40B4-BE49-F238E27FC236}">
+                  <a16:creationId xmlns:a16="http://schemas.microsoft.com/office/drawing/2014/main" id="{65EABC2F-CE30-5EEA-5A7C-15C52A5E36C8}"/>
+                </a:ext>
+              </a:extLst>
+            </p:cNvPr>
+            <p:cNvSpPr txBox="1"/>
+            <p:nvPr/>
+          </p:nvSpPr>
+          <p:spPr>
+            <a:xfrm>
+              <a:off x="764801" y="16838563"/>
+              <a:ext cx="11735872" cy="1154058"/>
+            </a:xfrm>
+            <a:prstGeom prst="rect">
+              <a:avLst/>
+            </a:prstGeom>
+            <a:noFill/>
+          </p:spPr>
+          <p:txBody>
+            <a:bodyPr wrap="square" rtlCol="0">
+              <a:spAutoFit/>
+            </a:bodyPr>
+            <a:lstStyle/>
+            <a:p>
+              <a:r>
+                <a:rPr lang="en-US" sz="2400" dirty="0"/>
+                <a:t>Program is installed from the publicly available website:  </a:t>
+              </a:r>
+              <a:r>
+                <a:rPr lang="en-US" sz="2400" dirty="0">
+                  <a:hlinkClick r:id="rId2"/>
+                </a:rPr>
+                <a:t>https://github.com/brianmanderson/DicomTemplateMakerCSharp</a:t>
+              </a:r>
+              <a:r>
+                <a:rPr lang="en-US" sz="2400" dirty="0"/>
+                <a:t> </a:t>
+              </a:r>
+            </a:p>
+          </p:txBody>
+        </p:sp>
+        <p:pic>
+          <p:nvPicPr>
+            <p:cNvPr id="10" name="Picture 9">
+              <a:extLst>
+                <a:ext uri="{FF2B5EF4-FFF2-40B4-BE49-F238E27FC236}">
+                  <a16:creationId xmlns:a16="http://schemas.microsoft.com/office/drawing/2014/main" id="{B4DA80BC-7ADA-9A09-E027-7D8D56712BBF}"/>
+                </a:ext>
+              </a:extLst>
+            </p:cNvPr>
+            <p:cNvPicPr>
+              <a:picLocks noChangeAspect="1"/>
+            </p:cNvPicPr>
+            <p:nvPr/>
+          </p:nvPicPr>
+          <p:blipFill>
+            <a:blip r:embed="rId3"/>
+            <a:stretch>
+              <a:fillRect/>
+            </a:stretch>
+          </p:blipFill>
+          <p:spPr>
+            <a:xfrm>
+              <a:off x="674983" y="18201802"/>
+              <a:ext cx="12888250" cy="8871318"/>
+            </a:xfrm>
+            <a:prstGeom prst="rect">
+              <a:avLst/>
+            </a:prstGeom>
+            <a:ln>
+              <a:solidFill>
+                <a:schemeClr val="tx1"/>
+              </a:solidFill>
+            </a:ln>
+          </p:spPr>
+        </p:pic>
+      </p:grpSp>
+      <p:cxnSp>
+        <p:nvCxnSpPr>
+          <p:cNvPr id="32" name="Connector: Curved 31">
+            <a:extLst>
+              <a:ext uri="{FF2B5EF4-FFF2-40B4-BE49-F238E27FC236}">
+                <a16:creationId xmlns:a16="http://schemas.microsoft.com/office/drawing/2014/main" id="{F10810D9-C466-1844-038B-9F6743617608}"/>
+              </a:ext>
+            </a:extLst>
+          </p:cNvPr>
+          <p:cNvCxnSpPr>
+            <a:cxnSpLocks/>
+            <a:stCxn id="30" idx="3"/>
+            <a:endCxn id="38" idx="0"/>
+          </p:cNvCxnSpPr>
+          <p:nvPr/>
+        </p:nvCxnSpPr>
+        <p:spPr>
+          <a:xfrm>
+            <a:off x="28235291" y="10106072"/>
+            <a:ext cx="4473585" cy="1305345"/>
+          </a:xfrm>
+          <a:prstGeom prst="curvedConnector2">
+            <a:avLst/>
+          </a:prstGeom>
+          <a:ln w="295275">
+            <a:tailEnd type="triangle"/>
+          </a:ln>
+        </p:spPr>
+        <p:style>
+          <a:lnRef idx="1">
+            <a:schemeClr val="accent1"/>
+          </a:lnRef>
+          <a:fillRef idx="0">
+            <a:schemeClr val="accent1"/>
+          </a:fillRef>
+          <a:effectRef idx="0">
+            <a:schemeClr val="accent1"/>
+          </a:effectRef>
+          <a:fontRef idx="minor">
+            <a:schemeClr val="tx1"/>
+          </a:fontRef>
+        </p:style>
+      </p:cxnSp>
+      <p:grpSp>
+        <p:nvGrpSpPr>
+          <p:cNvPr id="48" name="Group 47">
+            <a:extLst>
+              <a:ext uri="{FF2B5EF4-FFF2-40B4-BE49-F238E27FC236}">
+                <a16:creationId xmlns:a16="http://schemas.microsoft.com/office/drawing/2014/main" id="{4EF57C24-994C-470F-E723-2E13F2D063D4}"/>
+              </a:ext>
+            </a:extLst>
+          </p:cNvPr>
+          <p:cNvGrpSpPr/>
+          <p:nvPr/>
+        </p:nvGrpSpPr>
+        <p:grpSpPr>
+          <a:xfrm>
+            <a:off x="29967612" y="11411417"/>
+            <a:ext cx="12535372" cy="8012502"/>
+            <a:chOff x="16301900" y="8206510"/>
+            <a:chExt cx="15126645" cy="9656328"/>
+          </a:xfrm>
+        </p:grpSpPr>
+        <p:pic>
+          <p:nvPicPr>
+            <p:cNvPr id="35" name="Picture 34">
+              <a:extLst>
+                <a:ext uri="{FF2B5EF4-FFF2-40B4-BE49-F238E27FC236}">
+                  <a16:creationId xmlns:a16="http://schemas.microsoft.com/office/drawing/2014/main" id="{7CCBD6C5-1BD7-EBE8-3779-60E4ECE03987}"/>
+                </a:ext>
+              </a:extLst>
+            </p:cNvPr>
+            <p:cNvPicPr>
+              <a:picLocks noChangeAspect="1"/>
+            </p:cNvPicPr>
+            <p:nvPr/>
+          </p:nvPicPr>
+          <p:blipFill>
+            <a:blip r:embed="rId4"/>
+            <a:stretch>
+              <a:fillRect/>
+            </a:stretch>
+          </p:blipFill>
+          <p:spPr>
+            <a:xfrm>
+              <a:off x="16301900" y="10380307"/>
+              <a:ext cx="15126645" cy="7482531"/>
+            </a:xfrm>
+            <a:prstGeom prst="rect">
+              <a:avLst/>
+            </a:prstGeom>
+          </p:spPr>
+        </p:pic>
+        <p:sp>
+          <p:nvSpPr>
+            <p:cNvPr id="38" name="TextBox 37">
+              <a:extLst>
+                <a:ext uri="{FF2B5EF4-FFF2-40B4-BE49-F238E27FC236}">
+                  <a16:creationId xmlns:a16="http://schemas.microsoft.com/office/drawing/2014/main" id="{30BCC19D-8E7D-7239-7A54-0330049512AD}"/>
+                </a:ext>
+              </a:extLst>
+            </p:cNvPr>
+            <p:cNvSpPr txBox="1"/>
+            <p:nvPr/>
+          </p:nvSpPr>
+          <p:spPr>
+            <a:xfrm>
+              <a:off x="16301900" y="8206510"/>
+              <a:ext cx="6615858" cy="927298"/>
+            </a:xfrm>
+            <a:prstGeom prst="rect">
+              <a:avLst/>
+            </a:prstGeom>
+            <a:noFill/>
+          </p:spPr>
+          <p:txBody>
+            <a:bodyPr wrap="none" rtlCol="0">
+              <a:spAutoFit/>
+            </a:bodyPr>
+            <a:lstStyle/>
+            <a:p>
+              <a:pPr algn="ctr"/>
+              <a:r>
+                <a:rPr lang="en-US" sz="4400" dirty="0"/>
+                <a:t>Edit Regions of Interest</a:t>
+              </a:r>
+            </a:p>
+          </p:txBody>
+        </p:sp>
+        <p:sp>
+          <p:nvSpPr>
+            <p:cNvPr id="39" name="TextBox 38">
+              <a:extLst>
+                <a:ext uri="{FF2B5EF4-FFF2-40B4-BE49-F238E27FC236}">
+                  <a16:creationId xmlns:a16="http://schemas.microsoft.com/office/drawing/2014/main" id="{68878640-9795-2F0C-7A02-C44D34F6CC6F}"/>
+                </a:ext>
+              </a:extLst>
+            </p:cNvPr>
+            <p:cNvSpPr txBox="1"/>
+            <p:nvPr/>
+          </p:nvSpPr>
+          <p:spPr>
+            <a:xfrm>
+              <a:off x="16301900" y="9133809"/>
+              <a:ext cx="13223852" cy="1001482"/>
+            </a:xfrm>
+            <a:prstGeom prst="rect">
+              <a:avLst/>
+            </a:prstGeom>
+            <a:noFill/>
+          </p:spPr>
+          <p:txBody>
+            <a:bodyPr wrap="square" rtlCol="0">
+              <a:spAutoFit/>
+            </a:bodyPr>
+            <a:lstStyle/>
+            <a:p>
+              <a:r>
+                <a:rPr lang="en-US" sz="2400" dirty="0"/>
+                <a:t>Users can edit any ROI to match the preferences of their individual clinic. Including nomenclature/type/color/ontology </a:t>
+              </a:r>
+            </a:p>
+          </p:txBody>
+        </p:sp>
+      </p:grpSp>
+      <p:grpSp>
+        <p:nvGrpSpPr>
+          <p:cNvPr id="57" name="Group 56">
+            <a:extLst>
+              <a:ext uri="{FF2B5EF4-FFF2-40B4-BE49-F238E27FC236}">
+                <a16:creationId xmlns:a16="http://schemas.microsoft.com/office/drawing/2014/main" id="{486A8F41-BFA3-DCB9-AA2D-3E208B30D5B8}"/>
+              </a:ext>
+            </a:extLst>
+          </p:cNvPr>
+          <p:cNvGrpSpPr/>
+          <p:nvPr/>
+        </p:nvGrpSpPr>
+        <p:grpSpPr>
+          <a:xfrm>
+            <a:off x="12975553" y="5666789"/>
+            <a:ext cx="15259738" cy="7633247"/>
+            <a:chOff x="1039086" y="14936275"/>
+            <a:chExt cx="15259738" cy="7633247"/>
+          </a:xfrm>
+        </p:grpSpPr>
+        <p:grpSp>
+          <p:nvGrpSpPr>
+            <p:cNvPr id="18" name="Group 17">
+              <a:extLst>
+                <a:ext uri="{FF2B5EF4-FFF2-40B4-BE49-F238E27FC236}">
+                  <a16:creationId xmlns:a16="http://schemas.microsoft.com/office/drawing/2014/main" id="{00B2D55F-A639-0F1D-6091-39E941963249}"/>
+                </a:ext>
+              </a:extLst>
+            </p:cNvPr>
+            <p:cNvGrpSpPr/>
+            <p:nvPr/>
+          </p:nvGrpSpPr>
+          <p:grpSpPr>
+            <a:xfrm>
+              <a:off x="1412895" y="16181594"/>
+              <a:ext cx="6758773" cy="6079860"/>
+              <a:chOff x="12258444" y="3351848"/>
+              <a:chExt cx="6758773" cy="6079860"/>
+            </a:xfrm>
+          </p:grpSpPr>
+          <p:pic>
+            <p:nvPicPr>
+              <p:cNvPr id="4" name="Picture 3">
+                <a:extLst>
+                  <a:ext uri="{FF2B5EF4-FFF2-40B4-BE49-F238E27FC236}">
+                    <a16:creationId xmlns:a16="http://schemas.microsoft.com/office/drawing/2014/main" id="{25F0D43C-0ADE-3D50-5241-ED19D80F1210}"/>
+                  </a:ext>
+                </a:extLst>
+              </p:cNvPr>
+              <p:cNvPicPr>
+                <a:picLocks noChangeAspect="1"/>
+              </p:cNvPicPr>
+              <p:nvPr/>
+            </p:nvPicPr>
+            <p:blipFill>
+              <a:blip r:embed="rId5"/>
+              <a:stretch>
+                <a:fillRect/>
+              </a:stretch>
+            </p:blipFill>
+            <p:spPr>
+              <a:xfrm>
+                <a:off x="12405287" y="4912364"/>
+                <a:ext cx="6591987" cy="4519344"/>
+              </a:xfrm>
+              <a:prstGeom prst="rect">
+                <a:avLst/>
+              </a:prstGeom>
+            </p:spPr>
+          </p:pic>
+          <p:sp>
+            <p:nvSpPr>
+              <p:cNvPr id="5" name="TextBox 4">
+                <a:extLst>
+                  <a:ext uri="{FF2B5EF4-FFF2-40B4-BE49-F238E27FC236}">
+                    <a16:creationId xmlns:a16="http://schemas.microsoft.com/office/drawing/2014/main" id="{0707B448-4A40-A916-10EA-37C366007F01}"/>
+                  </a:ext>
+                </a:extLst>
+              </p:cNvPr>
+              <p:cNvSpPr txBox="1"/>
+              <p:nvPr/>
+            </p:nvSpPr>
+            <p:spPr>
+              <a:xfrm>
+                <a:off x="12258444" y="3351848"/>
+                <a:ext cx="6758773" cy="769441"/>
+              </a:xfrm>
+              <a:prstGeom prst="rect">
+                <a:avLst/>
+              </a:prstGeom>
+              <a:noFill/>
+            </p:spPr>
+            <p:txBody>
+              <a:bodyPr wrap="none" rtlCol="0">
+                <a:spAutoFit/>
+              </a:bodyPr>
+              <a:lstStyle/>
+              <a:p>
+                <a:pPr algn="ctr"/>
+                <a:r>
+                  <a:rPr lang="en-US" sz="4400" dirty="0"/>
+                  <a:t>Download TG-263 Templates</a:t>
+                </a:r>
+              </a:p>
+            </p:txBody>
+          </p:sp>
+          <p:sp>
+            <p:nvSpPr>
+              <p:cNvPr id="15" name="TextBox 14">
+                <a:extLst>
+                  <a:ext uri="{FF2B5EF4-FFF2-40B4-BE49-F238E27FC236}">
+                    <a16:creationId xmlns:a16="http://schemas.microsoft.com/office/drawing/2014/main" id="{E4EF161E-0EA4-E867-5FE3-6D7F54B482D1}"/>
+                  </a:ext>
+                </a:extLst>
+              </p:cNvPr>
+              <p:cNvSpPr txBox="1"/>
+              <p:nvPr/>
+            </p:nvSpPr>
+            <p:spPr>
+              <a:xfrm>
+                <a:off x="12341837" y="4081367"/>
+                <a:ext cx="6591988" cy="830997"/>
+              </a:xfrm>
+              <a:prstGeom prst="rect">
+                <a:avLst/>
+              </a:prstGeom>
+              <a:noFill/>
+            </p:spPr>
+            <p:txBody>
+              <a:bodyPr wrap="square" rtlCol="0">
+                <a:spAutoFit/>
+              </a:bodyPr>
+              <a:lstStyle/>
+              <a:p>
+                <a:r>
+                  <a:rPr lang="en-US" sz="2400" dirty="0"/>
+                  <a:t>A list of TG-263 compliant ROIs and templates are maintained and continually updated online</a:t>
+                </a:r>
+              </a:p>
+            </p:txBody>
+          </p:sp>
+        </p:grpSp>
+        <p:sp>
+          <p:nvSpPr>
+            <p:cNvPr id="23" name="TextBox 22">
+              <a:extLst>
+                <a:ext uri="{FF2B5EF4-FFF2-40B4-BE49-F238E27FC236}">
+                  <a16:creationId xmlns:a16="http://schemas.microsoft.com/office/drawing/2014/main" id="{9BB63E97-C5CC-BFAE-1F71-5E521B894CCC}"/>
+                </a:ext>
+              </a:extLst>
+            </p:cNvPr>
+            <p:cNvSpPr txBox="1"/>
+            <p:nvPr/>
+          </p:nvSpPr>
+          <p:spPr>
+            <a:xfrm>
+              <a:off x="8858402" y="16649761"/>
+              <a:ext cx="7288483" cy="1200329"/>
+            </a:xfrm>
+            <a:prstGeom prst="rect">
+              <a:avLst/>
+            </a:prstGeom>
+            <a:noFill/>
+          </p:spPr>
+          <p:txBody>
+            <a:bodyPr wrap="square" rtlCol="0">
+              <a:spAutoFit/>
+            </a:bodyPr>
+            <a:lstStyle/>
+            <a:p>
+              <a:r>
+                <a:rPr lang="en-US" sz="2400" dirty="0"/>
+                <a:t>Downloaded templates are grouped based on their names. Each template is composed of ROIs relevant to that treated site.</a:t>
+              </a:r>
+            </a:p>
+          </p:txBody>
+        </p:sp>
+        <p:sp>
+          <p:nvSpPr>
+            <p:cNvPr id="30" name="Rectangle 29">
+              <a:extLst>
+                <a:ext uri="{FF2B5EF4-FFF2-40B4-BE49-F238E27FC236}">
+                  <a16:creationId xmlns:a16="http://schemas.microsoft.com/office/drawing/2014/main" id="{4D474C8B-0DD7-BCFD-43BE-268E53226ADD}"/>
+                </a:ext>
+              </a:extLst>
+            </p:cNvPr>
+            <p:cNvSpPr/>
+            <p:nvPr/>
+          </p:nvSpPr>
+          <p:spPr>
+            <a:xfrm>
+              <a:off x="1039086" y="16181593"/>
+              <a:ext cx="15259738" cy="6387929"/>
+            </a:xfrm>
+            <a:prstGeom prst="rect">
+              <a:avLst/>
+            </a:prstGeom>
+            <a:noFill/>
+            <a:ln w="127000">
+              <a:solidFill>
+                <a:schemeClr val="tx1"/>
+              </a:solidFill>
+            </a:ln>
+          </p:spPr>
+          <p:style>
+            <a:lnRef idx="2">
+              <a:schemeClr val="accent1">
+                <a:shade val="50000"/>
+              </a:schemeClr>
+            </a:lnRef>
+            <a:fillRef idx="1">
+              <a:schemeClr val="accent1"/>
+            </a:fillRef>
+            <a:effectRef idx="0">
+              <a:schemeClr val="accent1"/>
+            </a:effectRef>
+            <a:fontRef idx="minor">
+              <a:schemeClr val="lt1"/>
+            </a:fontRef>
+          </p:style>
+          <p:txBody>
+            <a:bodyPr rtlCol="0" anchor="ctr"/>
+            <a:lstStyle/>
+            <a:p>
+              <a:pPr algn="ctr"/>
+              <a:endParaRPr lang="en-US" dirty="0"/>
+            </a:p>
+          </p:txBody>
+        </p:sp>
+        <p:sp>
+          <p:nvSpPr>
+            <p:cNvPr id="31" name="TextBox 30">
+              <a:extLst>
+                <a:ext uri="{FF2B5EF4-FFF2-40B4-BE49-F238E27FC236}">
+                  <a16:creationId xmlns:a16="http://schemas.microsoft.com/office/drawing/2014/main" id="{3C02151C-711F-5218-1570-0C73206EA138}"/>
+                </a:ext>
+              </a:extLst>
+            </p:cNvPr>
+            <p:cNvSpPr txBox="1"/>
+            <p:nvPr/>
+          </p:nvSpPr>
+          <p:spPr>
+            <a:xfrm>
+              <a:off x="5919159" y="14936275"/>
+              <a:ext cx="5286127" cy="861774"/>
+            </a:xfrm>
+            <a:prstGeom prst="rect">
+              <a:avLst/>
+            </a:prstGeom>
+            <a:noFill/>
+          </p:spPr>
+          <p:txBody>
+            <a:bodyPr wrap="none" rtlCol="0">
+              <a:spAutoFit/>
+            </a:bodyPr>
+            <a:lstStyle/>
+            <a:p>
+              <a:pPr algn="ctr"/>
+              <a:r>
+                <a:rPr lang="en-US" sz="5000" dirty="0"/>
+                <a:t>Populate Templates</a:t>
+              </a:r>
+            </a:p>
+          </p:txBody>
+        </p:sp>
+        <p:pic>
+          <p:nvPicPr>
+            <p:cNvPr id="44" name="Picture 43">
+              <a:extLst>
+                <a:ext uri="{FF2B5EF4-FFF2-40B4-BE49-F238E27FC236}">
+                  <a16:creationId xmlns:a16="http://schemas.microsoft.com/office/drawing/2014/main" id="{2B479CAA-75D3-EC74-5577-F4B24F784A35}"/>
+                </a:ext>
+              </a:extLst>
+            </p:cNvPr>
+            <p:cNvPicPr>
+              <a:picLocks noChangeAspect="1"/>
+            </p:cNvPicPr>
+            <p:nvPr/>
+          </p:nvPicPr>
+          <p:blipFill>
+            <a:blip r:embed="rId6"/>
+            <a:stretch>
+              <a:fillRect/>
+            </a:stretch>
+          </p:blipFill>
+          <p:spPr>
+            <a:xfrm>
+              <a:off x="8972722" y="17737211"/>
+              <a:ext cx="7162171" cy="4524243"/>
+            </a:xfrm>
+            <a:prstGeom prst="rect">
+              <a:avLst/>
+            </a:prstGeom>
+          </p:spPr>
+        </p:pic>
+        <p:sp>
+          <p:nvSpPr>
+            <p:cNvPr id="46" name="Arrow: Right 45">
+              <a:extLst>
+                <a:ext uri="{FF2B5EF4-FFF2-40B4-BE49-F238E27FC236}">
+                  <a16:creationId xmlns:a16="http://schemas.microsoft.com/office/drawing/2014/main" id="{7FE23984-8524-8664-0B5E-892A368BDB68}"/>
+                </a:ext>
+              </a:extLst>
+            </p:cNvPr>
+            <p:cNvSpPr/>
+            <p:nvPr/>
+          </p:nvSpPr>
+          <p:spPr>
+            <a:xfrm>
+              <a:off x="8215175" y="20001782"/>
+              <a:ext cx="694097" cy="600165"/>
+            </a:xfrm>
+            <a:prstGeom prst="rightArrow">
+              <a:avLst/>
+            </a:prstGeom>
+          </p:spPr>
+          <p:style>
+            <a:lnRef idx="2">
+              <a:schemeClr val="accent1">
+                <a:shade val="50000"/>
+              </a:schemeClr>
+            </a:lnRef>
+            <a:fillRef idx="1">
+              <a:schemeClr val="accent1"/>
+            </a:fillRef>
+            <a:effectRef idx="0">
+              <a:schemeClr val="accent1"/>
+            </a:effectRef>
+            <a:fontRef idx="minor">
+              <a:schemeClr val="lt1"/>
+            </a:fontRef>
+          </p:style>
+          <p:txBody>
+            <a:bodyPr rtlCol="0" anchor="ctr"/>
+            <a:lstStyle/>
+            <a:p>
+              <a:pPr algn="ctr"/>
+              <a:endParaRPr lang="en-US"/>
+            </a:p>
+          </p:txBody>
+        </p:sp>
+      </p:grpSp>
+      <p:grpSp>
+        <p:nvGrpSpPr>
+          <p:cNvPr id="20" name="Group 19">
+            <a:extLst>
+              <a:ext uri="{FF2B5EF4-FFF2-40B4-BE49-F238E27FC236}">
+                <a16:creationId xmlns:a16="http://schemas.microsoft.com/office/drawing/2014/main" id="{C5E60725-4406-778C-60E5-D4F5DB4FA5BF}"/>
+              </a:ext>
+            </a:extLst>
+          </p:cNvPr>
+          <p:cNvGrpSpPr/>
+          <p:nvPr/>
+        </p:nvGrpSpPr>
+        <p:grpSpPr>
+          <a:xfrm>
+            <a:off x="13696681" y="22082820"/>
+            <a:ext cx="7677150" cy="6779931"/>
+            <a:chOff x="31582241" y="3294477"/>
+            <a:chExt cx="7677150" cy="6779931"/>
+          </a:xfrm>
+        </p:grpSpPr>
+        <p:grpSp>
+          <p:nvGrpSpPr>
+            <p:cNvPr id="58" name="Group 57">
+              <a:extLst>
+                <a:ext uri="{FF2B5EF4-FFF2-40B4-BE49-F238E27FC236}">
+                  <a16:creationId xmlns:a16="http://schemas.microsoft.com/office/drawing/2014/main" id="{CA39B1F1-B174-17A8-8D7C-63E9FBFCCEBD}"/>
+                </a:ext>
+              </a:extLst>
+            </p:cNvPr>
+            <p:cNvGrpSpPr/>
+            <p:nvPr/>
+          </p:nvGrpSpPr>
+          <p:grpSpPr>
+            <a:xfrm>
+              <a:off x="31582241" y="3294477"/>
+              <a:ext cx="7677150" cy="1818607"/>
+              <a:chOff x="16301901" y="8616220"/>
+              <a:chExt cx="7677150" cy="1818607"/>
+            </a:xfrm>
+          </p:grpSpPr>
+          <p:sp>
+            <p:nvSpPr>
+              <p:cNvPr id="60" name="TextBox 59">
+                <a:extLst>
+                  <a:ext uri="{FF2B5EF4-FFF2-40B4-BE49-F238E27FC236}">
+                    <a16:creationId xmlns:a16="http://schemas.microsoft.com/office/drawing/2014/main" id="{292DB873-0062-773F-933E-EA05D44DF023}"/>
+                  </a:ext>
+                </a:extLst>
+              </p:cNvPr>
+              <p:cNvSpPr txBox="1"/>
+              <p:nvPr/>
+            </p:nvSpPr>
+            <p:spPr>
+              <a:xfrm>
+                <a:off x="16301901" y="8616220"/>
+                <a:ext cx="6654065" cy="769441"/>
+              </a:xfrm>
+              <a:prstGeom prst="rect">
+                <a:avLst/>
+              </a:prstGeom>
+              <a:noFill/>
+            </p:spPr>
+            <p:txBody>
+              <a:bodyPr wrap="none" rtlCol="0">
+                <a:spAutoFit/>
+              </a:bodyPr>
+              <a:lstStyle/>
+              <a:p>
+                <a:pPr algn="ctr"/>
+                <a:r>
+                  <a:rPr lang="en-US" sz="4400" dirty="0"/>
+                  <a:t>Patient Specific RT Structure</a:t>
+                </a:r>
+              </a:p>
+            </p:txBody>
+          </p:sp>
+          <p:sp>
+            <p:nvSpPr>
+              <p:cNvPr id="61" name="TextBox 60">
+                <a:extLst>
+                  <a:ext uri="{FF2B5EF4-FFF2-40B4-BE49-F238E27FC236}">
+                    <a16:creationId xmlns:a16="http://schemas.microsoft.com/office/drawing/2014/main" id="{97C9F27D-92F3-C26C-0A59-17412CADAB7A}"/>
+                  </a:ext>
+                </a:extLst>
+              </p:cNvPr>
+              <p:cNvSpPr txBox="1"/>
+              <p:nvPr/>
+            </p:nvSpPr>
+            <p:spPr>
+              <a:xfrm>
+                <a:off x="16301901" y="9234498"/>
+                <a:ext cx="7677150" cy="1200329"/>
+              </a:xfrm>
+              <a:prstGeom prst="rect">
+                <a:avLst/>
+              </a:prstGeom>
+              <a:noFill/>
+            </p:spPr>
+            <p:txBody>
+              <a:bodyPr wrap="square" rtlCol="0">
+                <a:spAutoFit/>
+              </a:bodyPr>
+              <a:lstStyle/>
+              <a:p>
+                <a:r>
+                  <a:rPr lang="en-US" sz="2400" dirty="0"/>
+                  <a:t>Users can create patient-specific RT Structures by defining locations where DICOM will be present and required Series/Study Descriptions</a:t>
+                </a:r>
+              </a:p>
+            </p:txBody>
+          </p:sp>
+        </p:grpSp>
+        <p:pic>
+          <p:nvPicPr>
+            <p:cNvPr id="1024" name="Picture 1023">
+              <a:extLst>
+                <a:ext uri="{FF2B5EF4-FFF2-40B4-BE49-F238E27FC236}">
+                  <a16:creationId xmlns:a16="http://schemas.microsoft.com/office/drawing/2014/main" id="{99DAB8C1-6F8C-BE60-AE4B-3B82E2A50037}"/>
+                </a:ext>
+              </a:extLst>
+            </p:cNvPr>
+            <p:cNvPicPr>
+              <a:picLocks noChangeAspect="1"/>
+            </p:cNvPicPr>
+            <p:nvPr/>
+          </p:nvPicPr>
+          <p:blipFill>
+            <a:blip r:embed="rId7"/>
+            <a:stretch>
+              <a:fillRect/>
+            </a:stretch>
+          </p:blipFill>
+          <p:spPr>
+            <a:xfrm>
+              <a:off x="31582241" y="5254758"/>
+              <a:ext cx="7677150" cy="4819650"/>
+            </a:xfrm>
+            <a:prstGeom prst="rect">
+              <a:avLst/>
+            </a:prstGeom>
+          </p:spPr>
+        </p:pic>
+      </p:grpSp>
+      <p:cxnSp>
+        <p:nvCxnSpPr>
+          <p:cNvPr id="1055" name="Connector: Curved 1054">
+            <a:extLst>
+              <a:ext uri="{FF2B5EF4-FFF2-40B4-BE49-F238E27FC236}">
+                <a16:creationId xmlns:a16="http://schemas.microsoft.com/office/drawing/2014/main" id="{37C0B2B3-E46C-6F0C-A9F0-B54611D556A6}"/>
+              </a:ext>
+            </a:extLst>
+          </p:cNvPr>
+          <p:cNvCxnSpPr>
+            <a:cxnSpLocks/>
+            <a:stCxn id="35" idx="2"/>
+            <a:endCxn id="1052" idx="0"/>
+          </p:cNvCxnSpPr>
+          <p:nvPr/>
+        </p:nvCxnSpPr>
+        <p:spPr>
+          <a:xfrm rot="5400000">
+            <a:off x="34423354" y="19622517"/>
+            <a:ext cx="2010542" cy="1613346"/>
+          </a:xfrm>
+          <a:prstGeom prst="curvedConnector3">
+            <a:avLst>
+              <a:gd name="adj1" fmla="val 50000"/>
+            </a:avLst>
+          </a:prstGeom>
+          <a:ln w="295275">
+            <a:tailEnd type="triangle"/>
+          </a:ln>
+        </p:spPr>
+        <p:style>
+          <a:lnRef idx="1">
+            <a:schemeClr val="accent1"/>
+          </a:lnRef>
+          <a:fillRef idx="0">
+            <a:schemeClr val="accent1"/>
+          </a:fillRef>
+          <a:effectRef idx="0">
+            <a:schemeClr val="accent1"/>
+          </a:effectRef>
+          <a:fontRef idx="minor">
+            <a:schemeClr val="tx1"/>
+          </a:fontRef>
+        </p:style>
+      </p:cxnSp>
+      <p:grpSp>
+        <p:nvGrpSpPr>
+          <p:cNvPr id="1063" name="Group 1062">
+            <a:extLst>
+              <a:ext uri="{FF2B5EF4-FFF2-40B4-BE49-F238E27FC236}">
+                <a16:creationId xmlns:a16="http://schemas.microsoft.com/office/drawing/2014/main" id="{029D365E-535D-00F2-6408-EC0A058E294A}"/>
+              </a:ext>
+            </a:extLst>
+          </p:cNvPr>
+          <p:cNvGrpSpPr/>
+          <p:nvPr/>
+        </p:nvGrpSpPr>
+        <p:grpSpPr>
+          <a:xfrm>
+            <a:off x="26293619" y="21434461"/>
+            <a:ext cx="16534405" cy="8092188"/>
+            <a:chOff x="19333671" y="14266367"/>
+            <a:chExt cx="16534405" cy="8092188"/>
+          </a:xfrm>
+        </p:grpSpPr>
+        <p:grpSp>
+          <p:nvGrpSpPr>
+            <p:cNvPr id="1054" name="Group 1053">
+              <a:extLst>
+                <a:ext uri="{FF2B5EF4-FFF2-40B4-BE49-F238E27FC236}">
+                  <a16:creationId xmlns:a16="http://schemas.microsoft.com/office/drawing/2014/main" id="{3EE089B5-2FE9-4C71-B8E6-C92569B70D55}"/>
+                </a:ext>
+              </a:extLst>
+            </p:cNvPr>
+            <p:cNvGrpSpPr/>
+            <p:nvPr/>
+          </p:nvGrpSpPr>
+          <p:grpSpPr>
+            <a:xfrm>
+              <a:off x="19562192" y="15295796"/>
+              <a:ext cx="6909164" cy="6688106"/>
+              <a:chOff x="19562192" y="15295796"/>
+              <a:chExt cx="6909164" cy="6688106"/>
+            </a:xfrm>
+          </p:grpSpPr>
+          <p:grpSp>
+            <p:nvGrpSpPr>
+              <p:cNvPr id="1036" name="Group 1035">
+                <a:extLst>
+                  <a:ext uri="{FF2B5EF4-FFF2-40B4-BE49-F238E27FC236}">
+                    <a16:creationId xmlns:a16="http://schemas.microsoft.com/office/drawing/2014/main" id="{A07AE1F1-1F0E-B37B-1EE2-1AFF61BCFD06}"/>
+                  </a:ext>
+                </a:extLst>
+              </p:cNvPr>
+              <p:cNvGrpSpPr/>
+              <p:nvPr/>
+            </p:nvGrpSpPr>
+            <p:grpSpPr>
+              <a:xfrm>
+                <a:off x="19562192" y="15295796"/>
+                <a:ext cx="6597338" cy="1970638"/>
+                <a:chOff x="1554388" y="15720468"/>
+                <a:chExt cx="6597338" cy="1970638"/>
+              </a:xfrm>
+            </p:grpSpPr>
+            <p:sp>
+              <p:nvSpPr>
+                <p:cNvPr id="1045" name="TextBox 1044">
+                  <a:extLst>
+                    <a:ext uri="{FF2B5EF4-FFF2-40B4-BE49-F238E27FC236}">
+                      <a16:creationId xmlns:a16="http://schemas.microsoft.com/office/drawing/2014/main" id="{DC95EEF5-06EB-DCCC-2F20-197615B3BED5}"/>
+                    </a:ext>
+                  </a:extLst>
+                </p:cNvPr>
+                <p:cNvSpPr txBox="1"/>
+                <p:nvPr/>
+              </p:nvSpPr>
+              <p:spPr>
+                <a:xfrm>
+                  <a:off x="1559738" y="16490777"/>
+                  <a:ext cx="6591988" cy="1200329"/>
+                </a:xfrm>
+                <a:prstGeom prst="rect">
+                  <a:avLst/>
+                </a:prstGeom>
+                <a:noFill/>
+              </p:spPr>
+              <p:txBody>
+                <a:bodyPr wrap="square" rtlCol="0">
+                  <a:spAutoFit/>
+                </a:bodyPr>
+                <a:lstStyle/>
+                <a:p>
+                  <a:r>
+                    <a:rPr lang="en-US" sz="2400" dirty="0"/>
+                    <a:t>‘Create folder with loadable RTs’ will generate a folder with a loadable CT and a unique RT structure for each template.</a:t>
+                  </a:r>
+                </a:p>
+              </p:txBody>
+            </p:sp>
+            <p:sp>
+              <p:nvSpPr>
+                <p:cNvPr id="1040" name="TextBox 1039">
+                  <a:extLst>
+                    <a:ext uri="{FF2B5EF4-FFF2-40B4-BE49-F238E27FC236}">
+                      <a16:creationId xmlns:a16="http://schemas.microsoft.com/office/drawing/2014/main" id="{5EA53D62-3099-9EC6-8F86-A9659DAFABFD}"/>
+                    </a:ext>
+                  </a:extLst>
+                </p:cNvPr>
+                <p:cNvSpPr txBox="1"/>
+                <p:nvPr/>
+              </p:nvSpPr>
+              <p:spPr>
+                <a:xfrm>
+                  <a:off x="1554388" y="15720468"/>
+                  <a:ext cx="3247876" cy="769441"/>
+                </a:xfrm>
+                <a:prstGeom prst="rect">
+                  <a:avLst/>
+                </a:prstGeom>
+                <a:noFill/>
+              </p:spPr>
+              <p:txBody>
+                <a:bodyPr wrap="none" rtlCol="0">
+                  <a:spAutoFit/>
+                </a:bodyPr>
+                <a:lstStyle/>
+                <a:p>
+                  <a:pPr algn="ctr"/>
+                  <a:r>
+                    <a:rPr lang="en-US" sz="4400" dirty="0"/>
+                    <a:t>RT Structures</a:t>
+                  </a:r>
+                </a:p>
+              </p:txBody>
+            </p:sp>
+          </p:grpSp>
+          <p:pic>
+            <p:nvPicPr>
+              <p:cNvPr id="1047" name="Picture 1046">
+                <a:extLst>
+                  <a:ext uri="{FF2B5EF4-FFF2-40B4-BE49-F238E27FC236}">
+                    <a16:creationId xmlns:a16="http://schemas.microsoft.com/office/drawing/2014/main" id="{DD2247A4-0B64-6F31-3B39-C6D89075DF50}"/>
+                  </a:ext>
+                </a:extLst>
+              </p:cNvPr>
+              <p:cNvPicPr>
+                <a:picLocks noChangeAspect="1"/>
+              </p:cNvPicPr>
+              <p:nvPr/>
+            </p:nvPicPr>
+            <p:blipFill>
+              <a:blip r:embed="rId8"/>
+              <a:stretch>
+                <a:fillRect/>
+              </a:stretch>
+            </p:blipFill>
+            <p:spPr>
+              <a:xfrm>
+                <a:off x="19616156" y="17393049"/>
+                <a:ext cx="6855200" cy="4590853"/>
+              </a:xfrm>
+              <a:prstGeom prst="rect">
+                <a:avLst/>
+              </a:prstGeom>
+            </p:spPr>
+          </p:pic>
+        </p:grpSp>
+        <p:grpSp>
+          <p:nvGrpSpPr>
+            <p:cNvPr id="1053" name="Group 1052">
+              <a:extLst>
+                <a:ext uri="{FF2B5EF4-FFF2-40B4-BE49-F238E27FC236}">
+                  <a16:creationId xmlns:a16="http://schemas.microsoft.com/office/drawing/2014/main" id="{3D398BBD-F0D6-200E-E101-995C4F2142DE}"/>
+                </a:ext>
+              </a:extLst>
+            </p:cNvPr>
+            <p:cNvGrpSpPr/>
+            <p:nvPr/>
+          </p:nvGrpSpPr>
+          <p:grpSpPr>
+            <a:xfrm>
+              <a:off x="26824047" y="15295796"/>
+              <a:ext cx="8691733" cy="6669082"/>
+              <a:chOff x="28609742" y="15520769"/>
+              <a:chExt cx="8691733" cy="6669082"/>
+            </a:xfrm>
+          </p:grpSpPr>
+          <p:pic>
+            <p:nvPicPr>
+              <p:cNvPr id="1049" name="Picture 1048">
+                <a:extLst>
+                  <a:ext uri="{FF2B5EF4-FFF2-40B4-BE49-F238E27FC236}">
+                    <a16:creationId xmlns:a16="http://schemas.microsoft.com/office/drawing/2014/main" id="{38C9A33A-9BEA-BB2C-F6F1-275431BFEAE0}"/>
+                  </a:ext>
+                </a:extLst>
+              </p:cNvPr>
+              <p:cNvPicPr>
+                <a:picLocks noChangeAspect="1"/>
+              </p:cNvPicPr>
+              <p:nvPr/>
+            </p:nvPicPr>
+            <p:blipFill>
+              <a:blip r:embed="rId9"/>
+              <a:stretch>
+                <a:fillRect/>
+              </a:stretch>
+            </p:blipFill>
+            <p:spPr>
+              <a:xfrm>
+                <a:off x="28612924" y="17604984"/>
+                <a:ext cx="8688551" cy="4584867"/>
+              </a:xfrm>
+              <a:prstGeom prst="rect">
+                <a:avLst/>
+              </a:prstGeom>
+            </p:spPr>
+          </p:pic>
+          <p:sp>
+            <p:nvSpPr>
+              <p:cNvPr id="1050" name="TextBox 1049">
+                <a:extLst>
+                  <a:ext uri="{FF2B5EF4-FFF2-40B4-BE49-F238E27FC236}">
+                    <a16:creationId xmlns:a16="http://schemas.microsoft.com/office/drawing/2014/main" id="{AC96C173-5192-B270-E9FA-97BF51B8F247}"/>
+                  </a:ext>
+                </a:extLst>
+              </p:cNvPr>
+              <p:cNvSpPr txBox="1"/>
+              <p:nvPr/>
+            </p:nvSpPr>
+            <p:spPr>
+              <a:xfrm>
+                <a:off x="28609742" y="15520769"/>
+                <a:ext cx="3841756" cy="769441"/>
+              </a:xfrm>
+              <a:prstGeom prst="rect">
+                <a:avLst/>
+              </a:prstGeom>
+              <a:noFill/>
+            </p:spPr>
+            <p:txBody>
+              <a:bodyPr wrap="none" rtlCol="0">
+                <a:spAutoFit/>
+              </a:bodyPr>
+              <a:lstStyle/>
+              <a:p>
+                <a:pPr algn="ctr"/>
+                <a:r>
+                  <a:rPr lang="en-US" sz="4400" dirty="0"/>
+                  <a:t>Varian XML files</a:t>
+                </a:r>
+              </a:p>
+            </p:txBody>
+          </p:sp>
+          <p:sp>
+            <p:nvSpPr>
+              <p:cNvPr id="1051" name="TextBox 1050">
+                <a:extLst>
+                  <a:ext uri="{FF2B5EF4-FFF2-40B4-BE49-F238E27FC236}">
+                    <a16:creationId xmlns:a16="http://schemas.microsoft.com/office/drawing/2014/main" id="{08D88538-9E9E-0C8B-76E8-2694352E60F0}"/>
+                  </a:ext>
+                </a:extLst>
+              </p:cNvPr>
+              <p:cNvSpPr txBox="1"/>
+              <p:nvPr/>
+            </p:nvSpPr>
+            <p:spPr>
+              <a:xfrm>
+                <a:off x="28612924" y="16237934"/>
+                <a:ext cx="7677149" cy="1200329"/>
+              </a:xfrm>
+              <a:prstGeom prst="rect">
+                <a:avLst/>
+              </a:prstGeom>
+              <a:noFill/>
+            </p:spPr>
+            <p:txBody>
+              <a:bodyPr wrap="square" rtlCol="0">
+                <a:spAutoFit/>
+              </a:bodyPr>
+              <a:lstStyle/>
+              <a:p>
+                <a:r>
+                  <a:rPr lang="en-US" sz="2400" dirty="0"/>
+                  <a:t>‘Create folder with loadable Varian </a:t>
+                </a:r>
+                <a:r>
+                  <a:rPr lang="en-US" sz="2400" dirty="0" err="1"/>
+                  <a:t>Xmls’</a:t>
+                </a:r>
+                <a:r>
+                  <a:rPr lang="en-US" sz="2400" dirty="0"/>
+                  <a:t> will generate a folder with a loadable .xml files. </a:t>
+                </a:r>
+                <a:r>
+                  <a:rPr lang="en-US" sz="2400" b="1" i="1" dirty="0"/>
+                  <a:t>If this folder is the Varian XML folder, the templates will populate immediately!</a:t>
+                </a:r>
+              </a:p>
+            </p:txBody>
+          </p:sp>
+        </p:grpSp>
+        <p:sp>
+          <p:nvSpPr>
+            <p:cNvPr id="1052" name="TextBox 1051">
+              <a:extLst>
+                <a:ext uri="{FF2B5EF4-FFF2-40B4-BE49-F238E27FC236}">
+                  <a16:creationId xmlns:a16="http://schemas.microsoft.com/office/drawing/2014/main" id="{996F4F32-3631-035C-C4C3-CA3916B73800}"/>
+                </a:ext>
+              </a:extLst>
+            </p:cNvPr>
+            <p:cNvSpPr txBox="1"/>
+            <p:nvPr/>
+          </p:nvSpPr>
+          <p:spPr>
+            <a:xfrm>
+              <a:off x="23508623" y="14266367"/>
+              <a:ext cx="8306762" cy="861774"/>
+            </a:xfrm>
+            <a:prstGeom prst="rect">
+              <a:avLst/>
+            </a:prstGeom>
+            <a:noFill/>
+          </p:spPr>
+          <p:txBody>
+            <a:bodyPr wrap="none" rtlCol="0">
+              <a:spAutoFit/>
+            </a:bodyPr>
+            <a:lstStyle/>
+            <a:p>
+              <a:pPr algn="ctr"/>
+              <a:r>
+                <a:rPr lang="en-US" sz="5000" dirty="0"/>
+                <a:t>Generate TPS Loadable Objects</a:t>
+              </a:r>
+            </a:p>
+          </p:txBody>
+        </p:sp>
+        <p:sp>
+          <p:nvSpPr>
+            <p:cNvPr id="1058" name="Rectangle 1057">
+              <a:extLst>
+                <a:ext uri="{FF2B5EF4-FFF2-40B4-BE49-F238E27FC236}">
+                  <a16:creationId xmlns:a16="http://schemas.microsoft.com/office/drawing/2014/main" id="{505C9236-CBE2-02C1-F5C6-0F3E8CC6758A}"/>
+                </a:ext>
+              </a:extLst>
+            </p:cNvPr>
+            <p:cNvSpPr/>
+            <p:nvPr/>
+          </p:nvSpPr>
+          <p:spPr>
+            <a:xfrm>
+              <a:off x="19333671" y="15261147"/>
+              <a:ext cx="16534405" cy="7097408"/>
+            </a:xfrm>
+            <a:prstGeom prst="rect">
+              <a:avLst/>
+            </a:prstGeom>
+            <a:noFill/>
+            <a:ln w="127000">
+              <a:solidFill>
+                <a:schemeClr val="tx1"/>
+              </a:solidFill>
+            </a:ln>
+          </p:spPr>
+          <p:style>
+            <a:lnRef idx="2">
+              <a:schemeClr val="accent1">
+                <a:shade val="50000"/>
+              </a:schemeClr>
+            </a:lnRef>
+            <a:fillRef idx="1">
+              <a:schemeClr val="accent1"/>
+            </a:fillRef>
+            <a:effectRef idx="0">
+              <a:schemeClr val="accent1"/>
+            </a:effectRef>
+            <a:fontRef idx="minor">
+              <a:schemeClr val="lt1"/>
+            </a:fontRef>
+          </p:style>
+          <p:txBody>
+            <a:bodyPr rtlCol="0" anchor="ctr"/>
+            <a:lstStyle/>
+            <a:p>
+              <a:pPr algn="ctr"/>
+              <a:endParaRPr lang="en-US" dirty="0"/>
+            </a:p>
+          </p:txBody>
+        </p:sp>
+      </p:grpSp>
+      <p:grpSp>
+        <p:nvGrpSpPr>
+          <p:cNvPr id="21" name="Group 20">
+            <a:extLst>
+              <a:ext uri="{FF2B5EF4-FFF2-40B4-BE49-F238E27FC236}">
+                <a16:creationId xmlns:a16="http://schemas.microsoft.com/office/drawing/2014/main" id="{F6ABC43B-8CBF-C2BC-6B47-D69863CD008E}"/>
+              </a:ext>
+            </a:extLst>
+          </p:cNvPr>
+          <p:cNvGrpSpPr/>
+          <p:nvPr/>
+        </p:nvGrpSpPr>
+        <p:grpSpPr>
+          <a:xfrm>
+            <a:off x="1631647" y="21434461"/>
+            <a:ext cx="9369979" cy="7694229"/>
+            <a:chOff x="23163469" y="11534246"/>
+            <a:chExt cx="9369979" cy="7694229"/>
+          </a:xfrm>
+        </p:grpSpPr>
+        <p:pic>
+          <p:nvPicPr>
+            <p:cNvPr id="2" name="Picture 1">
+              <a:extLst>
+                <a:ext uri="{FF2B5EF4-FFF2-40B4-BE49-F238E27FC236}">
+                  <a16:creationId xmlns:a16="http://schemas.microsoft.com/office/drawing/2014/main" id="{A6EB27EC-DA0F-EF2A-B3C5-37270E96E58B}"/>
+                </a:ext>
+              </a:extLst>
+            </p:cNvPr>
+            <p:cNvPicPr>
+              <a:picLocks noChangeAspect="1"/>
+            </p:cNvPicPr>
+            <p:nvPr/>
+          </p:nvPicPr>
+          <p:blipFill>
+            <a:blip r:embed="rId6"/>
+            <a:stretch>
+              <a:fillRect/>
+            </a:stretch>
+          </p:blipFill>
+          <p:spPr>
+            <a:xfrm>
+              <a:off x="23204173" y="13335303"/>
+              <a:ext cx="9329275" cy="5893172"/>
+            </a:xfrm>
+            <a:prstGeom prst="rect">
+              <a:avLst/>
+            </a:prstGeom>
+          </p:spPr>
+        </p:pic>
+        <p:sp>
+          <p:nvSpPr>
+            <p:cNvPr id="6" name="TextBox 5">
+              <a:extLst>
+                <a:ext uri="{FF2B5EF4-FFF2-40B4-BE49-F238E27FC236}">
+                  <a16:creationId xmlns:a16="http://schemas.microsoft.com/office/drawing/2014/main" id="{AC8B78E4-1E0C-56A5-C319-62967B2248AA}"/>
+                </a:ext>
+              </a:extLst>
+            </p:cNvPr>
+            <p:cNvSpPr txBox="1"/>
+            <p:nvPr/>
+          </p:nvSpPr>
+          <p:spPr>
+            <a:xfrm>
+              <a:off x="23163469" y="11534246"/>
+              <a:ext cx="6192637" cy="769441"/>
+            </a:xfrm>
+            <a:prstGeom prst="rect">
+              <a:avLst/>
+            </a:prstGeom>
+            <a:noFill/>
+          </p:spPr>
+          <p:txBody>
+            <a:bodyPr wrap="square" rtlCol="0">
+              <a:spAutoFit/>
+            </a:bodyPr>
+            <a:lstStyle/>
+            <a:p>
+              <a:r>
+                <a:rPr lang="en-US" sz="4400" dirty="0"/>
+                <a:t>Run DICOM Server</a:t>
+              </a:r>
+            </a:p>
+          </p:txBody>
+        </p:sp>
+        <p:sp>
+          <p:nvSpPr>
+            <p:cNvPr id="11" name="TextBox 10">
+              <a:extLst>
+                <a:ext uri="{FF2B5EF4-FFF2-40B4-BE49-F238E27FC236}">
+                  <a16:creationId xmlns:a16="http://schemas.microsoft.com/office/drawing/2014/main" id="{09E6AE40-67BE-AFAB-7D99-7EB10B55C84C}"/>
+                </a:ext>
+              </a:extLst>
+            </p:cNvPr>
+            <p:cNvSpPr txBox="1"/>
+            <p:nvPr/>
+          </p:nvSpPr>
+          <p:spPr>
+            <a:xfrm>
+              <a:off x="23163470" y="12182605"/>
+              <a:ext cx="9217409" cy="1200329"/>
+            </a:xfrm>
+            <a:prstGeom prst="rect">
+              <a:avLst/>
+            </a:prstGeom>
+            <a:noFill/>
+          </p:spPr>
+          <p:txBody>
+            <a:bodyPr wrap="square" rtlCol="0">
+              <a:spAutoFit/>
+            </a:bodyPr>
+            <a:lstStyle/>
+            <a:p>
+              <a:r>
+                <a:rPr lang="en-US" sz="2400" dirty="0"/>
+                <a:t>Selecting ‘Run DICOM server’ will begin evaluating all templates and the paths listed in the previous step. Any DICOM files present will have a patient-specific RT structure generated.</a:t>
+              </a:r>
+            </a:p>
+          </p:txBody>
+        </p:sp>
+      </p:grpSp>
+      <p:cxnSp>
+        <p:nvCxnSpPr>
+          <p:cNvPr id="12" name="Connector: Curved 11">
+            <a:extLst>
+              <a:ext uri="{FF2B5EF4-FFF2-40B4-BE49-F238E27FC236}">
+                <a16:creationId xmlns:a16="http://schemas.microsoft.com/office/drawing/2014/main" id="{553D67DF-9C16-E861-9A75-7D2A76E8F0F3}"/>
+              </a:ext>
+            </a:extLst>
+          </p:cNvPr>
+          <p:cNvCxnSpPr>
+            <a:cxnSpLocks/>
+            <a:stCxn id="35" idx="1"/>
+            <a:endCxn id="1024" idx="3"/>
+          </p:cNvCxnSpPr>
+          <p:nvPr/>
+        </p:nvCxnSpPr>
+        <p:spPr>
+          <a:xfrm rot="10800000" flipV="1">
+            <a:off x="21373832" y="16319540"/>
+            <a:ext cx="8593781" cy="10133385"/>
+          </a:xfrm>
+          <a:prstGeom prst="curvedConnector3">
+            <a:avLst>
+              <a:gd name="adj1" fmla="val 50000"/>
+            </a:avLst>
+          </a:prstGeom>
+          <a:ln w="295275">
+            <a:tailEnd type="triangle"/>
+          </a:ln>
+        </p:spPr>
+        <p:style>
+          <a:lnRef idx="1">
+            <a:schemeClr val="accent1"/>
+          </a:lnRef>
+          <a:fillRef idx="0">
+            <a:schemeClr val="accent1"/>
+          </a:fillRef>
+          <a:effectRef idx="0">
+            <a:schemeClr val="accent1"/>
+          </a:effectRef>
+          <a:fontRef idx="minor">
+            <a:schemeClr val="tx1"/>
+          </a:fontRef>
+        </p:style>
+      </p:cxnSp>
+      <p:cxnSp>
+        <p:nvCxnSpPr>
+          <p:cNvPr id="36" name="Connector: Curved 35">
+            <a:extLst>
+              <a:ext uri="{FF2B5EF4-FFF2-40B4-BE49-F238E27FC236}">
+                <a16:creationId xmlns:a16="http://schemas.microsoft.com/office/drawing/2014/main" id="{8D7169C7-BB5E-03AD-1074-6B7FC7080D68}"/>
+              </a:ext>
+            </a:extLst>
+          </p:cNvPr>
+          <p:cNvCxnSpPr>
+            <a:cxnSpLocks/>
+            <a:stCxn id="1024" idx="1"/>
+            <a:endCxn id="2" idx="3"/>
+          </p:cNvCxnSpPr>
+          <p:nvPr/>
+        </p:nvCxnSpPr>
+        <p:spPr>
+          <a:xfrm rot="10800000">
+            <a:off x="11001627" y="26182104"/>
+            <a:ext cx="2695055" cy="270822"/>
+          </a:xfrm>
+          <a:prstGeom prst="curvedConnector3">
+            <a:avLst>
+              <a:gd name="adj1" fmla="val 50000"/>
+            </a:avLst>
+          </a:prstGeom>
+          <a:ln w="295275">
+            <a:tailEnd type="triangle"/>
+          </a:ln>
+        </p:spPr>
+        <p:style>
+          <a:lnRef idx="1">
+            <a:schemeClr val="accent1"/>
+          </a:lnRef>
+          <a:fillRef idx="0">
+            <a:schemeClr val="accent1"/>
+          </a:fillRef>
+          <a:effectRef idx="0">
+            <a:schemeClr val="accent1"/>
+          </a:effectRef>
+          <a:fontRef idx="minor">
+            <a:schemeClr val="tx1"/>
+          </a:fontRef>
+        </p:style>
+      </p:cxnSp>
+      <p:pic>
+        <p:nvPicPr>
+          <p:cNvPr id="50" name="Picture 49">
+            <a:extLst>
+              <a:ext uri="{FF2B5EF4-FFF2-40B4-BE49-F238E27FC236}">
+                <a16:creationId xmlns:a16="http://schemas.microsoft.com/office/drawing/2014/main" id="{0208D543-441A-2537-568B-E67E8DA1C78C}"/>
+              </a:ext>
+            </a:extLst>
+          </p:cNvPr>
+          <p:cNvPicPr>
+            <a:picLocks noChangeAspect="1"/>
+          </p:cNvPicPr>
+          <p:nvPr/>
+        </p:nvPicPr>
+        <p:blipFill>
+          <a:blip r:embed="rId10"/>
+          <a:stretch>
+            <a:fillRect/>
+          </a:stretch>
+        </p:blipFill>
+        <p:spPr>
+          <a:xfrm>
+            <a:off x="16154607" y="14306201"/>
+            <a:ext cx="6727454" cy="6727454"/>
+          </a:xfrm>
+          <a:prstGeom prst="rect">
+            <a:avLst/>
+          </a:prstGeom>
+        </p:spPr>
+      </p:pic>
+    </p:spTree>
+    <p:extLst>
+      <p:ext uri="{BB962C8B-B14F-4D97-AF65-F5344CB8AC3E}">
+        <p14:creationId xmlns:p14="http://schemas.microsoft.com/office/powerpoint/2010/main" val="2419894783"/>
+      </p:ext>
+    </p:extLst>
+  </p:cSld>
+  <p:clrMapOvr>
+    <a:masterClrMapping/>
+  </p:clrMapOvr>
+</p:sld>
+</file>
+
+<file path=ppt/slides/slide5.xml><?xml version="1.0" encoding="utf-8"?>
 <p:sld xmlns:a="http://schemas.openxmlformats.org/drawingml/2006/main" xmlns:r="http://schemas.openxmlformats.org/officeDocument/2006/relationships" xmlns:p="http://schemas.openxmlformats.org/presentationml/2006/main">
   <p:cSld>
     <p:spTree>

--- a/Paper/Figures.pptx
+++ b/Paper/Figures.pptx
@@ -6,10 +6,11 @@
   </p:sldMasterIdLst>
   <p:sldIdLst>
     <p:sldId id="257" r:id="rId2"/>
-    <p:sldId id="258" r:id="rId3"/>
-    <p:sldId id="262" r:id="rId4"/>
-    <p:sldId id="263" r:id="rId5"/>
-    <p:sldId id="256" r:id="rId6"/>
+    <p:sldId id="264" r:id="rId3"/>
+    <p:sldId id="258" r:id="rId4"/>
+    <p:sldId id="262" r:id="rId5"/>
+    <p:sldId id="263" r:id="rId6"/>
+    <p:sldId id="256" r:id="rId7"/>
   </p:sldIdLst>
   <p:sldSz cx="45720000" cy="32004000"/>
   <p:notesSz cx="6858000" cy="9144000"/>
@@ -247,7 +248,7 @@
           <a:p>
             <a:fld id="{27530B1A-49E1-4C40-9321-E95425B2047F}" type="datetimeFigureOut">
               <a:rPr lang="en-US" smtClean="0"/>
-              <a:t>5/15/2023</a:t>
+              <a:t>5/24/2023</a:t>
             </a:fld>
             <a:endParaRPr lang="en-US"/>
           </a:p>
@@ -417,7 +418,7 @@
           <a:p>
             <a:fld id="{27530B1A-49E1-4C40-9321-E95425B2047F}" type="datetimeFigureOut">
               <a:rPr lang="en-US" smtClean="0"/>
-              <a:t>5/15/2023</a:t>
+              <a:t>5/24/2023</a:t>
             </a:fld>
             <a:endParaRPr lang="en-US"/>
           </a:p>
@@ -597,7 +598,7 @@
           <a:p>
             <a:fld id="{27530B1A-49E1-4C40-9321-E95425B2047F}" type="datetimeFigureOut">
               <a:rPr lang="en-US" smtClean="0"/>
-              <a:t>5/15/2023</a:t>
+              <a:t>5/24/2023</a:t>
             </a:fld>
             <a:endParaRPr lang="en-US"/>
           </a:p>
@@ -767,7 +768,7 @@
           <a:p>
             <a:fld id="{27530B1A-49E1-4C40-9321-E95425B2047F}" type="datetimeFigureOut">
               <a:rPr lang="en-US" smtClean="0"/>
-              <a:t>5/15/2023</a:t>
+              <a:t>5/24/2023</a:t>
             </a:fld>
             <a:endParaRPr lang="en-US"/>
           </a:p>
@@ -1011,7 +1012,7 @@
           <a:p>
             <a:fld id="{27530B1A-49E1-4C40-9321-E95425B2047F}" type="datetimeFigureOut">
               <a:rPr lang="en-US" smtClean="0"/>
-              <a:t>5/15/2023</a:t>
+              <a:t>5/24/2023</a:t>
             </a:fld>
             <a:endParaRPr lang="en-US"/>
           </a:p>
@@ -1243,7 +1244,7 @@
           <a:p>
             <a:fld id="{27530B1A-49E1-4C40-9321-E95425B2047F}" type="datetimeFigureOut">
               <a:rPr lang="en-US" smtClean="0"/>
-              <a:t>5/15/2023</a:t>
+              <a:t>5/24/2023</a:t>
             </a:fld>
             <a:endParaRPr lang="en-US"/>
           </a:p>
@@ -1610,7 +1611,7 @@
           <a:p>
             <a:fld id="{27530B1A-49E1-4C40-9321-E95425B2047F}" type="datetimeFigureOut">
               <a:rPr lang="en-US" smtClean="0"/>
-              <a:t>5/15/2023</a:t>
+              <a:t>5/24/2023</a:t>
             </a:fld>
             <a:endParaRPr lang="en-US"/>
           </a:p>
@@ -1728,7 +1729,7 @@
           <a:p>
             <a:fld id="{27530B1A-49E1-4C40-9321-E95425B2047F}" type="datetimeFigureOut">
               <a:rPr lang="en-US" smtClean="0"/>
-              <a:t>5/15/2023</a:t>
+              <a:t>5/24/2023</a:t>
             </a:fld>
             <a:endParaRPr lang="en-US"/>
           </a:p>
@@ -1823,7 +1824,7 @@
           <a:p>
             <a:fld id="{27530B1A-49E1-4C40-9321-E95425B2047F}" type="datetimeFigureOut">
               <a:rPr lang="en-US" smtClean="0"/>
-              <a:t>5/15/2023</a:t>
+              <a:t>5/24/2023</a:t>
             </a:fld>
             <a:endParaRPr lang="en-US"/>
           </a:p>
@@ -2100,7 +2101,7 @@
           <a:p>
             <a:fld id="{27530B1A-49E1-4C40-9321-E95425B2047F}" type="datetimeFigureOut">
               <a:rPr lang="en-US" smtClean="0"/>
-              <a:t>5/15/2023</a:t>
+              <a:t>5/24/2023</a:t>
             </a:fld>
             <a:endParaRPr lang="en-US"/>
           </a:p>
@@ -2357,7 +2358,7 @@
           <a:p>
             <a:fld id="{27530B1A-49E1-4C40-9321-E95425B2047F}" type="datetimeFigureOut">
               <a:rPr lang="en-US" smtClean="0"/>
-              <a:t>5/15/2023</a:t>
+              <a:t>5/24/2023</a:t>
             </a:fld>
             <a:endParaRPr lang="en-US"/>
           </a:p>
@@ -2570,7 +2571,7 @@
           <a:p>
             <a:fld id="{27530B1A-49E1-4C40-9321-E95425B2047F}" type="datetimeFigureOut">
               <a:rPr lang="en-US" smtClean="0"/>
-              <a:t>5/15/2023</a:t>
+              <a:t>5/24/2023</a:t>
             </a:fld>
             <a:endParaRPr lang="en-US"/>
           </a:p>
@@ -4096,6 +4097,1189 @@
       </p:grpSpPr>
       <p:pic>
         <p:nvPicPr>
+          <p:cNvPr id="10" name="Picture 1">
+            <a:extLst>
+              <a:ext uri="{FF2B5EF4-FFF2-40B4-BE49-F238E27FC236}">
+                <a16:creationId xmlns:a16="http://schemas.microsoft.com/office/drawing/2014/main" id="{82760100-860F-8259-754F-A3088B020AEF}"/>
+              </a:ext>
+            </a:extLst>
+          </p:cNvPr>
+          <p:cNvPicPr>
+            <a:picLocks noChangeAspect="1" noChangeArrowheads="1"/>
+          </p:cNvPicPr>
+          <p:nvPr/>
+        </p:nvPicPr>
+        <p:blipFill rotWithShape="1">
+          <a:blip r:embed="rId2">
+            <a:extLst>
+              <a:ext uri="{28A0092B-C50C-407E-A947-70E740481C1C}">
+                <a14:useLocalDpi xmlns:a14="http://schemas.microsoft.com/office/drawing/2010/main" val="0"/>
+              </a:ext>
+            </a:extLst>
+          </a:blip>
+          <a:srcRect r="63855" b="1704"/>
+          <a:stretch/>
+        </p:blipFill>
+        <p:spPr bwMode="auto">
+          <a:xfrm>
+            <a:off x="1047271" y="9167802"/>
+            <a:ext cx="14649929" cy="8791596"/>
+          </a:xfrm>
+          <a:prstGeom prst="rect">
+            <a:avLst/>
+          </a:prstGeom>
+          <a:noFill/>
+          <a:ln>
+            <a:noFill/>
+          </a:ln>
+          <a:extLst>
+            <a:ext uri="{909E8E84-426E-40DD-AFC4-6F175D3DCCD1}">
+              <a14:hiddenFill xmlns:a14="http://schemas.microsoft.com/office/drawing/2010/main">
+                <a:solidFill>
+                  <a:srgbClr val="FFFFFF"/>
+                </a:solidFill>
+              </a14:hiddenFill>
+            </a:ext>
+            <a:ext uri="{91240B29-F687-4F45-9708-019B960494DF}">
+              <a14:hiddenLine xmlns:a14="http://schemas.microsoft.com/office/drawing/2010/main" w="9525">
+                <a:solidFill>
+                  <a:srgbClr val="000000"/>
+                </a:solidFill>
+                <a:miter lim="800000"/>
+                <a:headEnd/>
+                <a:tailEnd/>
+              </a14:hiddenLine>
+            </a:ext>
+          </a:extLst>
+        </p:spPr>
+      </p:pic>
+      <p:pic>
+        <p:nvPicPr>
+          <p:cNvPr id="19" name="Picture 18">
+            <a:extLst>
+              <a:ext uri="{FF2B5EF4-FFF2-40B4-BE49-F238E27FC236}">
+                <a16:creationId xmlns:a16="http://schemas.microsoft.com/office/drawing/2014/main" id="{87790FDA-86C5-1693-58E0-CE96DA74B9EF}"/>
+              </a:ext>
+            </a:extLst>
+          </p:cNvPr>
+          <p:cNvPicPr>
+            <a:picLocks noChangeAspect="1"/>
+          </p:cNvPicPr>
+          <p:nvPr/>
+        </p:nvPicPr>
+        <p:blipFill rotWithShape="1">
+          <a:blip r:embed="rId3"/>
+          <a:srcRect b="4800"/>
+          <a:stretch/>
+        </p:blipFill>
+        <p:spPr>
+          <a:xfrm>
+            <a:off x="1322034" y="4039542"/>
+            <a:ext cx="6404625" cy="6097208"/>
+          </a:xfrm>
+          <a:prstGeom prst="rect">
+            <a:avLst/>
+          </a:prstGeom>
+        </p:spPr>
+      </p:pic>
+      <p:pic>
+        <p:nvPicPr>
+          <p:cNvPr id="17" name="Picture 1">
+            <a:extLst>
+              <a:ext uri="{FF2B5EF4-FFF2-40B4-BE49-F238E27FC236}">
+                <a16:creationId xmlns:a16="http://schemas.microsoft.com/office/drawing/2014/main" id="{49DE671B-9D60-4FC2-01CB-E5AE93A4517C}"/>
+              </a:ext>
+            </a:extLst>
+          </p:cNvPr>
+          <p:cNvPicPr>
+            <a:picLocks noChangeAspect="1" noChangeArrowheads="1"/>
+          </p:cNvPicPr>
+          <p:nvPr/>
+        </p:nvPicPr>
+        <p:blipFill rotWithShape="1">
+          <a:blip r:embed="rId2">
+            <a:extLst>
+              <a:ext uri="{28A0092B-C50C-407E-A947-70E740481C1C}">
+                <a14:useLocalDpi xmlns:a14="http://schemas.microsoft.com/office/drawing/2010/main" val="0"/>
+              </a:ext>
+            </a:extLst>
+          </a:blip>
+          <a:srcRect l="82053"/>
+          <a:stretch/>
+        </p:blipFill>
+        <p:spPr bwMode="auto">
+          <a:xfrm>
+            <a:off x="26326914" y="11051149"/>
+            <a:ext cx="7274243" cy="8943996"/>
+          </a:xfrm>
+          <a:prstGeom prst="rect">
+            <a:avLst/>
+          </a:prstGeom>
+          <a:noFill/>
+          <a:ln>
+            <a:noFill/>
+          </a:ln>
+          <a:extLst>
+            <a:ext uri="{909E8E84-426E-40DD-AFC4-6F175D3DCCD1}">
+              <a14:hiddenFill xmlns:a14="http://schemas.microsoft.com/office/drawing/2010/main">
+                <a:solidFill>
+                  <a:srgbClr val="FFFFFF"/>
+                </a:solidFill>
+              </a14:hiddenFill>
+            </a:ext>
+            <a:ext uri="{91240B29-F687-4F45-9708-019B960494DF}">
+              <a14:hiddenLine xmlns:a14="http://schemas.microsoft.com/office/drawing/2010/main" w="9525">
+                <a:solidFill>
+                  <a:srgbClr val="000000"/>
+                </a:solidFill>
+                <a:miter lim="800000"/>
+                <a:headEnd/>
+                <a:tailEnd/>
+              </a14:hiddenLine>
+            </a:ext>
+          </a:extLst>
+        </p:spPr>
+      </p:pic>
+      <p:pic>
+        <p:nvPicPr>
+          <p:cNvPr id="7" name="Graphic 6" descr="Syncing cloud with solid fill">
+            <a:extLst>
+              <a:ext uri="{FF2B5EF4-FFF2-40B4-BE49-F238E27FC236}">
+                <a16:creationId xmlns:a16="http://schemas.microsoft.com/office/drawing/2014/main" id="{AD5B648A-D6BA-36CD-F038-B26EF2AC38D1}"/>
+              </a:ext>
+            </a:extLst>
+          </p:cNvPr>
+          <p:cNvPicPr>
+            <a:picLocks noChangeAspect="1"/>
+          </p:cNvPicPr>
+          <p:nvPr/>
+        </p:nvPicPr>
+        <p:blipFill>
+          <a:blip r:embed="rId4">
+            <a:extLst>
+              <a:ext uri="{28A0092B-C50C-407E-A947-70E740481C1C}">
+                <a14:useLocalDpi xmlns:a14="http://schemas.microsoft.com/office/drawing/2010/main" val="0"/>
+              </a:ext>
+              <a:ext uri="{96DAC541-7B7A-43D3-8B79-37D633B846F1}">
+                <asvg:svgBlip xmlns:asvg="http://schemas.microsoft.com/office/drawing/2016/SVG/main" r:embed="rId5"/>
+              </a:ext>
+            </a:extLst>
+          </a:blip>
+          <a:stretch>
+            <a:fillRect/>
+          </a:stretch>
+        </p:blipFill>
+        <p:spPr>
+          <a:xfrm>
+            <a:off x="9633779" y="3770498"/>
+            <a:ext cx="5238528" cy="5238528"/>
+          </a:xfrm>
+          <a:prstGeom prst="rect">
+            <a:avLst/>
+          </a:prstGeom>
+        </p:spPr>
+      </p:pic>
+      <p:sp>
+        <p:nvSpPr>
+          <p:cNvPr id="8" name="TextBox 7">
+            <a:extLst>
+              <a:ext uri="{FF2B5EF4-FFF2-40B4-BE49-F238E27FC236}">
+                <a16:creationId xmlns:a16="http://schemas.microsoft.com/office/drawing/2014/main" id="{80F22CE7-44F1-B58F-46D9-5F39414735C7}"/>
+              </a:ext>
+            </a:extLst>
+          </p:cNvPr>
+          <p:cNvSpPr txBox="1"/>
+          <p:nvPr/>
+        </p:nvSpPr>
+        <p:spPr>
+          <a:xfrm>
+            <a:off x="9081085" y="3636724"/>
+            <a:ext cx="6343916" cy="1107996"/>
+          </a:xfrm>
+          <a:prstGeom prst="rect">
+            <a:avLst/>
+          </a:prstGeom>
+          <a:noFill/>
+        </p:spPr>
+        <p:txBody>
+          <a:bodyPr wrap="none" rtlCol="0">
+            <a:spAutoFit/>
+          </a:bodyPr>
+          <a:lstStyle/>
+          <a:p>
+            <a:pPr algn="ctr"/>
+            <a:r>
+              <a:rPr lang="en-US" sz="6600" dirty="0"/>
+              <a:t>TG-263 Templates</a:t>
+            </a:r>
+          </a:p>
+        </p:txBody>
+      </p:sp>
+      <p:sp>
+        <p:nvSpPr>
+          <p:cNvPr id="9" name="Arrow: Down 8">
+            <a:extLst>
+              <a:ext uri="{FF2B5EF4-FFF2-40B4-BE49-F238E27FC236}">
+                <a16:creationId xmlns:a16="http://schemas.microsoft.com/office/drawing/2014/main" id="{23797E8B-D31D-CCFA-CFA4-ABFBEAEAC799}"/>
+              </a:ext>
+            </a:extLst>
+          </p:cNvPr>
+          <p:cNvSpPr/>
+          <p:nvPr/>
+        </p:nvSpPr>
+        <p:spPr>
+          <a:xfrm>
+            <a:off x="11493381" y="8624898"/>
+            <a:ext cx="1519327" cy="1819268"/>
+          </a:xfrm>
+          <a:prstGeom prst="downArrow">
+            <a:avLst/>
+          </a:prstGeom>
+        </p:spPr>
+        <p:style>
+          <a:lnRef idx="2">
+            <a:schemeClr val="accent1">
+              <a:shade val="50000"/>
+            </a:schemeClr>
+          </a:lnRef>
+          <a:fillRef idx="1">
+            <a:schemeClr val="accent1"/>
+          </a:fillRef>
+          <a:effectRef idx="0">
+            <a:schemeClr val="accent1"/>
+          </a:effectRef>
+          <a:fontRef idx="minor">
+            <a:schemeClr val="lt1"/>
+          </a:fontRef>
+        </p:style>
+        <p:txBody>
+          <a:bodyPr rtlCol="0" anchor="ctr"/>
+          <a:lstStyle/>
+          <a:p>
+            <a:pPr algn="ctr"/>
+            <a:endParaRPr lang="en-US"/>
+          </a:p>
+        </p:txBody>
+      </p:sp>
+      <p:sp>
+        <p:nvSpPr>
+          <p:cNvPr id="13" name="TextBox 12">
+            <a:extLst>
+              <a:ext uri="{FF2B5EF4-FFF2-40B4-BE49-F238E27FC236}">
+                <a16:creationId xmlns:a16="http://schemas.microsoft.com/office/drawing/2014/main" id="{C2135269-01AE-E5F7-5F2E-BAF92E950639}"/>
+              </a:ext>
+            </a:extLst>
+          </p:cNvPr>
+          <p:cNvSpPr txBox="1"/>
+          <p:nvPr/>
+        </p:nvSpPr>
+        <p:spPr>
+          <a:xfrm>
+            <a:off x="26449115" y="10024372"/>
+            <a:ext cx="6928115" cy="2123658"/>
+          </a:xfrm>
+          <a:prstGeom prst="rect">
+            <a:avLst/>
+          </a:prstGeom>
+          <a:noFill/>
+        </p:spPr>
+        <p:txBody>
+          <a:bodyPr wrap="none" rtlCol="0">
+            <a:spAutoFit/>
+          </a:bodyPr>
+          <a:lstStyle/>
+          <a:p>
+            <a:pPr algn="ctr"/>
+            <a:r>
+              <a:rPr lang="en-US" sz="6600" dirty="0"/>
+              <a:t>Generate TPS</a:t>
+            </a:r>
+          </a:p>
+          <a:p>
+            <a:pPr algn="ctr"/>
+            <a:r>
+              <a:rPr lang="en-US" sz="6600" dirty="0"/>
+              <a:t>Loadable templates</a:t>
+            </a:r>
+          </a:p>
+        </p:txBody>
+      </p:sp>
+      <p:sp>
+        <p:nvSpPr>
+          <p:cNvPr id="16" name="TextBox 15">
+            <a:extLst>
+              <a:ext uri="{FF2B5EF4-FFF2-40B4-BE49-F238E27FC236}">
+                <a16:creationId xmlns:a16="http://schemas.microsoft.com/office/drawing/2014/main" id="{789220B7-9F7F-CC89-CA9E-8FD966622200}"/>
+              </a:ext>
+            </a:extLst>
+          </p:cNvPr>
+          <p:cNvSpPr txBox="1"/>
+          <p:nvPr/>
+        </p:nvSpPr>
+        <p:spPr>
+          <a:xfrm>
+            <a:off x="33965541" y="18100096"/>
+            <a:ext cx="8880123" cy="2123658"/>
+          </a:xfrm>
+          <a:prstGeom prst="rect">
+            <a:avLst/>
+          </a:prstGeom>
+          <a:noFill/>
+        </p:spPr>
+        <p:txBody>
+          <a:bodyPr wrap="none" rtlCol="0">
+            <a:spAutoFit/>
+          </a:bodyPr>
+          <a:lstStyle/>
+          <a:p>
+            <a:pPr algn="ctr"/>
+            <a:r>
+              <a:rPr lang="en-US" sz="6600" dirty="0"/>
+              <a:t>Generate Patient-Specific</a:t>
+            </a:r>
+          </a:p>
+          <a:p>
+            <a:pPr algn="ctr"/>
+            <a:r>
+              <a:rPr lang="en-US" sz="6600" dirty="0"/>
+              <a:t>RT Structures</a:t>
+            </a:r>
+          </a:p>
+        </p:txBody>
+      </p:sp>
+      <p:sp>
+        <p:nvSpPr>
+          <p:cNvPr id="18" name="Arrow: Down 17">
+            <a:extLst>
+              <a:ext uri="{FF2B5EF4-FFF2-40B4-BE49-F238E27FC236}">
+                <a16:creationId xmlns:a16="http://schemas.microsoft.com/office/drawing/2014/main" id="{0E7D1753-61D4-19B4-56FB-70DF9AEEBEAC}"/>
+              </a:ext>
+            </a:extLst>
+          </p:cNvPr>
+          <p:cNvSpPr/>
+          <p:nvPr/>
+        </p:nvSpPr>
+        <p:spPr>
+          <a:xfrm rot="16200000">
+            <a:off x="33285313" y="14581370"/>
+            <a:ext cx="1519327" cy="1819268"/>
+          </a:xfrm>
+          <a:prstGeom prst="downArrow">
+            <a:avLst/>
+          </a:prstGeom>
+        </p:spPr>
+        <p:style>
+          <a:lnRef idx="2">
+            <a:schemeClr val="accent1">
+              <a:shade val="50000"/>
+            </a:schemeClr>
+          </a:lnRef>
+          <a:fillRef idx="1">
+            <a:schemeClr val="accent1"/>
+          </a:fillRef>
+          <a:effectRef idx="0">
+            <a:schemeClr val="accent1"/>
+          </a:effectRef>
+          <a:fontRef idx="minor">
+            <a:schemeClr val="lt1"/>
+          </a:fontRef>
+        </p:style>
+        <p:txBody>
+          <a:bodyPr rtlCol="0" anchor="ctr"/>
+          <a:lstStyle/>
+          <a:p>
+            <a:pPr algn="ctr"/>
+            <a:endParaRPr lang="en-US"/>
+          </a:p>
+        </p:txBody>
+      </p:sp>
+      <p:pic>
+        <p:nvPicPr>
+          <p:cNvPr id="22" name="Picture 1">
+            <a:extLst>
+              <a:ext uri="{FF2B5EF4-FFF2-40B4-BE49-F238E27FC236}">
+                <a16:creationId xmlns:a16="http://schemas.microsoft.com/office/drawing/2014/main" id="{30DBBE55-4799-7D86-C318-E6CD3232676B}"/>
+              </a:ext>
+            </a:extLst>
+          </p:cNvPr>
+          <p:cNvPicPr>
+            <a:picLocks noChangeAspect="1" noChangeArrowheads="1"/>
+          </p:cNvPicPr>
+          <p:nvPr/>
+        </p:nvPicPr>
+        <p:blipFill rotWithShape="1">
+          <a:blip r:embed="rId2">
+            <a:extLst>
+              <a:ext uri="{28A0092B-C50C-407E-A947-70E740481C1C}">
+                <a14:useLocalDpi xmlns:a14="http://schemas.microsoft.com/office/drawing/2010/main" val="0"/>
+              </a:ext>
+            </a:extLst>
+          </a:blip>
+          <a:srcRect r="330" b="1704"/>
+          <a:stretch/>
+        </p:blipFill>
+        <p:spPr bwMode="auto">
+          <a:xfrm>
+            <a:off x="1685741" y="22837632"/>
+            <a:ext cx="40397923" cy="8791596"/>
+          </a:xfrm>
+          <a:prstGeom prst="rect">
+            <a:avLst/>
+          </a:prstGeom>
+          <a:noFill/>
+          <a:ln>
+            <a:noFill/>
+          </a:ln>
+          <a:extLst>
+            <a:ext uri="{909E8E84-426E-40DD-AFC4-6F175D3DCCD1}">
+              <a14:hiddenFill xmlns:a14="http://schemas.microsoft.com/office/drawing/2010/main">
+                <a:solidFill>
+                  <a:srgbClr val="FFFFFF"/>
+                </a:solidFill>
+              </a14:hiddenFill>
+            </a:ext>
+            <a:ext uri="{91240B29-F687-4F45-9708-019B960494DF}">
+              <a14:hiddenLine xmlns:a14="http://schemas.microsoft.com/office/drawing/2010/main" w="9525">
+                <a:solidFill>
+                  <a:srgbClr val="000000"/>
+                </a:solidFill>
+                <a:miter lim="800000"/>
+                <a:headEnd/>
+                <a:tailEnd/>
+              </a14:hiddenLine>
+            </a:ext>
+          </a:extLst>
+        </p:spPr>
+      </p:pic>
+      <p:pic>
+        <p:nvPicPr>
+          <p:cNvPr id="26" name="Graphic 25" descr="Computer outline">
+            <a:extLst>
+              <a:ext uri="{FF2B5EF4-FFF2-40B4-BE49-F238E27FC236}">
+                <a16:creationId xmlns:a16="http://schemas.microsoft.com/office/drawing/2014/main" id="{13AF99E1-76F2-069E-2D9B-FB57AF321916}"/>
+              </a:ext>
+            </a:extLst>
+          </p:cNvPr>
+          <p:cNvPicPr>
+            <a:picLocks noChangeAspect="1"/>
+          </p:cNvPicPr>
+          <p:nvPr/>
+        </p:nvPicPr>
+        <p:blipFill>
+          <a:blip r:embed="rId6">
+            <a:extLst>
+              <a:ext uri="{28A0092B-C50C-407E-A947-70E740481C1C}">
+                <a14:useLocalDpi xmlns:a14="http://schemas.microsoft.com/office/drawing/2010/main" val="0"/>
+              </a:ext>
+              <a:ext uri="{96DAC541-7B7A-43D3-8B79-37D633B846F1}">
+                <asvg:svgBlip xmlns:asvg="http://schemas.microsoft.com/office/drawing/2016/SVG/main" r:embed="rId7"/>
+              </a:ext>
+            </a:extLst>
+          </a:blip>
+          <a:stretch>
+            <a:fillRect/>
+          </a:stretch>
+        </p:blipFill>
+        <p:spPr>
+          <a:xfrm>
+            <a:off x="27011285" y="5105122"/>
+            <a:ext cx="5905500" cy="5905500"/>
+          </a:xfrm>
+          <a:prstGeom prst="rect">
+            <a:avLst/>
+          </a:prstGeom>
+        </p:spPr>
+      </p:pic>
+      <p:pic>
+        <p:nvPicPr>
+          <p:cNvPr id="30" name="Picture 1">
+            <a:extLst>
+              <a:ext uri="{FF2B5EF4-FFF2-40B4-BE49-F238E27FC236}">
+                <a16:creationId xmlns:a16="http://schemas.microsoft.com/office/drawing/2014/main" id="{3067A3F3-1F78-553A-052C-94029F8704C9}"/>
+              </a:ext>
+            </a:extLst>
+          </p:cNvPr>
+          <p:cNvPicPr>
+            <a:picLocks noChangeAspect="1" noChangeArrowheads="1"/>
+          </p:cNvPicPr>
+          <p:nvPr/>
+        </p:nvPicPr>
+        <p:blipFill rotWithShape="1">
+          <a:blip r:embed="rId2">
+            <a:extLst>
+              <a:ext uri="{28A0092B-C50C-407E-A947-70E740481C1C}">
+                <a14:useLocalDpi xmlns:a14="http://schemas.microsoft.com/office/drawing/2010/main" val="0"/>
+              </a:ext>
+            </a:extLst>
+          </a:blip>
+          <a:srcRect l="41390" t="69161" r="44919" b="1704"/>
+          <a:stretch/>
+        </p:blipFill>
+        <p:spPr bwMode="auto">
+          <a:xfrm>
+            <a:off x="17136787" y="15641751"/>
+            <a:ext cx="5549249" cy="2605774"/>
+          </a:xfrm>
+          <a:prstGeom prst="rect">
+            <a:avLst/>
+          </a:prstGeom>
+          <a:noFill/>
+          <a:ln>
+            <a:noFill/>
+          </a:ln>
+          <a:extLst>
+            <a:ext uri="{909E8E84-426E-40DD-AFC4-6F175D3DCCD1}">
+              <a14:hiddenFill xmlns:a14="http://schemas.microsoft.com/office/drawing/2010/main">
+                <a:solidFill>
+                  <a:srgbClr val="FFFFFF"/>
+                </a:solidFill>
+              </a14:hiddenFill>
+            </a:ext>
+            <a:ext uri="{91240B29-F687-4F45-9708-019B960494DF}">
+              <a14:hiddenLine xmlns:a14="http://schemas.microsoft.com/office/drawing/2010/main" w="9525">
+                <a:solidFill>
+                  <a:srgbClr val="000000"/>
+                </a:solidFill>
+                <a:miter lim="800000"/>
+                <a:headEnd/>
+                <a:tailEnd/>
+              </a14:hiddenLine>
+            </a:ext>
+          </a:extLst>
+        </p:spPr>
+      </p:pic>
+      <p:sp>
+        <p:nvSpPr>
+          <p:cNvPr id="31" name="Arrow: Down 30">
+            <a:extLst>
+              <a:ext uri="{FF2B5EF4-FFF2-40B4-BE49-F238E27FC236}">
+                <a16:creationId xmlns:a16="http://schemas.microsoft.com/office/drawing/2014/main" id="{D10E5DE9-8FA4-8117-5986-B3C5440E16D5}"/>
+              </a:ext>
+            </a:extLst>
+          </p:cNvPr>
+          <p:cNvSpPr/>
+          <p:nvPr/>
+        </p:nvSpPr>
+        <p:spPr>
+          <a:xfrm rot="16200000">
+            <a:off x="15776092" y="12653966"/>
+            <a:ext cx="1519327" cy="1819268"/>
+          </a:xfrm>
+          <a:prstGeom prst="downArrow">
+            <a:avLst/>
+          </a:prstGeom>
+        </p:spPr>
+        <p:style>
+          <a:lnRef idx="2">
+            <a:schemeClr val="accent1">
+              <a:shade val="50000"/>
+            </a:schemeClr>
+          </a:lnRef>
+          <a:fillRef idx="1">
+            <a:schemeClr val="accent1"/>
+          </a:fillRef>
+          <a:effectRef idx="0">
+            <a:schemeClr val="accent1"/>
+          </a:effectRef>
+          <a:fontRef idx="minor">
+            <a:schemeClr val="lt1"/>
+          </a:fontRef>
+        </p:style>
+        <p:txBody>
+          <a:bodyPr rtlCol="0" anchor="ctr"/>
+          <a:lstStyle/>
+          <a:p>
+            <a:pPr algn="ctr"/>
+            <a:endParaRPr lang="en-US"/>
+          </a:p>
+        </p:txBody>
+      </p:sp>
+      <p:pic>
+        <p:nvPicPr>
+          <p:cNvPr id="33" name="Graphic 32" descr="Clipboard Checked with solid fill">
+            <a:extLst>
+              <a:ext uri="{FF2B5EF4-FFF2-40B4-BE49-F238E27FC236}">
+                <a16:creationId xmlns:a16="http://schemas.microsoft.com/office/drawing/2014/main" id="{854B77DB-AE0A-2385-8639-165E369828EC}"/>
+              </a:ext>
+            </a:extLst>
+          </p:cNvPr>
+          <p:cNvPicPr>
+            <a:picLocks noChangeAspect="1"/>
+          </p:cNvPicPr>
+          <p:nvPr/>
+        </p:nvPicPr>
+        <p:blipFill>
+          <a:blip r:embed="rId8">
+            <a:extLst>
+              <a:ext uri="{28A0092B-C50C-407E-A947-70E740481C1C}">
+                <a14:useLocalDpi xmlns:a14="http://schemas.microsoft.com/office/drawing/2010/main" val="0"/>
+              </a:ext>
+              <a:ext uri="{96DAC541-7B7A-43D3-8B79-37D633B846F1}">
+                <asvg:svgBlip xmlns:asvg="http://schemas.microsoft.com/office/drawing/2016/SVG/main" r:embed="rId9"/>
+              </a:ext>
+            </a:extLst>
+          </a:blip>
+          <a:stretch>
+            <a:fillRect/>
+          </a:stretch>
+        </p:blipFill>
+        <p:spPr>
+          <a:xfrm>
+            <a:off x="17398663" y="10646608"/>
+            <a:ext cx="4995143" cy="4995143"/>
+          </a:xfrm>
+          <a:prstGeom prst="rect">
+            <a:avLst/>
+          </a:prstGeom>
+        </p:spPr>
+      </p:pic>
+      <p:grpSp>
+        <p:nvGrpSpPr>
+          <p:cNvPr id="43" name="Group 42">
+            <a:extLst>
+              <a:ext uri="{FF2B5EF4-FFF2-40B4-BE49-F238E27FC236}">
+                <a16:creationId xmlns:a16="http://schemas.microsoft.com/office/drawing/2014/main" id="{F680FC90-4716-27D6-D839-88879AEFEF6A}"/>
+              </a:ext>
+            </a:extLst>
+          </p:cNvPr>
+          <p:cNvGrpSpPr/>
+          <p:nvPr/>
+        </p:nvGrpSpPr>
+        <p:grpSpPr>
+          <a:xfrm>
+            <a:off x="40223340" y="374772"/>
+            <a:ext cx="3276600" cy="3898466"/>
+            <a:chOff x="36005302" y="4980062"/>
+            <a:chExt cx="3276600" cy="3898466"/>
+          </a:xfrm>
+        </p:grpSpPr>
+        <p:pic>
+          <p:nvPicPr>
+            <p:cNvPr id="35" name="Picture 34">
+              <a:extLst>
+                <a:ext uri="{FF2B5EF4-FFF2-40B4-BE49-F238E27FC236}">
+                  <a16:creationId xmlns:a16="http://schemas.microsoft.com/office/drawing/2014/main" id="{2FC9AE4B-4BFB-EE71-398D-2CFB89185D8F}"/>
+                </a:ext>
+              </a:extLst>
+            </p:cNvPr>
+            <p:cNvPicPr>
+              <a:picLocks noChangeAspect="1"/>
+            </p:cNvPicPr>
+            <p:nvPr/>
+          </p:nvPicPr>
+          <p:blipFill>
+            <a:blip r:embed="rId10"/>
+            <a:stretch>
+              <a:fillRect/>
+            </a:stretch>
+          </p:blipFill>
+          <p:spPr>
+            <a:xfrm>
+              <a:off x="36005302" y="4990822"/>
+              <a:ext cx="3276600" cy="3276600"/>
+            </a:xfrm>
+            <a:prstGeom prst="rect">
+              <a:avLst/>
+            </a:prstGeom>
+          </p:spPr>
+        </p:pic>
+        <p:sp>
+          <p:nvSpPr>
+            <p:cNvPr id="36" name="Rectangle 35">
+              <a:extLst>
+                <a:ext uri="{FF2B5EF4-FFF2-40B4-BE49-F238E27FC236}">
+                  <a16:creationId xmlns:a16="http://schemas.microsoft.com/office/drawing/2014/main" id="{021E22C6-58E4-ED66-8141-6BD059F9D8C2}"/>
+                </a:ext>
+              </a:extLst>
+            </p:cNvPr>
+            <p:cNvSpPr/>
+            <p:nvPr/>
+          </p:nvSpPr>
+          <p:spPr>
+            <a:xfrm>
+              <a:off x="36005302" y="4980062"/>
+              <a:ext cx="3276599" cy="3325460"/>
+            </a:xfrm>
+            <a:prstGeom prst="rect">
+              <a:avLst/>
+            </a:prstGeom>
+            <a:noFill/>
+            <a:ln w="190500">
+              <a:solidFill>
+                <a:schemeClr val="tx1"/>
+              </a:solidFill>
+            </a:ln>
+          </p:spPr>
+          <p:style>
+            <a:lnRef idx="2">
+              <a:schemeClr val="accent1">
+                <a:shade val="50000"/>
+              </a:schemeClr>
+            </a:lnRef>
+            <a:fillRef idx="1">
+              <a:schemeClr val="accent1"/>
+            </a:fillRef>
+            <a:effectRef idx="0">
+              <a:schemeClr val="accent1"/>
+            </a:effectRef>
+            <a:fontRef idx="minor">
+              <a:schemeClr val="lt1"/>
+            </a:fontRef>
+          </p:style>
+          <p:txBody>
+            <a:bodyPr rtlCol="0" anchor="ctr"/>
+            <a:lstStyle/>
+            <a:p>
+              <a:pPr algn="ctr"/>
+              <a:endParaRPr lang="en-US"/>
+            </a:p>
+          </p:txBody>
+        </p:sp>
+        <p:sp>
+          <p:nvSpPr>
+            <p:cNvPr id="37" name="Rectangle 36">
+              <a:extLst>
+                <a:ext uri="{FF2B5EF4-FFF2-40B4-BE49-F238E27FC236}">
+                  <a16:creationId xmlns:a16="http://schemas.microsoft.com/office/drawing/2014/main" id="{EB34F1A9-5D07-7884-698D-0AE1A697BB9C}"/>
+                </a:ext>
+              </a:extLst>
+            </p:cNvPr>
+            <p:cNvSpPr/>
+            <p:nvPr/>
+          </p:nvSpPr>
+          <p:spPr>
+            <a:xfrm>
+              <a:off x="36005302" y="4999111"/>
+              <a:ext cx="3276599" cy="3879417"/>
+            </a:xfrm>
+            <a:prstGeom prst="rect">
+              <a:avLst/>
+            </a:prstGeom>
+            <a:noFill/>
+            <a:ln w="190500">
+              <a:solidFill>
+                <a:schemeClr val="tx1"/>
+              </a:solidFill>
+            </a:ln>
+          </p:spPr>
+          <p:style>
+            <a:lnRef idx="2">
+              <a:schemeClr val="accent1">
+                <a:shade val="50000"/>
+              </a:schemeClr>
+            </a:lnRef>
+            <a:fillRef idx="1">
+              <a:schemeClr val="accent1"/>
+            </a:fillRef>
+            <a:effectRef idx="0">
+              <a:schemeClr val="accent1"/>
+            </a:effectRef>
+            <a:fontRef idx="minor">
+              <a:schemeClr val="lt1"/>
+            </a:fontRef>
+          </p:style>
+          <p:txBody>
+            <a:bodyPr rtlCol="0" anchor="ctr"/>
+            <a:lstStyle/>
+            <a:p>
+              <a:pPr algn="ctr"/>
+              <a:endParaRPr lang="en-US"/>
+            </a:p>
+          </p:txBody>
+        </p:sp>
+        <p:sp>
+          <p:nvSpPr>
+            <p:cNvPr id="40" name="Rectangle: Rounded Corners 39">
+              <a:extLst>
+                <a:ext uri="{FF2B5EF4-FFF2-40B4-BE49-F238E27FC236}">
+                  <a16:creationId xmlns:a16="http://schemas.microsoft.com/office/drawing/2014/main" id="{1A1FF120-F39A-53DE-9881-67CAB9EF84F8}"/>
+                </a:ext>
+              </a:extLst>
+            </p:cNvPr>
+            <p:cNvSpPr/>
+            <p:nvPr/>
+          </p:nvSpPr>
+          <p:spPr>
+            <a:xfrm>
+              <a:off x="36250230" y="8498957"/>
+              <a:ext cx="914400" cy="169833"/>
+            </a:xfrm>
+            <a:prstGeom prst="roundRect">
+              <a:avLst/>
+            </a:prstGeom>
+            <a:solidFill>
+              <a:schemeClr val="tx1"/>
+            </a:solidFill>
+            <a:ln>
+              <a:solidFill>
+                <a:schemeClr val="tx1"/>
+              </a:solidFill>
+            </a:ln>
+          </p:spPr>
+          <p:style>
+            <a:lnRef idx="2">
+              <a:schemeClr val="accent1">
+                <a:shade val="50000"/>
+              </a:schemeClr>
+            </a:lnRef>
+            <a:fillRef idx="1">
+              <a:schemeClr val="accent1"/>
+            </a:fillRef>
+            <a:effectRef idx="0">
+              <a:schemeClr val="accent1"/>
+            </a:effectRef>
+            <a:fontRef idx="minor">
+              <a:schemeClr val="lt1"/>
+            </a:fontRef>
+          </p:style>
+          <p:txBody>
+            <a:bodyPr rtlCol="0" anchor="ctr"/>
+            <a:lstStyle/>
+            <a:p>
+              <a:pPr algn="ctr"/>
+              <a:endParaRPr lang="en-US"/>
+            </a:p>
+          </p:txBody>
+        </p:sp>
+        <p:sp>
+          <p:nvSpPr>
+            <p:cNvPr id="41" name="Rectangle: Rounded Corners 40">
+              <a:extLst>
+                <a:ext uri="{FF2B5EF4-FFF2-40B4-BE49-F238E27FC236}">
+                  <a16:creationId xmlns:a16="http://schemas.microsoft.com/office/drawing/2014/main" id="{9471E2DC-C42A-638D-3AA3-9CBBEFA2880F}"/>
+                </a:ext>
+              </a:extLst>
+            </p:cNvPr>
+            <p:cNvSpPr/>
+            <p:nvPr/>
+          </p:nvSpPr>
+          <p:spPr>
+            <a:xfrm>
+              <a:off x="37409558" y="8498957"/>
+              <a:ext cx="365760" cy="169833"/>
+            </a:xfrm>
+            <a:prstGeom prst="roundRect">
+              <a:avLst/>
+            </a:prstGeom>
+            <a:solidFill>
+              <a:schemeClr val="tx1"/>
+            </a:solidFill>
+            <a:ln>
+              <a:solidFill>
+                <a:schemeClr val="tx1"/>
+              </a:solidFill>
+            </a:ln>
+          </p:spPr>
+          <p:style>
+            <a:lnRef idx="2">
+              <a:schemeClr val="accent1">
+                <a:shade val="50000"/>
+              </a:schemeClr>
+            </a:lnRef>
+            <a:fillRef idx="1">
+              <a:schemeClr val="accent1"/>
+            </a:fillRef>
+            <a:effectRef idx="0">
+              <a:schemeClr val="accent1"/>
+            </a:effectRef>
+            <a:fontRef idx="minor">
+              <a:schemeClr val="lt1"/>
+            </a:fontRef>
+          </p:style>
+          <p:txBody>
+            <a:bodyPr rtlCol="0" anchor="ctr"/>
+            <a:lstStyle/>
+            <a:p>
+              <a:pPr algn="ctr"/>
+              <a:endParaRPr lang="en-US"/>
+            </a:p>
+          </p:txBody>
+        </p:sp>
+        <p:sp>
+          <p:nvSpPr>
+            <p:cNvPr id="42" name="Rectangle: Rounded Corners 41">
+              <a:extLst>
+                <a:ext uri="{FF2B5EF4-FFF2-40B4-BE49-F238E27FC236}">
+                  <a16:creationId xmlns:a16="http://schemas.microsoft.com/office/drawing/2014/main" id="{FCFCDD3A-4A2D-5280-1156-27DAE7CC2033}"/>
+                </a:ext>
+              </a:extLst>
+            </p:cNvPr>
+            <p:cNvSpPr/>
+            <p:nvPr/>
+          </p:nvSpPr>
+          <p:spPr>
+            <a:xfrm>
+              <a:off x="38266701" y="8498957"/>
+              <a:ext cx="685800" cy="169833"/>
+            </a:xfrm>
+            <a:prstGeom prst="roundRect">
+              <a:avLst/>
+            </a:prstGeom>
+            <a:solidFill>
+              <a:srgbClr val="FF0000"/>
+            </a:solidFill>
+            <a:ln>
+              <a:solidFill>
+                <a:srgbClr val="FF0000"/>
+              </a:solidFill>
+            </a:ln>
+          </p:spPr>
+          <p:style>
+            <a:lnRef idx="2">
+              <a:schemeClr val="accent1">
+                <a:shade val="50000"/>
+              </a:schemeClr>
+            </a:lnRef>
+            <a:fillRef idx="1">
+              <a:schemeClr val="accent1"/>
+            </a:fillRef>
+            <a:effectRef idx="0">
+              <a:schemeClr val="accent1"/>
+            </a:effectRef>
+            <a:fontRef idx="minor">
+              <a:schemeClr val="lt1"/>
+            </a:fontRef>
+          </p:style>
+          <p:txBody>
+            <a:bodyPr rtlCol="0" anchor="ctr"/>
+            <a:lstStyle/>
+            <a:p>
+              <a:pPr algn="ctr"/>
+              <a:endParaRPr lang="en-US"/>
+            </a:p>
+          </p:txBody>
+        </p:sp>
+      </p:grpSp>
+      <p:pic>
+        <p:nvPicPr>
+          <p:cNvPr id="51" name="Picture 50">
+            <a:extLst>
+              <a:ext uri="{FF2B5EF4-FFF2-40B4-BE49-F238E27FC236}">
+                <a16:creationId xmlns:a16="http://schemas.microsoft.com/office/drawing/2014/main" id="{58FA9FF0-0FA8-8F2C-7A47-C1DACB93FCEB}"/>
+              </a:ext>
+            </a:extLst>
+          </p:cNvPr>
+          <p:cNvPicPr>
+            <a:picLocks noChangeAspect="1"/>
+          </p:cNvPicPr>
+          <p:nvPr/>
+        </p:nvPicPr>
+        <p:blipFill>
+          <a:blip r:embed="rId11"/>
+          <a:stretch>
+            <a:fillRect/>
+          </a:stretch>
+        </p:blipFill>
+        <p:spPr>
+          <a:xfrm>
+            <a:off x="36308065" y="13193799"/>
+            <a:ext cx="3891612" cy="4589230"/>
+          </a:xfrm>
+          <a:prstGeom prst="rect">
+            <a:avLst/>
+          </a:prstGeom>
+        </p:spPr>
+      </p:pic>
+      <p:grpSp>
+        <p:nvGrpSpPr>
+          <p:cNvPr id="54" name="Group 53">
+            <a:extLst>
+              <a:ext uri="{FF2B5EF4-FFF2-40B4-BE49-F238E27FC236}">
+                <a16:creationId xmlns:a16="http://schemas.microsoft.com/office/drawing/2014/main" id="{783BB0BE-7222-D4B5-8678-492E06900DD6}"/>
+              </a:ext>
+            </a:extLst>
+          </p:cNvPr>
+          <p:cNvGrpSpPr/>
+          <p:nvPr/>
+        </p:nvGrpSpPr>
+        <p:grpSpPr>
+          <a:xfrm>
+            <a:off x="23731569" y="8731569"/>
+            <a:ext cx="2700511" cy="8488096"/>
+            <a:chOff x="22969569" y="8731569"/>
+            <a:chExt cx="2700511" cy="8488096"/>
+          </a:xfrm>
+        </p:grpSpPr>
+        <p:sp>
+          <p:nvSpPr>
+            <p:cNvPr id="52" name="Arrow: Bent-Up 51">
+              <a:extLst>
+                <a:ext uri="{FF2B5EF4-FFF2-40B4-BE49-F238E27FC236}">
+                  <a16:creationId xmlns:a16="http://schemas.microsoft.com/office/drawing/2014/main" id="{E898749D-DAC1-BDC2-E8FE-177214C0EA08}"/>
+                </a:ext>
+              </a:extLst>
+            </p:cNvPr>
+            <p:cNvSpPr/>
+            <p:nvPr/>
+          </p:nvSpPr>
+          <p:spPr>
+            <a:xfrm rot="16200000" flipV="1">
+              <a:off x="21700561" y="10000577"/>
+              <a:ext cx="5238528" cy="2700511"/>
+            </a:xfrm>
+            <a:prstGeom prst="bentUpArrow">
+              <a:avLst/>
+            </a:prstGeom>
+            <a:ln>
+              <a:noFill/>
+            </a:ln>
+          </p:spPr>
+          <p:style>
+            <a:lnRef idx="2">
+              <a:schemeClr val="accent1">
+                <a:shade val="50000"/>
+              </a:schemeClr>
+            </a:lnRef>
+            <a:fillRef idx="1">
+              <a:schemeClr val="accent1"/>
+            </a:fillRef>
+            <a:effectRef idx="0">
+              <a:schemeClr val="accent1"/>
+            </a:effectRef>
+            <a:fontRef idx="minor">
+              <a:schemeClr val="lt1"/>
+            </a:fontRef>
+          </p:style>
+          <p:txBody>
+            <a:bodyPr rtlCol="0" anchor="ctr"/>
+            <a:lstStyle/>
+            <a:p>
+              <a:pPr algn="ctr"/>
+              <a:endParaRPr lang="en-US"/>
+            </a:p>
+          </p:txBody>
+        </p:sp>
+        <p:sp>
+          <p:nvSpPr>
+            <p:cNvPr id="53" name="Arrow: Bent-Up 52">
+              <a:extLst>
+                <a:ext uri="{FF2B5EF4-FFF2-40B4-BE49-F238E27FC236}">
+                  <a16:creationId xmlns:a16="http://schemas.microsoft.com/office/drawing/2014/main" id="{1132AD38-4A94-37CC-9651-EE74E268441E}"/>
+                </a:ext>
+              </a:extLst>
+            </p:cNvPr>
+            <p:cNvSpPr/>
+            <p:nvPr/>
+          </p:nvSpPr>
+          <p:spPr>
+            <a:xfrm rot="16200000" flipH="1" flipV="1">
+              <a:off x="22672288" y="14221872"/>
+              <a:ext cx="3295074" cy="2700511"/>
+            </a:xfrm>
+            <a:prstGeom prst="bentUpArrow">
+              <a:avLst/>
+            </a:prstGeom>
+            <a:ln>
+              <a:noFill/>
+            </a:ln>
+          </p:spPr>
+          <p:style>
+            <a:lnRef idx="2">
+              <a:schemeClr val="accent1">
+                <a:shade val="50000"/>
+              </a:schemeClr>
+            </a:lnRef>
+            <a:fillRef idx="1">
+              <a:schemeClr val="accent1"/>
+            </a:fillRef>
+            <a:effectRef idx="0">
+              <a:schemeClr val="accent1"/>
+            </a:effectRef>
+            <a:fontRef idx="minor">
+              <a:schemeClr val="lt1"/>
+            </a:fontRef>
+          </p:style>
+          <p:txBody>
+            <a:bodyPr rtlCol="0" anchor="ctr"/>
+            <a:lstStyle/>
+            <a:p>
+              <a:pPr algn="ctr"/>
+              <a:endParaRPr lang="en-US"/>
+            </a:p>
+          </p:txBody>
+        </p:sp>
+      </p:grpSp>
+      <p:sp>
+        <p:nvSpPr>
+          <p:cNvPr id="55" name="Rectangle 54">
+            <a:extLst>
+              <a:ext uri="{FF2B5EF4-FFF2-40B4-BE49-F238E27FC236}">
+                <a16:creationId xmlns:a16="http://schemas.microsoft.com/office/drawing/2014/main" id="{21796DFF-23E8-2C64-5DF8-0F1E3FD82385}"/>
+              </a:ext>
+            </a:extLst>
+          </p:cNvPr>
+          <p:cNvSpPr/>
+          <p:nvPr/>
+        </p:nvSpPr>
+        <p:spPr>
+          <a:xfrm>
+            <a:off x="22445632" y="12653271"/>
+            <a:ext cx="1285937" cy="910329"/>
+          </a:xfrm>
+          <a:prstGeom prst="rect">
+            <a:avLst/>
+          </a:prstGeom>
+          <a:ln>
+            <a:noFill/>
+          </a:ln>
+        </p:spPr>
+        <p:style>
+          <a:lnRef idx="2">
+            <a:schemeClr val="accent1">
+              <a:shade val="50000"/>
+            </a:schemeClr>
+          </a:lnRef>
+          <a:fillRef idx="1">
+            <a:schemeClr val="accent1"/>
+          </a:fillRef>
+          <a:effectRef idx="0">
+            <a:schemeClr val="accent1"/>
+          </a:effectRef>
+          <a:fontRef idx="minor">
+            <a:schemeClr val="lt1"/>
+          </a:fontRef>
+        </p:style>
+        <p:txBody>
+          <a:bodyPr rtlCol="0" anchor="ctr"/>
+          <a:lstStyle/>
+          <a:p>
+            <a:pPr algn="ctr"/>
+            <a:endParaRPr lang="en-US"/>
+          </a:p>
+        </p:txBody>
+      </p:sp>
+    </p:spTree>
+    <p:extLst>
+      <p:ext uri="{BB962C8B-B14F-4D97-AF65-F5344CB8AC3E}">
+        <p14:creationId xmlns:p14="http://schemas.microsoft.com/office/powerpoint/2010/main" val="1290017896"/>
+      </p:ext>
+    </p:extLst>
+  </p:cSld>
+  <p:clrMapOvr>
+    <a:masterClrMapping/>
+  </p:clrMapOvr>
+</p:sld>
+</file>
+
+<file path=ppt/slides/slide3.xml><?xml version="1.0" encoding="utf-8"?>
+<p:sld xmlns:a="http://schemas.openxmlformats.org/drawingml/2006/main" xmlns:r="http://schemas.openxmlformats.org/officeDocument/2006/relationships" xmlns:p="http://schemas.openxmlformats.org/presentationml/2006/main">
+  <p:cSld>
+    <p:spTree>
+      <p:nvGrpSpPr>
+        <p:cNvPr id="1" name=""/>
+        <p:cNvGrpSpPr/>
+        <p:nvPr/>
+      </p:nvGrpSpPr>
+      <p:grpSpPr>
+        <a:xfrm>
+          <a:off x="0" y="0"/>
+          <a:ext cx="0" cy="0"/>
+          <a:chOff x="0" y="0"/>
+          <a:chExt cx="0" cy="0"/>
+        </a:xfrm>
+      </p:grpSpPr>
+      <p:pic>
+        <p:nvPicPr>
           <p:cNvPr id="7" name="Picture 6">
             <a:extLst>
               <a:ext uri="{FF2B5EF4-FFF2-40B4-BE49-F238E27FC236}">
@@ -4489,7 +5673,7 @@
 </p:sld>
 </file>
 
-<file path=ppt/slides/slide3.xml><?xml version="1.0" encoding="utf-8"?>
+<file path=ppt/slides/slide4.xml><?xml version="1.0" encoding="utf-8"?>
 <p:sld xmlns:a="http://schemas.openxmlformats.org/drawingml/2006/main" xmlns:r="http://schemas.openxmlformats.org/officeDocument/2006/relationships" xmlns:p="http://schemas.openxmlformats.org/presentationml/2006/main">
   <p:cSld>
     <p:spTree>
@@ -4759,7 +5943,7 @@
 </p:sld>
 </file>
 
-<file path=ppt/slides/slide4.xml><?xml version="1.0" encoding="utf-8"?>
+<file path=ppt/slides/slide5.xml><?xml version="1.0" encoding="utf-8"?>
 <p:sld xmlns:a="http://schemas.openxmlformats.org/drawingml/2006/main" xmlns:r="http://schemas.openxmlformats.org/officeDocument/2006/relationships" xmlns:p="http://schemas.openxmlformats.org/presentationml/2006/main">
   <p:cSld>
     <p:spTree>
@@ -6293,7 +7477,7 @@
 </p:sld>
 </file>
 
-<file path=ppt/slides/slide5.xml><?xml version="1.0" encoding="utf-8"?>
+<file path=ppt/slides/slide6.xml><?xml version="1.0" encoding="utf-8"?>
 <p:sld xmlns:a="http://schemas.openxmlformats.org/drawingml/2006/main" xmlns:r="http://schemas.openxmlformats.org/officeDocument/2006/relationships" xmlns:p="http://schemas.openxmlformats.org/presentationml/2006/main">
   <p:cSld>
     <p:spTree>

--- a/Paper/Figures.pptx
+++ b/Paper/Figures.pptx
@@ -4097,404 +4097,6 @@
       </p:grpSpPr>
       <p:pic>
         <p:nvPicPr>
-          <p:cNvPr id="10" name="Picture 1">
-            <a:extLst>
-              <a:ext uri="{FF2B5EF4-FFF2-40B4-BE49-F238E27FC236}">
-                <a16:creationId xmlns:a16="http://schemas.microsoft.com/office/drawing/2014/main" id="{82760100-860F-8259-754F-A3088B020AEF}"/>
-              </a:ext>
-            </a:extLst>
-          </p:cNvPr>
-          <p:cNvPicPr>
-            <a:picLocks noChangeAspect="1" noChangeArrowheads="1"/>
-          </p:cNvPicPr>
-          <p:nvPr/>
-        </p:nvPicPr>
-        <p:blipFill rotWithShape="1">
-          <a:blip r:embed="rId2">
-            <a:extLst>
-              <a:ext uri="{28A0092B-C50C-407E-A947-70E740481C1C}">
-                <a14:useLocalDpi xmlns:a14="http://schemas.microsoft.com/office/drawing/2010/main" val="0"/>
-              </a:ext>
-            </a:extLst>
-          </a:blip>
-          <a:srcRect r="63855" b="1704"/>
-          <a:stretch/>
-        </p:blipFill>
-        <p:spPr bwMode="auto">
-          <a:xfrm>
-            <a:off x="1047271" y="9167802"/>
-            <a:ext cx="14649929" cy="8791596"/>
-          </a:xfrm>
-          <a:prstGeom prst="rect">
-            <a:avLst/>
-          </a:prstGeom>
-          <a:noFill/>
-          <a:ln>
-            <a:noFill/>
-          </a:ln>
-          <a:extLst>
-            <a:ext uri="{909E8E84-426E-40DD-AFC4-6F175D3DCCD1}">
-              <a14:hiddenFill xmlns:a14="http://schemas.microsoft.com/office/drawing/2010/main">
-                <a:solidFill>
-                  <a:srgbClr val="FFFFFF"/>
-                </a:solidFill>
-              </a14:hiddenFill>
-            </a:ext>
-            <a:ext uri="{91240B29-F687-4F45-9708-019B960494DF}">
-              <a14:hiddenLine xmlns:a14="http://schemas.microsoft.com/office/drawing/2010/main" w="9525">
-                <a:solidFill>
-                  <a:srgbClr val="000000"/>
-                </a:solidFill>
-                <a:miter lim="800000"/>
-                <a:headEnd/>
-                <a:tailEnd/>
-              </a14:hiddenLine>
-            </a:ext>
-          </a:extLst>
-        </p:spPr>
-      </p:pic>
-      <p:pic>
-        <p:nvPicPr>
-          <p:cNvPr id="19" name="Picture 18">
-            <a:extLst>
-              <a:ext uri="{FF2B5EF4-FFF2-40B4-BE49-F238E27FC236}">
-                <a16:creationId xmlns:a16="http://schemas.microsoft.com/office/drawing/2014/main" id="{87790FDA-86C5-1693-58E0-CE96DA74B9EF}"/>
-              </a:ext>
-            </a:extLst>
-          </p:cNvPr>
-          <p:cNvPicPr>
-            <a:picLocks noChangeAspect="1"/>
-          </p:cNvPicPr>
-          <p:nvPr/>
-        </p:nvPicPr>
-        <p:blipFill rotWithShape="1">
-          <a:blip r:embed="rId3"/>
-          <a:srcRect b="4800"/>
-          <a:stretch/>
-        </p:blipFill>
-        <p:spPr>
-          <a:xfrm>
-            <a:off x="1322034" y="4039542"/>
-            <a:ext cx="6404625" cy="6097208"/>
-          </a:xfrm>
-          <a:prstGeom prst="rect">
-            <a:avLst/>
-          </a:prstGeom>
-        </p:spPr>
-      </p:pic>
-      <p:pic>
-        <p:nvPicPr>
-          <p:cNvPr id="17" name="Picture 1">
-            <a:extLst>
-              <a:ext uri="{FF2B5EF4-FFF2-40B4-BE49-F238E27FC236}">
-                <a16:creationId xmlns:a16="http://schemas.microsoft.com/office/drawing/2014/main" id="{49DE671B-9D60-4FC2-01CB-E5AE93A4517C}"/>
-              </a:ext>
-            </a:extLst>
-          </p:cNvPr>
-          <p:cNvPicPr>
-            <a:picLocks noChangeAspect="1" noChangeArrowheads="1"/>
-          </p:cNvPicPr>
-          <p:nvPr/>
-        </p:nvPicPr>
-        <p:blipFill rotWithShape="1">
-          <a:blip r:embed="rId2">
-            <a:extLst>
-              <a:ext uri="{28A0092B-C50C-407E-A947-70E740481C1C}">
-                <a14:useLocalDpi xmlns:a14="http://schemas.microsoft.com/office/drawing/2010/main" val="0"/>
-              </a:ext>
-            </a:extLst>
-          </a:blip>
-          <a:srcRect l="82053"/>
-          <a:stretch/>
-        </p:blipFill>
-        <p:spPr bwMode="auto">
-          <a:xfrm>
-            <a:off x="26326914" y="11051149"/>
-            <a:ext cx="7274243" cy="8943996"/>
-          </a:xfrm>
-          <a:prstGeom prst="rect">
-            <a:avLst/>
-          </a:prstGeom>
-          <a:noFill/>
-          <a:ln>
-            <a:noFill/>
-          </a:ln>
-          <a:extLst>
-            <a:ext uri="{909E8E84-426E-40DD-AFC4-6F175D3DCCD1}">
-              <a14:hiddenFill xmlns:a14="http://schemas.microsoft.com/office/drawing/2010/main">
-                <a:solidFill>
-                  <a:srgbClr val="FFFFFF"/>
-                </a:solidFill>
-              </a14:hiddenFill>
-            </a:ext>
-            <a:ext uri="{91240B29-F687-4F45-9708-019B960494DF}">
-              <a14:hiddenLine xmlns:a14="http://schemas.microsoft.com/office/drawing/2010/main" w="9525">
-                <a:solidFill>
-                  <a:srgbClr val="000000"/>
-                </a:solidFill>
-                <a:miter lim="800000"/>
-                <a:headEnd/>
-                <a:tailEnd/>
-              </a14:hiddenLine>
-            </a:ext>
-          </a:extLst>
-        </p:spPr>
-      </p:pic>
-      <p:pic>
-        <p:nvPicPr>
-          <p:cNvPr id="7" name="Graphic 6" descr="Syncing cloud with solid fill">
-            <a:extLst>
-              <a:ext uri="{FF2B5EF4-FFF2-40B4-BE49-F238E27FC236}">
-                <a16:creationId xmlns:a16="http://schemas.microsoft.com/office/drawing/2014/main" id="{AD5B648A-D6BA-36CD-F038-B26EF2AC38D1}"/>
-              </a:ext>
-            </a:extLst>
-          </p:cNvPr>
-          <p:cNvPicPr>
-            <a:picLocks noChangeAspect="1"/>
-          </p:cNvPicPr>
-          <p:nvPr/>
-        </p:nvPicPr>
-        <p:blipFill>
-          <a:blip r:embed="rId4">
-            <a:extLst>
-              <a:ext uri="{28A0092B-C50C-407E-A947-70E740481C1C}">
-                <a14:useLocalDpi xmlns:a14="http://schemas.microsoft.com/office/drawing/2010/main" val="0"/>
-              </a:ext>
-              <a:ext uri="{96DAC541-7B7A-43D3-8B79-37D633B846F1}">
-                <asvg:svgBlip xmlns:asvg="http://schemas.microsoft.com/office/drawing/2016/SVG/main" r:embed="rId5"/>
-              </a:ext>
-            </a:extLst>
-          </a:blip>
-          <a:stretch>
-            <a:fillRect/>
-          </a:stretch>
-        </p:blipFill>
-        <p:spPr>
-          <a:xfrm>
-            <a:off x="9633779" y="3770498"/>
-            <a:ext cx="5238528" cy="5238528"/>
-          </a:xfrm>
-          <a:prstGeom prst="rect">
-            <a:avLst/>
-          </a:prstGeom>
-        </p:spPr>
-      </p:pic>
-      <p:sp>
-        <p:nvSpPr>
-          <p:cNvPr id="8" name="TextBox 7">
-            <a:extLst>
-              <a:ext uri="{FF2B5EF4-FFF2-40B4-BE49-F238E27FC236}">
-                <a16:creationId xmlns:a16="http://schemas.microsoft.com/office/drawing/2014/main" id="{80F22CE7-44F1-B58F-46D9-5F39414735C7}"/>
-              </a:ext>
-            </a:extLst>
-          </p:cNvPr>
-          <p:cNvSpPr txBox="1"/>
-          <p:nvPr/>
-        </p:nvSpPr>
-        <p:spPr>
-          <a:xfrm>
-            <a:off x="9081085" y="3636724"/>
-            <a:ext cx="6343916" cy="1107996"/>
-          </a:xfrm>
-          <a:prstGeom prst="rect">
-            <a:avLst/>
-          </a:prstGeom>
-          <a:noFill/>
-        </p:spPr>
-        <p:txBody>
-          <a:bodyPr wrap="none" rtlCol="0">
-            <a:spAutoFit/>
-          </a:bodyPr>
-          <a:lstStyle/>
-          <a:p>
-            <a:pPr algn="ctr"/>
-            <a:r>
-              <a:rPr lang="en-US" sz="6600" dirty="0"/>
-              <a:t>TG-263 Templates</a:t>
-            </a:r>
-          </a:p>
-        </p:txBody>
-      </p:sp>
-      <p:sp>
-        <p:nvSpPr>
-          <p:cNvPr id="9" name="Arrow: Down 8">
-            <a:extLst>
-              <a:ext uri="{FF2B5EF4-FFF2-40B4-BE49-F238E27FC236}">
-                <a16:creationId xmlns:a16="http://schemas.microsoft.com/office/drawing/2014/main" id="{23797E8B-D31D-CCFA-CFA4-ABFBEAEAC799}"/>
-              </a:ext>
-            </a:extLst>
-          </p:cNvPr>
-          <p:cNvSpPr/>
-          <p:nvPr/>
-        </p:nvSpPr>
-        <p:spPr>
-          <a:xfrm>
-            <a:off x="11493381" y="8624898"/>
-            <a:ext cx="1519327" cy="1819268"/>
-          </a:xfrm>
-          <a:prstGeom prst="downArrow">
-            <a:avLst/>
-          </a:prstGeom>
-        </p:spPr>
-        <p:style>
-          <a:lnRef idx="2">
-            <a:schemeClr val="accent1">
-              <a:shade val="50000"/>
-            </a:schemeClr>
-          </a:lnRef>
-          <a:fillRef idx="1">
-            <a:schemeClr val="accent1"/>
-          </a:fillRef>
-          <a:effectRef idx="0">
-            <a:schemeClr val="accent1"/>
-          </a:effectRef>
-          <a:fontRef idx="minor">
-            <a:schemeClr val="lt1"/>
-          </a:fontRef>
-        </p:style>
-        <p:txBody>
-          <a:bodyPr rtlCol="0" anchor="ctr"/>
-          <a:lstStyle/>
-          <a:p>
-            <a:pPr algn="ctr"/>
-            <a:endParaRPr lang="en-US"/>
-          </a:p>
-        </p:txBody>
-      </p:sp>
-      <p:sp>
-        <p:nvSpPr>
-          <p:cNvPr id="13" name="TextBox 12">
-            <a:extLst>
-              <a:ext uri="{FF2B5EF4-FFF2-40B4-BE49-F238E27FC236}">
-                <a16:creationId xmlns:a16="http://schemas.microsoft.com/office/drawing/2014/main" id="{C2135269-01AE-E5F7-5F2E-BAF92E950639}"/>
-              </a:ext>
-            </a:extLst>
-          </p:cNvPr>
-          <p:cNvSpPr txBox="1"/>
-          <p:nvPr/>
-        </p:nvSpPr>
-        <p:spPr>
-          <a:xfrm>
-            <a:off x="26449115" y="10024372"/>
-            <a:ext cx="6928115" cy="2123658"/>
-          </a:xfrm>
-          <a:prstGeom prst="rect">
-            <a:avLst/>
-          </a:prstGeom>
-          <a:noFill/>
-        </p:spPr>
-        <p:txBody>
-          <a:bodyPr wrap="none" rtlCol="0">
-            <a:spAutoFit/>
-          </a:bodyPr>
-          <a:lstStyle/>
-          <a:p>
-            <a:pPr algn="ctr"/>
-            <a:r>
-              <a:rPr lang="en-US" sz="6600" dirty="0"/>
-              <a:t>Generate TPS</a:t>
-            </a:r>
-          </a:p>
-          <a:p>
-            <a:pPr algn="ctr"/>
-            <a:r>
-              <a:rPr lang="en-US" sz="6600" dirty="0"/>
-              <a:t>Loadable templates</a:t>
-            </a:r>
-          </a:p>
-        </p:txBody>
-      </p:sp>
-      <p:sp>
-        <p:nvSpPr>
-          <p:cNvPr id="16" name="TextBox 15">
-            <a:extLst>
-              <a:ext uri="{FF2B5EF4-FFF2-40B4-BE49-F238E27FC236}">
-                <a16:creationId xmlns:a16="http://schemas.microsoft.com/office/drawing/2014/main" id="{789220B7-9F7F-CC89-CA9E-8FD966622200}"/>
-              </a:ext>
-            </a:extLst>
-          </p:cNvPr>
-          <p:cNvSpPr txBox="1"/>
-          <p:nvPr/>
-        </p:nvSpPr>
-        <p:spPr>
-          <a:xfrm>
-            <a:off x="33965541" y="18100096"/>
-            <a:ext cx="8880123" cy="2123658"/>
-          </a:xfrm>
-          <a:prstGeom prst="rect">
-            <a:avLst/>
-          </a:prstGeom>
-          <a:noFill/>
-        </p:spPr>
-        <p:txBody>
-          <a:bodyPr wrap="none" rtlCol="0">
-            <a:spAutoFit/>
-          </a:bodyPr>
-          <a:lstStyle/>
-          <a:p>
-            <a:pPr algn="ctr"/>
-            <a:r>
-              <a:rPr lang="en-US" sz="6600" dirty="0"/>
-              <a:t>Generate Patient-Specific</a:t>
-            </a:r>
-          </a:p>
-          <a:p>
-            <a:pPr algn="ctr"/>
-            <a:r>
-              <a:rPr lang="en-US" sz="6600" dirty="0"/>
-              <a:t>RT Structures</a:t>
-            </a:r>
-          </a:p>
-        </p:txBody>
-      </p:sp>
-      <p:sp>
-        <p:nvSpPr>
-          <p:cNvPr id="18" name="Arrow: Down 17">
-            <a:extLst>
-              <a:ext uri="{FF2B5EF4-FFF2-40B4-BE49-F238E27FC236}">
-                <a16:creationId xmlns:a16="http://schemas.microsoft.com/office/drawing/2014/main" id="{0E7D1753-61D4-19B4-56FB-70DF9AEEBEAC}"/>
-              </a:ext>
-            </a:extLst>
-          </p:cNvPr>
-          <p:cNvSpPr/>
-          <p:nvPr/>
-        </p:nvSpPr>
-        <p:spPr>
-          <a:xfrm rot="16200000">
-            <a:off x="33285313" y="14581370"/>
-            <a:ext cx="1519327" cy="1819268"/>
-          </a:xfrm>
-          <a:prstGeom prst="downArrow">
-            <a:avLst/>
-          </a:prstGeom>
-        </p:spPr>
-        <p:style>
-          <a:lnRef idx="2">
-            <a:schemeClr val="accent1">
-              <a:shade val="50000"/>
-            </a:schemeClr>
-          </a:lnRef>
-          <a:fillRef idx="1">
-            <a:schemeClr val="accent1"/>
-          </a:fillRef>
-          <a:effectRef idx="0">
-            <a:schemeClr val="accent1"/>
-          </a:effectRef>
-          <a:fontRef idx="minor">
-            <a:schemeClr val="lt1"/>
-          </a:fontRef>
-        </p:style>
-        <p:txBody>
-          <a:bodyPr rtlCol="0" anchor="ctr"/>
-          <a:lstStyle/>
-          <a:p>
-            <a:pPr algn="ctr"/>
-            <a:endParaRPr lang="en-US"/>
-          </a:p>
-        </p:txBody>
-      </p:sp>
-      <p:pic>
-        <p:nvPicPr>
           <p:cNvPr id="22" name="Picture 1">
             <a:extLst>
               <a:ext uri="{FF2B5EF4-FFF2-40B4-BE49-F238E27FC236}">
@@ -4551,188 +4153,6 @@
           </a:extLst>
         </p:spPr>
       </p:pic>
-      <p:pic>
-        <p:nvPicPr>
-          <p:cNvPr id="26" name="Graphic 25" descr="Computer outline">
-            <a:extLst>
-              <a:ext uri="{FF2B5EF4-FFF2-40B4-BE49-F238E27FC236}">
-                <a16:creationId xmlns:a16="http://schemas.microsoft.com/office/drawing/2014/main" id="{13AF99E1-76F2-069E-2D9B-FB57AF321916}"/>
-              </a:ext>
-            </a:extLst>
-          </p:cNvPr>
-          <p:cNvPicPr>
-            <a:picLocks noChangeAspect="1"/>
-          </p:cNvPicPr>
-          <p:nvPr/>
-        </p:nvPicPr>
-        <p:blipFill>
-          <a:blip r:embed="rId6">
-            <a:extLst>
-              <a:ext uri="{28A0092B-C50C-407E-A947-70E740481C1C}">
-                <a14:useLocalDpi xmlns:a14="http://schemas.microsoft.com/office/drawing/2010/main" val="0"/>
-              </a:ext>
-              <a:ext uri="{96DAC541-7B7A-43D3-8B79-37D633B846F1}">
-                <asvg:svgBlip xmlns:asvg="http://schemas.microsoft.com/office/drawing/2016/SVG/main" r:embed="rId7"/>
-              </a:ext>
-            </a:extLst>
-          </a:blip>
-          <a:stretch>
-            <a:fillRect/>
-          </a:stretch>
-        </p:blipFill>
-        <p:spPr>
-          <a:xfrm>
-            <a:off x="27011285" y="5105122"/>
-            <a:ext cx="5905500" cy="5905500"/>
-          </a:xfrm>
-          <a:prstGeom prst="rect">
-            <a:avLst/>
-          </a:prstGeom>
-        </p:spPr>
-      </p:pic>
-      <p:pic>
-        <p:nvPicPr>
-          <p:cNvPr id="30" name="Picture 1">
-            <a:extLst>
-              <a:ext uri="{FF2B5EF4-FFF2-40B4-BE49-F238E27FC236}">
-                <a16:creationId xmlns:a16="http://schemas.microsoft.com/office/drawing/2014/main" id="{3067A3F3-1F78-553A-052C-94029F8704C9}"/>
-              </a:ext>
-            </a:extLst>
-          </p:cNvPr>
-          <p:cNvPicPr>
-            <a:picLocks noChangeAspect="1" noChangeArrowheads="1"/>
-          </p:cNvPicPr>
-          <p:nvPr/>
-        </p:nvPicPr>
-        <p:blipFill rotWithShape="1">
-          <a:blip r:embed="rId2">
-            <a:extLst>
-              <a:ext uri="{28A0092B-C50C-407E-A947-70E740481C1C}">
-                <a14:useLocalDpi xmlns:a14="http://schemas.microsoft.com/office/drawing/2010/main" val="0"/>
-              </a:ext>
-            </a:extLst>
-          </a:blip>
-          <a:srcRect l="41390" t="69161" r="44919" b="1704"/>
-          <a:stretch/>
-        </p:blipFill>
-        <p:spPr bwMode="auto">
-          <a:xfrm>
-            <a:off x="17136787" y="15641751"/>
-            <a:ext cx="5549249" cy="2605774"/>
-          </a:xfrm>
-          <a:prstGeom prst="rect">
-            <a:avLst/>
-          </a:prstGeom>
-          <a:noFill/>
-          <a:ln>
-            <a:noFill/>
-          </a:ln>
-          <a:extLst>
-            <a:ext uri="{909E8E84-426E-40DD-AFC4-6F175D3DCCD1}">
-              <a14:hiddenFill xmlns:a14="http://schemas.microsoft.com/office/drawing/2010/main">
-                <a:solidFill>
-                  <a:srgbClr val="FFFFFF"/>
-                </a:solidFill>
-              </a14:hiddenFill>
-            </a:ext>
-            <a:ext uri="{91240B29-F687-4F45-9708-019B960494DF}">
-              <a14:hiddenLine xmlns:a14="http://schemas.microsoft.com/office/drawing/2010/main" w="9525">
-                <a:solidFill>
-                  <a:srgbClr val="000000"/>
-                </a:solidFill>
-                <a:miter lim="800000"/>
-                <a:headEnd/>
-                <a:tailEnd/>
-              </a14:hiddenLine>
-            </a:ext>
-          </a:extLst>
-        </p:spPr>
-      </p:pic>
-      <p:sp>
-        <p:nvSpPr>
-          <p:cNvPr id="31" name="Arrow: Down 30">
-            <a:extLst>
-              <a:ext uri="{FF2B5EF4-FFF2-40B4-BE49-F238E27FC236}">
-                <a16:creationId xmlns:a16="http://schemas.microsoft.com/office/drawing/2014/main" id="{D10E5DE9-8FA4-8117-5986-B3C5440E16D5}"/>
-              </a:ext>
-            </a:extLst>
-          </p:cNvPr>
-          <p:cNvSpPr/>
-          <p:nvPr/>
-        </p:nvSpPr>
-        <p:spPr>
-          <a:xfrm rot="16200000">
-            <a:off x="15776092" y="12653966"/>
-            <a:ext cx="1519327" cy="1819268"/>
-          </a:xfrm>
-          <a:prstGeom prst="downArrow">
-            <a:avLst/>
-          </a:prstGeom>
-        </p:spPr>
-        <p:style>
-          <a:lnRef idx="2">
-            <a:schemeClr val="accent1">
-              <a:shade val="50000"/>
-            </a:schemeClr>
-          </a:lnRef>
-          <a:fillRef idx="1">
-            <a:schemeClr val="accent1"/>
-          </a:fillRef>
-          <a:effectRef idx="0">
-            <a:schemeClr val="accent1"/>
-          </a:effectRef>
-          <a:fontRef idx="minor">
-            <a:schemeClr val="lt1"/>
-          </a:fontRef>
-        </p:style>
-        <p:txBody>
-          <a:bodyPr rtlCol="0" anchor="ctr"/>
-          <a:lstStyle/>
-          <a:p>
-            <a:pPr algn="ctr"/>
-            <a:endParaRPr lang="en-US"/>
-          </a:p>
-        </p:txBody>
-      </p:sp>
-      <p:pic>
-        <p:nvPicPr>
-          <p:cNvPr id="33" name="Graphic 32" descr="Clipboard Checked with solid fill">
-            <a:extLst>
-              <a:ext uri="{FF2B5EF4-FFF2-40B4-BE49-F238E27FC236}">
-                <a16:creationId xmlns:a16="http://schemas.microsoft.com/office/drawing/2014/main" id="{854B77DB-AE0A-2385-8639-165E369828EC}"/>
-              </a:ext>
-            </a:extLst>
-          </p:cNvPr>
-          <p:cNvPicPr>
-            <a:picLocks noChangeAspect="1"/>
-          </p:cNvPicPr>
-          <p:nvPr/>
-        </p:nvPicPr>
-        <p:blipFill>
-          <a:blip r:embed="rId8">
-            <a:extLst>
-              <a:ext uri="{28A0092B-C50C-407E-A947-70E740481C1C}">
-                <a14:useLocalDpi xmlns:a14="http://schemas.microsoft.com/office/drawing/2010/main" val="0"/>
-              </a:ext>
-              <a:ext uri="{96DAC541-7B7A-43D3-8B79-37D633B846F1}">
-                <asvg:svgBlip xmlns:asvg="http://schemas.microsoft.com/office/drawing/2016/SVG/main" r:embed="rId9"/>
-              </a:ext>
-            </a:extLst>
-          </a:blip>
-          <a:stretch>
-            <a:fillRect/>
-          </a:stretch>
-        </p:blipFill>
-        <p:spPr>
-          <a:xfrm>
-            <a:off x="17398663" y="10646608"/>
-            <a:ext cx="4995143" cy="4995143"/>
-          </a:xfrm>
-          <a:prstGeom prst="rect">
-            <a:avLst/>
-          </a:prstGeom>
-        </p:spPr>
-      </p:pic>
       <p:grpSp>
         <p:nvGrpSpPr>
           <p:cNvPr id="43" name="Group 42">
@@ -4768,7 +4188,7 @@
             <p:nvPr/>
           </p:nvPicPr>
           <p:blipFill>
-            <a:blip r:embed="rId10"/>
+            <a:blip r:embed="rId3"/>
             <a:stretch>
               <a:fillRect/>
             </a:stretch>
@@ -5050,42 +4470,12 @@
           </p:txBody>
         </p:sp>
       </p:grpSp>
-      <p:pic>
-        <p:nvPicPr>
-          <p:cNvPr id="51" name="Picture 50">
+      <p:grpSp>
+        <p:nvGrpSpPr>
+          <p:cNvPr id="56" name="Group 55">
             <a:extLst>
               <a:ext uri="{FF2B5EF4-FFF2-40B4-BE49-F238E27FC236}">
-                <a16:creationId xmlns:a16="http://schemas.microsoft.com/office/drawing/2014/main" id="{58FA9FF0-0FA8-8F2C-7A47-C1DACB93FCEB}"/>
-              </a:ext>
-            </a:extLst>
-          </p:cNvPr>
-          <p:cNvPicPr>
-            <a:picLocks noChangeAspect="1"/>
-          </p:cNvPicPr>
-          <p:nvPr/>
-        </p:nvPicPr>
-        <p:blipFill>
-          <a:blip r:embed="rId11"/>
-          <a:stretch>
-            <a:fillRect/>
-          </a:stretch>
-        </p:blipFill>
-        <p:spPr>
-          <a:xfrm>
-            <a:off x="36308065" y="13193799"/>
-            <a:ext cx="3891612" cy="4589230"/>
-          </a:xfrm>
-          <a:prstGeom prst="rect">
-            <a:avLst/>
-          </a:prstGeom>
-        </p:spPr>
-      </p:pic>
-      <p:grpSp>
-        <p:nvGrpSpPr>
-          <p:cNvPr id="54" name="Group 53">
-            <a:extLst>
-              <a:ext uri="{FF2B5EF4-FFF2-40B4-BE49-F238E27FC236}">
-                <a16:creationId xmlns:a16="http://schemas.microsoft.com/office/drawing/2014/main" id="{783BB0BE-7222-D4B5-8678-492E06900DD6}"/>
+                <a16:creationId xmlns:a16="http://schemas.microsoft.com/office/drawing/2014/main" id="{FB79C183-8E1C-B28A-013A-9B913F9FBA20}"/>
               </a:ext>
             </a:extLst>
           </p:cNvPr>
@@ -5094,18 +4484,238 @@
         </p:nvGrpSpPr>
         <p:grpSpPr>
           <a:xfrm>
-            <a:off x="23731569" y="8731569"/>
-            <a:ext cx="2700511" cy="8488096"/>
-            <a:chOff x="22969569" y="8731569"/>
-            <a:chExt cx="2700511" cy="8488096"/>
+            <a:off x="1372146" y="3662132"/>
+            <a:ext cx="41798393" cy="16587030"/>
+            <a:chOff x="1047271" y="3636724"/>
+            <a:chExt cx="41798393" cy="16587030"/>
           </a:xfrm>
         </p:grpSpPr>
+        <p:pic>
+          <p:nvPicPr>
+            <p:cNvPr id="10" name="Picture 1">
+              <a:extLst>
+                <a:ext uri="{FF2B5EF4-FFF2-40B4-BE49-F238E27FC236}">
+                  <a16:creationId xmlns:a16="http://schemas.microsoft.com/office/drawing/2014/main" id="{82760100-860F-8259-754F-A3088B020AEF}"/>
+                </a:ext>
+              </a:extLst>
+            </p:cNvPr>
+            <p:cNvPicPr>
+              <a:picLocks noChangeAspect="1" noChangeArrowheads="1"/>
+            </p:cNvPicPr>
+            <p:nvPr/>
+          </p:nvPicPr>
+          <p:blipFill rotWithShape="1">
+            <a:blip r:embed="rId2">
+              <a:extLst>
+                <a:ext uri="{28A0092B-C50C-407E-A947-70E740481C1C}">
+                  <a14:useLocalDpi xmlns:a14="http://schemas.microsoft.com/office/drawing/2010/main" val="0"/>
+                </a:ext>
+              </a:extLst>
+            </a:blip>
+            <a:srcRect r="63855" b="1704"/>
+            <a:stretch/>
+          </p:blipFill>
+          <p:spPr bwMode="auto">
+            <a:xfrm>
+              <a:off x="1047271" y="9167802"/>
+              <a:ext cx="14649929" cy="8791596"/>
+            </a:xfrm>
+            <a:prstGeom prst="rect">
+              <a:avLst/>
+            </a:prstGeom>
+            <a:noFill/>
+            <a:ln>
+              <a:noFill/>
+            </a:ln>
+            <a:extLst>
+              <a:ext uri="{909E8E84-426E-40DD-AFC4-6F175D3DCCD1}">
+                <a14:hiddenFill xmlns:a14="http://schemas.microsoft.com/office/drawing/2010/main">
+                  <a:solidFill>
+                    <a:srgbClr val="FFFFFF"/>
+                  </a:solidFill>
+                </a14:hiddenFill>
+              </a:ext>
+              <a:ext uri="{91240B29-F687-4F45-9708-019B960494DF}">
+                <a14:hiddenLine xmlns:a14="http://schemas.microsoft.com/office/drawing/2010/main" w="9525">
+                  <a:solidFill>
+                    <a:srgbClr val="000000"/>
+                  </a:solidFill>
+                  <a:miter lim="800000"/>
+                  <a:headEnd/>
+                  <a:tailEnd/>
+                </a14:hiddenLine>
+              </a:ext>
+            </a:extLst>
+          </p:spPr>
+        </p:pic>
+        <p:pic>
+          <p:nvPicPr>
+            <p:cNvPr id="19" name="Picture 18">
+              <a:extLst>
+                <a:ext uri="{FF2B5EF4-FFF2-40B4-BE49-F238E27FC236}">
+                  <a16:creationId xmlns:a16="http://schemas.microsoft.com/office/drawing/2014/main" id="{87790FDA-86C5-1693-58E0-CE96DA74B9EF}"/>
+                </a:ext>
+              </a:extLst>
+            </p:cNvPr>
+            <p:cNvPicPr>
+              <a:picLocks noChangeAspect="1"/>
+            </p:cNvPicPr>
+            <p:nvPr/>
+          </p:nvPicPr>
+          <p:blipFill rotWithShape="1">
+            <a:blip r:embed="rId4"/>
+            <a:srcRect b="4800"/>
+            <a:stretch/>
+          </p:blipFill>
+          <p:spPr>
+            <a:xfrm>
+              <a:off x="1322034" y="4039542"/>
+              <a:ext cx="6404625" cy="6097208"/>
+            </a:xfrm>
+            <a:prstGeom prst="rect">
+              <a:avLst/>
+            </a:prstGeom>
+          </p:spPr>
+        </p:pic>
+        <p:pic>
+          <p:nvPicPr>
+            <p:cNvPr id="17" name="Picture 1">
+              <a:extLst>
+                <a:ext uri="{FF2B5EF4-FFF2-40B4-BE49-F238E27FC236}">
+                  <a16:creationId xmlns:a16="http://schemas.microsoft.com/office/drawing/2014/main" id="{49DE671B-9D60-4FC2-01CB-E5AE93A4517C}"/>
+                </a:ext>
+              </a:extLst>
+            </p:cNvPr>
+            <p:cNvPicPr>
+              <a:picLocks noChangeAspect="1" noChangeArrowheads="1"/>
+            </p:cNvPicPr>
+            <p:nvPr/>
+          </p:nvPicPr>
+          <p:blipFill rotWithShape="1">
+            <a:blip r:embed="rId2">
+              <a:extLst>
+                <a:ext uri="{28A0092B-C50C-407E-A947-70E740481C1C}">
+                  <a14:useLocalDpi xmlns:a14="http://schemas.microsoft.com/office/drawing/2010/main" val="0"/>
+                </a:ext>
+              </a:extLst>
+            </a:blip>
+            <a:srcRect l="82053"/>
+            <a:stretch/>
+          </p:blipFill>
+          <p:spPr bwMode="auto">
+            <a:xfrm>
+              <a:off x="26326914" y="11051149"/>
+              <a:ext cx="7274243" cy="8943996"/>
+            </a:xfrm>
+            <a:prstGeom prst="rect">
+              <a:avLst/>
+            </a:prstGeom>
+            <a:noFill/>
+            <a:ln>
+              <a:noFill/>
+            </a:ln>
+            <a:extLst>
+              <a:ext uri="{909E8E84-426E-40DD-AFC4-6F175D3DCCD1}">
+                <a14:hiddenFill xmlns:a14="http://schemas.microsoft.com/office/drawing/2010/main">
+                  <a:solidFill>
+                    <a:srgbClr val="FFFFFF"/>
+                  </a:solidFill>
+                </a14:hiddenFill>
+              </a:ext>
+              <a:ext uri="{91240B29-F687-4F45-9708-019B960494DF}">
+                <a14:hiddenLine xmlns:a14="http://schemas.microsoft.com/office/drawing/2010/main" w="9525">
+                  <a:solidFill>
+                    <a:srgbClr val="000000"/>
+                  </a:solidFill>
+                  <a:miter lim="800000"/>
+                  <a:headEnd/>
+                  <a:tailEnd/>
+                </a14:hiddenLine>
+              </a:ext>
+            </a:extLst>
+          </p:spPr>
+        </p:pic>
+        <p:pic>
+          <p:nvPicPr>
+            <p:cNvPr id="7" name="Graphic 6" descr="Syncing cloud with solid fill">
+              <a:extLst>
+                <a:ext uri="{FF2B5EF4-FFF2-40B4-BE49-F238E27FC236}">
+                  <a16:creationId xmlns:a16="http://schemas.microsoft.com/office/drawing/2014/main" id="{AD5B648A-D6BA-36CD-F038-B26EF2AC38D1}"/>
+                </a:ext>
+              </a:extLst>
+            </p:cNvPr>
+            <p:cNvPicPr>
+              <a:picLocks noChangeAspect="1"/>
+            </p:cNvPicPr>
+            <p:nvPr/>
+          </p:nvPicPr>
+          <p:blipFill>
+            <a:blip r:embed="rId5">
+              <a:extLst>
+                <a:ext uri="{28A0092B-C50C-407E-A947-70E740481C1C}">
+                  <a14:useLocalDpi xmlns:a14="http://schemas.microsoft.com/office/drawing/2010/main" val="0"/>
+                </a:ext>
+                <a:ext uri="{96DAC541-7B7A-43D3-8B79-37D633B846F1}">
+                  <asvg:svgBlip xmlns:asvg="http://schemas.microsoft.com/office/drawing/2016/SVG/main" r:embed="rId6"/>
+                </a:ext>
+              </a:extLst>
+            </a:blip>
+            <a:stretch>
+              <a:fillRect/>
+            </a:stretch>
+          </p:blipFill>
+          <p:spPr>
+            <a:xfrm>
+              <a:off x="9633779" y="3770498"/>
+              <a:ext cx="5238528" cy="5238528"/>
+            </a:xfrm>
+            <a:prstGeom prst="rect">
+              <a:avLst/>
+            </a:prstGeom>
+          </p:spPr>
+        </p:pic>
         <p:sp>
           <p:nvSpPr>
-            <p:cNvPr id="52" name="Arrow: Bent-Up 51">
+            <p:cNvPr id="8" name="TextBox 7">
               <a:extLst>
                 <a:ext uri="{FF2B5EF4-FFF2-40B4-BE49-F238E27FC236}">
-                  <a16:creationId xmlns:a16="http://schemas.microsoft.com/office/drawing/2014/main" id="{E898749D-DAC1-BDC2-E8FE-177214C0EA08}"/>
+                  <a16:creationId xmlns:a16="http://schemas.microsoft.com/office/drawing/2014/main" id="{80F22CE7-44F1-B58F-46D9-5F39414735C7}"/>
+                </a:ext>
+              </a:extLst>
+            </p:cNvPr>
+            <p:cNvSpPr txBox="1"/>
+            <p:nvPr/>
+          </p:nvSpPr>
+          <p:spPr>
+            <a:xfrm>
+              <a:off x="9081085" y="3636724"/>
+              <a:ext cx="6343916" cy="1107996"/>
+            </a:xfrm>
+            <a:prstGeom prst="rect">
+              <a:avLst/>
+            </a:prstGeom>
+            <a:noFill/>
+          </p:spPr>
+          <p:txBody>
+            <a:bodyPr wrap="none" rtlCol="0">
+              <a:spAutoFit/>
+            </a:bodyPr>
+            <a:lstStyle/>
+            <a:p>
+              <a:pPr algn="ctr"/>
+              <a:r>
+                <a:rPr lang="en-US" sz="6600" dirty="0"/>
+                <a:t>TG-263 Templates</a:t>
+              </a:r>
+            </a:p>
+          </p:txBody>
+        </p:sp>
+        <p:sp>
+          <p:nvSpPr>
+            <p:cNvPr id="9" name="Arrow: Down 8">
+              <a:extLst>
+                <a:ext uri="{FF2B5EF4-FFF2-40B4-BE49-F238E27FC236}">
+                  <a16:creationId xmlns:a16="http://schemas.microsoft.com/office/drawing/2014/main" id="{23797E8B-D31D-CCFA-CFA4-ABFBEAEAC799}"/>
                 </a:ext>
               </a:extLst>
             </p:cNvPr>
@@ -5113,16 +4723,13 @@
             <p:nvPr/>
           </p:nvSpPr>
           <p:spPr>
-            <a:xfrm rot="16200000" flipV="1">
-              <a:off x="21700561" y="10000577"/>
-              <a:ext cx="5238528" cy="2700511"/>
+            <a:xfrm>
+              <a:off x="11493381" y="8624898"/>
+              <a:ext cx="1519327" cy="1819268"/>
             </a:xfrm>
-            <a:prstGeom prst="bentUpArrow">
+            <a:prstGeom prst="downArrow">
               <a:avLst/>
             </a:prstGeom>
-            <a:ln>
-              <a:noFill/>
-            </a:ln>
           </p:spPr>
           <p:style>
             <a:lnRef idx="2">
@@ -5151,10 +4758,96 @@
         </p:sp>
         <p:sp>
           <p:nvSpPr>
-            <p:cNvPr id="53" name="Arrow: Bent-Up 52">
+            <p:cNvPr id="13" name="TextBox 12">
               <a:extLst>
                 <a:ext uri="{FF2B5EF4-FFF2-40B4-BE49-F238E27FC236}">
-                  <a16:creationId xmlns:a16="http://schemas.microsoft.com/office/drawing/2014/main" id="{1132AD38-4A94-37CC-9651-EE74E268441E}"/>
+                  <a16:creationId xmlns:a16="http://schemas.microsoft.com/office/drawing/2014/main" id="{C2135269-01AE-E5F7-5F2E-BAF92E950639}"/>
+                </a:ext>
+              </a:extLst>
+            </p:cNvPr>
+            <p:cNvSpPr txBox="1"/>
+            <p:nvPr/>
+          </p:nvSpPr>
+          <p:spPr>
+            <a:xfrm>
+              <a:off x="26449115" y="10024372"/>
+              <a:ext cx="6928115" cy="2123658"/>
+            </a:xfrm>
+            <a:prstGeom prst="rect">
+              <a:avLst/>
+            </a:prstGeom>
+            <a:noFill/>
+          </p:spPr>
+          <p:txBody>
+            <a:bodyPr wrap="none" rtlCol="0">
+              <a:spAutoFit/>
+            </a:bodyPr>
+            <a:lstStyle/>
+            <a:p>
+              <a:pPr algn="ctr"/>
+              <a:r>
+                <a:rPr lang="en-US" sz="6600" dirty="0"/>
+                <a:t>Generate TPS</a:t>
+              </a:r>
+            </a:p>
+            <a:p>
+              <a:pPr algn="ctr"/>
+              <a:r>
+                <a:rPr lang="en-US" sz="6600" dirty="0"/>
+                <a:t>Loadable templates</a:t>
+              </a:r>
+            </a:p>
+          </p:txBody>
+        </p:sp>
+        <p:sp>
+          <p:nvSpPr>
+            <p:cNvPr id="16" name="TextBox 15">
+              <a:extLst>
+                <a:ext uri="{FF2B5EF4-FFF2-40B4-BE49-F238E27FC236}">
+                  <a16:creationId xmlns:a16="http://schemas.microsoft.com/office/drawing/2014/main" id="{789220B7-9F7F-CC89-CA9E-8FD966622200}"/>
+                </a:ext>
+              </a:extLst>
+            </p:cNvPr>
+            <p:cNvSpPr txBox="1"/>
+            <p:nvPr/>
+          </p:nvSpPr>
+          <p:spPr>
+            <a:xfrm>
+              <a:off x="33965541" y="18100096"/>
+              <a:ext cx="8880123" cy="2123658"/>
+            </a:xfrm>
+            <a:prstGeom prst="rect">
+              <a:avLst/>
+            </a:prstGeom>
+            <a:noFill/>
+          </p:spPr>
+          <p:txBody>
+            <a:bodyPr wrap="none" rtlCol="0">
+              <a:spAutoFit/>
+            </a:bodyPr>
+            <a:lstStyle/>
+            <a:p>
+              <a:pPr algn="ctr"/>
+              <a:r>
+                <a:rPr lang="en-US" sz="6600" dirty="0"/>
+                <a:t>Generate Patient-Specific</a:t>
+              </a:r>
+            </a:p>
+            <a:p>
+              <a:pPr algn="ctr"/>
+              <a:r>
+                <a:rPr lang="en-US" sz="6600" dirty="0"/>
+                <a:t>RT Structures</a:t>
+              </a:r>
+            </a:p>
+          </p:txBody>
+        </p:sp>
+        <p:sp>
+          <p:nvSpPr>
+            <p:cNvPr id="18" name="Arrow: Down 17">
+              <a:extLst>
+                <a:ext uri="{FF2B5EF4-FFF2-40B4-BE49-F238E27FC236}">
+                  <a16:creationId xmlns:a16="http://schemas.microsoft.com/office/drawing/2014/main" id="{0E7D1753-61D4-19B4-56FB-70DF9AEEBEAC}"/>
                 </a:ext>
               </a:extLst>
             </p:cNvPr>
@@ -5162,11 +4855,392 @@
             <p:nvPr/>
           </p:nvSpPr>
           <p:spPr>
-            <a:xfrm rot="16200000" flipH="1" flipV="1">
-              <a:off x="22672288" y="14221872"/>
-              <a:ext cx="3295074" cy="2700511"/>
+            <a:xfrm rot="16200000">
+              <a:off x="33285313" y="14846843"/>
+              <a:ext cx="1519327" cy="1819268"/>
             </a:xfrm>
-            <a:prstGeom prst="bentUpArrow">
+            <a:prstGeom prst="downArrow">
+              <a:avLst/>
+            </a:prstGeom>
+          </p:spPr>
+          <p:style>
+            <a:lnRef idx="2">
+              <a:schemeClr val="accent1">
+                <a:shade val="50000"/>
+              </a:schemeClr>
+            </a:lnRef>
+            <a:fillRef idx="1">
+              <a:schemeClr val="accent1"/>
+            </a:fillRef>
+            <a:effectRef idx="0">
+              <a:schemeClr val="accent1"/>
+            </a:effectRef>
+            <a:fontRef idx="minor">
+              <a:schemeClr val="lt1"/>
+            </a:fontRef>
+          </p:style>
+          <p:txBody>
+            <a:bodyPr rtlCol="0" anchor="ctr"/>
+            <a:lstStyle/>
+            <a:p>
+              <a:pPr algn="ctr"/>
+              <a:endParaRPr lang="en-US"/>
+            </a:p>
+          </p:txBody>
+        </p:sp>
+        <p:pic>
+          <p:nvPicPr>
+            <p:cNvPr id="26" name="Graphic 25" descr="Computer outline">
+              <a:extLst>
+                <a:ext uri="{FF2B5EF4-FFF2-40B4-BE49-F238E27FC236}">
+                  <a16:creationId xmlns:a16="http://schemas.microsoft.com/office/drawing/2014/main" id="{13AF99E1-76F2-069E-2D9B-FB57AF321916}"/>
+                </a:ext>
+              </a:extLst>
+            </p:cNvPr>
+            <p:cNvPicPr>
+              <a:picLocks noChangeAspect="1"/>
+            </p:cNvPicPr>
+            <p:nvPr/>
+          </p:nvPicPr>
+          <p:blipFill>
+            <a:blip r:embed="rId7">
+              <a:extLst>
+                <a:ext uri="{28A0092B-C50C-407E-A947-70E740481C1C}">
+                  <a14:useLocalDpi xmlns:a14="http://schemas.microsoft.com/office/drawing/2010/main" val="0"/>
+                </a:ext>
+                <a:ext uri="{96DAC541-7B7A-43D3-8B79-37D633B846F1}">
+                  <asvg:svgBlip xmlns:asvg="http://schemas.microsoft.com/office/drawing/2016/SVG/main" r:embed="rId8"/>
+                </a:ext>
+              </a:extLst>
+            </a:blip>
+            <a:stretch>
+              <a:fillRect/>
+            </a:stretch>
+          </p:blipFill>
+          <p:spPr>
+            <a:xfrm>
+              <a:off x="27011285" y="5105122"/>
+              <a:ext cx="5905500" cy="5905500"/>
+            </a:xfrm>
+            <a:prstGeom prst="rect">
+              <a:avLst/>
+            </a:prstGeom>
+          </p:spPr>
+        </p:pic>
+        <p:pic>
+          <p:nvPicPr>
+            <p:cNvPr id="30" name="Picture 1">
+              <a:extLst>
+                <a:ext uri="{FF2B5EF4-FFF2-40B4-BE49-F238E27FC236}">
+                  <a16:creationId xmlns:a16="http://schemas.microsoft.com/office/drawing/2014/main" id="{3067A3F3-1F78-553A-052C-94029F8704C9}"/>
+                </a:ext>
+              </a:extLst>
+            </p:cNvPr>
+            <p:cNvPicPr>
+              <a:picLocks noChangeAspect="1" noChangeArrowheads="1"/>
+            </p:cNvPicPr>
+            <p:nvPr/>
+          </p:nvPicPr>
+          <p:blipFill rotWithShape="1">
+            <a:blip r:embed="rId2">
+              <a:extLst>
+                <a:ext uri="{28A0092B-C50C-407E-A947-70E740481C1C}">
+                  <a14:useLocalDpi xmlns:a14="http://schemas.microsoft.com/office/drawing/2010/main" val="0"/>
+                </a:ext>
+              </a:extLst>
+            </a:blip>
+            <a:srcRect l="41390" t="69161" r="44919" b="1704"/>
+            <a:stretch/>
+          </p:blipFill>
+          <p:spPr bwMode="auto">
+            <a:xfrm>
+              <a:off x="17136787" y="15641751"/>
+              <a:ext cx="5549249" cy="2605774"/>
+            </a:xfrm>
+            <a:prstGeom prst="rect">
+              <a:avLst/>
+            </a:prstGeom>
+            <a:noFill/>
+            <a:ln>
+              <a:noFill/>
+            </a:ln>
+            <a:extLst>
+              <a:ext uri="{909E8E84-426E-40DD-AFC4-6F175D3DCCD1}">
+                <a14:hiddenFill xmlns:a14="http://schemas.microsoft.com/office/drawing/2010/main">
+                  <a:solidFill>
+                    <a:srgbClr val="FFFFFF"/>
+                  </a:solidFill>
+                </a14:hiddenFill>
+              </a:ext>
+              <a:ext uri="{91240B29-F687-4F45-9708-019B960494DF}">
+                <a14:hiddenLine xmlns:a14="http://schemas.microsoft.com/office/drawing/2010/main" w="9525">
+                  <a:solidFill>
+                    <a:srgbClr val="000000"/>
+                  </a:solidFill>
+                  <a:miter lim="800000"/>
+                  <a:headEnd/>
+                  <a:tailEnd/>
+                </a14:hiddenLine>
+              </a:ext>
+            </a:extLst>
+          </p:spPr>
+        </p:pic>
+        <p:sp>
+          <p:nvSpPr>
+            <p:cNvPr id="31" name="Arrow: Down 30">
+              <a:extLst>
+                <a:ext uri="{FF2B5EF4-FFF2-40B4-BE49-F238E27FC236}">
+                  <a16:creationId xmlns:a16="http://schemas.microsoft.com/office/drawing/2014/main" id="{D10E5DE9-8FA4-8117-5986-B3C5440E16D5}"/>
+                </a:ext>
+              </a:extLst>
+            </p:cNvPr>
+            <p:cNvSpPr/>
+            <p:nvPr/>
+          </p:nvSpPr>
+          <p:spPr>
+            <a:xfrm rot="16200000">
+              <a:off x="15776092" y="12653966"/>
+              <a:ext cx="1519327" cy="1819268"/>
+            </a:xfrm>
+            <a:prstGeom prst="downArrow">
+              <a:avLst/>
+            </a:prstGeom>
+          </p:spPr>
+          <p:style>
+            <a:lnRef idx="2">
+              <a:schemeClr val="accent1">
+                <a:shade val="50000"/>
+              </a:schemeClr>
+            </a:lnRef>
+            <a:fillRef idx="1">
+              <a:schemeClr val="accent1"/>
+            </a:fillRef>
+            <a:effectRef idx="0">
+              <a:schemeClr val="accent1"/>
+            </a:effectRef>
+            <a:fontRef idx="minor">
+              <a:schemeClr val="lt1"/>
+            </a:fontRef>
+          </p:style>
+          <p:txBody>
+            <a:bodyPr rtlCol="0" anchor="ctr"/>
+            <a:lstStyle/>
+            <a:p>
+              <a:pPr algn="ctr"/>
+              <a:endParaRPr lang="en-US"/>
+            </a:p>
+          </p:txBody>
+        </p:sp>
+        <p:pic>
+          <p:nvPicPr>
+            <p:cNvPr id="33" name="Graphic 32" descr="Clipboard Checked with solid fill">
+              <a:extLst>
+                <a:ext uri="{FF2B5EF4-FFF2-40B4-BE49-F238E27FC236}">
+                  <a16:creationId xmlns:a16="http://schemas.microsoft.com/office/drawing/2014/main" id="{854B77DB-AE0A-2385-8639-165E369828EC}"/>
+                </a:ext>
+              </a:extLst>
+            </p:cNvPr>
+            <p:cNvPicPr>
+              <a:picLocks noChangeAspect="1"/>
+            </p:cNvPicPr>
+            <p:nvPr/>
+          </p:nvPicPr>
+          <p:blipFill>
+            <a:blip r:embed="rId9">
+              <a:extLst>
+                <a:ext uri="{28A0092B-C50C-407E-A947-70E740481C1C}">
+                  <a14:useLocalDpi xmlns:a14="http://schemas.microsoft.com/office/drawing/2010/main" val="0"/>
+                </a:ext>
+                <a:ext uri="{96DAC541-7B7A-43D3-8B79-37D633B846F1}">
+                  <asvg:svgBlip xmlns:asvg="http://schemas.microsoft.com/office/drawing/2016/SVG/main" r:embed="rId10"/>
+                </a:ext>
+              </a:extLst>
+            </a:blip>
+            <a:stretch>
+              <a:fillRect/>
+            </a:stretch>
+          </p:blipFill>
+          <p:spPr>
+            <a:xfrm>
+              <a:off x="17398663" y="10646608"/>
+              <a:ext cx="4995143" cy="4995143"/>
+            </a:xfrm>
+            <a:prstGeom prst="rect">
+              <a:avLst/>
+            </a:prstGeom>
+          </p:spPr>
+        </p:pic>
+        <p:pic>
+          <p:nvPicPr>
+            <p:cNvPr id="51" name="Picture 50">
+              <a:extLst>
+                <a:ext uri="{FF2B5EF4-FFF2-40B4-BE49-F238E27FC236}">
+                  <a16:creationId xmlns:a16="http://schemas.microsoft.com/office/drawing/2014/main" id="{58FA9FF0-0FA8-8F2C-7A47-C1DACB93FCEB}"/>
+                </a:ext>
+              </a:extLst>
+            </p:cNvPr>
+            <p:cNvPicPr>
+              <a:picLocks noChangeAspect="1"/>
+            </p:cNvPicPr>
+            <p:nvPr/>
+          </p:nvPicPr>
+          <p:blipFill>
+            <a:blip r:embed="rId11"/>
+            <a:stretch>
+              <a:fillRect/>
+            </a:stretch>
+          </p:blipFill>
+          <p:spPr>
+            <a:xfrm>
+              <a:off x="36308065" y="13193799"/>
+              <a:ext cx="3891612" cy="4589230"/>
+            </a:xfrm>
+            <a:prstGeom prst="rect">
+              <a:avLst/>
+            </a:prstGeom>
+          </p:spPr>
+        </p:pic>
+        <p:grpSp>
+          <p:nvGrpSpPr>
+            <p:cNvPr id="54" name="Group 53">
+              <a:extLst>
+                <a:ext uri="{FF2B5EF4-FFF2-40B4-BE49-F238E27FC236}">
+                  <a16:creationId xmlns:a16="http://schemas.microsoft.com/office/drawing/2014/main" id="{783BB0BE-7222-D4B5-8678-492E06900DD6}"/>
+                </a:ext>
+              </a:extLst>
+            </p:cNvPr>
+            <p:cNvGrpSpPr/>
+            <p:nvPr/>
+          </p:nvGrpSpPr>
+          <p:grpSpPr>
+            <a:xfrm>
+              <a:off x="23731569" y="8731569"/>
+              <a:ext cx="2700511" cy="7798797"/>
+              <a:chOff x="22969569" y="8731569"/>
+              <a:chExt cx="2700511" cy="7798797"/>
+            </a:xfrm>
+          </p:grpSpPr>
+          <p:sp>
+            <p:nvSpPr>
+              <p:cNvPr id="52" name="Arrow: Bent-Up 51">
+                <a:extLst>
+                  <a:ext uri="{FF2B5EF4-FFF2-40B4-BE49-F238E27FC236}">
+                    <a16:creationId xmlns:a16="http://schemas.microsoft.com/office/drawing/2014/main" id="{E898749D-DAC1-BDC2-E8FE-177214C0EA08}"/>
+                  </a:ext>
+                </a:extLst>
+              </p:cNvPr>
+              <p:cNvSpPr/>
+              <p:nvPr/>
+            </p:nvSpPr>
+            <p:spPr>
+              <a:xfrm rot="16200000" flipV="1">
+                <a:off x="21700561" y="10000577"/>
+                <a:ext cx="5238528" cy="2700511"/>
+              </a:xfrm>
+              <a:prstGeom prst="bentUpArrow">
+                <a:avLst/>
+              </a:prstGeom>
+              <a:ln>
+                <a:noFill/>
+              </a:ln>
+            </p:spPr>
+            <p:style>
+              <a:lnRef idx="2">
+                <a:schemeClr val="accent1">
+                  <a:shade val="50000"/>
+                </a:schemeClr>
+              </a:lnRef>
+              <a:fillRef idx="1">
+                <a:schemeClr val="accent1"/>
+              </a:fillRef>
+              <a:effectRef idx="0">
+                <a:schemeClr val="accent1"/>
+              </a:effectRef>
+              <a:fontRef idx="minor">
+                <a:schemeClr val="lt1"/>
+              </a:fontRef>
+            </p:style>
+            <p:txBody>
+              <a:bodyPr rtlCol="0" anchor="ctr"/>
+              <a:lstStyle/>
+              <a:p>
+                <a:pPr algn="ctr"/>
+                <a:endParaRPr lang="en-US"/>
+              </a:p>
+            </p:txBody>
+          </p:sp>
+          <p:sp>
+            <p:nvSpPr>
+              <p:cNvPr id="53" name="Arrow: Bent-Up 52">
+                <a:extLst>
+                  <a:ext uri="{FF2B5EF4-FFF2-40B4-BE49-F238E27FC236}">
+                    <a16:creationId xmlns:a16="http://schemas.microsoft.com/office/drawing/2014/main" id="{1132AD38-4A94-37CC-9651-EE74E268441E}"/>
+                  </a:ext>
+                </a:extLst>
+              </p:cNvPr>
+              <p:cNvSpPr/>
+              <p:nvPr/>
+            </p:nvSpPr>
+            <p:spPr>
+              <a:xfrm rot="16200000" flipH="1" flipV="1">
+                <a:off x="23016937" y="13877223"/>
+                <a:ext cx="2605775" cy="2700511"/>
+              </a:xfrm>
+              <a:prstGeom prst="bentUpArrow">
+                <a:avLst>
+                  <a:gd name="adj1" fmla="val 25731"/>
+                  <a:gd name="adj2" fmla="val 25000"/>
+                  <a:gd name="adj3" fmla="val 25000"/>
+                </a:avLst>
+              </a:prstGeom>
+              <a:ln>
+                <a:noFill/>
+              </a:ln>
+            </p:spPr>
+            <p:style>
+              <a:lnRef idx="2">
+                <a:schemeClr val="accent1">
+                  <a:shade val="50000"/>
+                </a:schemeClr>
+              </a:lnRef>
+              <a:fillRef idx="1">
+                <a:schemeClr val="accent1"/>
+              </a:fillRef>
+              <a:effectRef idx="0">
+                <a:schemeClr val="accent1"/>
+              </a:effectRef>
+              <a:fontRef idx="minor">
+                <a:schemeClr val="lt1"/>
+              </a:fontRef>
+            </p:style>
+            <p:txBody>
+              <a:bodyPr rtlCol="0" anchor="ctr"/>
+              <a:lstStyle/>
+              <a:p>
+                <a:pPr algn="ctr"/>
+                <a:endParaRPr lang="en-US"/>
+              </a:p>
+            </p:txBody>
+          </p:sp>
+        </p:grpSp>
+        <p:sp>
+          <p:nvSpPr>
+            <p:cNvPr id="55" name="Rectangle 54">
+              <a:extLst>
+                <a:ext uri="{FF2B5EF4-FFF2-40B4-BE49-F238E27FC236}">
+                  <a16:creationId xmlns:a16="http://schemas.microsoft.com/office/drawing/2014/main" id="{21796DFF-23E8-2C64-5DF8-0F1E3FD82385}"/>
+                </a:ext>
+              </a:extLst>
+            </p:cNvPr>
+            <p:cNvSpPr/>
+            <p:nvPr/>
+          </p:nvSpPr>
+          <p:spPr>
+            <a:xfrm>
+              <a:off x="22445632" y="12653271"/>
+              <a:ext cx="1285937" cy="910329"/>
+            </a:xfrm>
+            <a:prstGeom prst="rect">
               <a:avLst/>
             </a:prstGeom>
             <a:ln>
@@ -5199,55 +5273,6 @@
           </p:txBody>
         </p:sp>
       </p:grpSp>
-      <p:sp>
-        <p:nvSpPr>
-          <p:cNvPr id="55" name="Rectangle 54">
-            <a:extLst>
-              <a:ext uri="{FF2B5EF4-FFF2-40B4-BE49-F238E27FC236}">
-                <a16:creationId xmlns:a16="http://schemas.microsoft.com/office/drawing/2014/main" id="{21796DFF-23E8-2C64-5DF8-0F1E3FD82385}"/>
-              </a:ext>
-            </a:extLst>
-          </p:cNvPr>
-          <p:cNvSpPr/>
-          <p:nvPr/>
-        </p:nvSpPr>
-        <p:spPr>
-          <a:xfrm>
-            <a:off x="22445632" y="12653271"/>
-            <a:ext cx="1285937" cy="910329"/>
-          </a:xfrm>
-          <a:prstGeom prst="rect">
-            <a:avLst/>
-          </a:prstGeom>
-          <a:ln>
-            <a:noFill/>
-          </a:ln>
-        </p:spPr>
-        <p:style>
-          <a:lnRef idx="2">
-            <a:schemeClr val="accent1">
-              <a:shade val="50000"/>
-            </a:schemeClr>
-          </a:lnRef>
-          <a:fillRef idx="1">
-            <a:schemeClr val="accent1"/>
-          </a:fillRef>
-          <a:effectRef idx="0">
-            <a:schemeClr val="accent1"/>
-          </a:effectRef>
-          <a:fontRef idx="minor">
-            <a:schemeClr val="lt1"/>
-          </a:fontRef>
-        </p:style>
-        <p:txBody>
-          <a:bodyPr rtlCol="0" anchor="ctr"/>
-          <a:lstStyle/>
-          <a:p>
-            <a:pPr algn="ctr"/>
-            <a:endParaRPr lang="en-US"/>
-          </a:p>
-        </p:txBody>
-      </p:sp>
     </p:spTree>
     <p:extLst>
       <p:ext uri="{BB962C8B-B14F-4D97-AF65-F5344CB8AC3E}">
@@ -5960,57 +5985,12 @@
           <a:chExt cx="0" cy="0"/>
         </a:xfrm>
       </p:grpSpPr>
-      <p:cxnSp>
-        <p:nvCxnSpPr>
-          <p:cNvPr id="7" name="Connector: Curved 6">
+      <p:grpSp>
+        <p:nvGrpSpPr>
+          <p:cNvPr id="3" name="Group 2">
             <a:extLst>
               <a:ext uri="{FF2B5EF4-FFF2-40B4-BE49-F238E27FC236}">
-                <a16:creationId xmlns:a16="http://schemas.microsoft.com/office/drawing/2014/main" id="{ABCC4F6C-4B26-EF34-D416-24121EA9FA90}"/>
-              </a:ext>
-            </a:extLst>
-          </p:cNvPr>
-          <p:cNvCxnSpPr>
-            <a:cxnSpLocks/>
-            <a:stCxn id="10" idx="3"/>
-            <a:endCxn id="30" idx="1"/>
-          </p:cNvCxnSpPr>
-          <p:nvPr/>
-        </p:nvCxnSpPr>
-        <p:spPr>
-          <a:xfrm flipV="1">
-            <a:off x="10498850" y="10106072"/>
-            <a:ext cx="2476703" cy="6736040"/>
-          </a:xfrm>
-          <a:prstGeom prst="curvedConnector3">
-            <a:avLst>
-              <a:gd name="adj1" fmla="val 50000"/>
-            </a:avLst>
-          </a:prstGeom>
-          <a:ln w="295275">
-            <a:tailEnd type="triangle"/>
-          </a:ln>
-        </p:spPr>
-        <p:style>
-          <a:lnRef idx="1">
-            <a:schemeClr val="accent1"/>
-          </a:lnRef>
-          <a:fillRef idx="0">
-            <a:schemeClr val="accent1"/>
-          </a:fillRef>
-          <a:effectRef idx="0">
-            <a:schemeClr val="accent1"/>
-          </a:effectRef>
-          <a:fontRef idx="minor">
-            <a:schemeClr val="tx1"/>
-          </a:fontRef>
-        </p:style>
-      </p:cxnSp>
-      <p:grpSp>
-        <p:nvGrpSpPr>
-          <p:cNvPr id="19" name="Group 18">
-            <a:extLst>
-              <a:ext uri="{FF2B5EF4-FFF2-40B4-BE49-F238E27FC236}">
-                <a16:creationId xmlns:a16="http://schemas.microsoft.com/office/drawing/2014/main" id="{ED08E848-004F-B723-B35D-8EF820DFF055}"/>
+                <a16:creationId xmlns:a16="http://schemas.microsoft.com/office/drawing/2014/main" id="{5711DB53-5B28-7D05-2D18-5CA64805D3A5}"/>
               </a:ext>
             </a:extLst>
           </p:cNvPr>
@@ -6019,320 +5999,63 @@
         </p:nvGrpSpPr>
         <p:grpSpPr>
           <a:xfrm>
-            <a:off x="1196600" y="11967923"/>
-            <a:ext cx="9302250" cy="8068153"/>
-            <a:chOff x="674983" y="15868369"/>
-            <a:chExt cx="12888250" cy="11204751"/>
+            <a:off x="1196600" y="5666789"/>
+            <a:ext cx="41631424" cy="23859860"/>
+            <a:chOff x="1196600" y="5666789"/>
+            <a:chExt cx="41631424" cy="23859860"/>
           </a:xfrm>
         </p:grpSpPr>
-        <p:sp>
-          <p:nvSpPr>
-            <p:cNvPr id="8" name="TextBox 7">
+        <p:cxnSp>
+          <p:nvCxnSpPr>
+            <p:cNvPr id="7" name="Connector: Curved 6">
               <a:extLst>
                 <a:ext uri="{FF2B5EF4-FFF2-40B4-BE49-F238E27FC236}">
-                  <a16:creationId xmlns:a16="http://schemas.microsoft.com/office/drawing/2014/main" id="{6838143F-DFC9-046C-29D2-0F2F534ED7CB}"/>
+                  <a16:creationId xmlns:a16="http://schemas.microsoft.com/office/drawing/2014/main" id="{ABCC4F6C-4B26-EF34-D416-24121EA9FA90}"/>
                 </a:ext>
               </a:extLst>
             </p:cNvPr>
-            <p:cNvSpPr txBox="1"/>
+            <p:cNvCxnSpPr>
+              <a:cxnSpLocks/>
+              <a:stCxn id="10" idx="3"/>
+              <a:endCxn id="30" idx="1"/>
+            </p:cNvCxnSpPr>
             <p:nvPr/>
-          </p:nvSpPr>
+          </p:nvCxnSpPr>
           <p:spPr>
-            <a:xfrm>
-              <a:off x="764800" y="15868369"/>
-              <a:ext cx="8199698" cy="1068571"/>
+            <a:xfrm flipV="1">
+              <a:off x="10498850" y="10106072"/>
+              <a:ext cx="2476703" cy="6736040"/>
             </a:xfrm>
-            <a:prstGeom prst="rect">
-              <a:avLst/>
+            <a:prstGeom prst="curvedConnector3">
+              <a:avLst>
+                <a:gd name="adj1" fmla="val 50000"/>
+              </a:avLst>
             </a:prstGeom>
-            <a:noFill/>
+            <a:ln w="295275">
+              <a:tailEnd type="triangle"/>
+            </a:ln>
           </p:spPr>
-          <p:txBody>
-            <a:bodyPr wrap="none" rtlCol="0">
-              <a:spAutoFit/>
-            </a:bodyPr>
-            <a:lstStyle/>
-            <a:p>
-              <a:pPr algn="ctr"/>
-              <a:r>
-                <a:rPr lang="en-US" sz="4400" dirty="0"/>
-                <a:t>Installation of Program</a:t>
-              </a:r>
-            </a:p>
-          </p:txBody>
-        </p:sp>
-        <p:sp>
-          <p:nvSpPr>
-            <p:cNvPr id="9" name="TextBox 8">
+          <p:style>
+            <a:lnRef idx="1">
+              <a:schemeClr val="accent1"/>
+            </a:lnRef>
+            <a:fillRef idx="0">
+              <a:schemeClr val="accent1"/>
+            </a:fillRef>
+            <a:effectRef idx="0">
+              <a:schemeClr val="accent1"/>
+            </a:effectRef>
+            <a:fontRef idx="minor">
+              <a:schemeClr val="tx1"/>
+            </a:fontRef>
+          </p:style>
+        </p:cxnSp>
+        <p:grpSp>
+          <p:nvGrpSpPr>
+            <p:cNvPr id="19" name="Group 18">
               <a:extLst>
                 <a:ext uri="{FF2B5EF4-FFF2-40B4-BE49-F238E27FC236}">
-                  <a16:creationId xmlns:a16="http://schemas.microsoft.com/office/drawing/2014/main" id="{65EABC2F-CE30-5EEA-5A7C-15C52A5E36C8}"/>
-                </a:ext>
-              </a:extLst>
-            </p:cNvPr>
-            <p:cNvSpPr txBox="1"/>
-            <p:nvPr/>
-          </p:nvSpPr>
-          <p:spPr>
-            <a:xfrm>
-              <a:off x="764801" y="16838563"/>
-              <a:ext cx="11735872" cy="1154058"/>
-            </a:xfrm>
-            <a:prstGeom prst="rect">
-              <a:avLst/>
-            </a:prstGeom>
-            <a:noFill/>
-          </p:spPr>
-          <p:txBody>
-            <a:bodyPr wrap="square" rtlCol="0">
-              <a:spAutoFit/>
-            </a:bodyPr>
-            <a:lstStyle/>
-            <a:p>
-              <a:r>
-                <a:rPr lang="en-US" sz="2400" dirty="0"/>
-                <a:t>Program is installed from the publicly available website:  </a:t>
-              </a:r>
-              <a:r>
-                <a:rPr lang="en-US" sz="2400" dirty="0">
-                  <a:hlinkClick r:id="rId2"/>
-                </a:rPr>
-                <a:t>https://github.com/brianmanderson/DicomTemplateMakerCSharp</a:t>
-              </a:r>
-              <a:r>
-                <a:rPr lang="en-US" sz="2400" dirty="0"/>
-                <a:t> </a:t>
-              </a:r>
-            </a:p>
-          </p:txBody>
-        </p:sp>
-        <p:pic>
-          <p:nvPicPr>
-            <p:cNvPr id="10" name="Picture 9">
-              <a:extLst>
-                <a:ext uri="{FF2B5EF4-FFF2-40B4-BE49-F238E27FC236}">
-                  <a16:creationId xmlns:a16="http://schemas.microsoft.com/office/drawing/2014/main" id="{B4DA80BC-7ADA-9A09-E027-7D8D56712BBF}"/>
-                </a:ext>
-              </a:extLst>
-            </p:cNvPr>
-            <p:cNvPicPr>
-              <a:picLocks noChangeAspect="1"/>
-            </p:cNvPicPr>
-            <p:nvPr/>
-          </p:nvPicPr>
-          <p:blipFill>
-            <a:blip r:embed="rId3"/>
-            <a:stretch>
-              <a:fillRect/>
-            </a:stretch>
-          </p:blipFill>
-          <p:spPr>
-            <a:xfrm>
-              <a:off x="674983" y="18201802"/>
-              <a:ext cx="12888250" cy="8871318"/>
-            </a:xfrm>
-            <a:prstGeom prst="rect">
-              <a:avLst/>
-            </a:prstGeom>
-            <a:ln>
-              <a:solidFill>
-                <a:schemeClr val="tx1"/>
-              </a:solidFill>
-            </a:ln>
-          </p:spPr>
-        </p:pic>
-      </p:grpSp>
-      <p:cxnSp>
-        <p:nvCxnSpPr>
-          <p:cNvPr id="32" name="Connector: Curved 31">
-            <a:extLst>
-              <a:ext uri="{FF2B5EF4-FFF2-40B4-BE49-F238E27FC236}">
-                <a16:creationId xmlns:a16="http://schemas.microsoft.com/office/drawing/2014/main" id="{F10810D9-C466-1844-038B-9F6743617608}"/>
-              </a:ext>
-            </a:extLst>
-          </p:cNvPr>
-          <p:cNvCxnSpPr>
-            <a:cxnSpLocks/>
-            <a:stCxn id="30" idx="3"/>
-            <a:endCxn id="38" idx="0"/>
-          </p:cNvCxnSpPr>
-          <p:nvPr/>
-        </p:nvCxnSpPr>
-        <p:spPr>
-          <a:xfrm>
-            <a:off x="28235291" y="10106072"/>
-            <a:ext cx="4473585" cy="1305345"/>
-          </a:xfrm>
-          <a:prstGeom prst="curvedConnector2">
-            <a:avLst/>
-          </a:prstGeom>
-          <a:ln w="295275">
-            <a:tailEnd type="triangle"/>
-          </a:ln>
-        </p:spPr>
-        <p:style>
-          <a:lnRef idx="1">
-            <a:schemeClr val="accent1"/>
-          </a:lnRef>
-          <a:fillRef idx="0">
-            <a:schemeClr val="accent1"/>
-          </a:fillRef>
-          <a:effectRef idx="0">
-            <a:schemeClr val="accent1"/>
-          </a:effectRef>
-          <a:fontRef idx="minor">
-            <a:schemeClr val="tx1"/>
-          </a:fontRef>
-        </p:style>
-      </p:cxnSp>
-      <p:grpSp>
-        <p:nvGrpSpPr>
-          <p:cNvPr id="48" name="Group 47">
-            <a:extLst>
-              <a:ext uri="{FF2B5EF4-FFF2-40B4-BE49-F238E27FC236}">
-                <a16:creationId xmlns:a16="http://schemas.microsoft.com/office/drawing/2014/main" id="{4EF57C24-994C-470F-E723-2E13F2D063D4}"/>
-              </a:ext>
-            </a:extLst>
-          </p:cNvPr>
-          <p:cNvGrpSpPr/>
-          <p:nvPr/>
-        </p:nvGrpSpPr>
-        <p:grpSpPr>
-          <a:xfrm>
-            <a:off x="29967612" y="11411417"/>
-            <a:ext cx="12535372" cy="8012502"/>
-            <a:chOff x="16301900" y="8206510"/>
-            <a:chExt cx="15126645" cy="9656328"/>
-          </a:xfrm>
-        </p:grpSpPr>
-        <p:pic>
-          <p:nvPicPr>
-            <p:cNvPr id="35" name="Picture 34">
-              <a:extLst>
-                <a:ext uri="{FF2B5EF4-FFF2-40B4-BE49-F238E27FC236}">
-                  <a16:creationId xmlns:a16="http://schemas.microsoft.com/office/drawing/2014/main" id="{7CCBD6C5-1BD7-EBE8-3779-60E4ECE03987}"/>
-                </a:ext>
-              </a:extLst>
-            </p:cNvPr>
-            <p:cNvPicPr>
-              <a:picLocks noChangeAspect="1"/>
-            </p:cNvPicPr>
-            <p:nvPr/>
-          </p:nvPicPr>
-          <p:blipFill>
-            <a:blip r:embed="rId4"/>
-            <a:stretch>
-              <a:fillRect/>
-            </a:stretch>
-          </p:blipFill>
-          <p:spPr>
-            <a:xfrm>
-              <a:off x="16301900" y="10380307"/>
-              <a:ext cx="15126645" cy="7482531"/>
-            </a:xfrm>
-            <a:prstGeom prst="rect">
-              <a:avLst/>
-            </a:prstGeom>
-          </p:spPr>
-        </p:pic>
-        <p:sp>
-          <p:nvSpPr>
-            <p:cNvPr id="38" name="TextBox 37">
-              <a:extLst>
-                <a:ext uri="{FF2B5EF4-FFF2-40B4-BE49-F238E27FC236}">
-                  <a16:creationId xmlns:a16="http://schemas.microsoft.com/office/drawing/2014/main" id="{30BCC19D-8E7D-7239-7A54-0330049512AD}"/>
-                </a:ext>
-              </a:extLst>
-            </p:cNvPr>
-            <p:cNvSpPr txBox="1"/>
-            <p:nvPr/>
-          </p:nvSpPr>
-          <p:spPr>
-            <a:xfrm>
-              <a:off x="16301900" y="8206510"/>
-              <a:ext cx="6615858" cy="927298"/>
-            </a:xfrm>
-            <a:prstGeom prst="rect">
-              <a:avLst/>
-            </a:prstGeom>
-            <a:noFill/>
-          </p:spPr>
-          <p:txBody>
-            <a:bodyPr wrap="none" rtlCol="0">
-              <a:spAutoFit/>
-            </a:bodyPr>
-            <a:lstStyle/>
-            <a:p>
-              <a:pPr algn="ctr"/>
-              <a:r>
-                <a:rPr lang="en-US" sz="4400" dirty="0"/>
-                <a:t>Edit Regions of Interest</a:t>
-              </a:r>
-            </a:p>
-          </p:txBody>
-        </p:sp>
-        <p:sp>
-          <p:nvSpPr>
-            <p:cNvPr id="39" name="TextBox 38">
-              <a:extLst>
-                <a:ext uri="{FF2B5EF4-FFF2-40B4-BE49-F238E27FC236}">
-                  <a16:creationId xmlns:a16="http://schemas.microsoft.com/office/drawing/2014/main" id="{68878640-9795-2F0C-7A02-C44D34F6CC6F}"/>
-                </a:ext>
-              </a:extLst>
-            </p:cNvPr>
-            <p:cNvSpPr txBox="1"/>
-            <p:nvPr/>
-          </p:nvSpPr>
-          <p:spPr>
-            <a:xfrm>
-              <a:off x="16301900" y="9133809"/>
-              <a:ext cx="13223852" cy="1001482"/>
-            </a:xfrm>
-            <a:prstGeom prst="rect">
-              <a:avLst/>
-            </a:prstGeom>
-            <a:noFill/>
-          </p:spPr>
-          <p:txBody>
-            <a:bodyPr wrap="square" rtlCol="0">
-              <a:spAutoFit/>
-            </a:bodyPr>
-            <a:lstStyle/>
-            <a:p>
-              <a:r>
-                <a:rPr lang="en-US" sz="2400" dirty="0"/>
-                <a:t>Users can edit any ROI to match the preferences of their individual clinic. Including nomenclature/type/color/ontology </a:t>
-              </a:r>
-            </a:p>
-          </p:txBody>
-        </p:sp>
-      </p:grpSp>
-      <p:grpSp>
-        <p:nvGrpSpPr>
-          <p:cNvPr id="57" name="Group 56">
-            <a:extLst>
-              <a:ext uri="{FF2B5EF4-FFF2-40B4-BE49-F238E27FC236}">
-                <a16:creationId xmlns:a16="http://schemas.microsoft.com/office/drawing/2014/main" id="{486A8F41-BFA3-DCB9-AA2D-3E208B30D5B8}"/>
-              </a:ext>
-            </a:extLst>
-          </p:cNvPr>
-          <p:cNvGrpSpPr/>
-          <p:nvPr/>
-        </p:nvGrpSpPr>
-        <p:grpSpPr>
-          <a:xfrm>
-            <a:off x="12975553" y="5666789"/>
-            <a:ext cx="15259738" cy="7633247"/>
-            <a:chOff x="1039086" y="14936275"/>
-            <a:chExt cx="15259738" cy="7633247"/>
-          </a:xfrm>
-        </p:grpSpPr>
-        <p:grpSp>
-          <p:nvGrpSpPr>
-            <p:cNvPr id="18" name="Group 17">
-              <a:extLst>
-                <a:ext uri="{FF2B5EF4-FFF2-40B4-BE49-F238E27FC236}">
-                  <a16:creationId xmlns:a16="http://schemas.microsoft.com/office/drawing/2014/main" id="{00B2D55F-A639-0F1D-6091-39E941963249}"/>
+                  <a16:creationId xmlns:a16="http://schemas.microsoft.com/office/drawing/2014/main" id="{ED08E848-004F-B723-B35D-8EF820DFF055}"/>
                 </a:ext>
               </a:extLst>
             </p:cNvPr>
@@ -6341,48 +6064,18 @@
           </p:nvGrpSpPr>
           <p:grpSpPr>
             <a:xfrm>
-              <a:off x="1412895" y="16181594"/>
-              <a:ext cx="6758773" cy="6079860"/>
-              <a:chOff x="12258444" y="3351848"/>
-              <a:chExt cx="6758773" cy="6079860"/>
+              <a:off x="1196600" y="11967923"/>
+              <a:ext cx="9302250" cy="8068153"/>
+              <a:chOff x="674983" y="15868369"/>
+              <a:chExt cx="12888250" cy="11204751"/>
             </a:xfrm>
           </p:grpSpPr>
-          <p:pic>
-            <p:nvPicPr>
-              <p:cNvPr id="4" name="Picture 3">
+          <p:sp>
+            <p:nvSpPr>
+              <p:cNvPr id="8" name="TextBox 7">
                 <a:extLst>
                   <a:ext uri="{FF2B5EF4-FFF2-40B4-BE49-F238E27FC236}">
-                    <a16:creationId xmlns:a16="http://schemas.microsoft.com/office/drawing/2014/main" id="{25F0D43C-0ADE-3D50-5241-ED19D80F1210}"/>
-                  </a:ext>
-                </a:extLst>
-              </p:cNvPr>
-              <p:cNvPicPr>
-                <a:picLocks noChangeAspect="1"/>
-              </p:cNvPicPr>
-              <p:nvPr/>
-            </p:nvPicPr>
-            <p:blipFill>
-              <a:blip r:embed="rId5"/>
-              <a:stretch>
-                <a:fillRect/>
-              </a:stretch>
-            </p:blipFill>
-            <p:spPr>
-              <a:xfrm>
-                <a:off x="12405287" y="4912364"/>
-                <a:ext cx="6591987" cy="4519344"/>
-              </a:xfrm>
-              <a:prstGeom prst="rect">
-                <a:avLst/>
-              </a:prstGeom>
-            </p:spPr>
-          </p:pic>
-          <p:sp>
-            <p:nvSpPr>
-              <p:cNvPr id="5" name="TextBox 4">
-                <a:extLst>
-                  <a:ext uri="{FF2B5EF4-FFF2-40B4-BE49-F238E27FC236}">
-                    <a16:creationId xmlns:a16="http://schemas.microsoft.com/office/drawing/2014/main" id="{0707B448-4A40-A916-10EA-37C366007F01}"/>
+                    <a16:creationId xmlns:a16="http://schemas.microsoft.com/office/drawing/2014/main" id="{6838143F-DFC9-046C-29D2-0F2F534ED7CB}"/>
                   </a:ext>
                 </a:extLst>
               </p:cNvPr>
@@ -6391,8 +6084,8 @@
             </p:nvSpPr>
             <p:spPr>
               <a:xfrm>
-                <a:off x="12258444" y="3351848"/>
-                <a:ext cx="6758773" cy="769441"/>
+                <a:off x="764800" y="15868369"/>
+                <a:ext cx="8199698" cy="1068571"/>
               </a:xfrm>
               <a:prstGeom prst="rect">
                 <a:avLst/>
@@ -6408,17 +6101,17 @@
                 <a:pPr algn="ctr"/>
                 <a:r>
                   <a:rPr lang="en-US" sz="4400" dirty="0"/>
-                  <a:t>Download TG-263 Templates</a:t>
+                  <a:t>Installation of Program</a:t>
                 </a:r>
               </a:p>
             </p:txBody>
           </p:sp>
           <p:sp>
             <p:nvSpPr>
-              <p:cNvPr id="15" name="TextBox 14">
+              <p:cNvPr id="9" name="TextBox 8">
                 <a:extLst>
                   <a:ext uri="{FF2B5EF4-FFF2-40B4-BE49-F238E27FC236}">
-                    <a16:creationId xmlns:a16="http://schemas.microsoft.com/office/drawing/2014/main" id="{E4EF161E-0EA4-E867-5FE3-6D7F54B482D1}"/>
+                    <a16:creationId xmlns:a16="http://schemas.microsoft.com/office/drawing/2014/main" id="{65EABC2F-CE30-5EEA-5A7C-15C52A5E36C8}"/>
                   </a:ext>
                 </a:extLst>
               </p:cNvPr>
@@ -6427,8 +6120,8 @@
             </p:nvSpPr>
             <p:spPr>
               <a:xfrm>
-                <a:off x="12341837" y="4081367"/>
-                <a:ext cx="6591988" cy="830997"/>
+                <a:off x="764801" y="16838563"/>
+                <a:ext cx="11735872" cy="1154058"/>
               </a:xfrm>
               <a:prstGeom prst="rect">
                 <a:avLst/>
@@ -6443,238 +6136,106 @@
               <a:p>
                 <a:r>
                   <a:rPr lang="en-US" sz="2400" dirty="0"/>
-                  <a:t>A list of TG-263 compliant ROIs and templates are maintained and continually updated online</a:t>
+                  <a:t>Program is installed from the publicly available website:  </a:t>
+                </a:r>
+                <a:r>
+                  <a:rPr lang="en-US" sz="2400" dirty="0">
+                    <a:hlinkClick r:id="rId2"/>
+                  </a:rPr>
+                  <a:t>https://github.com/brianmanderson/DicomTemplateMakerCSharp</a:t>
+                </a:r>
+                <a:r>
+                  <a:rPr lang="en-US" sz="2400" dirty="0"/>
+                  <a:t> </a:t>
                 </a:r>
               </a:p>
             </p:txBody>
           </p:sp>
+          <p:pic>
+            <p:nvPicPr>
+              <p:cNvPr id="10" name="Picture 9">
+                <a:extLst>
+                  <a:ext uri="{FF2B5EF4-FFF2-40B4-BE49-F238E27FC236}">
+                    <a16:creationId xmlns:a16="http://schemas.microsoft.com/office/drawing/2014/main" id="{B4DA80BC-7ADA-9A09-E027-7D8D56712BBF}"/>
+                  </a:ext>
+                </a:extLst>
+              </p:cNvPr>
+              <p:cNvPicPr>
+                <a:picLocks noChangeAspect="1"/>
+              </p:cNvPicPr>
+              <p:nvPr/>
+            </p:nvPicPr>
+            <p:blipFill>
+              <a:blip r:embed="rId3"/>
+              <a:stretch>
+                <a:fillRect/>
+              </a:stretch>
+            </p:blipFill>
+            <p:spPr>
+              <a:xfrm>
+                <a:off x="674983" y="18201802"/>
+                <a:ext cx="12888250" cy="8871318"/>
+              </a:xfrm>
+              <a:prstGeom prst="rect">
+                <a:avLst/>
+              </a:prstGeom>
+              <a:ln>
+                <a:solidFill>
+                  <a:schemeClr val="tx1"/>
+                </a:solidFill>
+              </a:ln>
+            </p:spPr>
+          </p:pic>
         </p:grpSp>
-        <p:sp>
-          <p:nvSpPr>
-            <p:cNvPr id="23" name="TextBox 22">
+        <p:cxnSp>
+          <p:nvCxnSpPr>
+            <p:cNvPr id="32" name="Connector: Curved 31">
               <a:extLst>
                 <a:ext uri="{FF2B5EF4-FFF2-40B4-BE49-F238E27FC236}">
-                  <a16:creationId xmlns:a16="http://schemas.microsoft.com/office/drawing/2014/main" id="{9BB63E97-C5CC-BFAE-1F71-5E521B894CCC}"/>
+                  <a16:creationId xmlns:a16="http://schemas.microsoft.com/office/drawing/2014/main" id="{F10810D9-C466-1844-038B-9F6743617608}"/>
                 </a:ext>
               </a:extLst>
             </p:cNvPr>
-            <p:cNvSpPr txBox="1"/>
+            <p:cNvCxnSpPr>
+              <a:cxnSpLocks/>
+              <a:stCxn id="30" idx="3"/>
+              <a:endCxn id="38" idx="0"/>
+            </p:cNvCxnSpPr>
             <p:nvPr/>
-          </p:nvSpPr>
+          </p:nvCxnSpPr>
           <p:spPr>
             <a:xfrm>
-              <a:off x="8858402" y="16649761"/>
-              <a:ext cx="7288483" cy="1200329"/>
+              <a:off x="28235291" y="10106072"/>
+              <a:ext cx="4473585" cy="1305345"/>
             </a:xfrm>
-            <a:prstGeom prst="rect">
+            <a:prstGeom prst="curvedConnector2">
               <a:avLst/>
             </a:prstGeom>
-            <a:noFill/>
-          </p:spPr>
-          <p:txBody>
-            <a:bodyPr wrap="square" rtlCol="0">
-              <a:spAutoFit/>
-            </a:bodyPr>
-            <a:lstStyle/>
-            <a:p>
-              <a:r>
-                <a:rPr lang="en-US" sz="2400" dirty="0"/>
-                <a:t>Downloaded templates are grouped based on their names. Each template is composed of ROIs relevant to that treated site.</a:t>
-              </a:r>
-            </a:p>
-          </p:txBody>
-        </p:sp>
-        <p:sp>
-          <p:nvSpPr>
-            <p:cNvPr id="30" name="Rectangle 29">
-              <a:extLst>
-                <a:ext uri="{FF2B5EF4-FFF2-40B4-BE49-F238E27FC236}">
-                  <a16:creationId xmlns:a16="http://schemas.microsoft.com/office/drawing/2014/main" id="{4D474C8B-0DD7-BCFD-43BE-268E53226ADD}"/>
-                </a:ext>
-              </a:extLst>
-            </p:cNvPr>
-            <p:cNvSpPr/>
-            <p:nvPr/>
-          </p:nvSpPr>
-          <p:spPr>
-            <a:xfrm>
-              <a:off x="1039086" y="16181593"/>
-              <a:ext cx="15259738" cy="6387929"/>
-            </a:xfrm>
-            <a:prstGeom prst="rect">
-              <a:avLst/>
-            </a:prstGeom>
-            <a:noFill/>
-            <a:ln w="127000">
-              <a:solidFill>
-                <a:schemeClr val="tx1"/>
-              </a:solidFill>
+            <a:ln w="295275">
+              <a:tailEnd type="triangle"/>
             </a:ln>
           </p:spPr>
           <p:style>
-            <a:lnRef idx="2">
-              <a:schemeClr val="accent1">
-                <a:shade val="50000"/>
-              </a:schemeClr>
+            <a:lnRef idx="1">
+              <a:schemeClr val="accent1"/>
             </a:lnRef>
-            <a:fillRef idx="1">
+            <a:fillRef idx="0">
               <a:schemeClr val="accent1"/>
             </a:fillRef>
             <a:effectRef idx="0">
               <a:schemeClr val="accent1"/>
             </a:effectRef>
             <a:fontRef idx="minor">
-              <a:schemeClr val="lt1"/>
+              <a:schemeClr val="tx1"/>
             </a:fontRef>
           </p:style>
-          <p:txBody>
-            <a:bodyPr rtlCol="0" anchor="ctr"/>
-            <a:lstStyle/>
-            <a:p>
-              <a:pPr algn="ctr"/>
-              <a:endParaRPr lang="en-US" dirty="0"/>
-            </a:p>
-          </p:txBody>
-        </p:sp>
-        <p:sp>
-          <p:nvSpPr>
-            <p:cNvPr id="31" name="TextBox 30">
+        </p:cxnSp>
+        <p:grpSp>
+          <p:nvGrpSpPr>
+            <p:cNvPr id="48" name="Group 47">
               <a:extLst>
                 <a:ext uri="{FF2B5EF4-FFF2-40B4-BE49-F238E27FC236}">
-                  <a16:creationId xmlns:a16="http://schemas.microsoft.com/office/drawing/2014/main" id="{3C02151C-711F-5218-1570-0C73206EA138}"/>
-                </a:ext>
-              </a:extLst>
-            </p:cNvPr>
-            <p:cNvSpPr txBox="1"/>
-            <p:nvPr/>
-          </p:nvSpPr>
-          <p:spPr>
-            <a:xfrm>
-              <a:off x="5919159" y="14936275"/>
-              <a:ext cx="5286127" cy="861774"/>
-            </a:xfrm>
-            <a:prstGeom prst="rect">
-              <a:avLst/>
-            </a:prstGeom>
-            <a:noFill/>
-          </p:spPr>
-          <p:txBody>
-            <a:bodyPr wrap="none" rtlCol="0">
-              <a:spAutoFit/>
-            </a:bodyPr>
-            <a:lstStyle/>
-            <a:p>
-              <a:pPr algn="ctr"/>
-              <a:r>
-                <a:rPr lang="en-US" sz="5000" dirty="0"/>
-                <a:t>Populate Templates</a:t>
-              </a:r>
-            </a:p>
-          </p:txBody>
-        </p:sp>
-        <p:pic>
-          <p:nvPicPr>
-            <p:cNvPr id="44" name="Picture 43">
-              <a:extLst>
-                <a:ext uri="{FF2B5EF4-FFF2-40B4-BE49-F238E27FC236}">
-                  <a16:creationId xmlns:a16="http://schemas.microsoft.com/office/drawing/2014/main" id="{2B479CAA-75D3-EC74-5577-F4B24F784A35}"/>
-                </a:ext>
-              </a:extLst>
-            </p:cNvPr>
-            <p:cNvPicPr>
-              <a:picLocks noChangeAspect="1"/>
-            </p:cNvPicPr>
-            <p:nvPr/>
-          </p:nvPicPr>
-          <p:blipFill>
-            <a:blip r:embed="rId6"/>
-            <a:stretch>
-              <a:fillRect/>
-            </a:stretch>
-          </p:blipFill>
-          <p:spPr>
-            <a:xfrm>
-              <a:off x="8972722" y="17737211"/>
-              <a:ext cx="7162171" cy="4524243"/>
-            </a:xfrm>
-            <a:prstGeom prst="rect">
-              <a:avLst/>
-            </a:prstGeom>
-          </p:spPr>
-        </p:pic>
-        <p:sp>
-          <p:nvSpPr>
-            <p:cNvPr id="46" name="Arrow: Right 45">
-              <a:extLst>
-                <a:ext uri="{FF2B5EF4-FFF2-40B4-BE49-F238E27FC236}">
-                  <a16:creationId xmlns:a16="http://schemas.microsoft.com/office/drawing/2014/main" id="{7FE23984-8524-8664-0B5E-892A368BDB68}"/>
-                </a:ext>
-              </a:extLst>
-            </p:cNvPr>
-            <p:cNvSpPr/>
-            <p:nvPr/>
-          </p:nvSpPr>
-          <p:spPr>
-            <a:xfrm>
-              <a:off x="8215175" y="20001782"/>
-              <a:ext cx="694097" cy="600165"/>
-            </a:xfrm>
-            <a:prstGeom prst="rightArrow">
-              <a:avLst/>
-            </a:prstGeom>
-          </p:spPr>
-          <p:style>
-            <a:lnRef idx="2">
-              <a:schemeClr val="accent1">
-                <a:shade val="50000"/>
-              </a:schemeClr>
-            </a:lnRef>
-            <a:fillRef idx="1">
-              <a:schemeClr val="accent1"/>
-            </a:fillRef>
-            <a:effectRef idx="0">
-              <a:schemeClr val="accent1"/>
-            </a:effectRef>
-            <a:fontRef idx="minor">
-              <a:schemeClr val="lt1"/>
-            </a:fontRef>
-          </p:style>
-          <p:txBody>
-            <a:bodyPr rtlCol="0" anchor="ctr"/>
-            <a:lstStyle/>
-            <a:p>
-              <a:pPr algn="ctr"/>
-              <a:endParaRPr lang="en-US"/>
-            </a:p>
-          </p:txBody>
-        </p:sp>
-      </p:grpSp>
-      <p:grpSp>
-        <p:nvGrpSpPr>
-          <p:cNvPr id="20" name="Group 19">
-            <a:extLst>
-              <a:ext uri="{FF2B5EF4-FFF2-40B4-BE49-F238E27FC236}">
-                <a16:creationId xmlns:a16="http://schemas.microsoft.com/office/drawing/2014/main" id="{C5E60725-4406-778C-60E5-D4F5DB4FA5BF}"/>
-              </a:ext>
-            </a:extLst>
-          </p:cNvPr>
-          <p:cNvGrpSpPr/>
-          <p:nvPr/>
-        </p:nvGrpSpPr>
-        <p:grpSpPr>
-          <a:xfrm>
-            <a:off x="13696681" y="22082820"/>
-            <a:ext cx="7677150" cy="6779931"/>
-            <a:chOff x="31582241" y="3294477"/>
-            <a:chExt cx="7677150" cy="6779931"/>
-          </a:xfrm>
-        </p:grpSpPr>
-        <p:grpSp>
-          <p:nvGrpSpPr>
-            <p:cNvPr id="58" name="Group 57">
-              <a:extLst>
-                <a:ext uri="{FF2B5EF4-FFF2-40B4-BE49-F238E27FC236}">
-                  <a16:creationId xmlns:a16="http://schemas.microsoft.com/office/drawing/2014/main" id="{CA39B1F1-B174-17A8-8D7C-63E9FBFCCEBD}"/>
+                  <a16:creationId xmlns:a16="http://schemas.microsoft.com/office/drawing/2014/main" id="{4EF57C24-994C-470F-E723-2E13F2D063D4}"/>
                 </a:ext>
               </a:extLst>
             </p:cNvPr>
@@ -6683,18 +6244,48 @@
           </p:nvGrpSpPr>
           <p:grpSpPr>
             <a:xfrm>
-              <a:off x="31582241" y="3294477"/>
-              <a:ext cx="7677150" cy="1818607"/>
-              <a:chOff x="16301901" y="8616220"/>
-              <a:chExt cx="7677150" cy="1818607"/>
+              <a:off x="29967612" y="11411417"/>
+              <a:ext cx="12535372" cy="8012502"/>
+              <a:chOff x="16301900" y="8206510"/>
+              <a:chExt cx="15126645" cy="9656328"/>
             </a:xfrm>
           </p:grpSpPr>
+          <p:pic>
+            <p:nvPicPr>
+              <p:cNvPr id="35" name="Picture 34">
+                <a:extLst>
+                  <a:ext uri="{FF2B5EF4-FFF2-40B4-BE49-F238E27FC236}">
+                    <a16:creationId xmlns:a16="http://schemas.microsoft.com/office/drawing/2014/main" id="{7CCBD6C5-1BD7-EBE8-3779-60E4ECE03987}"/>
+                  </a:ext>
+                </a:extLst>
+              </p:cNvPr>
+              <p:cNvPicPr>
+                <a:picLocks noChangeAspect="1"/>
+              </p:cNvPicPr>
+              <p:nvPr/>
+            </p:nvPicPr>
+            <p:blipFill>
+              <a:blip r:embed="rId4"/>
+              <a:stretch>
+                <a:fillRect/>
+              </a:stretch>
+            </p:blipFill>
+            <p:spPr>
+              <a:xfrm>
+                <a:off x="16301900" y="10380307"/>
+                <a:ext cx="15126645" cy="7482531"/>
+              </a:xfrm>
+              <a:prstGeom prst="rect">
+                <a:avLst/>
+              </a:prstGeom>
+            </p:spPr>
+          </p:pic>
           <p:sp>
             <p:nvSpPr>
-              <p:cNvPr id="60" name="TextBox 59">
+              <p:cNvPr id="38" name="TextBox 37">
                 <a:extLst>
                   <a:ext uri="{FF2B5EF4-FFF2-40B4-BE49-F238E27FC236}">
-                    <a16:creationId xmlns:a16="http://schemas.microsoft.com/office/drawing/2014/main" id="{292DB873-0062-773F-933E-EA05D44DF023}"/>
+                    <a16:creationId xmlns:a16="http://schemas.microsoft.com/office/drawing/2014/main" id="{30BCC19D-8E7D-7239-7A54-0330049512AD}"/>
                   </a:ext>
                 </a:extLst>
               </p:cNvPr>
@@ -6703,8 +6294,8 @@
             </p:nvSpPr>
             <p:spPr>
               <a:xfrm>
-                <a:off x="16301901" y="8616220"/>
-                <a:ext cx="6654065" cy="769441"/>
+                <a:off x="16301900" y="8206510"/>
+                <a:ext cx="6615858" cy="927298"/>
               </a:xfrm>
               <a:prstGeom prst="rect">
                 <a:avLst/>
@@ -6720,17 +6311,17 @@
                 <a:pPr algn="ctr"/>
                 <a:r>
                   <a:rPr lang="en-US" sz="4400" dirty="0"/>
-                  <a:t>Patient Specific RT Structure</a:t>
+                  <a:t>Edit Regions of Interest</a:t>
                 </a:r>
               </a:p>
             </p:txBody>
           </p:sp>
           <p:sp>
             <p:nvSpPr>
-              <p:cNvPr id="61" name="TextBox 60">
+              <p:cNvPr id="39" name="TextBox 38">
                 <a:extLst>
                   <a:ext uri="{FF2B5EF4-FFF2-40B4-BE49-F238E27FC236}">
-                    <a16:creationId xmlns:a16="http://schemas.microsoft.com/office/drawing/2014/main" id="{97C9F27D-92F3-C26C-0A59-17412CADAB7A}"/>
+                    <a16:creationId xmlns:a16="http://schemas.microsoft.com/office/drawing/2014/main" id="{68878640-9795-2F0C-7A02-C44D34F6CC6F}"/>
                   </a:ext>
                 </a:extLst>
               </p:cNvPr>
@@ -6739,8 +6330,8 @@
             </p:nvSpPr>
             <p:spPr>
               <a:xfrm>
-                <a:off x="16301901" y="9234498"/>
-                <a:ext cx="7677150" cy="1200329"/>
+                <a:off x="16301900" y="9133809"/>
+                <a:ext cx="13223852" cy="1001482"/>
               </a:xfrm>
               <a:prstGeom prst="rect">
                 <a:avLst/>
@@ -6755,114 +6346,18 @@
               <a:p>
                 <a:r>
                   <a:rPr lang="en-US" sz="2400" dirty="0"/>
-                  <a:t>Users can create patient-specific RT Structures by defining locations where DICOM will be present and required Series/Study Descriptions</a:t>
+                  <a:t>Users can edit any ROI to match the preferences of their individual clinic. Including nomenclature/type/color/ontology </a:t>
                 </a:r>
               </a:p>
             </p:txBody>
           </p:sp>
         </p:grpSp>
-        <p:pic>
-          <p:nvPicPr>
-            <p:cNvPr id="1024" name="Picture 1023">
+        <p:grpSp>
+          <p:nvGrpSpPr>
+            <p:cNvPr id="57" name="Group 56">
               <a:extLst>
                 <a:ext uri="{FF2B5EF4-FFF2-40B4-BE49-F238E27FC236}">
-                  <a16:creationId xmlns:a16="http://schemas.microsoft.com/office/drawing/2014/main" id="{99DAB8C1-6F8C-BE60-AE4B-3B82E2A50037}"/>
-                </a:ext>
-              </a:extLst>
-            </p:cNvPr>
-            <p:cNvPicPr>
-              <a:picLocks noChangeAspect="1"/>
-            </p:cNvPicPr>
-            <p:nvPr/>
-          </p:nvPicPr>
-          <p:blipFill>
-            <a:blip r:embed="rId7"/>
-            <a:stretch>
-              <a:fillRect/>
-            </a:stretch>
-          </p:blipFill>
-          <p:spPr>
-            <a:xfrm>
-              <a:off x="31582241" y="5254758"/>
-              <a:ext cx="7677150" cy="4819650"/>
-            </a:xfrm>
-            <a:prstGeom prst="rect">
-              <a:avLst/>
-            </a:prstGeom>
-          </p:spPr>
-        </p:pic>
-      </p:grpSp>
-      <p:cxnSp>
-        <p:nvCxnSpPr>
-          <p:cNvPr id="1055" name="Connector: Curved 1054">
-            <a:extLst>
-              <a:ext uri="{FF2B5EF4-FFF2-40B4-BE49-F238E27FC236}">
-                <a16:creationId xmlns:a16="http://schemas.microsoft.com/office/drawing/2014/main" id="{37C0B2B3-E46C-6F0C-A9F0-B54611D556A6}"/>
-              </a:ext>
-            </a:extLst>
-          </p:cNvPr>
-          <p:cNvCxnSpPr>
-            <a:cxnSpLocks/>
-            <a:stCxn id="35" idx="2"/>
-            <a:endCxn id="1052" idx="0"/>
-          </p:cNvCxnSpPr>
-          <p:nvPr/>
-        </p:nvCxnSpPr>
-        <p:spPr>
-          <a:xfrm rot="5400000">
-            <a:off x="34423354" y="19622517"/>
-            <a:ext cx="2010542" cy="1613346"/>
-          </a:xfrm>
-          <a:prstGeom prst="curvedConnector3">
-            <a:avLst>
-              <a:gd name="adj1" fmla="val 50000"/>
-            </a:avLst>
-          </a:prstGeom>
-          <a:ln w="295275">
-            <a:tailEnd type="triangle"/>
-          </a:ln>
-        </p:spPr>
-        <p:style>
-          <a:lnRef idx="1">
-            <a:schemeClr val="accent1"/>
-          </a:lnRef>
-          <a:fillRef idx="0">
-            <a:schemeClr val="accent1"/>
-          </a:fillRef>
-          <a:effectRef idx="0">
-            <a:schemeClr val="accent1"/>
-          </a:effectRef>
-          <a:fontRef idx="minor">
-            <a:schemeClr val="tx1"/>
-          </a:fontRef>
-        </p:style>
-      </p:cxnSp>
-      <p:grpSp>
-        <p:nvGrpSpPr>
-          <p:cNvPr id="1063" name="Group 1062">
-            <a:extLst>
-              <a:ext uri="{FF2B5EF4-FFF2-40B4-BE49-F238E27FC236}">
-                <a16:creationId xmlns:a16="http://schemas.microsoft.com/office/drawing/2014/main" id="{029D365E-535D-00F2-6408-EC0A058E294A}"/>
-              </a:ext>
-            </a:extLst>
-          </p:cNvPr>
-          <p:cNvGrpSpPr/>
-          <p:nvPr/>
-        </p:nvGrpSpPr>
-        <p:grpSpPr>
-          <a:xfrm>
-            <a:off x="26293619" y="21434461"/>
-            <a:ext cx="16534405" cy="8092188"/>
-            <a:chOff x="19333671" y="14266367"/>
-            <a:chExt cx="16534405" cy="8092188"/>
-          </a:xfrm>
-        </p:grpSpPr>
-        <p:grpSp>
-          <p:nvGrpSpPr>
-            <p:cNvPr id="1054" name="Group 1053">
-              <a:extLst>
-                <a:ext uri="{FF2B5EF4-FFF2-40B4-BE49-F238E27FC236}">
-                  <a16:creationId xmlns:a16="http://schemas.microsoft.com/office/drawing/2014/main" id="{3EE089B5-2FE9-4C71-B8E6-C92569B70D55}"/>
+                  <a16:creationId xmlns:a16="http://schemas.microsoft.com/office/drawing/2014/main" id="{486A8F41-BFA3-DCB9-AA2D-3E208B30D5B8}"/>
                 </a:ext>
               </a:extLst>
             </p:cNvPr>
@@ -6871,18 +6366,18 @@
           </p:nvGrpSpPr>
           <p:grpSpPr>
             <a:xfrm>
-              <a:off x="19562192" y="15295796"/>
-              <a:ext cx="6909164" cy="6688106"/>
-              <a:chOff x="19562192" y="15295796"/>
-              <a:chExt cx="6909164" cy="6688106"/>
+              <a:off x="12975553" y="5666789"/>
+              <a:ext cx="15259738" cy="7633247"/>
+              <a:chOff x="1039086" y="14936275"/>
+              <a:chExt cx="15259738" cy="7633247"/>
             </a:xfrm>
           </p:grpSpPr>
           <p:grpSp>
             <p:nvGrpSpPr>
-              <p:cNvPr id="1036" name="Group 1035">
+              <p:cNvPr id="18" name="Group 17">
                 <a:extLst>
                   <a:ext uri="{FF2B5EF4-FFF2-40B4-BE49-F238E27FC236}">
-                    <a16:creationId xmlns:a16="http://schemas.microsoft.com/office/drawing/2014/main" id="{A07AE1F1-1F0E-B37B-1EE2-1AFF61BCFD06}"/>
+                    <a16:creationId xmlns:a16="http://schemas.microsoft.com/office/drawing/2014/main" id="{00B2D55F-A639-0F1D-6091-39E941963249}"/>
                   </a:ext>
                 </a:extLst>
               </p:cNvPr>
@@ -6891,18 +6386,48 @@
             </p:nvGrpSpPr>
             <p:grpSpPr>
               <a:xfrm>
-                <a:off x="19562192" y="15295796"/>
-                <a:ext cx="6597338" cy="1970638"/>
-                <a:chOff x="1554388" y="15720468"/>
-                <a:chExt cx="6597338" cy="1970638"/>
+                <a:off x="1412895" y="16181594"/>
+                <a:ext cx="6758773" cy="6079860"/>
+                <a:chOff x="12258444" y="3351848"/>
+                <a:chExt cx="6758773" cy="6079860"/>
               </a:xfrm>
             </p:grpSpPr>
+            <p:pic>
+              <p:nvPicPr>
+                <p:cNvPr id="4" name="Picture 3">
+                  <a:extLst>
+                    <a:ext uri="{FF2B5EF4-FFF2-40B4-BE49-F238E27FC236}">
+                      <a16:creationId xmlns:a16="http://schemas.microsoft.com/office/drawing/2014/main" id="{25F0D43C-0ADE-3D50-5241-ED19D80F1210}"/>
+                    </a:ext>
+                  </a:extLst>
+                </p:cNvPr>
+                <p:cNvPicPr>
+                  <a:picLocks noChangeAspect="1"/>
+                </p:cNvPicPr>
+                <p:nvPr/>
+              </p:nvPicPr>
+              <p:blipFill>
+                <a:blip r:embed="rId5"/>
+                <a:stretch>
+                  <a:fillRect/>
+                </a:stretch>
+              </p:blipFill>
+              <p:spPr>
+                <a:xfrm>
+                  <a:off x="12405287" y="4912364"/>
+                  <a:ext cx="6591987" cy="4519344"/>
+                </a:xfrm>
+                <a:prstGeom prst="rect">
+                  <a:avLst/>
+                </a:prstGeom>
+              </p:spPr>
+            </p:pic>
             <p:sp>
               <p:nvSpPr>
-                <p:cNvPr id="1045" name="TextBox 1044">
+                <p:cNvPr id="5" name="TextBox 4">
                   <a:extLst>
                     <a:ext uri="{FF2B5EF4-FFF2-40B4-BE49-F238E27FC236}">
-                      <a16:creationId xmlns:a16="http://schemas.microsoft.com/office/drawing/2014/main" id="{DC95EEF5-06EB-DCCC-2F20-197615B3BED5}"/>
+                      <a16:creationId xmlns:a16="http://schemas.microsoft.com/office/drawing/2014/main" id="{0707B448-4A40-A916-10EA-37C366007F01}"/>
                     </a:ext>
                   </a:extLst>
                 </p:cNvPr>
@@ -6911,43 +6436,8 @@
               </p:nvSpPr>
               <p:spPr>
                 <a:xfrm>
-                  <a:off x="1559738" y="16490777"/>
-                  <a:ext cx="6591988" cy="1200329"/>
-                </a:xfrm>
-                <a:prstGeom prst="rect">
-                  <a:avLst/>
-                </a:prstGeom>
-                <a:noFill/>
-              </p:spPr>
-              <p:txBody>
-                <a:bodyPr wrap="square" rtlCol="0">
-                  <a:spAutoFit/>
-                </a:bodyPr>
-                <a:lstStyle/>
-                <a:p>
-                  <a:r>
-                    <a:rPr lang="en-US" sz="2400" dirty="0"/>
-                    <a:t>‘Create folder with loadable RTs’ will generate a folder with a loadable CT and a unique RT structure for each template.</a:t>
-                  </a:r>
-                </a:p>
-              </p:txBody>
-            </p:sp>
-            <p:sp>
-              <p:nvSpPr>
-                <p:cNvPr id="1040" name="TextBox 1039">
-                  <a:extLst>
-                    <a:ext uri="{FF2B5EF4-FFF2-40B4-BE49-F238E27FC236}">
-                      <a16:creationId xmlns:a16="http://schemas.microsoft.com/office/drawing/2014/main" id="{5EA53D62-3099-9EC6-8F86-A9659DAFABFD}"/>
-                    </a:ext>
-                  </a:extLst>
-                </p:cNvPr>
-                <p:cNvSpPr txBox="1"/>
-                <p:nvPr/>
-              </p:nvSpPr>
-              <p:spPr>
-                <a:xfrm>
-                  <a:off x="1554388" y="15720468"/>
-                  <a:ext cx="3247876" cy="769441"/>
+                  <a:off x="12258444" y="3351848"/>
+                  <a:ext cx="6758773" cy="769441"/>
                 </a:xfrm>
                 <a:prstGeom prst="rect">
                   <a:avLst/>
@@ -6963,99 +6453,53 @@
                   <a:pPr algn="ctr"/>
                   <a:r>
                     <a:rPr lang="en-US" sz="4400" dirty="0"/>
-                    <a:t>RT Structures</a:t>
+                    <a:t>Download TG-263 Templates</a:t>
+                  </a:r>
+                </a:p>
+              </p:txBody>
+            </p:sp>
+            <p:sp>
+              <p:nvSpPr>
+                <p:cNvPr id="15" name="TextBox 14">
+                  <a:extLst>
+                    <a:ext uri="{FF2B5EF4-FFF2-40B4-BE49-F238E27FC236}">
+                      <a16:creationId xmlns:a16="http://schemas.microsoft.com/office/drawing/2014/main" id="{E4EF161E-0EA4-E867-5FE3-6D7F54B482D1}"/>
+                    </a:ext>
+                  </a:extLst>
+                </p:cNvPr>
+                <p:cNvSpPr txBox="1"/>
+                <p:nvPr/>
+              </p:nvSpPr>
+              <p:spPr>
+                <a:xfrm>
+                  <a:off x="12341837" y="4081367"/>
+                  <a:ext cx="6591988" cy="830997"/>
+                </a:xfrm>
+                <a:prstGeom prst="rect">
+                  <a:avLst/>
+                </a:prstGeom>
+                <a:noFill/>
+              </p:spPr>
+              <p:txBody>
+                <a:bodyPr wrap="square" rtlCol="0">
+                  <a:spAutoFit/>
+                </a:bodyPr>
+                <a:lstStyle/>
+                <a:p>
+                  <a:r>
+                    <a:rPr lang="en-US" sz="2400" dirty="0"/>
+                    <a:t>A list of TG-263 compliant ROIs and templates are maintained and continually updated online</a:t>
                   </a:r>
                 </a:p>
               </p:txBody>
             </p:sp>
           </p:grpSp>
-          <p:pic>
-            <p:nvPicPr>
-              <p:cNvPr id="1047" name="Picture 1046">
+          <p:sp>
+            <p:nvSpPr>
+              <p:cNvPr id="23" name="TextBox 22">
                 <a:extLst>
                   <a:ext uri="{FF2B5EF4-FFF2-40B4-BE49-F238E27FC236}">
-                    <a16:creationId xmlns:a16="http://schemas.microsoft.com/office/drawing/2014/main" id="{DD2247A4-0B64-6F31-3B39-C6D89075DF50}"/>
-                  </a:ext>
-                </a:extLst>
-              </p:cNvPr>
-              <p:cNvPicPr>
-                <a:picLocks noChangeAspect="1"/>
-              </p:cNvPicPr>
-              <p:nvPr/>
-            </p:nvPicPr>
-            <p:blipFill>
-              <a:blip r:embed="rId8"/>
-              <a:stretch>
-                <a:fillRect/>
-              </a:stretch>
-            </p:blipFill>
-            <p:spPr>
-              <a:xfrm>
-                <a:off x="19616156" y="17393049"/>
-                <a:ext cx="6855200" cy="4590853"/>
-              </a:xfrm>
-              <a:prstGeom prst="rect">
-                <a:avLst/>
-              </a:prstGeom>
-            </p:spPr>
-          </p:pic>
-        </p:grpSp>
-        <p:grpSp>
-          <p:nvGrpSpPr>
-            <p:cNvPr id="1053" name="Group 1052">
-              <a:extLst>
-                <a:ext uri="{FF2B5EF4-FFF2-40B4-BE49-F238E27FC236}">
-                  <a16:creationId xmlns:a16="http://schemas.microsoft.com/office/drawing/2014/main" id="{3D398BBD-F0D6-200E-E101-995C4F2142DE}"/>
-                </a:ext>
-              </a:extLst>
-            </p:cNvPr>
-            <p:cNvGrpSpPr/>
-            <p:nvPr/>
-          </p:nvGrpSpPr>
-          <p:grpSpPr>
-            <a:xfrm>
-              <a:off x="26824047" y="15295796"/>
-              <a:ext cx="8691733" cy="6669082"/>
-              <a:chOff x="28609742" y="15520769"/>
-              <a:chExt cx="8691733" cy="6669082"/>
-            </a:xfrm>
-          </p:grpSpPr>
-          <p:pic>
-            <p:nvPicPr>
-              <p:cNvPr id="1049" name="Picture 1048">
-                <a:extLst>
-                  <a:ext uri="{FF2B5EF4-FFF2-40B4-BE49-F238E27FC236}">
-                    <a16:creationId xmlns:a16="http://schemas.microsoft.com/office/drawing/2014/main" id="{38C9A33A-9BEA-BB2C-F6F1-275431BFEAE0}"/>
-                  </a:ext>
-                </a:extLst>
-              </p:cNvPr>
-              <p:cNvPicPr>
-                <a:picLocks noChangeAspect="1"/>
-              </p:cNvPicPr>
-              <p:nvPr/>
-            </p:nvPicPr>
-            <p:blipFill>
-              <a:blip r:embed="rId9"/>
-              <a:stretch>
-                <a:fillRect/>
-              </a:stretch>
-            </p:blipFill>
-            <p:spPr>
-              <a:xfrm>
-                <a:off x="28612924" y="17604984"/>
-                <a:ext cx="8688551" cy="4584867"/>
-              </a:xfrm>
-              <a:prstGeom prst="rect">
-                <a:avLst/>
-              </a:prstGeom>
-            </p:spPr>
-          </p:pic>
-          <p:sp>
-            <p:nvSpPr>
-              <p:cNvPr id="1050" name="TextBox 1049">
-                <a:extLst>
-                  <a:ext uri="{FF2B5EF4-FFF2-40B4-BE49-F238E27FC236}">
-                    <a16:creationId xmlns:a16="http://schemas.microsoft.com/office/drawing/2014/main" id="{AC96C173-5192-B270-E9FA-97BF51B8F247}"/>
+                    <a16:creationId xmlns:a16="http://schemas.microsoft.com/office/drawing/2014/main" id="{9BB63E97-C5CC-BFAE-1F71-5E521B894CCC}"/>
                   </a:ext>
                 </a:extLst>
               </p:cNvPr>
@@ -7064,8 +6508,95 @@
             </p:nvSpPr>
             <p:spPr>
               <a:xfrm>
-                <a:off x="28609742" y="15520769"/>
-                <a:ext cx="3841756" cy="769441"/>
+                <a:off x="8858402" y="16649761"/>
+                <a:ext cx="7288483" cy="1200329"/>
+              </a:xfrm>
+              <a:prstGeom prst="rect">
+                <a:avLst/>
+              </a:prstGeom>
+              <a:noFill/>
+            </p:spPr>
+            <p:txBody>
+              <a:bodyPr wrap="square" rtlCol="0">
+                <a:spAutoFit/>
+              </a:bodyPr>
+              <a:lstStyle/>
+              <a:p>
+                <a:r>
+                  <a:rPr lang="en-US" sz="2400" dirty="0"/>
+                  <a:t>Downloaded templates are grouped based on their names. Each template is composed of ROIs relevant to that treated site.</a:t>
+                </a:r>
+              </a:p>
+            </p:txBody>
+          </p:sp>
+          <p:sp>
+            <p:nvSpPr>
+              <p:cNvPr id="30" name="Rectangle 29">
+                <a:extLst>
+                  <a:ext uri="{FF2B5EF4-FFF2-40B4-BE49-F238E27FC236}">
+                    <a16:creationId xmlns:a16="http://schemas.microsoft.com/office/drawing/2014/main" id="{4D474C8B-0DD7-BCFD-43BE-268E53226ADD}"/>
+                  </a:ext>
+                </a:extLst>
+              </p:cNvPr>
+              <p:cNvSpPr/>
+              <p:nvPr/>
+            </p:nvSpPr>
+            <p:spPr>
+              <a:xfrm>
+                <a:off x="1039086" y="16181593"/>
+                <a:ext cx="15259738" cy="6387929"/>
+              </a:xfrm>
+              <a:prstGeom prst="rect">
+                <a:avLst/>
+              </a:prstGeom>
+              <a:noFill/>
+              <a:ln w="127000">
+                <a:solidFill>
+                  <a:schemeClr val="tx1"/>
+                </a:solidFill>
+              </a:ln>
+            </p:spPr>
+            <p:style>
+              <a:lnRef idx="2">
+                <a:schemeClr val="accent1">
+                  <a:shade val="50000"/>
+                </a:schemeClr>
+              </a:lnRef>
+              <a:fillRef idx="1">
+                <a:schemeClr val="accent1"/>
+              </a:fillRef>
+              <a:effectRef idx="0">
+                <a:schemeClr val="accent1"/>
+              </a:effectRef>
+              <a:fontRef idx="minor">
+                <a:schemeClr val="lt1"/>
+              </a:fontRef>
+            </p:style>
+            <p:txBody>
+              <a:bodyPr rtlCol="0" anchor="ctr"/>
+              <a:lstStyle/>
+              <a:p>
+                <a:pPr algn="ctr"/>
+                <a:endParaRPr lang="en-US" dirty="0"/>
+              </a:p>
+            </p:txBody>
+          </p:sp>
+          <p:sp>
+            <p:nvSpPr>
+              <p:cNvPr id="31" name="TextBox 30">
+                <a:extLst>
+                  <a:ext uri="{FF2B5EF4-FFF2-40B4-BE49-F238E27FC236}">
+                    <a16:creationId xmlns:a16="http://schemas.microsoft.com/office/drawing/2014/main" id="{3C02151C-711F-5218-1570-0C73206EA138}"/>
+                  </a:ext>
+                </a:extLst>
+              </p:cNvPr>
+              <p:cNvSpPr txBox="1"/>
+              <p:nvPr/>
+            </p:nvSpPr>
+            <p:spPr>
+              <a:xfrm>
+                <a:off x="5919159" y="14936275"/>
+                <a:ext cx="5286127" cy="861774"/>
               </a:xfrm>
               <a:prstGeom prst="rect">
                 <a:avLst/>
@@ -7080,18 +6611,580 @@
               <a:p>
                 <a:pPr algn="ctr"/>
                 <a:r>
-                  <a:rPr lang="en-US" sz="4400" dirty="0"/>
-                  <a:t>Varian XML files</a:t>
+                  <a:rPr lang="en-US" sz="5000" dirty="0"/>
+                  <a:t>Populate Templates</a:t>
                 </a:r>
               </a:p>
             </p:txBody>
           </p:sp>
+          <p:pic>
+            <p:nvPicPr>
+              <p:cNvPr id="44" name="Picture 43">
+                <a:extLst>
+                  <a:ext uri="{FF2B5EF4-FFF2-40B4-BE49-F238E27FC236}">
+                    <a16:creationId xmlns:a16="http://schemas.microsoft.com/office/drawing/2014/main" id="{2B479CAA-75D3-EC74-5577-F4B24F784A35}"/>
+                  </a:ext>
+                </a:extLst>
+              </p:cNvPr>
+              <p:cNvPicPr>
+                <a:picLocks noChangeAspect="1"/>
+              </p:cNvPicPr>
+              <p:nvPr/>
+            </p:nvPicPr>
+            <p:blipFill>
+              <a:blip r:embed="rId6"/>
+              <a:stretch>
+                <a:fillRect/>
+              </a:stretch>
+            </p:blipFill>
+            <p:spPr>
+              <a:xfrm>
+                <a:off x="8972722" y="17737211"/>
+                <a:ext cx="7162171" cy="4524243"/>
+              </a:xfrm>
+              <a:prstGeom prst="rect">
+                <a:avLst/>
+              </a:prstGeom>
+            </p:spPr>
+          </p:pic>
           <p:sp>
             <p:nvSpPr>
-              <p:cNvPr id="1051" name="TextBox 1050">
+              <p:cNvPr id="46" name="Arrow: Right 45">
                 <a:extLst>
                   <a:ext uri="{FF2B5EF4-FFF2-40B4-BE49-F238E27FC236}">
-                    <a16:creationId xmlns:a16="http://schemas.microsoft.com/office/drawing/2014/main" id="{08D88538-9E9E-0C8B-76E8-2694352E60F0}"/>
+                    <a16:creationId xmlns:a16="http://schemas.microsoft.com/office/drawing/2014/main" id="{7FE23984-8524-8664-0B5E-892A368BDB68}"/>
+                  </a:ext>
+                </a:extLst>
+              </p:cNvPr>
+              <p:cNvSpPr/>
+              <p:nvPr/>
+            </p:nvSpPr>
+            <p:spPr>
+              <a:xfrm>
+                <a:off x="8215175" y="20001782"/>
+                <a:ext cx="694097" cy="600165"/>
+              </a:xfrm>
+              <a:prstGeom prst="rightArrow">
+                <a:avLst/>
+              </a:prstGeom>
+            </p:spPr>
+            <p:style>
+              <a:lnRef idx="2">
+                <a:schemeClr val="accent1">
+                  <a:shade val="50000"/>
+                </a:schemeClr>
+              </a:lnRef>
+              <a:fillRef idx="1">
+                <a:schemeClr val="accent1"/>
+              </a:fillRef>
+              <a:effectRef idx="0">
+                <a:schemeClr val="accent1"/>
+              </a:effectRef>
+              <a:fontRef idx="minor">
+                <a:schemeClr val="lt1"/>
+              </a:fontRef>
+            </p:style>
+            <p:txBody>
+              <a:bodyPr rtlCol="0" anchor="ctr"/>
+              <a:lstStyle/>
+              <a:p>
+                <a:pPr algn="ctr"/>
+                <a:endParaRPr lang="en-US"/>
+              </a:p>
+            </p:txBody>
+          </p:sp>
+        </p:grpSp>
+        <p:grpSp>
+          <p:nvGrpSpPr>
+            <p:cNvPr id="20" name="Group 19">
+              <a:extLst>
+                <a:ext uri="{FF2B5EF4-FFF2-40B4-BE49-F238E27FC236}">
+                  <a16:creationId xmlns:a16="http://schemas.microsoft.com/office/drawing/2014/main" id="{C5E60725-4406-778C-60E5-D4F5DB4FA5BF}"/>
+                </a:ext>
+              </a:extLst>
+            </p:cNvPr>
+            <p:cNvGrpSpPr/>
+            <p:nvPr/>
+          </p:nvGrpSpPr>
+          <p:grpSpPr>
+            <a:xfrm>
+              <a:off x="13696681" y="22082820"/>
+              <a:ext cx="7677150" cy="6779931"/>
+              <a:chOff x="31582241" y="3294477"/>
+              <a:chExt cx="7677150" cy="6779931"/>
+            </a:xfrm>
+          </p:grpSpPr>
+          <p:grpSp>
+            <p:nvGrpSpPr>
+              <p:cNvPr id="58" name="Group 57">
+                <a:extLst>
+                  <a:ext uri="{FF2B5EF4-FFF2-40B4-BE49-F238E27FC236}">
+                    <a16:creationId xmlns:a16="http://schemas.microsoft.com/office/drawing/2014/main" id="{CA39B1F1-B174-17A8-8D7C-63E9FBFCCEBD}"/>
+                  </a:ext>
+                </a:extLst>
+              </p:cNvPr>
+              <p:cNvGrpSpPr/>
+              <p:nvPr/>
+            </p:nvGrpSpPr>
+            <p:grpSpPr>
+              <a:xfrm>
+                <a:off x="31582241" y="3294477"/>
+                <a:ext cx="7677150" cy="1818607"/>
+                <a:chOff x="16301901" y="8616220"/>
+                <a:chExt cx="7677150" cy="1818607"/>
+              </a:xfrm>
+            </p:grpSpPr>
+            <p:sp>
+              <p:nvSpPr>
+                <p:cNvPr id="60" name="TextBox 59">
+                  <a:extLst>
+                    <a:ext uri="{FF2B5EF4-FFF2-40B4-BE49-F238E27FC236}">
+                      <a16:creationId xmlns:a16="http://schemas.microsoft.com/office/drawing/2014/main" id="{292DB873-0062-773F-933E-EA05D44DF023}"/>
+                    </a:ext>
+                  </a:extLst>
+                </p:cNvPr>
+                <p:cNvSpPr txBox="1"/>
+                <p:nvPr/>
+              </p:nvSpPr>
+              <p:spPr>
+                <a:xfrm>
+                  <a:off x="16301901" y="8616220"/>
+                  <a:ext cx="6654065" cy="769441"/>
+                </a:xfrm>
+                <a:prstGeom prst="rect">
+                  <a:avLst/>
+                </a:prstGeom>
+                <a:noFill/>
+              </p:spPr>
+              <p:txBody>
+                <a:bodyPr wrap="none" rtlCol="0">
+                  <a:spAutoFit/>
+                </a:bodyPr>
+                <a:lstStyle/>
+                <a:p>
+                  <a:pPr algn="ctr"/>
+                  <a:r>
+                    <a:rPr lang="en-US" sz="4400" dirty="0"/>
+                    <a:t>Patient Specific RT Structure</a:t>
+                  </a:r>
+                </a:p>
+              </p:txBody>
+            </p:sp>
+            <p:sp>
+              <p:nvSpPr>
+                <p:cNvPr id="61" name="TextBox 60">
+                  <a:extLst>
+                    <a:ext uri="{FF2B5EF4-FFF2-40B4-BE49-F238E27FC236}">
+                      <a16:creationId xmlns:a16="http://schemas.microsoft.com/office/drawing/2014/main" id="{97C9F27D-92F3-C26C-0A59-17412CADAB7A}"/>
+                    </a:ext>
+                  </a:extLst>
+                </p:cNvPr>
+                <p:cNvSpPr txBox="1"/>
+                <p:nvPr/>
+              </p:nvSpPr>
+              <p:spPr>
+                <a:xfrm>
+                  <a:off x="16301901" y="9234498"/>
+                  <a:ext cx="7677150" cy="1200329"/>
+                </a:xfrm>
+                <a:prstGeom prst="rect">
+                  <a:avLst/>
+                </a:prstGeom>
+                <a:noFill/>
+              </p:spPr>
+              <p:txBody>
+                <a:bodyPr wrap="square" rtlCol="0">
+                  <a:spAutoFit/>
+                </a:bodyPr>
+                <a:lstStyle/>
+                <a:p>
+                  <a:r>
+                    <a:rPr lang="en-US" sz="2400" dirty="0"/>
+                    <a:t>Users can create patient-specific RT Structures by defining locations where DICOM will be present and required Series/Study Descriptions</a:t>
+                  </a:r>
+                </a:p>
+              </p:txBody>
+            </p:sp>
+          </p:grpSp>
+          <p:pic>
+            <p:nvPicPr>
+              <p:cNvPr id="1024" name="Picture 1023">
+                <a:extLst>
+                  <a:ext uri="{FF2B5EF4-FFF2-40B4-BE49-F238E27FC236}">
+                    <a16:creationId xmlns:a16="http://schemas.microsoft.com/office/drawing/2014/main" id="{99DAB8C1-6F8C-BE60-AE4B-3B82E2A50037}"/>
+                  </a:ext>
+                </a:extLst>
+              </p:cNvPr>
+              <p:cNvPicPr>
+                <a:picLocks noChangeAspect="1"/>
+              </p:cNvPicPr>
+              <p:nvPr/>
+            </p:nvPicPr>
+            <p:blipFill>
+              <a:blip r:embed="rId7"/>
+              <a:stretch>
+                <a:fillRect/>
+              </a:stretch>
+            </p:blipFill>
+            <p:spPr>
+              <a:xfrm>
+                <a:off x="31582241" y="5254758"/>
+                <a:ext cx="7677150" cy="4819650"/>
+              </a:xfrm>
+              <a:prstGeom prst="rect">
+                <a:avLst/>
+              </a:prstGeom>
+            </p:spPr>
+          </p:pic>
+        </p:grpSp>
+        <p:cxnSp>
+          <p:nvCxnSpPr>
+            <p:cNvPr id="1055" name="Connector: Curved 1054">
+              <a:extLst>
+                <a:ext uri="{FF2B5EF4-FFF2-40B4-BE49-F238E27FC236}">
+                  <a16:creationId xmlns:a16="http://schemas.microsoft.com/office/drawing/2014/main" id="{37C0B2B3-E46C-6F0C-A9F0-B54611D556A6}"/>
+                </a:ext>
+              </a:extLst>
+            </p:cNvPr>
+            <p:cNvCxnSpPr>
+              <a:cxnSpLocks/>
+              <a:stCxn id="35" idx="2"/>
+              <a:endCxn id="1052" idx="0"/>
+            </p:cNvCxnSpPr>
+            <p:nvPr/>
+          </p:nvCxnSpPr>
+          <p:spPr>
+            <a:xfrm rot="5400000">
+              <a:off x="34423354" y="19622517"/>
+              <a:ext cx="2010542" cy="1613346"/>
+            </a:xfrm>
+            <a:prstGeom prst="curvedConnector3">
+              <a:avLst>
+                <a:gd name="adj1" fmla="val 50000"/>
+              </a:avLst>
+            </a:prstGeom>
+            <a:ln w="295275">
+              <a:tailEnd type="triangle"/>
+            </a:ln>
+          </p:spPr>
+          <p:style>
+            <a:lnRef idx="1">
+              <a:schemeClr val="accent1"/>
+            </a:lnRef>
+            <a:fillRef idx="0">
+              <a:schemeClr val="accent1"/>
+            </a:fillRef>
+            <a:effectRef idx="0">
+              <a:schemeClr val="accent1"/>
+            </a:effectRef>
+            <a:fontRef idx="minor">
+              <a:schemeClr val="tx1"/>
+            </a:fontRef>
+          </p:style>
+        </p:cxnSp>
+        <p:grpSp>
+          <p:nvGrpSpPr>
+            <p:cNvPr id="1063" name="Group 1062">
+              <a:extLst>
+                <a:ext uri="{FF2B5EF4-FFF2-40B4-BE49-F238E27FC236}">
+                  <a16:creationId xmlns:a16="http://schemas.microsoft.com/office/drawing/2014/main" id="{029D365E-535D-00F2-6408-EC0A058E294A}"/>
+                </a:ext>
+              </a:extLst>
+            </p:cNvPr>
+            <p:cNvGrpSpPr/>
+            <p:nvPr/>
+          </p:nvGrpSpPr>
+          <p:grpSpPr>
+            <a:xfrm>
+              <a:off x="26293619" y="21434461"/>
+              <a:ext cx="16534405" cy="8092188"/>
+              <a:chOff x="19333671" y="14266367"/>
+              <a:chExt cx="16534405" cy="8092188"/>
+            </a:xfrm>
+          </p:grpSpPr>
+          <p:grpSp>
+            <p:nvGrpSpPr>
+              <p:cNvPr id="1054" name="Group 1053">
+                <a:extLst>
+                  <a:ext uri="{FF2B5EF4-FFF2-40B4-BE49-F238E27FC236}">
+                    <a16:creationId xmlns:a16="http://schemas.microsoft.com/office/drawing/2014/main" id="{3EE089B5-2FE9-4C71-B8E6-C92569B70D55}"/>
+                  </a:ext>
+                </a:extLst>
+              </p:cNvPr>
+              <p:cNvGrpSpPr/>
+              <p:nvPr/>
+            </p:nvGrpSpPr>
+            <p:grpSpPr>
+              <a:xfrm>
+                <a:off x="19562192" y="15295796"/>
+                <a:ext cx="6909164" cy="6688106"/>
+                <a:chOff x="19562192" y="15295796"/>
+                <a:chExt cx="6909164" cy="6688106"/>
+              </a:xfrm>
+            </p:grpSpPr>
+            <p:grpSp>
+              <p:nvGrpSpPr>
+                <p:cNvPr id="1036" name="Group 1035">
+                  <a:extLst>
+                    <a:ext uri="{FF2B5EF4-FFF2-40B4-BE49-F238E27FC236}">
+                      <a16:creationId xmlns:a16="http://schemas.microsoft.com/office/drawing/2014/main" id="{A07AE1F1-1F0E-B37B-1EE2-1AFF61BCFD06}"/>
+                    </a:ext>
+                  </a:extLst>
+                </p:cNvPr>
+                <p:cNvGrpSpPr/>
+                <p:nvPr/>
+              </p:nvGrpSpPr>
+              <p:grpSpPr>
+                <a:xfrm>
+                  <a:off x="19562192" y="15295796"/>
+                  <a:ext cx="6597338" cy="1970638"/>
+                  <a:chOff x="1554388" y="15720468"/>
+                  <a:chExt cx="6597338" cy="1970638"/>
+                </a:xfrm>
+              </p:grpSpPr>
+              <p:sp>
+                <p:nvSpPr>
+                  <p:cNvPr id="1045" name="TextBox 1044">
+                    <a:extLst>
+                      <a:ext uri="{FF2B5EF4-FFF2-40B4-BE49-F238E27FC236}">
+                        <a16:creationId xmlns:a16="http://schemas.microsoft.com/office/drawing/2014/main" id="{DC95EEF5-06EB-DCCC-2F20-197615B3BED5}"/>
+                      </a:ext>
+                    </a:extLst>
+                  </p:cNvPr>
+                  <p:cNvSpPr txBox="1"/>
+                  <p:nvPr/>
+                </p:nvSpPr>
+                <p:spPr>
+                  <a:xfrm>
+                    <a:off x="1559738" y="16490777"/>
+                    <a:ext cx="6591988" cy="1200329"/>
+                  </a:xfrm>
+                  <a:prstGeom prst="rect">
+                    <a:avLst/>
+                  </a:prstGeom>
+                  <a:noFill/>
+                </p:spPr>
+                <p:txBody>
+                  <a:bodyPr wrap="square" rtlCol="0">
+                    <a:spAutoFit/>
+                  </a:bodyPr>
+                  <a:lstStyle/>
+                  <a:p>
+                    <a:r>
+                      <a:rPr lang="en-US" sz="2400" dirty="0"/>
+                      <a:t>‘Create folder with loadable RTs’ will generate a folder with a loadable CT and a unique RT structure for each template.</a:t>
+                    </a:r>
+                  </a:p>
+                </p:txBody>
+              </p:sp>
+              <p:sp>
+                <p:nvSpPr>
+                  <p:cNvPr id="1040" name="TextBox 1039">
+                    <a:extLst>
+                      <a:ext uri="{FF2B5EF4-FFF2-40B4-BE49-F238E27FC236}">
+                        <a16:creationId xmlns:a16="http://schemas.microsoft.com/office/drawing/2014/main" id="{5EA53D62-3099-9EC6-8F86-A9659DAFABFD}"/>
+                      </a:ext>
+                    </a:extLst>
+                  </p:cNvPr>
+                  <p:cNvSpPr txBox="1"/>
+                  <p:nvPr/>
+                </p:nvSpPr>
+                <p:spPr>
+                  <a:xfrm>
+                    <a:off x="1554388" y="15720468"/>
+                    <a:ext cx="3247876" cy="769441"/>
+                  </a:xfrm>
+                  <a:prstGeom prst="rect">
+                    <a:avLst/>
+                  </a:prstGeom>
+                  <a:noFill/>
+                </p:spPr>
+                <p:txBody>
+                  <a:bodyPr wrap="none" rtlCol="0">
+                    <a:spAutoFit/>
+                  </a:bodyPr>
+                  <a:lstStyle/>
+                  <a:p>
+                    <a:pPr algn="ctr"/>
+                    <a:r>
+                      <a:rPr lang="en-US" sz="4400" dirty="0"/>
+                      <a:t>RT Structures</a:t>
+                    </a:r>
+                  </a:p>
+                </p:txBody>
+              </p:sp>
+            </p:grpSp>
+            <p:pic>
+              <p:nvPicPr>
+                <p:cNvPr id="1047" name="Picture 1046">
+                  <a:extLst>
+                    <a:ext uri="{FF2B5EF4-FFF2-40B4-BE49-F238E27FC236}">
+                      <a16:creationId xmlns:a16="http://schemas.microsoft.com/office/drawing/2014/main" id="{DD2247A4-0B64-6F31-3B39-C6D89075DF50}"/>
+                    </a:ext>
+                  </a:extLst>
+                </p:cNvPr>
+                <p:cNvPicPr>
+                  <a:picLocks noChangeAspect="1"/>
+                </p:cNvPicPr>
+                <p:nvPr/>
+              </p:nvPicPr>
+              <p:blipFill>
+                <a:blip r:embed="rId8"/>
+                <a:stretch>
+                  <a:fillRect/>
+                </a:stretch>
+              </p:blipFill>
+              <p:spPr>
+                <a:xfrm>
+                  <a:off x="19616156" y="17393049"/>
+                  <a:ext cx="6855200" cy="4590853"/>
+                </a:xfrm>
+                <a:prstGeom prst="rect">
+                  <a:avLst/>
+                </a:prstGeom>
+              </p:spPr>
+            </p:pic>
+          </p:grpSp>
+          <p:grpSp>
+            <p:nvGrpSpPr>
+              <p:cNvPr id="1053" name="Group 1052">
+                <a:extLst>
+                  <a:ext uri="{FF2B5EF4-FFF2-40B4-BE49-F238E27FC236}">
+                    <a16:creationId xmlns:a16="http://schemas.microsoft.com/office/drawing/2014/main" id="{3D398BBD-F0D6-200E-E101-995C4F2142DE}"/>
+                  </a:ext>
+                </a:extLst>
+              </p:cNvPr>
+              <p:cNvGrpSpPr/>
+              <p:nvPr/>
+            </p:nvGrpSpPr>
+            <p:grpSpPr>
+              <a:xfrm>
+                <a:off x="26824047" y="15295796"/>
+                <a:ext cx="8691733" cy="6669082"/>
+                <a:chOff x="28609742" y="15520769"/>
+                <a:chExt cx="8691733" cy="6669082"/>
+              </a:xfrm>
+            </p:grpSpPr>
+            <p:pic>
+              <p:nvPicPr>
+                <p:cNvPr id="1049" name="Picture 1048">
+                  <a:extLst>
+                    <a:ext uri="{FF2B5EF4-FFF2-40B4-BE49-F238E27FC236}">
+                      <a16:creationId xmlns:a16="http://schemas.microsoft.com/office/drawing/2014/main" id="{38C9A33A-9BEA-BB2C-F6F1-275431BFEAE0}"/>
+                    </a:ext>
+                  </a:extLst>
+                </p:cNvPr>
+                <p:cNvPicPr>
+                  <a:picLocks noChangeAspect="1"/>
+                </p:cNvPicPr>
+                <p:nvPr/>
+              </p:nvPicPr>
+              <p:blipFill>
+                <a:blip r:embed="rId9"/>
+                <a:stretch>
+                  <a:fillRect/>
+                </a:stretch>
+              </p:blipFill>
+              <p:spPr>
+                <a:xfrm>
+                  <a:off x="28612924" y="17604984"/>
+                  <a:ext cx="8688551" cy="4584867"/>
+                </a:xfrm>
+                <a:prstGeom prst="rect">
+                  <a:avLst/>
+                </a:prstGeom>
+              </p:spPr>
+            </p:pic>
+            <p:sp>
+              <p:nvSpPr>
+                <p:cNvPr id="1050" name="TextBox 1049">
+                  <a:extLst>
+                    <a:ext uri="{FF2B5EF4-FFF2-40B4-BE49-F238E27FC236}">
+                      <a16:creationId xmlns:a16="http://schemas.microsoft.com/office/drawing/2014/main" id="{AC96C173-5192-B270-E9FA-97BF51B8F247}"/>
+                    </a:ext>
+                  </a:extLst>
+                </p:cNvPr>
+                <p:cNvSpPr txBox="1"/>
+                <p:nvPr/>
+              </p:nvSpPr>
+              <p:spPr>
+                <a:xfrm>
+                  <a:off x="28609742" y="15520769"/>
+                  <a:ext cx="3841756" cy="769441"/>
+                </a:xfrm>
+                <a:prstGeom prst="rect">
+                  <a:avLst/>
+                </a:prstGeom>
+                <a:noFill/>
+              </p:spPr>
+              <p:txBody>
+                <a:bodyPr wrap="none" rtlCol="0">
+                  <a:spAutoFit/>
+                </a:bodyPr>
+                <a:lstStyle/>
+                <a:p>
+                  <a:pPr algn="ctr"/>
+                  <a:r>
+                    <a:rPr lang="en-US" sz="4400" dirty="0"/>
+                    <a:t>Varian XML files</a:t>
+                  </a:r>
+                </a:p>
+              </p:txBody>
+            </p:sp>
+            <p:sp>
+              <p:nvSpPr>
+                <p:cNvPr id="1051" name="TextBox 1050">
+                  <a:extLst>
+                    <a:ext uri="{FF2B5EF4-FFF2-40B4-BE49-F238E27FC236}">
+                      <a16:creationId xmlns:a16="http://schemas.microsoft.com/office/drawing/2014/main" id="{08D88538-9E9E-0C8B-76E8-2694352E60F0}"/>
+                    </a:ext>
+                  </a:extLst>
+                </p:cNvPr>
+                <p:cNvSpPr txBox="1"/>
+                <p:nvPr/>
+              </p:nvSpPr>
+              <p:spPr>
+                <a:xfrm>
+                  <a:off x="28612924" y="16237934"/>
+                  <a:ext cx="7677149" cy="1200329"/>
+                </a:xfrm>
+                <a:prstGeom prst="rect">
+                  <a:avLst/>
+                </a:prstGeom>
+                <a:noFill/>
+              </p:spPr>
+              <p:txBody>
+                <a:bodyPr wrap="square" rtlCol="0">
+                  <a:spAutoFit/>
+                </a:bodyPr>
+                <a:lstStyle/>
+                <a:p>
+                  <a:r>
+                    <a:rPr lang="en-US" sz="2400" dirty="0"/>
+                    <a:t>‘Create folder with loadable Varian </a:t>
+                  </a:r>
+                  <a:r>
+                    <a:rPr lang="en-US" sz="2400" dirty="0" err="1"/>
+                    <a:t>Xmls’</a:t>
+                  </a:r>
+                  <a:r>
+                    <a:rPr lang="en-US" sz="2400" dirty="0"/>
+                    <a:t> will generate a folder with a loadable .xml files. </a:t>
+                  </a:r>
+                  <a:r>
+                    <a:rPr lang="en-US" sz="2400" b="1" i="1" dirty="0"/>
+                    <a:t>If this folder is the Varian XML folder, the templates will populate immediately!</a:t>
+                  </a:r>
+                </a:p>
+              </p:txBody>
+            </p:sp>
+          </p:grpSp>
+          <p:sp>
+            <p:nvSpPr>
+              <p:cNvPr id="1052" name="TextBox 1051">
+                <a:extLst>
+                  <a:ext uri="{FF2B5EF4-FFF2-40B4-BE49-F238E27FC236}">
+                    <a16:creationId xmlns:a16="http://schemas.microsoft.com/office/drawing/2014/main" id="{996F4F32-3631-035C-C4C3-CA3916B73800}"/>
                   </a:ext>
                 </a:extLst>
               </p:cNvPr>
@@ -7100,8 +7193,182 @@
             </p:nvSpPr>
             <p:spPr>
               <a:xfrm>
-                <a:off x="28612924" y="16237934"/>
-                <a:ext cx="7677149" cy="1200329"/>
+                <a:off x="23508623" y="14266367"/>
+                <a:ext cx="8306762" cy="861774"/>
+              </a:xfrm>
+              <a:prstGeom prst="rect">
+                <a:avLst/>
+              </a:prstGeom>
+              <a:noFill/>
+            </p:spPr>
+            <p:txBody>
+              <a:bodyPr wrap="none" rtlCol="0">
+                <a:spAutoFit/>
+              </a:bodyPr>
+              <a:lstStyle/>
+              <a:p>
+                <a:pPr algn="ctr"/>
+                <a:r>
+                  <a:rPr lang="en-US" sz="5000" dirty="0"/>
+                  <a:t>Generate TPS Loadable Objects</a:t>
+                </a:r>
+              </a:p>
+            </p:txBody>
+          </p:sp>
+          <p:sp>
+            <p:nvSpPr>
+              <p:cNvPr id="1058" name="Rectangle 1057">
+                <a:extLst>
+                  <a:ext uri="{FF2B5EF4-FFF2-40B4-BE49-F238E27FC236}">
+                    <a16:creationId xmlns:a16="http://schemas.microsoft.com/office/drawing/2014/main" id="{505C9236-CBE2-02C1-F5C6-0F3E8CC6758A}"/>
+                  </a:ext>
+                </a:extLst>
+              </p:cNvPr>
+              <p:cNvSpPr/>
+              <p:nvPr/>
+            </p:nvSpPr>
+            <p:spPr>
+              <a:xfrm>
+                <a:off x="19333671" y="15261147"/>
+                <a:ext cx="16534405" cy="7097408"/>
+              </a:xfrm>
+              <a:prstGeom prst="rect">
+                <a:avLst/>
+              </a:prstGeom>
+              <a:noFill/>
+              <a:ln w="127000">
+                <a:solidFill>
+                  <a:schemeClr val="tx1"/>
+                </a:solidFill>
+              </a:ln>
+            </p:spPr>
+            <p:style>
+              <a:lnRef idx="2">
+                <a:schemeClr val="accent1">
+                  <a:shade val="50000"/>
+                </a:schemeClr>
+              </a:lnRef>
+              <a:fillRef idx="1">
+                <a:schemeClr val="accent1"/>
+              </a:fillRef>
+              <a:effectRef idx="0">
+                <a:schemeClr val="accent1"/>
+              </a:effectRef>
+              <a:fontRef idx="minor">
+                <a:schemeClr val="lt1"/>
+              </a:fontRef>
+            </p:style>
+            <p:txBody>
+              <a:bodyPr rtlCol="0" anchor="ctr"/>
+              <a:lstStyle/>
+              <a:p>
+                <a:pPr algn="ctr"/>
+                <a:endParaRPr lang="en-US" dirty="0"/>
+              </a:p>
+            </p:txBody>
+          </p:sp>
+        </p:grpSp>
+        <p:grpSp>
+          <p:nvGrpSpPr>
+            <p:cNvPr id="21" name="Group 20">
+              <a:extLst>
+                <a:ext uri="{FF2B5EF4-FFF2-40B4-BE49-F238E27FC236}">
+                  <a16:creationId xmlns:a16="http://schemas.microsoft.com/office/drawing/2014/main" id="{F6ABC43B-8CBF-C2BC-6B47-D69863CD008E}"/>
+                </a:ext>
+              </a:extLst>
+            </p:cNvPr>
+            <p:cNvGrpSpPr/>
+            <p:nvPr/>
+          </p:nvGrpSpPr>
+          <p:grpSpPr>
+            <a:xfrm>
+              <a:off x="1631647" y="21434461"/>
+              <a:ext cx="9369979" cy="7694229"/>
+              <a:chOff x="23163469" y="11534246"/>
+              <a:chExt cx="9369979" cy="7694229"/>
+            </a:xfrm>
+          </p:grpSpPr>
+          <p:pic>
+            <p:nvPicPr>
+              <p:cNvPr id="2" name="Picture 1">
+                <a:extLst>
+                  <a:ext uri="{FF2B5EF4-FFF2-40B4-BE49-F238E27FC236}">
+                    <a16:creationId xmlns:a16="http://schemas.microsoft.com/office/drawing/2014/main" id="{A6EB27EC-DA0F-EF2A-B3C5-37270E96E58B}"/>
+                  </a:ext>
+                </a:extLst>
+              </p:cNvPr>
+              <p:cNvPicPr>
+                <a:picLocks noChangeAspect="1"/>
+              </p:cNvPicPr>
+              <p:nvPr/>
+            </p:nvPicPr>
+            <p:blipFill>
+              <a:blip r:embed="rId6"/>
+              <a:stretch>
+                <a:fillRect/>
+              </a:stretch>
+            </p:blipFill>
+            <p:spPr>
+              <a:xfrm>
+                <a:off x="23204173" y="13335303"/>
+                <a:ext cx="9329275" cy="5893172"/>
+              </a:xfrm>
+              <a:prstGeom prst="rect">
+                <a:avLst/>
+              </a:prstGeom>
+            </p:spPr>
+          </p:pic>
+          <p:sp>
+            <p:nvSpPr>
+              <p:cNvPr id="6" name="TextBox 5">
+                <a:extLst>
+                  <a:ext uri="{FF2B5EF4-FFF2-40B4-BE49-F238E27FC236}">
+                    <a16:creationId xmlns:a16="http://schemas.microsoft.com/office/drawing/2014/main" id="{AC8B78E4-1E0C-56A5-C319-62967B2248AA}"/>
+                  </a:ext>
+                </a:extLst>
+              </p:cNvPr>
+              <p:cNvSpPr txBox="1"/>
+              <p:nvPr/>
+            </p:nvSpPr>
+            <p:spPr>
+              <a:xfrm>
+                <a:off x="23163469" y="11534246"/>
+                <a:ext cx="6192637" cy="769441"/>
+              </a:xfrm>
+              <a:prstGeom prst="rect">
+                <a:avLst/>
+              </a:prstGeom>
+              <a:noFill/>
+            </p:spPr>
+            <p:txBody>
+              <a:bodyPr wrap="square" rtlCol="0">
+                <a:spAutoFit/>
+              </a:bodyPr>
+              <a:lstStyle/>
+              <a:p>
+                <a:r>
+                  <a:rPr lang="en-US" sz="4400" dirty="0"/>
+                  <a:t>Run DICOM Server</a:t>
+                </a:r>
+              </a:p>
+            </p:txBody>
+          </p:sp>
+          <p:sp>
+            <p:nvSpPr>
+              <p:cNvPr id="11" name="TextBox 10">
+                <a:extLst>
+                  <a:ext uri="{FF2B5EF4-FFF2-40B4-BE49-F238E27FC236}">
+                    <a16:creationId xmlns:a16="http://schemas.microsoft.com/office/drawing/2014/main" id="{09E6AE40-67BE-AFAB-7D99-7EB10B55C84C}"/>
+                  </a:ext>
+                </a:extLst>
+              </p:cNvPr>
+              <p:cNvSpPr txBox="1"/>
+              <p:nvPr/>
+            </p:nvSpPr>
+            <p:spPr>
+              <a:xfrm>
+                <a:off x="23163470" y="12182605"/>
+                <a:ext cx="9217409" cy="1200329"/>
               </a:xfrm>
               <a:prstGeom prst="rect">
                 <a:avLst/>
@@ -7116,139 +7383,108 @@
               <a:p>
                 <a:r>
                   <a:rPr lang="en-US" sz="2400" dirty="0"/>
-                  <a:t>‘Create folder with loadable Varian </a:t>
-                </a:r>
-                <a:r>
-                  <a:rPr lang="en-US" sz="2400" dirty="0" err="1"/>
-                  <a:t>Xmls’</a:t>
-                </a:r>
-                <a:r>
-                  <a:rPr lang="en-US" sz="2400" dirty="0"/>
-                  <a:t> will generate a folder with a loadable .xml files. </a:t>
-                </a:r>
-                <a:r>
-                  <a:rPr lang="en-US" sz="2400" b="1" i="1" dirty="0"/>
-                  <a:t>If this folder is the Varian XML folder, the templates will populate immediately!</a:t>
+                  <a:t>Selecting ‘Run DICOM server’ will begin evaluating all templates and the paths listed in the previous step. Any DICOM files present will have a patient-specific RT structure generated.</a:t>
                 </a:r>
               </a:p>
             </p:txBody>
           </p:sp>
         </p:grpSp>
-        <p:sp>
-          <p:nvSpPr>
-            <p:cNvPr id="1052" name="TextBox 1051">
+        <p:cxnSp>
+          <p:nvCxnSpPr>
+            <p:cNvPr id="12" name="Connector: Curved 11">
               <a:extLst>
                 <a:ext uri="{FF2B5EF4-FFF2-40B4-BE49-F238E27FC236}">
-                  <a16:creationId xmlns:a16="http://schemas.microsoft.com/office/drawing/2014/main" id="{996F4F32-3631-035C-C4C3-CA3916B73800}"/>
+                  <a16:creationId xmlns:a16="http://schemas.microsoft.com/office/drawing/2014/main" id="{553D67DF-9C16-E861-9A75-7D2A76E8F0F3}"/>
                 </a:ext>
               </a:extLst>
             </p:cNvPr>
-            <p:cNvSpPr txBox="1"/>
+            <p:cNvCxnSpPr>
+              <a:cxnSpLocks/>
+              <a:stCxn id="35" idx="1"/>
+              <a:endCxn id="1024" idx="3"/>
+            </p:cNvCxnSpPr>
             <p:nvPr/>
-          </p:nvSpPr>
+          </p:nvCxnSpPr>
           <p:spPr>
-            <a:xfrm>
-              <a:off x="23508623" y="14266367"/>
-              <a:ext cx="8306762" cy="861774"/>
+            <a:xfrm rot="10800000" flipV="1">
+              <a:off x="21373832" y="16319540"/>
+              <a:ext cx="8593781" cy="10133385"/>
             </a:xfrm>
-            <a:prstGeom prst="rect">
-              <a:avLst/>
+            <a:prstGeom prst="curvedConnector3">
+              <a:avLst>
+                <a:gd name="adj1" fmla="val 50000"/>
+              </a:avLst>
             </a:prstGeom>
-            <a:noFill/>
-          </p:spPr>
-          <p:txBody>
-            <a:bodyPr wrap="none" rtlCol="0">
-              <a:spAutoFit/>
-            </a:bodyPr>
-            <a:lstStyle/>
-            <a:p>
-              <a:pPr algn="ctr"/>
-              <a:r>
-                <a:rPr lang="en-US" sz="5000" dirty="0"/>
-                <a:t>Generate TPS Loadable Objects</a:t>
-              </a:r>
-            </a:p>
-          </p:txBody>
-        </p:sp>
-        <p:sp>
-          <p:nvSpPr>
-            <p:cNvPr id="1058" name="Rectangle 1057">
-              <a:extLst>
-                <a:ext uri="{FF2B5EF4-FFF2-40B4-BE49-F238E27FC236}">
-                  <a16:creationId xmlns:a16="http://schemas.microsoft.com/office/drawing/2014/main" id="{505C9236-CBE2-02C1-F5C6-0F3E8CC6758A}"/>
-                </a:ext>
-              </a:extLst>
-            </p:cNvPr>
-            <p:cNvSpPr/>
-            <p:nvPr/>
-          </p:nvSpPr>
-          <p:spPr>
-            <a:xfrm>
-              <a:off x="19333671" y="15261147"/>
-              <a:ext cx="16534405" cy="7097408"/>
-            </a:xfrm>
-            <a:prstGeom prst="rect">
-              <a:avLst/>
-            </a:prstGeom>
-            <a:noFill/>
-            <a:ln w="127000">
-              <a:solidFill>
-                <a:schemeClr val="tx1"/>
-              </a:solidFill>
+            <a:ln w="295275">
+              <a:tailEnd type="triangle"/>
             </a:ln>
           </p:spPr>
           <p:style>
-            <a:lnRef idx="2">
-              <a:schemeClr val="accent1">
-                <a:shade val="50000"/>
-              </a:schemeClr>
+            <a:lnRef idx="1">
+              <a:schemeClr val="accent1"/>
             </a:lnRef>
-            <a:fillRef idx="1">
+            <a:fillRef idx="0">
               <a:schemeClr val="accent1"/>
             </a:fillRef>
             <a:effectRef idx="0">
               <a:schemeClr val="accent1"/>
             </a:effectRef>
             <a:fontRef idx="minor">
-              <a:schemeClr val="lt1"/>
+              <a:schemeClr val="tx1"/>
             </a:fontRef>
           </p:style>
-          <p:txBody>
-            <a:bodyPr rtlCol="0" anchor="ctr"/>
-            <a:lstStyle/>
-            <a:p>
-              <a:pPr algn="ctr"/>
-              <a:endParaRPr lang="en-US" dirty="0"/>
-            </a:p>
-          </p:txBody>
-        </p:sp>
-      </p:grpSp>
-      <p:grpSp>
-        <p:nvGrpSpPr>
-          <p:cNvPr id="21" name="Group 20">
-            <a:extLst>
-              <a:ext uri="{FF2B5EF4-FFF2-40B4-BE49-F238E27FC236}">
-                <a16:creationId xmlns:a16="http://schemas.microsoft.com/office/drawing/2014/main" id="{F6ABC43B-8CBF-C2BC-6B47-D69863CD008E}"/>
-              </a:ext>
-            </a:extLst>
-          </p:cNvPr>
-          <p:cNvGrpSpPr/>
-          <p:nvPr/>
-        </p:nvGrpSpPr>
-        <p:grpSpPr>
-          <a:xfrm>
-            <a:off x="1631647" y="21434461"/>
-            <a:ext cx="9369979" cy="7694229"/>
-            <a:chOff x="23163469" y="11534246"/>
-            <a:chExt cx="9369979" cy="7694229"/>
-          </a:xfrm>
-        </p:grpSpPr>
+        </p:cxnSp>
+        <p:cxnSp>
+          <p:nvCxnSpPr>
+            <p:cNvPr id="36" name="Connector: Curved 35">
+              <a:extLst>
+                <a:ext uri="{FF2B5EF4-FFF2-40B4-BE49-F238E27FC236}">
+                  <a16:creationId xmlns:a16="http://schemas.microsoft.com/office/drawing/2014/main" id="{8D7169C7-BB5E-03AD-1074-6B7FC7080D68}"/>
+                </a:ext>
+              </a:extLst>
+            </p:cNvPr>
+            <p:cNvCxnSpPr>
+              <a:cxnSpLocks/>
+              <a:stCxn id="1024" idx="1"/>
+              <a:endCxn id="2" idx="3"/>
+            </p:cNvCxnSpPr>
+            <p:nvPr/>
+          </p:nvCxnSpPr>
+          <p:spPr>
+            <a:xfrm rot="10800000">
+              <a:off x="11001627" y="26182104"/>
+              <a:ext cx="2695055" cy="270822"/>
+            </a:xfrm>
+            <a:prstGeom prst="curvedConnector3">
+              <a:avLst>
+                <a:gd name="adj1" fmla="val 50000"/>
+              </a:avLst>
+            </a:prstGeom>
+            <a:ln w="295275">
+              <a:tailEnd type="triangle"/>
+            </a:ln>
+          </p:spPr>
+          <p:style>
+            <a:lnRef idx="1">
+              <a:schemeClr val="accent1"/>
+            </a:lnRef>
+            <a:fillRef idx="0">
+              <a:schemeClr val="accent1"/>
+            </a:fillRef>
+            <a:effectRef idx="0">
+              <a:schemeClr val="accent1"/>
+            </a:effectRef>
+            <a:fontRef idx="minor">
+              <a:schemeClr val="tx1"/>
+            </a:fontRef>
+          </p:style>
+        </p:cxnSp>
         <p:pic>
           <p:nvPicPr>
-            <p:cNvPr id="2" name="Picture 1">
+            <p:cNvPr id="50" name="Picture 49">
               <a:extLst>
                 <a:ext uri="{FF2B5EF4-FFF2-40B4-BE49-F238E27FC236}">
-                  <a16:creationId xmlns:a16="http://schemas.microsoft.com/office/drawing/2014/main" id="{A6EB27EC-DA0F-EF2A-B3C5-37270E96E58B}"/>
+                  <a16:creationId xmlns:a16="http://schemas.microsoft.com/office/drawing/2014/main" id="{0208D543-441A-2537-568B-E67E8DA1C78C}"/>
                 </a:ext>
               </a:extLst>
             </p:cNvPr>
@@ -7258,212 +7494,22 @@
             <p:nvPr/>
           </p:nvPicPr>
           <p:blipFill>
-            <a:blip r:embed="rId6"/>
+            <a:blip r:embed="rId10"/>
             <a:stretch>
               <a:fillRect/>
             </a:stretch>
           </p:blipFill>
           <p:spPr>
             <a:xfrm>
-              <a:off x="23204173" y="13335303"/>
-              <a:ext cx="9329275" cy="5893172"/>
+              <a:off x="16154607" y="14306201"/>
+              <a:ext cx="6727454" cy="6727454"/>
             </a:xfrm>
             <a:prstGeom prst="rect">
               <a:avLst/>
             </a:prstGeom>
           </p:spPr>
         </p:pic>
-        <p:sp>
-          <p:nvSpPr>
-            <p:cNvPr id="6" name="TextBox 5">
-              <a:extLst>
-                <a:ext uri="{FF2B5EF4-FFF2-40B4-BE49-F238E27FC236}">
-                  <a16:creationId xmlns:a16="http://schemas.microsoft.com/office/drawing/2014/main" id="{AC8B78E4-1E0C-56A5-C319-62967B2248AA}"/>
-                </a:ext>
-              </a:extLst>
-            </p:cNvPr>
-            <p:cNvSpPr txBox="1"/>
-            <p:nvPr/>
-          </p:nvSpPr>
-          <p:spPr>
-            <a:xfrm>
-              <a:off x="23163469" y="11534246"/>
-              <a:ext cx="6192637" cy="769441"/>
-            </a:xfrm>
-            <a:prstGeom prst="rect">
-              <a:avLst/>
-            </a:prstGeom>
-            <a:noFill/>
-          </p:spPr>
-          <p:txBody>
-            <a:bodyPr wrap="square" rtlCol="0">
-              <a:spAutoFit/>
-            </a:bodyPr>
-            <a:lstStyle/>
-            <a:p>
-              <a:r>
-                <a:rPr lang="en-US" sz="4400" dirty="0"/>
-                <a:t>Run DICOM Server</a:t>
-              </a:r>
-            </a:p>
-          </p:txBody>
-        </p:sp>
-        <p:sp>
-          <p:nvSpPr>
-            <p:cNvPr id="11" name="TextBox 10">
-              <a:extLst>
-                <a:ext uri="{FF2B5EF4-FFF2-40B4-BE49-F238E27FC236}">
-                  <a16:creationId xmlns:a16="http://schemas.microsoft.com/office/drawing/2014/main" id="{09E6AE40-67BE-AFAB-7D99-7EB10B55C84C}"/>
-                </a:ext>
-              </a:extLst>
-            </p:cNvPr>
-            <p:cNvSpPr txBox="1"/>
-            <p:nvPr/>
-          </p:nvSpPr>
-          <p:spPr>
-            <a:xfrm>
-              <a:off x="23163470" y="12182605"/>
-              <a:ext cx="9217409" cy="1200329"/>
-            </a:xfrm>
-            <a:prstGeom prst="rect">
-              <a:avLst/>
-            </a:prstGeom>
-            <a:noFill/>
-          </p:spPr>
-          <p:txBody>
-            <a:bodyPr wrap="square" rtlCol="0">
-              <a:spAutoFit/>
-            </a:bodyPr>
-            <a:lstStyle/>
-            <a:p>
-              <a:r>
-                <a:rPr lang="en-US" sz="2400" dirty="0"/>
-                <a:t>Selecting ‘Run DICOM server’ will begin evaluating all templates and the paths listed in the previous step. Any DICOM files present will have a patient-specific RT structure generated.</a:t>
-              </a:r>
-            </a:p>
-          </p:txBody>
-        </p:sp>
       </p:grpSp>
-      <p:cxnSp>
-        <p:nvCxnSpPr>
-          <p:cNvPr id="12" name="Connector: Curved 11">
-            <a:extLst>
-              <a:ext uri="{FF2B5EF4-FFF2-40B4-BE49-F238E27FC236}">
-                <a16:creationId xmlns:a16="http://schemas.microsoft.com/office/drawing/2014/main" id="{553D67DF-9C16-E861-9A75-7D2A76E8F0F3}"/>
-              </a:ext>
-            </a:extLst>
-          </p:cNvPr>
-          <p:cNvCxnSpPr>
-            <a:cxnSpLocks/>
-            <a:stCxn id="35" idx="1"/>
-            <a:endCxn id="1024" idx="3"/>
-          </p:cNvCxnSpPr>
-          <p:nvPr/>
-        </p:nvCxnSpPr>
-        <p:spPr>
-          <a:xfrm rot="10800000" flipV="1">
-            <a:off x="21373832" y="16319540"/>
-            <a:ext cx="8593781" cy="10133385"/>
-          </a:xfrm>
-          <a:prstGeom prst="curvedConnector3">
-            <a:avLst>
-              <a:gd name="adj1" fmla="val 50000"/>
-            </a:avLst>
-          </a:prstGeom>
-          <a:ln w="295275">
-            <a:tailEnd type="triangle"/>
-          </a:ln>
-        </p:spPr>
-        <p:style>
-          <a:lnRef idx="1">
-            <a:schemeClr val="accent1"/>
-          </a:lnRef>
-          <a:fillRef idx="0">
-            <a:schemeClr val="accent1"/>
-          </a:fillRef>
-          <a:effectRef idx="0">
-            <a:schemeClr val="accent1"/>
-          </a:effectRef>
-          <a:fontRef idx="minor">
-            <a:schemeClr val="tx1"/>
-          </a:fontRef>
-        </p:style>
-      </p:cxnSp>
-      <p:cxnSp>
-        <p:nvCxnSpPr>
-          <p:cNvPr id="36" name="Connector: Curved 35">
-            <a:extLst>
-              <a:ext uri="{FF2B5EF4-FFF2-40B4-BE49-F238E27FC236}">
-                <a16:creationId xmlns:a16="http://schemas.microsoft.com/office/drawing/2014/main" id="{8D7169C7-BB5E-03AD-1074-6B7FC7080D68}"/>
-              </a:ext>
-            </a:extLst>
-          </p:cNvPr>
-          <p:cNvCxnSpPr>
-            <a:cxnSpLocks/>
-            <a:stCxn id="1024" idx="1"/>
-            <a:endCxn id="2" idx="3"/>
-          </p:cNvCxnSpPr>
-          <p:nvPr/>
-        </p:nvCxnSpPr>
-        <p:spPr>
-          <a:xfrm rot="10800000">
-            <a:off x="11001627" y="26182104"/>
-            <a:ext cx="2695055" cy="270822"/>
-          </a:xfrm>
-          <a:prstGeom prst="curvedConnector3">
-            <a:avLst>
-              <a:gd name="adj1" fmla="val 50000"/>
-            </a:avLst>
-          </a:prstGeom>
-          <a:ln w="295275">
-            <a:tailEnd type="triangle"/>
-          </a:ln>
-        </p:spPr>
-        <p:style>
-          <a:lnRef idx="1">
-            <a:schemeClr val="accent1"/>
-          </a:lnRef>
-          <a:fillRef idx="0">
-            <a:schemeClr val="accent1"/>
-          </a:fillRef>
-          <a:effectRef idx="0">
-            <a:schemeClr val="accent1"/>
-          </a:effectRef>
-          <a:fontRef idx="minor">
-            <a:schemeClr val="tx1"/>
-          </a:fontRef>
-        </p:style>
-      </p:cxnSp>
-      <p:pic>
-        <p:nvPicPr>
-          <p:cNvPr id="50" name="Picture 49">
-            <a:extLst>
-              <a:ext uri="{FF2B5EF4-FFF2-40B4-BE49-F238E27FC236}">
-                <a16:creationId xmlns:a16="http://schemas.microsoft.com/office/drawing/2014/main" id="{0208D543-441A-2537-568B-E67E8DA1C78C}"/>
-              </a:ext>
-            </a:extLst>
-          </p:cNvPr>
-          <p:cNvPicPr>
-            <a:picLocks noChangeAspect="1"/>
-          </p:cNvPicPr>
-          <p:nvPr/>
-        </p:nvPicPr>
-        <p:blipFill>
-          <a:blip r:embed="rId10"/>
-          <a:stretch>
-            <a:fillRect/>
-          </a:stretch>
-        </p:blipFill>
-        <p:spPr>
-          <a:xfrm>
-            <a:off x="16154607" y="14306201"/>
-            <a:ext cx="6727454" cy="6727454"/>
-          </a:xfrm>
-          <a:prstGeom prst="rect">
-            <a:avLst/>
-          </a:prstGeom>
-        </p:spPr>
-      </p:pic>
     </p:spTree>
     <p:extLst>
       <p:ext uri="{BB962C8B-B14F-4D97-AF65-F5344CB8AC3E}">
